--- a/old_test/imerge.pptx
+++ b/old_test/imerge.pptx
@@ -3,19 +3,21 @@
 <p:presentation xmlns:a="http://schemas.openxmlformats.org/drawingml/2006/main" xmlns:p="http://schemas.openxmlformats.org/presentationml/2006/main" xmlns:r="http://schemas.openxmlformats.org/officeDocument/2006/relationships">
   <p:sldMasterIdLst>
     <p:sldMasterId id="2147483648" r:id="rId2"/>
+    <p:sldMasterId id="2147483661" r:id="rId3"/>
   </p:sldMasterIdLst>
   <p:sldIdLst>
-    <p:sldId id="256" r:id="rId3"/>
-    <p:sldId id="257" r:id="rId4"/>
-    <p:sldId id="258" r:id="rId5"/>
-    <p:sldId id="259" r:id="rId6"/>
-    <p:sldId id="260" r:id="rId7"/>
-    <p:sldId id="261" r:id="rId8"/>
-    <p:sldId id="262" r:id="rId9"/>
-    <p:sldId id="263" r:id="rId10"/>
-    <p:sldId id="264" r:id="rId11"/>
-    <p:sldId id="265" r:id="rId12"/>
-    <p:sldId id="266" r:id="rId13"/>
+    <p:sldId id="256" r:id="rId4"/>
+    <p:sldId id="257" r:id="rId5"/>
+    <p:sldId id="258" r:id="rId6"/>
+    <p:sldId id="259" r:id="rId7"/>
+    <p:sldId id="260" r:id="rId8"/>
+    <p:sldId id="261" r:id="rId9"/>
+    <p:sldId id="262" r:id="rId10"/>
+    <p:sldId id="263" r:id="rId11"/>
+    <p:sldId id="264" r:id="rId12"/>
+    <p:sldId id="265" r:id="rId13"/>
+    <p:sldId id="266" r:id="rId14"/>
+    <p:sldId id="267" r:id="rId15"/>
   </p:sldIdLst>
   <p:sldSz cx="10080625" cy="7559675"/>
   <p:notesSz cx="7559675" cy="10691812"/>
@@ -63,7 +65,7 @@
       </p:grpSpPr>
       <p:sp>
         <p:nvSpPr>
-          <p:cNvPr id="26" name="PlaceHolder 1"/>
+          <p:cNvPr id="23" name="PlaceHolder 1"/>
           <p:cNvSpPr>
             <a:spLocks noGrp="1"/>
           </p:cNvSpPr>
@@ -74,7 +76,7 @@
         <p:spPr>
           <a:xfrm>
             <a:off x="504000" y="301320"/>
-            <a:ext cx="9071640" cy="1262520"/>
+            <a:ext cx="9071280" cy="1262520"/>
           </a:xfrm>
           <a:prstGeom prst="rect">
             <a:avLst/>
@@ -90,7 +92,7 @@
       </p:sp>
       <p:sp>
         <p:nvSpPr>
-          <p:cNvPr id="27" name="PlaceHolder 2"/>
+          <p:cNvPr id="24" name="PlaceHolder 2"/>
           <p:cNvSpPr>
             <a:spLocks noGrp="1"/>
           </p:cNvSpPr>
@@ -101,7 +103,7 @@
         <p:spPr>
           <a:xfrm>
             <a:off x="504000" y="1769040"/>
-            <a:ext cx="9071640" cy="2091240"/>
+            <a:ext cx="9071280" cy="2090880"/>
           </a:xfrm>
           <a:prstGeom prst="rect">
             <a:avLst/>
@@ -116,7 +118,7 @@
       </p:sp>
       <p:sp>
         <p:nvSpPr>
-          <p:cNvPr id="28" name="PlaceHolder 3"/>
+          <p:cNvPr id="25" name="PlaceHolder 3"/>
           <p:cNvSpPr>
             <a:spLocks noGrp="1"/>
           </p:cNvSpPr>
@@ -126,8 +128,8 @@
         </p:nvSpPr>
         <p:spPr>
           <a:xfrm>
-            <a:off x="504000" y="4059360"/>
-            <a:ext cx="9071640" cy="2091240"/>
+            <a:off x="504000" y="4059000"/>
+            <a:ext cx="9071280" cy="2090880"/>
           </a:xfrm>
           <a:prstGeom prst="rect">
             <a:avLst/>
@@ -164,7 +166,7 @@
       </p:grpSpPr>
       <p:sp>
         <p:nvSpPr>
-          <p:cNvPr id="29" name="PlaceHolder 1"/>
+          <p:cNvPr id="26" name="PlaceHolder 1"/>
           <p:cNvSpPr>
             <a:spLocks noGrp="1"/>
           </p:cNvSpPr>
@@ -175,7 +177,7 @@
         <p:spPr>
           <a:xfrm>
             <a:off x="504000" y="301320"/>
-            <a:ext cx="9071640" cy="1262520"/>
+            <a:ext cx="9071280" cy="1262520"/>
           </a:xfrm>
           <a:prstGeom prst="rect">
             <a:avLst/>
@@ -191,7 +193,7 @@
       </p:sp>
       <p:sp>
         <p:nvSpPr>
-          <p:cNvPr id="30" name="PlaceHolder 2"/>
+          <p:cNvPr id="27" name="PlaceHolder 2"/>
           <p:cNvSpPr>
             <a:spLocks noGrp="1"/>
           </p:cNvSpPr>
@@ -202,7 +204,7 @@
         <p:spPr>
           <a:xfrm>
             <a:off x="504000" y="1769040"/>
-            <a:ext cx="4426920" cy="2091240"/>
+            <a:ext cx="4426560" cy="2090880"/>
           </a:xfrm>
           <a:prstGeom prst="rect">
             <a:avLst/>
@@ -217,7 +219,7 @@
       </p:sp>
       <p:sp>
         <p:nvSpPr>
-          <p:cNvPr id="31" name="PlaceHolder 3"/>
+          <p:cNvPr id="28" name="PlaceHolder 3"/>
           <p:cNvSpPr>
             <a:spLocks noGrp="1"/>
           </p:cNvSpPr>
@@ -227,8 +229,8 @@
         </p:nvSpPr>
         <p:spPr>
           <a:xfrm>
-            <a:off x="5152680" y="1769040"/>
-            <a:ext cx="4426920" cy="2091240"/>
+            <a:off x="5152320" y="1769040"/>
+            <a:ext cx="4426560" cy="2090880"/>
           </a:xfrm>
           <a:prstGeom prst="rect">
             <a:avLst/>
@@ -243,7 +245,7 @@
       </p:sp>
       <p:sp>
         <p:nvSpPr>
-          <p:cNvPr id="32" name="PlaceHolder 4"/>
+          <p:cNvPr id="29" name="PlaceHolder 4"/>
           <p:cNvSpPr>
             <a:spLocks noGrp="1"/>
           </p:cNvSpPr>
@@ -253,8 +255,8 @@
         </p:nvSpPr>
         <p:spPr>
           <a:xfrm>
-            <a:off x="5152680" y="4059360"/>
-            <a:ext cx="4426920" cy="2091240"/>
+            <a:off x="5152320" y="4059000"/>
+            <a:ext cx="4426560" cy="2090880"/>
           </a:xfrm>
           <a:prstGeom prst="rect">
             <a:avLst/>
@@ -269,7 +271,7 @@
       </p:sp>
       <p:sp>
         <p:nvSpPr>
-          <p:cNvPr id="33" name="PlaceHolder 5"/>
+          <p:cNvPr id="30" name="PlaceHolder 5"/>
           <p:cNvSpPr>
             <a:spLocks noGrp="1"/>
           </p:cNvSpPr>
@@ -279,8 +281,8 @@
         </p:nvSpPr>
         <p:spPr>
           <a:xfrm>
-            <a:off x="504000" y="4059360"/>
-            <a:ext cx="4426920" cy="2091240"/>
+            <a:off x="504000" y="4059000"/>
+            <a:ext cx="4426560" cy="2090880"/>
           </a:xfrm>
           <a:prstGeom prst="rect">
             <a:avLst/>
@@ -317,7 +319,7 @@
       </p:grpSpPr>
       <p:sp>
         <p:nvSpPr>
-          <p:cNvPr id="34" name="PlaceHolder 1"/>
+          <p:cNvPr id="31" name="PlaceHolder 1"/>
           <p:cNvSpPr>
             <a:spLocks noGrp="1"/>
           </p:cNvSpPr>
@@ -328,7 +330,7 @@
         <p:spPr>
           <a:xfrm>
             <a:off x="504000" y="301320"/>
-            <a:ext cx="9071640" cy="1262520"/>
+            <a:ext cx="9071280" cy="1262520"/>
           </a:xfrm>
           <a:prstGeom prst="rect">
             <a:avLst/>
@@ -344,7 +346,7 @@
       </p:sp>
       <p:sp>
         <p:nvSpPr>
-          <p:cNvPr id="35" name="PlaceHolder 2"/>
+          <p:cNvPr id="32" name="PlaceHolder 2"/>
           <p:cNvSpPr>
             <a:spLocks noGrp="1"/>
           </p:cNvSpPr>
@@ -355,7 +357,7 @@
         <p:spPr>
           <a:xfrm>
             <a:off x="504000" y="1769040"/>
-            <a:ext cx="9071640" cy="4384440"/>
+            <a:ext cx="9071280" cy="4384080"/>
           </a:xfrm>
           <a:prstGeom prst="rect">
             <a:avLst/>
@@ -370,7 +372,7 @@
       </p:sp>
       <p:sp>
         <p:nvSpPr>
-          <p:cNvPr id="36" name="PlaceHolder 3"/>
+          <p:cNvPr id="33" name="PlaceHolder 3"/>
           <p:cNvSpPr>
             <a:spLocks noGrp="1"/>
           </p:cNvSpPr>
@@ -381,7 +383,7 @@
         <p:spPr>
           <a:xfrm>
             <a:off x="504000" y="1769040"/>
-            <a:ext cx="9071640" cy="4384440"/>
+            <a:ext cx="9071280" cy="4384080"/>
           </a:xfrm>
           <a:prstGeom prst="rect">
             <a:avLst/>
@@ -396,7 +398,7 @@
       </p:sp>
       <p:pic>
         <p:nvPicPr>
-          <p:cNvPr id="37" name="" descr=""/>
+          <p:cNvPr id="34" name="" descr=""/>
           <p:cNvPicPr/>
           <p:nvPr/>
         </p:nvPicPr>
@@ -408,8 +410,8 @@
         </p:blipFill>
         <p:spPr>
           <a:xfrm>
-            <a:off x="2292120" y="1768680"/>
-            <a:ext cx="5495040" cy="4384440"/>
+            <a:off x="2292120" y="1769040"/>
+            <a:ext cx="5494680" cy="4384080"/>
           </a:xfrm>
           <a:prstGeom prst="rect">
             <a:avLst/>
@@ -421,7 +423,7 @@
       </p:pic>
       <p:pic>
         <p:nvPicPr>
-          <p:cNvPr id="38" name="" descr=""/>
+          <p:cNvPr id="35" name="" descr=""/>
           <p:cNvPicPr/>
           <p:nvPr/>
         </p:nvPicPr>
@@ -433,8 +435,8 @@
         </p:blipFill>
         <p:spPr>
           <a:xfrm>
-            <a:off x="2292120" y="1768680"/>
-            <a:ext cx="5495040" cy="4384440"/>
+            <a:off x="2292120" y="1769040"/>
+            <a:ext cx="5494680" cy="4384080"/>
           </a:xfrm>
           <a:prstGeom prst="rect">
             <a:avLst/>
@@ -444,6 +446,505 @@
           </a:ln>
         </p:spPr>
       </p:pic>
+    </p:spTree>
+  </p:cSld>
+</p:sldLayout>
+</file>
+
+<file path=ppt/slideLayouts/slideLayout13.xml><?xml version="1.0" encoding="utf-8"?>
+<p:sldLayout xmlns:a="http://schemas.openxmlformats.org/drawingml/2006/main" xmlns:p="http://schemas.openxmlformats.org/presentationml/2006/main" xmlns:r="http://schemas.openxmlformats.org/officeDocument/2006/relationships" type="blank" preserve="1">
+  <p:cSld name="Blank Slide">
+    <p:spTree>
+      <p:nvGrpSpPr>
+        <p:cNvPr id="1" name=""/>
+        <p:cNvGrpSpPr/>
+        <p:nvPr/>
+      </p:nvGrpSpPr>
+      <p:grpSpPr>
+        <a:xfrm>
+          <a:off x="0" y="0"/>
+          <a:ext cx="0" cy="0"/>
+          <a:chOff x="0" y="0"/>
+          <a:chExt cx="0" cy="0"/>
+        </a:xfrm>
+      </p:grpSpPr>
+    </p:spTree>
+  </p:cSld>
+</p:sldLayout>
+</file>
+
+<file path=ppt/slideLayouts/slideLayout14.xml><?xml version="1.0" encoding="utf-8"?>
+<p:sldLayout xmlns:a="http://schemas.openxmlformats.org/drawingml/2006/main" xmlns:p="http://schemas.openxmlformats.org/presentationml/2006/main" xmlns:r="http://schemas.openxmlformats.org/officeDocument/2006/relationships" type="tx" preserve="1">
+  <p:cSld name="Title Slide">
+    <p:spTree>
+      <p:nvGrpSpPr>
+        <p:cNvPr id="1" name=""/>
+        <p:cNvGrpSpPr/>
+        <p:nvPr/>
+      </p:nvGrpSpPr>
+      <p:grpSpPr>
+        <a:xfrm>
+          <a:off x="0" y="0"/>
+          <a:ext cx="0" cy="0"/>
+          <a:chOff x="0" y="0"/>
+          <a:chExt cx="0" cy="0"/>
+        </a:xfrm>
+      </p:grpSpPr>
+      <p:sp>
+        <p:nvSpPr>
+          <p:cNvPr id="38" name="PlaceHolder 1"/>
+          <p:cNvSpPr>
+            <a:spLocks noGrp="1"/>
+          </p:cNvSpPr>
+          <p:nvPr>
+            <p:ph type="title"/>
+          </p:nvPr>
+        </p:nvSpPr>
+        <p:spPr>
+          <a:xfrm>
+            <a:off x="504000" y="301320"/>
+            <a:ext cx="9071280" cy="1262520"/>
+          </a:xfrm>
+          <a:prstGeom prst="rect">
+            <a:avLst/>
+          </a:prstGeom>
+        </p:spPr>
+        <p:txBody>
+          <a:bodyPr lIns="0" rIns="0" tIns="0" bIns="0" anchor="ctr"/>
+          <a:p>
+            <a:pPr algn="ctr"/>
+            <a:endParaRPr/>
+          </a:p>
+        </p:txBody>
+      </p:sp>
+      <p:sp>
+        <p:nvSpPr>
+          <p:cNvPr id="39" name="PlaceHolder 2"/>
+          <p:cNvSpPr>
+            <a:spLocks noGrp="1"/>
+          </p:cNvSpPr>
+          <p:nvPr>
+            <p:ph type="subTitle"/>
+          </p:nvPr>
+        </p:nvSpPr>
+        <p:spPr>
+          <a:xfrm>
+            <a:off x="504000" y="1769040"/>
+            <a:ext cx="9071280" cy="4384440"/>
+          </a:xfrm>
+          <a:prstGeom prst="rect">
+            <a:avLst/>
+          </a:prstGeom>
+        </p:spPr>
+        <p:txBody>
+          <a:bodyPr lIns="0" rIns="0" tIns="0" bIns="0" anchor="ctr"/>
+          <a:p>
+            <a:pPr algn="ctr"/>
+            <a:endParaRPr/>
+          </a:p>
+        </p:txBody>
+      </p:sp>
+    </p:spTree>
+  </p:cSld>
+</p:sldLayout>
+</file>
+
+<file path=ppt/slideLayouts/slideLayout15.xml><?xml version="1.0" encoding="utf-8"?>
+<p:sldLayout xmlns:a="http://schemas.openxmlformats.org/drawingml/2006/main" xmlns:p="http://schemas.openxmlformats.org/presentationml/2006/main" xmlns:r="http://schemas.openxmlformats.org/officeDocument/2006/relationships" type="obj" preserve="1">
+  <p:cSld name="Title, Content">
+    <p:spTree>
+      <p:nvGrpSpPr>
+        <p:cNvPr id="1" name=""/>
+        <p:cNvGrpSpPr/>
+        <p:nvPr/>
+      </p:nvGrpSpPr>
+      <p:grpSpPr>
+        <a:xfrm>
+          <a:off x="0" y="0"/>
+          <a:ext cx="0" cy="0"/>
+          <a:chOff x="0" y="0"/>
+          <a:chExt cx="0" cy="0"/>
+        </a:xfrm>
+      </p:grpSpPr>
+      <p:sp>
+        <p:nvSpPr>
+          <p:cNvPr id="40" name="PlaceHolder 1"/>
+          <p:cNvSpPr>
+            <a:spLocks noGrp="1"/>
+          </p:cNvSpPr>
+          <p:nvPr>
+            <p:ph type="title"/>
+          </p:nvPr>
+        </p:nvSpPr>
+        <p:spPr>
+          <a:xfrm>
+            <a:off x="504000" y="301320"/>
+            <a:ext cx="9071280" cy="1262520"/>
+          </a:xfrm>
+          <a:prstGeom prst="rect">
+            <a:avLst/>
+          </a:prstGeom>
+        </p:spPr>
+        <p:txBody>
+          <a:bodyPr lIns="0" rIns="0" tIns="0" bIns="0" anchor="ctr"/>
+          <a:p>
+            <a:pPr algn="ctr"/>
+            <a:endParaRPr/>
+          </a:p>
+        </p:txBody>
+      </p:sp>
+      <p:sp>
+        <p:nvSpPr>
+          <p:cNvPr id="41" name="PlaceHolder 2"/>
+          <p:cNvSpPr>
+            <a:spLocks noGrp="1"/>
+          </p:cNvSpPr>
+          <p:nvPr>
+            <p:ph type="body"/>
+          </p:nvPr>
+        </p:nvSpPr>
+        <p:spPr>
+          <a:xfrm>
+            <a:off x="504000" y="1769040"/>
+            <a:ext cx="9071280" cy="4384080"/>
+          </a:xfrm>
+          <a:prstGeom prst="rect">
+            <a:avLst/>
+          </a:prstGeom>
+        </p:spPr>
+        <p:txBody>
+          <a:bodyPr lIns="0" rIns="0" tIns="0" bIns="0"/>
+          <a:p>
+            <a:endParaRPr/>
+          </a:p>
+        </p:txBody>
+      </p:sp>
+    </p:spTree>
+  </p:cSld>
+</p:sldLayout>
+</file>
+
+<file path=ppt/slideLayouts/slideLayout16.xml><?xml version="1.0" encoding="utf-8"?>
+<p:sldLayout xmlns:a="http://schemas.openxmlformats.org/drawingml/2006/main" xmlns:p="http://schemas.openxmlformats.org/presentationml/2006/main" xmlns:r="http://schemas.openxmlformats.org/officeDocument/2006/relationships" type="twoObj" preserve="1">
+  <p:cSld name="Title, 2 Content">
+    <p:spTree>
+      <p:nvGrpSpPr>
+        <p:cNvPr id="1" name=""/>
+        <p:cNvGrpSpPr/>
+        <p:nvPr/>
+      </p:nvGrpSpPr>
+      <p:grpSpPr>
+        <a:xfrm>
+          <a:off x="0" y="0"/>
+          <a:ext cx="0" cy="0"/>
+          <a:chOff x="0" y="0"/>
+          <a:chExt cx="0" cy="0"/>
+        </a:xfrm>
+      </p:grpSpPr>
+      <p:sp>
+        <p:nvSpPr>
+          <p:cNvPr id="42" name="PlaceHolder 1"/>
+          <p:cNvSpPr>
+            <a:spLocks noGrp="1"/>
+          </p:cNvSpPr>
+          <p:nvPr>
+            <p:ph type="title"/>
+          </p:nvPr>
+        </p:nvSpPr>
+        <p:spPr>
+          <a:xfrm>
+            <a:off x="504000" y="301320"/>
+            <a:ext cx="9071280" cy="1262520"/>
+          </a:xfrm>
+          <a:prstGeom prst="rect">
+            <a:avLst/>
+          </a:prstGeom>
+        </p:spPr>
+        <p:txBody>
+          <a:bodyPr lIns="0" rIns="0" tIns="0" bIns="0" anchor="ctr"/>
+          <a:p>
+            <a:pPr algn="ctr"/>
+            <a:endParaRPr/>
+          </a:p>
+        </p:txBody>
+      </p:sp>
+      <p:sp>
+        <p:nvSpPr>
+          <p:cNvPr id="43" name="PlaceHolder 2"/>
+          <p:cNvSpPr>
+            <a:spLocks noGrp="1"/>
+          </p:cNvSpPr>
+          <p:nvPr>
+            <p:ph type="body"/>
+          </p:nvPr>
+        </p:nvSpPr>
+        <p:spPr>
+          <a:xfrm>
+            <a:off x="504000" y="1769040"/>
+            <a:ext cx="4426560" cy="4384080"/>
+          </a:xfrm>
+          <a:prstGeom prst="rect">
+            <a:avLst/>
+          </a:prstGeom>
+        </p:spPr>
+        <p:txBody>
+          <a:bodyPr lIns="0" rIns="0" tIns="0" bIns="0"/>
+          <a:p>
+            <a:endParaRPr/>
+          </a:p>
+        </p:txBody>
+      </p:sp>
+      <p:sp>
+        <p:nvSpPr>
+          <p:cNvPr id="44" name="PlaceHolder 3"/>
+          <p:cNvSpPr>
+            <a:spLocks noGrp="1"/>
+          </p:cNvSpPr>
+          <p:nvPr>
+            <p:ph type="body"/>
+          </p:nvPr>
+        </p:nvSpPr>
+        <p:spPr>
+          <a:xfrm>
+            <a:off x="5152320" y="1769040"/>
+            <a:ext cx="4426560" cy="4384080"/>
+          </a:xfrm>
+          <a:prstGeom prst="rect">
+            <a:avLst/>
+          </a:prstGeom>
+        </p:spPr>
+        <p:txBody>
+          <a:bodyPr lIns="0" rIns="0" tIns="0" bIns="0"/>
+          <a:p>
+            <a:endParaRPr/>
+          </a:p>
+        </p:txBody>
+      </p:sp>
+    </p:spTree>
+  </p:cSld>
+</p:sldLayout>
+</file>
+
+<file path=ppt/slideLayouts/slideLayout17.xml><?xml version="1.0" encoding="utf-8"?>
+<p:sldLayout xmlns:a="http://schemas.openxmlformats.org/drawingml/2006/main" xmlns:p="http://schemas.openxmlformats.org/presentationml/2006/main" xmlns:r="http://schemas.openxmlformats.org/officeDocument/2006/relationships" type="titleOnly" preserve="1">
+  <p:cSld name="Title Only">
+    <p:spTree>
+      <p:nvGrpSpPr>
+        <p:cNvPr id="1" name=""/>
+        <p:cNvGrpSpPr/>
+        <p:nvPr/>
+      </p:nvGrpSpPr>
+      <p:grpSpPr>
+        <a:xfrm>
+          <a:off x="0" y="0"/>
+          <a:ext cx="0" cy="0"/>
+          <a:chOff x="0" y="0"/>
+          <a:chExt cx="0" cy="0"/>
+        </a:xfrm>
+      </p:grpSpPr>
+      <p:sp>
+        <p:nvSpPr>
+          <p:cNvPr id="45" name="PlaceHolder 1"/>
+          <p:cNvSpPr>
+            <a:spLocks noGrp="1"/>
+          </p:cNvSpPr>
+          <p:nvPr>
+            <p:ph type="title"/>
+          </p:nvPr>
+        </p:nvSpPr>
+        <p:spPr>
+          <a:xfrm>
+            <a:off x="504000" y="301320"/>
+            <a:ext cx="9071280" cy="1262520"/>
+          </a:xfrm>
+          <a:prstGeom prst="rect">
+            <a:avLst/>
+          </a:prstGeom>
+        </p:spPr>
+        <p:txBody>
+          <a:bodyPr lIns="0" rIns="0" tIns="0" bIns="0" anchor="ctr"/>
+          <a:p>
+            <a:pPr algn="ctr"/>
+            <a:endParaRPr/>
+          </a:p>
+        </p:txBody>
+      </p:sp>
+    </p:spTree>
+  </p:cSld>
+</p:sldLayout>
+</file>
+
+<file path=ppt/slideLayouts/slideLayout18.xml><?xml version="1.0" encoding="utf-8"?>
+<p:sldLayout xmlns:a="http://schemas.openxmlformats.org/drawingml/2006/main" xmlns:p="http://schemas.openxmlformats.org/presentationml/2006/main" xmlns:r="http://schemas.openxmlformats.org/officeDocument/2006/relationships" type="objOnly" preserve="1">
+  <p:cSld name="Centered Text">
+    <p:spTree>
+      <p:nvGrpSpPr>
+        <p:cNvPr id="1" name=""/>
+        <p:cNvGrpSpPr/>
+        <p:nvPr/>
+      </p:nvGrpSpPr>
+      <p:grpSpPr>
+        <a:xfrm>
+          <a:off x="0" y="0"/>
+          <a:ext cx="0" cy="0"/>
+          <a:chOff x="0" y="0"/>
+          <a:chExt cx="0" cy="0"/>
+        </a:xfrm>
+      </p:grpSpPr>
+      <p:sp>
+        <p:nvSpPr>
+          <p:cNvPr id="46" name="PlaceHolder 1"/>
+          <p:cNvSpPr>
+            <a:spLocks noGrp="1"/>
+          </p:cNvSpPr>
+          <p:nvPr>
+            <p:ph type="subTitle"/>
+          </p:nvPr>
+        </p:nvSpPr>
+        <p:spPr>
+          <a:xfrm>
+            <a:off x="504000" y="301320"/>
+            <a:ext cx="9071280" cy="5852160"/>
+          </a:xfrm>
+          <a:prstGeom prst="rect">
+            <a:avLst/>
+          </a:prstGeom>
+        </p:spPr>
+        <p:txBody>
+          <a:bodyPr lIns="0" rIns="0" tIns="0" bIns="0" anchor="ctr"/>
+          <a:p>
+            <a:pPr algn="ctr"/>
+            <a:endParaRPr/>
+          </a:p>
+        </p:txBody>
+      </p:sp>
+    </p:spTree>
+  </p:cSld>
+</p:sldLayout>
+</file>
+
+<file path=ppt/slideLayouts/slideLayout19.xml><?xml version="1.0" encoding="utf-8"?>
+<p:sldLayout xmlns:a="http://schemas.openxmlformats.org/drawingml/2006/main" xmlns:p="http://schemas.openxmlformats.org/presentationml/2006/main" xmlns:r="http://schemas.openxmlformats.org/officeDocument/2006/relationships" type="twoObjAndObj" preserve="1">
+  <p:cSld name="Title, 2 Content and Content">
+    <p:spTree>
+      <p:nvGrpSpPr>
+        <p:cNvPr id="1" name=""/>
+        <p:cNvGrpSpPr/>
+        <p:nvPr/>
+      </p:nvGrpSpPr>
+      <p:grpSpPr>
+        <a:xfrm>
+          <a:off x="0" y="0"/>
+          <a:ext cx="0" cy="0"/>
+          <a:chOff x="0" y="0"/>
+          <a:chExt cx="0" cy="0"/>
+        </a:xfrm>
+      </p:grpSpPr>
+      <p:sp>
+        <p:nvSpPr>
+          <p:cNvPr id="47" name="PlaceHolder 1"/>
+          <p:cNvSpPr>
+            <a:spLocks noGrp="1"/>
+          </p:cNvSpPr>
+          <p:nvPr>
+            <p:ph type="title"/>
+          </p:nvPr>
+        </p:nvSpPr>
+        <p:spPr>
+          <a:xfrm>
+            <a:off x="504000" y="301320"/>
+            <a:ext cx="9071280" cy="1262520"/>
+          </a:xfrm>
+          <a:prstGeom prst="rect">
+            <a:avLst/>
+          </a:prstGeom>
+        </p:spPr>
+        <p:txBody>
+          <a:bodyPr lIns="0" rIns="0" tIns="0" bIns="0" anchor="ctr"/>
+          <a:p>
+            <a:pPr algn="ctr"/>
+            <a:endParaRPr/>
+          </a:p>
+        </p:txBody>
+      </p:sp>
+      <p:sp>
+        <p:nvSpPr>
+          <p:cNvPr id="48" name="PlaceHolder 2"/>
+          <p:cNvSpPr>
+            <a:spLocks noGrp="1"/>
+          </p:cNvSpPr>
+          <p:nvPr>
+            <p:ph type="body"/>
+          </p:nvPr>
+        </p:nvSpPr>
+        <p:spPr>
+          <a:xfrm>
+            <a:off x="504000" y="1769040"/>
+            <a:ext cx="4426560" cy="2090880"/>
+          </a:xfrm>
+          <a:prstGeom prst="rect">
+            <a:avLst/>
+          </a:prstGeom>
+        </p:spPr>
+        <p:txBody>
+          <a:bodyPr lIns="0" rIns="0" tIns="0" bIns="0"/>
+          <a:p>
+            <a:endParaRPr/>
+          </a:p>
+        </p:txBody>
+      </p:sp>
+      <p:sp>
+        <p:nvSpPr>
+          <p:cNvPr id="49" name="PlaceHolder 3"/>
+          <p:cNvSpPr>
+            <a:spLocks noGrp="1"/>
+          </p:cNvSpPr>
+          <p:nvPr>
+            <p:ph type="body"/>
+          </p:nvPr>
+        </p:nvSpPr>
+        <p:spPr>
+          <a:xfrm>
+            <a:off x="504000" y="4059000"/>
+            <a:ext cx="4426560" cy="2090880"/>
+          </a:xfrm>
+          <a:prstGeom prst="rect">
+            <a:avLst/>
+          </a:prstGeom>
+        </p:spPr>
+        <p:txBody>
+          <a:bodyPr lIns="0" rIns="0" tIns="0" bIns="0"/>
+          <a:p>
+            <a:endParaRPr/>
+          </a:p>
+        </p:txBody>
+      </p:sp>
+      <p:sp>
+        <p:nvSpPr>
+          <p:cNvPr id="50" name="PlaceHolder 4"/>
+          <p:cNvSpPr>
+            <a:spLocks noGrp="1"/>
+          </p:cNvSpPr>
+          <p:nvPr>
+            <p:ph type="body"/>
+          </p:nvPr>
+        </p:nvSpPr>
+        <p:spPr>
+          <a:xfrm>
+            <a:off x="5152320" y="1769040"/>
+            <a:ext cx="4426560" cy="4384080"/>
+          </a:xfrm>
+          <a:prstGeom prst="rect">
+            <a:avLst/>
+          </a:prstGeom>
+        </p:spPr>
+        <p:txBody>
+          <a:bodyPr lIns="0" rIns="0" tIns="0" bIns="0"/>
+          <a:p>
+            <a:endParaRPr/>
+          </a:p>
+        </p:txBody>
+      </p:sp>
     </p:spTree>
   </p:cSld>
 </p:sldLayout>
@@ -468,7 +969,7 @@
       </p:grpSpPr>
       <p:sp>
         <p:nvSpPr>
-          <p:cNvPr id="5" name="PlaceHolder 1"/>
+          <p:cNvPr id="2" name="PlaceHolder 1"/>
           <p:cNvSpPr>
             <a:spLocks noGrp="1"/>
           </p:cNvSpPr>
@@ -479,7 +980,7 @@
         <p:spPr>
           <a:xfrm>
             <a:off x="504000" y="301320"/>
-            <a:ext cx="9071640" cy="1262520"/>
+            <a:ext cx="9071280" cy="1262520"/>
           </a:xfrm>
           <a:prstGeom prst="rect">
             <a:avLst/>
@@ -495,7 +996,7 @@
       </p:sp>
       <p:sp>
         <p:nvSpPr>
-          <p:cNvPr id="6" name="PlaceHolder 2"/>
+          <p:cNvPr id="3" name="PlaceHolder 2"/>
           <p:cNvSpPr>
             <a:spLocks noGrp="1"/>
           </p:cNvSpPr>
@@ -506,7 +1007,7 @@
         <p:spPr>
           <a:xfrm>
             <a:off x="504000" y="1769040"/>
-            <a:ext cx="9071640" cy="4384800"/>
+            <a:ext cx="9071280" cy="4384440"/>
           </a:xfrm>
           <a:prstGeom prst="rect">
             <a:avLst/>
@@ -520,6 +1021,665 @@
           </a:p>
         </p:txBody>
       </p:sp>
+    </p:spTree>
+  </p:cSld>
+</p:sldLayout>
+</file>
+
+<file path=ppt/slideLayouts/slideLayout20.xml><?xml version="1.0" encoding="utf-8"?>
+<p:sldLayout xmlns:a="http://schemas.openxmlformats.org/drawingml/2006/main" xmlns:p="http://schemas.openxmlformats.org/presentationml/2006/main" xmlns:r="http://schemas.openxmlformats.org/officeDocument/2006/relationships" type="objAndTwoObj" preserve="1">
+  <p:cSld name="Title Content and 2 Content">
+    <p:spTree>
+      <p:nvGrpSpPr>
+        <p:cNvPr id="1" name=""/>
+        <p:cNvGrpSpPr/>
+        <p:nvPr/>
+      </p:nvGrpSpPr>
+      <p:grpSpPr>
+        <a:xfrm>
+          <a:off x="0" y="0"/>
+          <a:ext cx="0" cy="0"/>
+          <a:chOff x="0" y="0"/>
+          <a:chExt cx="0" cy="0"/>
+        </a:xfrm>
+      </p:grpSpPr>
+      <p:sp>
+        <p:nvSpPr>
+          <p:cNvPr id="51" name="PlaceHolder 1"/>
+          <p:cNvSpPr>
+            <a:spLocks noGrp="1"/>
+          </p:cNvSpPr>
+          <p:nvPr>
+            <p:ph type="title"/>
+          </p:nvPr>
+        </p:nvSpPr>
+        <p:spPr>
+          <a:xfrm>
+            <a:off x="504000" y="301320"/>
+            <a:ext cx="9071280" cy="1262520"/>
+          </a:xfrm>
+          <a:prstGeom prst="rect">
+            <a:avLst/>
+          </a:prstGeom>
+        </p:spPr>
+        <p:txBody>
+          <a:bodyPr lIns="0" rIns="0" tIns="0" bIns="0" anchor="ctr"/>
+          <a:p>
+            <a:pPr algn="ctr"/>
+            <a:endParaRPr/>
+          </a:p>
+        </p:txBody>
+      </p:sp>
+      <p:sp>
+        <p:nvSpPr>
+          <p:cNvPr id="52" name="PlaceHolder 2"/>
+          <p:cNvSpPr>
+            <a:spLocks noGrp="1"/>
+          </p:cNvSpPr>
+          <p:nvPr>
+            <p:ph type="body"/>
+          </p:nvPr>
+        </p:nvSpPr>
+        <p:spPr>
+          <a:xfrm>
+            <a:off x="504000" y="1769040"/>
+            <a:ext cx="4426560" cy="4384080"/>
+          </a:xfrm>
+          <a:prstGeom prst="rect">
+            <a:avLst/>
+          </a:prstGeom>
+        </p:spPr>
+        <p:txBody>
+          <a:bodyPr lIns="0" rIns="0" tIns="0" bIns="0"/>
+          <a:p>
+            <a:endParaRPr/>
+          </a:p>
+        </p:txBody>
+      </p:sp>
+      <p:sp>
+        <p:nvSpPr>
+          <p:cNvPr id="53" name="PlaceHolder 3"/>
+          <p:cNvSpPr>
+            <a:spLocks noGrp="1"/>
+          </p:cNvSpPr>
+          <p:nvPr>
+            <p:ph type="body"/>
+          </p:nvPr>
+        </p:nvSpPr>
+        <p:spPr>
+          <a:xfrm>
+            <a:off x="5152320" y="1769040"/>
+            <a:ext cx="4426560" cy="2090880"/>
+          </a:xfrm>
+          <a:prstGeom prst="rect">
+            <a:avLst/>
+          </a:prstGeom>
+        </p:spPr>
+        <p:txBody>
+          <a:bodyPr lIns="0" rIns="0" tIns="0" bIns="0"/>
+          <a:p>
+            <a:endParaRPr/>
+          </a:p>
+        </p:txBody>
+      </p:sp>
+      <p:sp>
+        <p:nvSpPr>
+          <p:cNvPr id="54" name="PlaceHolder 4"/>
+          <p:cNvSpPr>
+            <a:spLocks noGrp="1"/>
+          </p:cNvSpPr>
+          <p:nvPr>
+            <p:ph type="body"/>
+          </p:nvPr>
+        </p:nvSpPr>
+        <p:spPr>
+          <a:xfrm>
+            <a:off x="5152320" y="4059000"/>
+            <a:ext cx="4426560" cy="2090880"/>
+          </a:xfrm>
+          <a:prstGeom prst="rect">
+            <a:avLst/>
+          </a:prstGeom>
+        </p:spPr>
+        <p:txBody>
+          <a:bodyPr lIns="0" rIns="0" tIns="0" bIns="0"/>
+          <a:p>
+            <a:endParaRPr/>
+          </a:p>
+        </p:txBody>
+      </p:sp>
+    </p:spTree>
+  </p:cSld>
+</p:sldLayout>
+</file>
+
+<file path=ppt/slideLayouts/slideLayout21.xml><?xml version="1.0" encoding="utf-8"?>
+<p:sldLayout xmlns:a="http://schemas.openxmlformats.org/drawingml/2006/main" xmlns:p="http://schemas.openxmlformats.org/presentationml/2006/main" xmlns:r="http://schemas.openxmlformats.org/officeDocument/2006/relationships" type="twoObjOverTx" preserve="1">
+  <p:cSld name="Title, 2 Content over Content">
+    <p:spTree>
+      <p:nvGrpSpPr>
+        <p:cNvPr id="1" name=""/>
+        <p:cNvGrpSpPr/>
+        <p:nvPr/>
+      </p:nvGrpSpPr>
+      <p:grpSpPr>
+        <a:xfrm>
+          <a:off x="0" y="0"/>
+          <a:ext cx="0" cy="0"/>
+          <a:chOff x="0" y="0"/>
+          <a:chExt cx="0" cy="0"/>
+        </a:xfrm>
+      </p:grpSpPr>
+      <p:sp>
+        <p:nvSpPr>
+          <p:cNvPr id="55" name="PlaceHolder 1"/>
+          <p:cNvSpPr>
+            <a:spLocks noGrp="1"/>
+          </p:cNvSpPr>
+          <p:nvPr>
+            <p:ph type="title"/>
+          </p:nvPr>
+        </p:nvSpPr>
+        <p:spPr>
+          <a:xfrm>
+            <a:off x="504000" y="301320"/>
+            <a:ext cx="9071280" cy="1262520"/>
+          </a:xfrm>
+          <a:prstGeom prst="rect">
+            <a:avLst/>
+          </a:prstGeom>
+        </p:spPr>
+        <p:txBody>
+          <a:bodyPr lIns="0" rIns="0" tIns="0" bIns="0" anchor="ctr"/>
+          <a:p>
+            <a:pPr algn="ctr"/>
+            <a:endParaRPr/>
+          </a:p>
+        </p:txBody>
+      </p:sp>
+      <p:sp>
+        <p:nvSpPr>
+          <p:cNvPr id="56" name="PlaceHolder 2"/>
+          <p:cNvSpPr>
+            <a:spLocks noGrp="1"/>
+          </p:cNvSpPr>
+          <p:nvPr>
+            <p:ph type="body"/>
+          </p:nvPr>
+        </p:nvSpPr>
+        <p:spPr>
+          <a:xfrm>
+            <a:off x="504000" y="1769040"/>
+            <a:ext cx="4426560" cy="2090880"/>
+          </a:xfrm>
+          <a:prstGeom prst="rect">
+            <a:avLst/>
+          </a:prstGeom>
+        </p:spPr>
+        <p:txBody>
+          <a:bodyPr lIns="0" rIns="0" tIns="0" bIns="0"/>
+          <a:p>
+            <a:endParaRPr/>
+          </a:p>
+        </p:txBody>
+      </p:sp>
+      <p:sp>
+        <p:nvSpPr>
+          <p:cNvPr id="57" name="PlaceHolder 3"/>
+          <p:cNvSpPr>
+            <a:spLocks noGrp="1"/>
+          </p:cNvSpPr>
+          <p:nvPr>
+            <p:ph type="body"/>
+          </p:nvPr>
+        </p:nvSpPr>
+        <p:spPr>
+          <a:xfrm>
+            <a:off x="5152320" y="1769040"/>
+            <a:ext cx="4426560" cy="2090880"/>
+          </a:xfrm>
+          <a:prstGeom prst="rect">
+            <a:avLst/>
+          </a:prstGeom>
+        </p:spPr>
+        <p:txBody>
+          <a:bodyPr lIns="0" rIns="0" tIns="0" bIns="0"/>
+          <a:p>
+            <a:endParaRPr/>
+          </a:p>
+        </p:txBody>
+      </p:sp>
+      <p:sp>
+        <p:nvSpPr>
+          <p:cNvPr id="58" name="PlaceHolder 4"/>
+          <p:cNvSpPr>
+            <a:spLocks noGrp="1"/>
+          </p:cNvSpPr>
+          <p:nvPr>
+            <p:ph type="body"/>
+          </p:nvPr>
+        </p:nvSpPr>
+        <p:spPr>
+          <a:xfrm>
+            <a:off x="504000" y="4059000"/>
+            <a:ext cx="9071280" cy="2090880"/>
+          </a:xfrm>
+          <a:prstGeom prst="rect">
+            <a:avLst/>
+          </a:prstGeom>
+        </p:spPr>
+        <p:txBody>
+          <a:bodyPr lIns="0" rIns="0" tIns="0" bIns="0"/>
+          <a:p>
+            <a:endParaRPr/>
+          </a:p>
+        </p:txBody>
+      </p:sp>
+    </p:spTree>
+  </p:cSld>
+</p:sldLayout>
+</file>
+
+<file path=ppt/slideLayouts/slideLayout22.xml><?xml version="1.0" encoding="utf-8"?>
+<p:sldLayout xmlns:a="http://schemas.openxmlformats.org/drawingml/2006/main" xmlns:p="http://schemas.openxmlformats.org/presentationml/2006/main" xmlns:r="http://schemas.openxmlformats.org/officeDocument/2006/relationships" type="objOverTx" preserve="1">
+  <p:cSld name="Title, Content over Content">
+    <p:spTree>
+      <p:nvGrpSpPr>
+        <p:cNvPr id="1" name=""/>
+        <p:cNvGrpSpPr/>
+        <p:nvPr/>
+      </p:nvGrpSpPr>
+      <p:grpSpPr>
+        <a:xfrm>
+          <a:off x="0" y="0"/>
+          <a:ext cx="0" cy="0"/>
+          <a:chOff x="0" y="0"/>
+          <a:chExt cx="0" cy="0"/>
+        </a:xfrm>
+      </p:grpSpPr>
+      <p:sp>
+        <p:nvSpPr>
+          <p:cNvPr id="59" name="PlaceHolder 1"/>
+          <p:cNvSpPr>
+            <a:spLocks noGrp="1"/>
+          </p:cNvSpPr>
+          <p:nvPr>
+            <p:ph type="title"/>
+          </p:nvPr>
+        </p:nvSpPr>
+        <p:spPr>
+          <a:xfrm>
+            <a:off x="504000" y="301320"/>
+            <a:ext cx="9071280" cy="1262520"/>
+          </a:xfrm>
+          <a:prstGeom prst="rect">
+            <a:avLst/>
+          </a:prstGeom>
+        </p:spPr>
+        <p:txBody>
+          <a:bodyPr lIns="0" rIns="0" tIns="0" bIns="0" anchor="ctr"/>
+          <a:p>
+            <a:pPr algn="ctr"/>
+            <a:endParaRPr/>
+          </a:p>
+        </p:txBody>
+      </p:sp>
+      <p:sp>
+        <p:nvSpPr>
+          <p:cNvPr id="60" name="PlaceHolder 2"/>
+          <p:cNvSpPr>
+            <a:spLocks noGrp="1"/>
+          </p:cNvSpPr>
+          <p:nvPr>
+            <p:ph type="body"/>
+          </p:nvPr>
+        </p:nvSpPr>
+        <p:spPr>
+          <a:xfrm>
+            <a:off x="504000" y="1769040"/>
+            <a:ext cx="9071280" cy="2090880"/>
+          </a:xfrm>
+          <a:prstGeom prst="rect">
+            <a:avLst/>
+          </a:prstGeom>
+        </p:spPr>
+        <p:txBody>
+          <a:bodyPr lIns="0" rIns="0" tIns="0" bIns="0"/>
+          <a:p>
+            <a:endParaRPr/>
+          </a:p>
+        </p:txBody>
+      </p:sp>
+      <p:sp>
+        <p:nvSpPr>
+          <p:cNvPr id="61" name="PlaceHolder 3"/>
+          <p:cNvSpPr>
+            <a:spLocks noGrp="1"/>
+          </p:cNvSpPr>
+          <p:nvPr>
+            <p:ph type="body"/>
+          </p:nvPr>
+        </p:nvSpPr>
+        <p:spPr>
+          <a:xfrm>
+            <a:off x="504000" y="4059000"/>
+            <a:ext cx="9071280" cy="2090880"/>
+          </a:xfrm>
+          <a:prstGeom prst="rect">
+            <a:avLst/>
+          </a:prstGeom>
+        </p:spPr>
+        <p:txBody>
+          <a:bodyPr lIns="0" rIns="0" tIns="0" bIns="0"/>
+          <a:p>
+            <a:endParaRPr/>
+          </a:p>
+        </p:txBody>
+      </p:sp>
+    </p:spTree>
+  </p:cSld>
+</p:sldLayout>
+</file>
+
+<file path=ppt/slideLayouts/slideLayout23.xml><?xml version="1.0" encoding="utf-8"?>
+<p:sldLayout xmlns:a="http://schemas.openxmlformats.org/drawingml/2006/main" xmlns:p="http://schemas.openxmlformats.org/presentationml/2006/main" xmlns:r="http://schemas.openxmlformats.org/officeDocument/2006/relationships" type="fourObj" preserve="1">
+  <p:cSld name="Title, 4 Content">
+    <p:spTree>
+      <p:nvGrpSpPr>
+        <p:cNvPr id="1" name=""/>
+        <p:cNvGrpSpPr/>
+        <p:nvPr/>
+      </p:nvGrpSpPr>
+      <p:grpSpPr>
+        <a:xfrm>
+          <a:off x="0" y="0"/>
+          <a:ext cx="0" cy="0"/>
+          <a:chOff x="0" y="0"/>
+          <a:chExt cx="0" cy="0"/>
+        </a:xfrm>
+      </p:grpSpPr>
+      <p:sp>
+        <p:nvSpPr>
+          <p:cNvPr id="62" name="PlaceHolder 1"/>
+          <p:cNvSpPr>
+            <a:spLocks noGrp="1"/>
+          </p:cNvSpPr>
+          <p:nvPr>
+            <p:ph type="title"/>
+          </p:nvPr>
+        </p:nvSpPr>
+        <p:spPr>
+          <a:xfrm>
+            <a:off x="504000" y="301320"/>
+            <a:ext cx="9071280" cy="1262520"/>
+          </a:xfrm>
+          <a:prstGeom prst="rect">
+            <a:avLst/>
+          </a:prstGeom>
+        </p:spPr>
+        <p:txBody>
+          <a:bodyPr lIns="0" rIns="0" tIns="0" bIns="0" anchor="ctr"/>
+          <a:p>
+            <a:pPr algn="ctr"/>
+            <a:endParaRPr/>
+          </a:p>
+        </p:txBody>
+      </p:sp>
+      <p:sp>
+        <p:nvSpPr>
+          <p:cNvPr id="63" name="PlaceHolder 2"/>
+          <p:cNvSpPr>
+            <a:spLocks noGrp="1"/>
+          </p:cNvSpPr>
+          <p:nvPr>
+            <p:ph type="body"/>
+          </p:nvPr>
+        </p:nvSpPr>
+        <p:spPr>
+          <a:xfrm>
+            <a:off x="504000" y="1769040"/>
+            <a:ext cx="4426560" cy="2090880"/>
+          </a:xfrm>
+          <a:prstGeom prst="rect">
+            <a:avLst/>
+          </a:prstGeom>
+        </p:spPr>
+        <p:txBody>
+          <a:bodyPr lIns="0" rIns="0" tIns="0" bIns="0"/>
+          <a:p>
+            <a:endParaRPr/>
+          </a:p>
+        </p:txBody>
+      </p:sp>
+      <p:sp>
+        <p:nvSpPr>
+          <p:cNvPr id="64" name="PlaceHolder 3"/>
+          <p:cNvSpPr>
+            <a:spLocks noGrp="1"/>
+          </p:cNvSpPr>
+          <p:nvPr>
+            <p:ph type="body"/>
+          </p:nvPr>
+        </p:nvSpPr>
+        <p:spPr>
+          <a:xfrm>
+            <a:off x="5152320" y="1769040"/>
+            <a:ext cx="4426560" cy="2090880"/>
+          </a:xfrm>
+          <a:prstGeom prst="rect">
+            <a:avLst/>
+          </a:prstGeom>
+        </p:spPr>
+        <p:txBody>
+          <a:bodyPr lIns="0" rIns="0" tIns="0" bIns="0"/>
+          <a:p>
+            <a:endParaRPr/>
+          </a:p>
+        </p:txBody>
+      </p:sp>
+      <p:sp>
+        <p:nvSpPr>
+          <p:cNvPr id="65" name="PlaceHolder 4"/>
+          <p:cNvSpPr>
+            <a:spLocks noGrp="1"/>
+          </p:cNvSpPr>
+          <p:nvPr>
+            <p:ph type="body"/>
+          </p:nvPr>
+        </p:nvSpPr>
+        <p:spPr>
+          <a:xfrm>
+            <a:off x="5152320" y="4059000"/>
+            <a:ext cx="4426560" cy="2090880"/>
+          </a:xfrm>
+          <a:prstGeom prst="rect">
+            <a:avLst/>
+          </a:prstGeom>
+        </p:spPr>
+        <p:txBody>
+          <a:bodyPr lIns="0" rIns="0" tIns="0" bIns="0"/>
+          <a:p>
+            <a:endParaRPr/>
+          </a:p>
+        </p:txBody>
+      </p:sp>
+      <p:sp>
+        <p:nvSpPr>
+          <p:cNvPr id="66" name="PlaceHolder 5"/>
+          <p:cNvSpPr>
+            <a:spLocks noGrp="1"/>
+          </p:cNvSpPr>
+          <p:nvPr>
+            <p:ph type="body"/>
+          </p:nvPr>
+        </p:nvSpPr>
+        <p:spPr>
+          <a:xfrm>
+            <a:off x="504000" y="4059000"/>
+            <a:ext cx="4426560" cy="2090880"/>
+          </a:xfrm>
+          <a:prstGeom prst="rect">
+            <a:avLst/>
+          </a:prstGeom>
+        </p:spPr>
+        <p:txBody>
+          <a:bodyPr lIns="0" rIns="0" tIns="0" bIns="0"/>
+          <a:p>
+            <a:endParaRPr/>
+          </a:p>
+        </p:txBody>
+      </p:sp>
+    </p:spTree>
+  </p:cSld>
+</p:sldLayout>
+</file>
+
+<file path=ppt/slideLayouts/slideLayout24.xml><?xml version="1.0" encoding="utf-8"?>
+<p:sldLayout xmlns:a="http://schemas.openxmlformats.org/drawingml/2006/main" xmlns:p="http://schemas.openxmlformats.org/presentationml/2006/main" xmlns:r="http://schemas.openxmlformats.org/officeDocument/2006/relationships" type="blank" preserve="1">
+  <p:cSld name="Title, 6 Content">
+    <p:spTree>
+      <p:nvGrpSpPr>
+        <p:cNvPr id="1" name=""/>
+        <p:cNvGrpSpPr/>
+        <p:nvPr/>
+      </p:nvGrpSpPr>
+      <p:grpSpPr>
+        <a:xfrm>
+          <a:off x="0" y="0"/>
+          <a:ext cx="0" cy="0"/>
+          <a:chOff x="0" y="0"/>
+          <a:chExt cx="0" cy="0"/>
+        </a:xfrm>
+      </p:grpSpPr>
+      <p:sp>
+        <p:nvSpPr>
+          <p:cNvPr id="67" name="PlaceHolder 1"/>
+          <p:cNvSpPr>
+            <a:spLocks noGrp="1"/>
+          </p:cNvSpPr>
+          <p:nvPr>
+            <p:ph type="title"/>
+          </p:nvPr>
+        </p:nvSpPr>
+        <p:spPr>
+          <a:xfrm>
+            <a:off x="504000" y="301320"/>
+            <a:ext cx="9071280" cy="1262520"/>
+          </a:xfrm>
+          <a:prstGeom prst="rect">
+            <a:avLst/>
+          </a:prstGeom>
+        </p:spPr>
+        <p:txBody>
+          <a:bodyPr lIns="0" rIns="0" tIns="0" bIns="0" anchor="ctr"/>
+          <a:p>
+            <a:pPr algn="ctr"/>
+            <a:endParaRPr/>
+          </a:p>
+        </p:txBody>
+      </p:sp>
+      <p:sp>
+        <p:nvSpPr>
+          <p:cNvPr id="68" name="PlaceHolder 2"/>
+          <p:cNvSpPr>
+            <a:spLocks noGrp="1"/>
+          </p:cNvSpPr>
+          <p:nvPr>
+            <p:ph type="body"/>
+          </p:nvPr>
+        </p:nvSpPr>
+        <p:spPr>
+          <a:xfrm>
+            <a:off x="504000" y="1769040"/>
+            <a:ext cx="9071280" cy="4384080"/>
+          </a:xfrm>
+          <a:prstGeom prst="rect">
+            <a:avLst/>
+          </a:prstGeom>
+        </p:spPr>
+        <p:txBody>
+          <a:bodyPr lIns="0" rIns="0" tIns="0" bIns="0"/>
+          <a:p>
+            <a:endParaRPr/>
+          </a:p>
+        </p:txBody>
+      </p:sp>
+      <p:sp>
+        <p:nvSpPr>
+          <p:cNvPr id="69" name="PlaceHolder 3"/>
+          <p:cNvSpPr>
+            <a:spLocks noGrp="1"/>
+          </p:cNvSpPr>
+          <p:nvPr>
+            <p:ph type="body"/>
+          </p:nvPr>
+        </p:nvSpPr>
+        <p:spPr>
+          <a:xfrm>
+            <a:off x="504000" y="1769040"/>
+            <a:ext cx="9071280" cy="4384080"/>
+          </a:xfrm>
+          <a:prstGeom prst="rect">
+            <a:avLst/>
+          </a:prstGeom>
+        </p:spPr>
+        <p:txBody>
+          <a:bodyPr lIns="0" rIns="0" tIns="0" bIns="0"/>
+          <a:p>
+            <a:endParaRPr/>
+          </a:p>
+        </p:txBody>
+      </p:sp>
+      <p:pic>
+        <p:nvPicPr>
+          <p:cNvPr id="70" name="" descr=""/>
+          <p:cNvPicPr/>
+          <p:nvPr/>
+        </p:nvPicPr>
+        <p:blipFill>
+          <a:blip r:embed="rId2"/>
+          <a:stretch>
+            <a:fillRect/>
+          </a:stretch>
+        </p:blipFill>
+        <p:spPr>
+          <a:xfrm>
+            <a:off x="2292120" y="1769040"/>
+            <a:ext cx="5494680" cy="4384080"/>
+          </a:xfrm>
+          <a:prstGeom prst="rect">
+            <a:avLst/>
+          </a:prstGeom>
+          <a:ln>
+            <a:noFill/>
+          </a:ln>
+        </p:spPr>
+      </p:pic>
+      <p:pic>
+        <p:nvPicPr>
+          <p:cNvPr id="71" name="" descr=""/>
+          <p:cNvPicPr/>
+          <p:nvPr/>
+        </p:nvPicPr>
+        <p:blipFill>
+          <a:blip r:embed="rId3"/>
+          <a:stretch>
+            <a:fillRect/>
+          </a:stretch>
+        </p:blipFill>
+        <p:spPr>
+          <a:xfrm>
+            <a:off x="2292120" y="1769040"/>
+            <a:ext cx="5494680" cy="4384080"/>
+          </a:xfrm>
+          <a:prstGeom prst="rect">
+            <a:avLst/>
+          </a:prstGeom>
+          <a:ln>
+            <a:noFill/>
+          </a:ln>
+        </p:spPr>
+      </p:pic>
     </p:spTree>
   </p:cSld>
 </p:sldLayout>
@@ -544,7 +1704,7 @@
       </p:grpSpPr>
       <p:sp>
         <p:nvSpPr>
-          <p:cNvPr id="7" name="PlaceHolder 1"/>
+          <p:cNvPr id="4" name="PlaceHolder 1"/>
           <p:cNvSpPr>
             <a:spLocks noGrp="1"/>
           </p:cNvSpPr>
@@ -555,7 +1715,7 @@
         <p:spPr>
           <a:xfrm>
             <a:off x="504000" y="301320"/>
-            <a:ext cx="9071640" cy="1262520"/>
+            <a:ext cx="9071280" cy="1262520"/>
           </a:xfrm>
           <a:prstGeom prst="rect">
             <a:avLst/>
@@ -571,7 +1731,7 @@
       </p:sp>
       <p:sp>
         <p:nvSpPr>
-          <p:cNvPr id="8" name="PlaceHolder 2"/>
+          <p:cNvPr id="5" name="PlaceHolder 2"/>
           <p:cNvSpPr>
             <a:spLocks noGrp="1"/>
           </p:cNvSpPr>
@@ -582,7 +1742,7 @@
         <p:spPr>
           <a:xfrm>
             <a:off x="504000" y="1769040"/>
-            <a:ext cx="9071640" cy="4384440"/>
+            <a:ext cx="9071280" cy="4384080"/>
           </a:xfrm>
           <a:prstGeom prst="rect">
             <a:avLst/>
@@ -619,7 +1779,7 @@
       </p:grpSpPr>
       <p:sp>
         <p:nvSpPr>
-          <p:cNvPr id="9" name="PlaceHolder 1"/>
+          <p:cNvPr id="6" name="PlaceHolder 1"/>
           <p:cNvSpPr>
             <a:spLocks noGrp="1"/>
           </p:cNvSpPr>
@@ -630,7 +1790,7 @@
         <p:spPr>
           <a:xfrm>
             <a:off x="504000" y="301320"/>
-            <a:ext cx="9071640" cy="1262520"/>
+            <a:ext cx="9071280" cy="1262520"/>
           </a:xfrm>
           <a:prstGeom prst="rect">
             <a:avLst/>
@@ -646,7 +1806,7 @@
       </p:sp>
       <p:sp>
         <p:nvSpPr>
-          <p:cNvPr id="10" name="PlaceHolder 2"/>
+          <p:cNvPr id="7" name="PlaceHolder 2"/>
           <p:cNvSpPr>
             <a:spLocks noGrp="1"/>
           </p:cNvSpPr>
@@ -657,7 +1817,7 @@
         <p:spPr>
           <a:xfrm>
             <a:off x="504000" y="1769040"/>
-            <a:ext cx="4426920" cy="4384440"/>
+            <a:ext cx="4426560" cy="4384080"/>
           </a:xfrm>
           <a:prstGeom prst="rect">
             <a:avLst/>
@@ -672,7 +1832,7 @@
       </p:sp>
       <p:sp>
         <p:nvSpPr>
-          <p:cNvPr id="11" name="PlaceHolder 3"/>
+          <p:cNvPr id="8" name="PlaceHolder 3"/>
           <p:cNvSpPr>
             <a:spLocks noGrp="1"/>
           </p:cNvSpPr>
@@ -682,8 +1842,8 @@
         </p:nvSpPr>
         <p:spPr>
           <a:xfrm>
-            <a:off x="5152680" y="1769040"/>
-            <a:ext cx="4426920" cy="4384440"/>
+            <a:off x="5152320" y="1769040"/>
+            <a:ext cx="4426560" cy="4384080"/>
           </a:xfrm>
           <a:prstGeom prst="rect">
             <a:avLst/>
@@ -720,7 +1880,7 @@
       </p:grpSpPr>
       <p:sp>
         <p:nvSpPr>
-          <p:cNvPr id="12" name="PlaceHolder 1"/>
+          <p:cNvPr id="9" name="PlaceHolder 1"/>
           <p:cNvSpPr>
             <a:spLocks noGrp="1"/>
           </p:cNvSpPr>
@@ -731,7 +1891,7 @@
         <p:spPr>
           <a:xfrm>
             <a:off x="504000" y="301320"/>
-            <a:ext cx="9071640" cy="1262520"/>
+            <a:ext cx="9071280" cy="1262520"/>
           </a:xfrm>
           <a:prstGeom prst="rect">
             <a:avLst/>
@@ -769,7 +1929,7 @@
       </p:grpSpPr>
       <p:sp>
         <p:nvSpPr>
-          <p:cNvPr id="13" name="PlaceHolder 1"/>
+          <p:cNvPr id="10" name="PlaceHolder 1"/>
           <p:cNvSpPr>
             <a:spLocks noGrp="1"/>
           </p:cNvSpPr>
@@ -780,7 +1940,7 @@
         <p:spPr>
           <a:xfrm>
             <a:off x="504000" y="301320"/>
-            <a:ext cx="9071640" cy="5852160"/>
+            <a:ext cx="9071280" cy="5852160"/>
           </a:xfrm>
           <a:prstGeom prst="rect">
             <a:avLst/>
@@ -818,7 +1978,7 @@
       </p:grpSpPr>
       <p:sp>
         <p:nvSpPr>
-          <p:cNvPr id="14" name="PlaceHolder 1"/>
+          <p:cNvPr id="11" name="PlaceHolder 1"/>
           <p:cNvSpPr>
             <a:spLocks noGrp="1"/>
           </p:cNvSpPr>
@@ -829,7 +1989,7 @@
         <p:spPr>
           <a:xfrm>
             <a:off x="504000" y="301320"/>
-            <a:ext cx="9071640" cy="1262520"/>
+            <a:ext cx="9071280" cy="1262520"/>
           </a:xfrm>
           <a:prstGeom prst="rect">
             <a:avLst/>
@@ -845,7 +2005,7 @@
       </p:sp>
       <p:sp>
         <p:nvSpPr>
-          <p:cNvPr id="15" name="PlaceHolder 2"/>
+          <p:cNvPr id="12" name="PlaceHolder 2"/>
           <p:cNvSpPr>
             <a:spLocks noGrp="1"/>
           </p:cNvSpPr>
@@ -856,7 +2016,7 @@
         <p:spPr>
           <a:xfrm>
             <a:off x="504000" y="1769040"/>
-            <a:ext cx="4426920" cy="2091240"/>
+            <a:ext cx="4426560" cy="2090880"/>
           </a:xfrm>
           <a:prstGeom prst="rect">
             <a:avLst/>
@@ -871,7 +2031,7 @@
       </p:sp>
       <p:sp>
         <p:nvSpPr>
-          <p:cNvPr id="16" name="PlaceHolder 3"/>
+          <p:cNvPr id="13" name="PlaceHolder 3"/>
           <p:cNvSpPr>
             <a:spLocks noGrp="1"/>
           </p:cNvSpPr>
@@ -881,8 +2041,8 @@
         </p:nvSpPr>
         <p:spPr>
           <a:xfrm>
-            <a:off x="504000" y="4059360"/>
-            <a:ext cx="4426920" cy="2091240"/>
+            <a:off x="504000" y="4059000"/>
+            <a:ext cx="4426560" cy="2090880"/>
           </a:xfrm>
           <a:prstGeom prst="rect">
             <a:avLst/>
@@ -897,7 +2057,7 @@
       </p:sp>
       <p:sp>
         <p:nvSpPr>
-          <p:cNvPr id="17" name="PlaceHolder 4"/>
+          <p:cNvPr id="14" name="PlaceHolder 4"/>
           <p:cNvSpPr>
             <a:spLocks noGrp="1"/>
           </p:cNvSpPr>
@@ -907,8 +2067,8 @@
         </p:nvSpPr>
         <p:spPr>
           <a:xfrm>
-            <a:off x="5152680" y="1769040"/>
-            <a:ext cx="4426920" cy="4384440"/>
+            <a:off x="5152320" y="1769040"/>
+            <a:ext cx="4426560" cy="4384080"/>
           </a:xfrm>
           <a:prstGeom prst="rect">
             <a:avLst/>
@@ -945,7 +2105,7 @@
       </p:grpSpPr>
       <p:sp>
         <p:nvSpPr>
-          <p:cNvPr id="18" name="PlaceHolder 1"/>
+          <p:cNvPr id="15" name="PlaceHolder 1"/>
           <p:cNvSpPr>
             <a:spLocks noGrp="1"/>
           </p:cNvSpPr>
@@ -956,7 +2116,7 @@
         <p:spPr>
           <a:xfrm>
             <a:off x="504000" y="301320"/>
-            <a:ext cx="9071640" cy="1262520"/>
+            <a:ext cx="9071280" cy="1262520"/>
           </a:xfrm>
           <a:prstGeom prst="rect">
             <a:avLst/>
@@ -972,7 +2132,7 @@
       </p:sp>
       <p:sp>
         <p:nvSpPr>
-          <p:cNvPr id="19" name="PlaceHolder 2"/>
+          <p:cNvPr id="16" name="PlaceHolder 2"/>
           <p:cNvSpPr>
             <a:spLocks noGrp="1"/>
           </p:cNvSpPr>
@@ -983,7 +2143,7 @@
         <p:spPr>
           <a:xfrm>
             <a:off x="504000" y="1769040"/>
-            <a:ext cx="4426920" cy="4384440"/>
+            <a:ext cx="4426560" cy="4384080"/>
           </a:xfrm>
           <a:prstGeom prst="rect">
             <a:avLst/>
@@ -998,7 +2158,7 @@
       </p:sp>
       <p:sp>
         <p:nvSpPr>
-          <p:cNvPr id="20" name="PlaceHolder 3"/>
+          <p:cNvPr id="17" name="PlaceHolder 3"/>
           <p:cNvSpPr>
             <a:spLocks noGrp="1"/>
           </p:cNvSpPr>
@@ -1008,8 +2168,8 @@
         </p:nvSpPr>
         <p:spPr>
           <a:xfrm>
-            <a:off x="5152680" y="1769040"/>
-            <a:ext cx="4426920" cy="2091240"/>
+            <a:off x="5152320" y="1769040"/>
+            <a:ext cx="4426560" cy="2090880"/>
           </a:xfrm>
           <a:prstGeom prst="rect">
             <a:avLst/>
@@ -1024,7 +2184,7 @@
       </p:sp>
       <p:sp>
         <p:nvSpPr>
-          <p:cNvPr id="21" name="PlaceHolder 4"/>
+          <p:cNvPr id="18" name="PlaceHolder 4"/>
           <p:cNvSpPr>
             <a:spLocks noGrp="1"/>
           </p:cNvSpPr>
@@ -1034,8 +2194,8 @@
         </p:nvSpPr>
         <p:spPr>
           <a:xfrm>
-            <a:off x="5152680" y="4059360"/>
-            <a:ext cx="4426920" cy="2091240"/>
+            <a:off x="5152320" y="4059000"/>
+            <a:ext cx="4426560" cy="2090880"/>
           </a:xfrm>
           <a:prstGeom prst="rect">
             <a:avLst/>
@@ -1072,7 +2232,7 @@
       </p:grpSpPr>
       <p:sp>
         <p:nvSpPr>
-          <p:cNvPr id="22" name="PlaceHolder 1"/>
+          <p:cNvPr id="19" name="PlaceHolder 1"/>
           <p:cNvSpPr>
             <a:spLocks noGrp="1"/>
           </p:cNvSpPr>
@@ -1083,7 +2243,7 @@
         <p:spPr>
           <a:xfrm>
             <a:off x="504000" y="301320"/>
-            <a:ext cx="9071640" cy="1262520"/>
+            <a:ext cx="9071280" cy="1262520"/>
           </a:xfrm>
           <a:prstGeom prst="rect">
             <a:avLst/>
@@ -1099,7 +2259,7 @@
       </p:sp>
       <p:sp>
         <p:nvSpPr>
-          <p:cNvPr id="23" name="PlaceHolder 2"/>
+          <p:cNvPr id="20" name="PlaceHolder 2"/>
           <p:cNvSpPr>
             <a:spLocks noGrp="1"/>
           </p:cNvSpPr>
@@ -1110,7 +2270,7 @@
         <p:spPr>
           <a:xfrm>
             <a:off x="504000" y="1769040"/>
-            <a:ext cx="4426920" cy="2091240"/>
+            <a:ext cx="4426560" cy="2090880"/>
           </a:xfrm>
           <a:prstGeom prst="rect">
             <a:avLst/>
@@ -1125,7 +2285,7 @@
       </p:sp>
       <p:sp>
         <p:nvSpPr>
-          <p:cNvPr id="24" name="PlaceHolder 3"/>
+          <p:cNvPr id="21" name="PlaceHolder 3"/>
           <p:cNvSpPr>
             <a:spLocks noGrp="1"/>
           </p:cNvSpPr>
@@ -1135,8 +2295,8 @@
         </p:nvSpPr>
         <p:spPr>
           <a:xfrm>
-            <a:off x="5152680" y="1769040"/>
-            <a:ext cx="4426920" cy="2091240"/>
+            <a:off x="5152320" y="1769040"/>
+            <a:ext cx="4426560" cy="2090880"/>
           </a:xfrm>
           <a:prstGeom prst="rect">
             <a:avLst/>
@@ -1151,7 +2311,7 @@
       </p:sp>
       <p:sp>
         <p:nvSpPr>
-          <p:cNvPr id="25" name="PlaceHolder 4"/>
+          <p:cNvPr id="22" name="PlaceHolder 4"/>
           <p:cNvSpPr>
             <a:spLocks noGrp="1"/>
           </p:cNvSpPr>
@@ -1161,8 +2321,8 @@
         </p:nvSpPr>
         <p:spPr>
           <a:xfrm>
-            <a:off x="504000" y="4059360"/>
-            <a:ext cx="9071640" cy="2091240"/>
+            <a:off x="504000" y="4059000"/>
+            <a:ext cx="9071280" cy="2090880"/>
           </a:xfrm>
           <a:prstGeom prst="rect">
             <a:avLst/>
@@ -1210,7 +2370,7 @@
         <p:spPr>
           <a:xfrm>
             <a:off x="504000" y="301320"/>
-            <a:ext cx="9071640" cy="1262160"/>
+            <a:ext cx="9071280" cy="1262160"/>
           </a:xfrm>
           <a:prstGeom prst="rect">
             <a:avLst/>
@@ -1219,54 +2379,11 @@
         <p:txBody>
           <a:bodyPr lIns="0" rIns="0" tIns="0" bIns="0" anchor="ctr"/>
           <a:p>
-            <a:pPr algn="ctr"/>
-            <a:r>
-              <a:rPr lang="en-US" sz="4400">
-                <a:latin typeface="Arial"/>
-              </a:rPr>
-              <a:t>Click </a:t>
-            </a:r>
-            <a:r>
-              <a:rPr lang="en-US" sz="4400">
-                <a:latin typeface="Arial"/>
-              </a:rPr>
-              <a:t>to </a:t>
-            </a:r>
-            <a:r>
-              <a:rPr lang="en-US" sz="4400">
-                <a:latin typeface="Arial"/>
-              </a:rPr>
-              <a:t>edit </a:t>
-            </a:r>
-            <a:r>
-              <a:rPr lang="en-US" sz="4400">
-                <a:latin typeface="Arial"/>
-              </a:rPr>
-              <a:t>the </a:t>
-            </a:r>
-            <a:r>
-              <a:rPr lang="en-US" sz="4400">
-                <a:latin typeface="Arial"/>
-              </a:rPr>
-              <a:t>title </a:t>
-            </a:r>
-            <a:r>
-              <a:rPr lang="en-US" sz="4400">
-                <a:latin typeface="Arial"/>
-              </a:rPr>
-              <a:t>text </a:t>
-            </a:r>
-            <a:r>
-              <a:rPr lang="en-US" sz="4400">
-                <a:latin typeface="Arial"/>
-              </a:rPr>
-              <a:t>forma</a:t>
-            </a:r>
-            <a:r>
-              <a:rPr lang="en-US" sz="4400">
-                <a:latin typeface="Arial"/>
-              </a:rPr>
-              <a:t>t</a:t>
+            <a:r>
+              <a:rPr lang="en-US">
+                <a:latin typeface="Arial"/>
+              </a:rPr>
+              <a:t>Click to edit the title text format</a:t>
             </a:r>
             <a:endParaRPr/>
           </a:p>
@@ -1284,8 +2401,8 @@
         </p:nvSpPr>
         <p:spPr>
           <a:xfrm>
-            <a:off x="504000" y="1769040"/>
-            <a:ext cx="9071640" cy="4384440"/>
+            <a:off x="504000" y="1768680"/>
+            <a:ext cx="9072000" cy="4384080"/>
           </a:xfrm>
           <a:prstGeom prst="rect">
             <a:avLst/>
@@ -1389,104 +2506,6 @@
               </a:rPr>
               <a:t>Seventh Outline Level</a:t>
             </a:r>
-            <a:endParaRPr/>
-          </a:p>
-        </p:txBody>
-      </p:sp>
-      <p:sp>
-        <p:nvSpPr>
-          <p:cNvPr id="2" name="PlaceHolder 3"/>
-          <p:cNvSpPr>
-            <a:spLocks noGrp="1"/>
-          </p:cNvSpPr>
-          <p:nvPr>
-            <p:ph type="dt"/>
-          </p:nvPr>
-        </p:nvSpPr>
-        <p:spPr>
-          <a:xfrm>
-            <a:off x="504000" y="6887160"/>
-            <a:ext cx="2348280" cy="521280"/>
-          </a:xfrm>
-          <a:prstGeom prst="rect">
-            <a:avLst/>
-          </a:prstGeom>
-        </p:spPr>
-        <p:txBody>
-          <a:bodyPr lIns="0" rIns="0" tIns="0" bIns="0"/>
-          <a:p>
-            <a:r>
-              <a:rPr lang="en-US" sz="1400">
-                <a:latin typeface="Times New Roman"/>
-              </a:rPr>
-              <a:t>&lt;date/time&gt;</a:t>
-            </a:r>
-            <a:endParaRPr/>
-          </a:p>
-        </p:txBody>
-      </p:sp>
-      <p:sp>
-        <p:nvSpPr>
-          <p:cNvPr id="3" name="PlaceHolder 4"/>
-          <p:cNvSpPr>
-            <a:spLocks noGrp="1"/>
-          </p:cNvSpPr>
-          <p:nvPr>
-            <p:ph type="ftr"/>
-          </p:nvPr>
-        </p:nvSpPr>
-        <p:spPr>
-          <a:xfrm>
-            <a:off x="3447360" y="6887160"/>
-            <a:ext cx="3195000" cy="521280"/>
-          </a:xfrm>
-          <a:prstGeom prst="rect">
-            <a:avLst/>
-          </a:prstGeom>
-        </p:spPr>
-        <p:txBody>
-          <a:bodyPr lIns="0" rIns="0" tIns="0" bIns="0"/>
-          <a:p>
-            <a:pPr algn="ctr"/>
-            <a:r>
-              <a:rPr lang="en-US" sz="1400">
-                <a:latin typeface="Times New Roman"/>
-              </a:rPr>
-              <a:t>&lt;footer&gt;</a:t>
-            </a:r>
-            <a:endParaRPr/>
-          </a:p>
-        </p:txBody>
-      </p:sp>
-      <p:sp>
-        <p:nvSpPr>
-          <p:cNvPr id="4" name="PlaceHolder 5"/>
-          <p:cNvSpPr>
-            <a:spLocks noGrp="1"/>
-          </p:cNvSpPr>
-          <p:nvPr>
-            <p:ph type="sldNum"/>
-          </p:nvPr>
-        </p:nvSpPr>
-        <p:spPr>
-          <a:xfrm>
-            <a:off x="7227360" y="6887160"/>
-            <a:ext cx="2348280" cy="521280"/>
-          </a:xfrm>
-          <a:prstGeom prst="rect">
-            <a:avLst/>
-          </a:prstGeom>
-        </p:spPr>
-        <p:txBody>
-          <a:bodyPr lIns="0" rIns="0" tIns="0" bIns="0"/>
-          <a:p>
-            <a:pPr algn="r"/>
-            <a:fld id="{28FFF929-CF09-405A-AC3F-CBC84F48176C}" type="slidenum">
-              <a:rPr lang="en-US" sz="1400">
-                <a:latin typeface="Times New Roman"/>
-              </a:rPr>
-              <a:t>&lt;number&gt;</a:t>
-            </a:fld>
             <a:endParaRPr/>
           </a:p>
         </p:txBody>
@@ -1507,6 +2526,196 @@
     <p:sldLayoutId id="2147483658" r:id="rId11"/>
     <p:sldLayoutId id="2147483659" r:id="rId12"/>
     <p:sldLayoutId id="2147483660" r:id="rId13"/>
+  </p:sldLayoutIdLst>
+</p:sldMaster>
+</file>
+
+<file path=ppt/slideMasters/slideMaster2.xml><?xml version="1.0" encoding="utf-8"?>
+<p:sldMaster xmlns:a="http://schemas.openxmlformats.org/drawingml/2006/main" xmlns:p="http://schemas.openxmlformats.org/presentationml/2006/main" xmlns:r="http://schemas.openxmlformats.org/officeDocument/2006/relationships">
+  <p:cSld>
+    <p:spTree>
+      <p:nvGrpSpPr>
+        <p:cNvPr id="1" name=""/>
+        <p:cNvGrpSpPr/>
+        <p:nvPr/>
+      </p:nvGrpSpPr>
+      <p:grpSpPr>
+        <a:xfrm>
+          <a:off x="0" y="0"/>
+          <a:ext cx="0" cy="0"/>
+          <a:chOff x="0" y="0"/>
+          <a:chExt cx="0" cy="0"/>
+        </a:xfrm>
+      </p:grpSpPr>
+      <p:sp>
+        <p:nvSpPr>
+          <p:cNvPr id="36" name="PlaceHolder 1"/>
+          <p:cNvSpPr>
+            <a:spLocks noGrp="1"/>
+          </p:cNvSpPr>
+          <p:nvPr>
+            <p:ph type="title"/>
+          </p:nvPr>
+        </p:nvSpPr>
+        <p:spPr>
+          <a:xfrm>
+            <a:off x="504000" y="301320"/>
+            <a:ext cx="9071280" cy="1262160"/>
+          </a:xfrm>
+          <a:prstGeom prst="rect">
+            <a:avLst/>
+          </a:prstGeom>
+        </p:spPr>
+        <p:txBody>
+          <a:bodyPr lIns="0" rIns="0" tIns="0" bIns="0" anchor="ctr"/>
+          <a:p>
+            <a:r>
+              <a:rPr lang="en-US">
+                <a:latin typeface="Arial"/>
+              </a:rPr>
+              <a:t>Click to edit the title text format</a:t>
+            </a:r>
+            <a:endParaRPr/>
+          </a:p>
+        </p:txBody>
+      </p:sp>
+      <p:sp>
+        <p:nvSpPr>
+          <p:cNvPr id="37" name="PlaceHolder 2"/>
+          <p:cNvSpPr>
+            <a:spLocks noGrp="1"/>
+          </p:cNvSpPr>
+          <p:nvPr>
+            <p:ph type="body"/>
+          </p:nvPr>
+        </p:nvSpPr>
+        <p:spPr>
+          <a:xfrm>
+            <a:off x="504000" y="1769040"/>
+            <a:ext cx="9071280" cy="4384080"/>
+          </a:xfrm>
+          <a:prstGeom prst="rect">
+            <a:avLst/>
+          </a:prstGeom>
+        </p:spPr>
+        <p:txBody>
+          <a:bodyPr lIns="0" rIns="0" tIns="0" bIns="0"/>
+          <a:p>
+            <a:pPr>
+              <a:buSzPct val="45000"/>
+              <a:buFont typeface="StarSymbol"/>
+              <a:buChar char=""/>
+            </a:pPr>
+            <a:r>
+              <a:rPr lang="en-US">
+                <a:latin typeface="Arial"/>
+              </a:rPr>
+              <a:t>Click to edit the outline text format</a:t>
+            </a:r>
+            <a:endParaRPr/>
+          </a:p>
+          <a:p>
+            <a:pPr lvl="1">
+              <a:buSzPct val="75000"/>
+              <a:buFont typeface="StarSymbol"/>
+              <a:buChar char=""/>
+            </a:pPr>
+            <a:r>
+              <a:rPr lang="en-US">
+                <a:latin typeface="Arial"/>
+              </a:rPr>
+              <a:t>Second Outline Level</a:t>
+            </a:r>
+            <a:endParaRPr/>
+          </a:p>
+          <a:p>
+            <a:pPr lvl="2">
+              <a:buSzPct val="45000"/>
+              <a:buFont typeface="StarSymbol"/>
+              <a:buChar char=""/>
+            </a:pPr>
+            <a:r>
+              <a:rPr lang="en-US">
+                <a:latin typeface="Arial"/>
+              </a:rPr>
+              <a:t>Third Outline Level</a:t>
+            </a:r>
+            <a:endParaRPr/>
+          </a:p>
+          <a:p>
+            <a:pPr lvl="3">
+              <a:buSzPct val="75000"/>
+              <a:buFont typeface="StarSymbol"/>
+              <a:buChar char=""/>
+            </a:pPr>
+            <a:r>
+              <a:rPr lang="en-US">
+                <a:latin typeface="Arial"/>
+              </a:rPr>
+              <a:t>Fourth Outline Level</a:t>
+            </a:r>
+            <a:endParaRPr/>
+          </a:p>
+          <a:p>
+            <a:pPr lvl="4">
+              <a:buSzPct val="45000"/>
+              <a:buFont typeface="StarSymbol"/>
+              <a:buChar char=""/>
+            </a:pPr>
+            <a:r>
+              <a:rPr lang="en-US">
+                <a:latin typeface="Arial"/>
+              </a:rPr>
+              <a:t>Fifth Outline Level</a:t>
+            </a:r>
+            <a:endParaRPr/>
+          </a:p>
+          <a:p>
+            <a:pPr lvl="5">
+              <a:buSzPct val="45000"/>
+              <a:buFont typeface="StarSymbol"/>
+              <a:buChar char=""/>
+            </a:pPr>
+            <a:r>
+              <a:rPr lang="en-US">
+                <a:latin typeface="Arial"/>
+              </a:rPr>
+              <a:t>Sixth Outline Level</a:t>
+            </a:r>
+            <a:endParaRPr/>
+          </a:p>
+          <a:p>
+            <a:pPr lvl="6">
+              <a:buSzPct val="45000"/>
+              <a:buFont typeface="StarSymbol"/>
+              <a:buChar char=""/>
+            </a:pPr>
+            <a:r>
+              <a:rPr lang="en-US">
+                <a:latin typeface="Arial"/>
+              </a:rPr>
+              <a:t>Seventh Outline Level</a:t>
+            </a:r>
+            <a:endParaRPr/>
+          </a:p>
+        </p:txBody>
+      </p:sp>
+    </p:spTree>
+  </p:cSld>
+  <p:clrMap bg1="lt1" bg2="lt2" tx1="dk1" tx2="dk2" accent1="accent1" accent2="accent2" accent3="accent3" accent4="accent4" accent5="accent5" accent6="accent6" hlink="hlink" folHlink="folHlink"/>
+  <p:sldLayoutIdLst>
+    <p:sldLayoutId id="2147483662" r:id="rId2"/>
+    <p:sldLayoutId id="2147483663" r:id="rId3"/>
+    <p:sldLayoutId id="2147483664" r:id="rId4"/>
+    <p:sldLayoutId id="2147483665" r:id="rId5"/>
+    <p:sldLayoutId id="2147483666" r:id="rId6"/>
+    <p:sldLayoutId id="2147483667" r:id="rId7"/>
+    <p:sldLayoutId id="2147483668" r:id="rId8"/>
+    <p:sldLayoutId id="2147483669" r:id="rId9"/>
+    <p:sldLayoutId id="2147483670" r:id="rId10"/>
+    <p:sldLayoutId id="2147483671" r:id="rId11"/>
+    <p:sldLayoutId id="2147483672" r:id="rId12"/>
+    <p:sldLayoutId id="2147483673" r:id="rId13"/>
   </p:sldLayoutIdLst>
 </p:sldMaster>
 </file>
@@ -1530,23 +2739,31 @@
       </p:grpSpPr>
       <p:sp>
         <p:nvSpPr>
-          <p:cNvPr id="39" name="TextShape 1"/>
-          <p:cNvSpPr txBox="1"/>
+          <p:cNvPr id="72" name="CustomShape 1"/>
+          <p:cNvSpPr/>
           <p:nvPr/>
         </p:nvSpPr>
         <p:spPr>
           <a:xfrm>
             <a:off x="504000" y="2304000"/>
-            <a:ext cx="9071640" cy="1262160"/>
-          </a:xfrm>
-          <a:prstGeom prst="rect">
-            <a:avLst/>
-          </a:prstGeom>
+            <a:ext cx="9071280" cy="1261800"/>
+          </a:xfrm>
+          <a:prstGeom prst="rect">
+            <a:avLst/>
+          </a:prstGeom>
+          <a:noFill/>
+          <a:ln>
+            <a:noFill/>
+          </a:ln>
         </p:spPr>
         <p:txBody>
           <a:bodyPr lIns="0" rIns="0" tIns="0" bIns="0" anchor="ctr"/>
           <a:p>
-            <a:pPr algn="ctr"/>
+            <a:pPr algn="ctr">
+              <a:lnSpc>
+                <a:spcPct val="100000"/>
+              </a:lnSpc>
+            </a:pPr>
             <a:r>
               <a:rPr lang="en-US" sz="4400">
                 <a:latin typeface="Arial"/>
@@ -1565,23 +2782,31 @@
       </p:sp>
       <p:sp>
         <p:nvSpPr>
-          <p:cNvPr id="40" name="TextShape 2"/>
-          <p:cNvSpPr txBox="1"/>
+          <p:cNvPr id="73" name="CustomShape 2"/>
+          <p:cNvSpPr/>
           <p:nvPr/>
         </p:nvSpPr>
         <p:spPr>
           <a:xfrm>
             <a:off x="504000" y="1769040"/>
-            <a:ext cx="9071640" cy="4384440"/>
-          </a:xfrm>
-          <a:prstGeom prst="rect">
-            <a:avLst/>
-          </a:prstGeom>
+            <a:ext cx="9071280" cy="4384080"/>
+          </a:xfrm>
+          <a:prstGeom prst="rect">
+            <a:avLst/>
+          </a:prstGeom>
+          <a:noFill/>
+          <a:ln>
+            <a:noFill/>
+          </a:ln>
         </p:spPr>
         <p:txBody>
           <a:bodyPr lIns="0" rIns="0" tIns="0" bIns="0" anchor="ctr"/>
           <a:p>
-            <a:pPr algn="ctr"/>
+            <a:pPr algn="ctr">
+              <a:lnSpc>
+                <a:spcPct val="100000"/>
+              </a:lnSpc>
+            </a:pPr>
             <a:r>
               <a:rPr lang="en-US" sz="3200">
                 <a:latin typeface="Arial"/>
@@ -1697,18 +2922,22 @@
       </p:grpSpPr>
       <p:sp>
         <p:nvSpPr>
-          <p:cNvPr id="129" name="TextShape 1"/>
-          <p:cNvSpPr txBox="1"/>
+          <p:cNvPr id="162" name="CustomShape 1"/>
+          <p:cNvSpPr/>
           <p:nvPr/>
         </p:nvSpPr>
         <p:spPr>
           <a:xfrm>
             <a:off x="504000" y="301320"/>
-            <a:ext cx="9071640" cy="1262160"/>
-          </a:xfrm>
-          <a:prstGeom prst="rect">
-            <a:avLst/>
-          </a:prstGeom>
+            <a:ext cx="9071280" cy="1261800"/>
+          </a:xfrm>
+          <a:prstGeom prst="rect">
+            <a:avLst/>
+          </a:prstGeom>
+          <a:noFill/>
+          <a:ln>
+            <a:noFill/>
+          </a:ln>
         </p:spPr>
         <p:txBody>
           <a:bodyPr lIns="0" rIns="0" tIns="0" bIns="0" anchor="ctr"/>
@@ -1725,26 +2954,33 @@
       </p:sp>
       <p:sp>
         <p:nvSpPr>
-          <p:cNvPr id="130" name="TextShape 2"/>
-          <p:cNvSpPr txBox="1"/>
+          <p:cNvPr id="163" name="CustomShape 2"/>
+          <p:cNvSpPr/>
           <p:nvPr/>
         </p:nvSpPr>
         <p:spPr>
           <a:xfrm>
             <a:off x="504000" y="1769040"/>
-            <a:ext cx="9071640" cy="4384440"/>
-          </a:xfrm>
-          <a:prstGeom prst="rect">
-            <a:avLst/>
-          </a:prstGeom>
+            <a:ext cx="9071280" cy="4384080"/>
+          </a:xfrm>
+          <a:prstGeom prst="rect">
+            <a:avLst/>
+          </a:prstGeom>
+          <a:noFill/>
+          <a:ln>
+            <a:noFill/>
+          </a:ln>
         </p:spPr>
         <p:txBody>
           <a:bodyPr lIns="0" rIns="0" tIns="0" bIns="0"/>
           <a:p>
             <a:pPr>
+              <a:lnSpc>
+                <a:spcPct val="100000"/>
+              </a:lnSpc>
               <a:buSzPct val="45000"/>
               <a:buFont typeface="StarSymbol"/>
-              <a:buChar char=""/>
+              <a:buChar char="l"/>
             </a:pPr>
             <a:r>
               <a:rPr lang="en-US" sz="3200">
@@ -1776,14 +3012,14 @@
       </p:sp>
       <p:sp>
         <p:nvSpPr>
-          <p:cNvPr id="131" name="CustomShape 3"/>
+          <p:cNvPr id="164" name="CustomShape 3"/>
           <p:cNvSpPr/>
           <p:nvPr/>
         </p:nvSpPr>
         <p:spPr>
           <a:xfrm>
             <a:off x="1097280" y="1563480"/>
-            <a:ext cx="7040880" cy="5020200"/>
+            <a:ext cx="7040520" cy="5019840"/>
           </a:xfrm>
           <a:prstGeom prst="rect">
             <a:avLst/>
@@ -1800,7 +3036,7 @@
       </p:sp>
       <p:sp>
         <p:nvSpPr>
-          <p:cNvPr id="132" name="Line 4"/>
+          <p:cNvPr id="165" name="Line 4"/>
           <p:cNvSpPr/>
           <p:nvPr/>
         </p:nvSpPr>
@@ -1821,7 +3057,7 @@
       </p:sp>
       <p:sp>
         <p:nvSpPr>
-          <p:cNvPr id="133" name="Line 5"/>
+          <p:cNvPr id="166" name="Line 5"/>
           <p:cNvSpPr/>
           <p:nvPr/>
         </p:nvSpPr>
@@ -1842,7 +3078,7 @@
       </p:sp>
       <p:sp>
         <p:nvSpPr>
-          <p:cNvPr id="134" name="Line 6"/>
+          <p:cNvPr id="167" name="Line 6"/>
           <p:cNvSpPr/>
           <p:nvPr/>
         </p:nvSpPr>
@@ -1863,7 +3099,7 @@
       </p:sp>
       <p:sp>
         <p:nvSpPr>
-          <p:cNvPr id="135" name="Line 7"/>
+          <p:cNvPr id="168" name="Line 7"/>
           <p:cNvSpPr/>
           <p:nvPr/>
         </p:nvSpPr>
@@ -1884,7 +3120,7 @@
       </p:sp>
       <p:sp>
         <p:nvSpPr>
-          <p:cNvPr id="136" name="Line 8"/>
+          <p:cNvPr id="169" name="Line 8"/>
           <p:cNvSpPr/>
           <p:nvPr/>
         </p:nvSpPr>
@@ -1905,7 +3141,7 @@
       </p:sp>
       <p:sp>
         <p:nvSpPr>
-          <p:cNvPr id="137" name="Line 9"/>
+          <p:cNvPr id="170" name="Line 9"/>
           <p:cNvSpPr/>
           <p:nvPr/>
         </p:nvSpPr>
@@ -1926,14 +3162,14 @@
       </p:sp>
       <p:sp>
         <p:nvSpPr>
-          <p:cNvPr id="138" name="CustomShape 10"/>
+          <p:cNvPr id="171" name="CustomShape 10"/>
           <p:cNvSpPr/>
           <p:nvPr/>
         </p:nvSpPr>
         <p:spPr>
           <a:xfrm>
             <a:off x="1097280" y="2651760"/>
-            <a:ext cx="1920240" cy="1463040"/>
+            <a:ext cx="1919880" cy="1462680"/>
           </a:xfrm>
           <a:prstGeom prst="rect">
             <a:avLst/>
@@ -1950,7 +3186,11 @@
         <p:txBody>
           <a:bodyPr wrap="none" lIns="90000" rIns="90000" tIns="45000" bIns="45000" anchor="ctr"/>
           <a:p>
-            <a:pPr algn="ctr"/>
+            <a:pPr algn="ctr">
+              <a:lnSpc>
+                <a:spcPct val="100000"/>
+              </a:lnSpc>
+            </a:pPr>
             <a:r>
               <a:rPr lang="en-US">
                 <a:latin typeface="Arial"/>
@@ -1963,14 +3203,14 @@
       </p:sp>
       <p:sp>
         <p:nvSpPr>
-          <p:cNvPr id="139" name="CustomShape 11"/>
+          <p:cNvPr id="172" name="CustomShape 11"/>
           <p:cNvSpPr/>
           <p:nvPr/>
         </p:nvSpPr>
         <p:spPr>
           <a:xfrm>
             <a:off x="6441840" y="4114800"/>
-            <a:ext cx="1696320" cy="1280160"/>
+            <a:ext cx="1695960" cy="1279800"/>
           </a:xfrm>
           <a:prstGeom prst="rect">
             <a:avLst/>
@@ -1987,7 +3227,11 @@
         <p:txBody>
           <a:bodyPr wrap="none" lIns="90000" rIns="90000" tIns="45000" bIns="45000" anchor="ctr"/>
           <a:p>
-            <a:pPr algn="ctr"/>
+            <a:pPr algn="ctr">
+              <a:lnSpc>
+                <a:spcPct val="100000"/>
+              </a:lnSpc>
+            </a:pPr>
             <a:r>
               <a:rPr lang="en-US">
                 <a:latin typeface="Arial"/>
@@ -2000,14 +3244,14 @@
       </p:sp>
       <p:sp>
         <p:nvSpPr>
-          <p:cNvPr id="140" name="CustomShape 12"/>
+          <p:cNvPr id="173" name="CustomShape 12"/>
           <p:cNvSpPr/>
           <p:nvPr/>
         </p:nvSpPr>
         <p:spPr>
           <a:xfrm>
             <a:off x="3017520" y="1563480"/>
-            <a:ext cx="1463040" cy="1088280"/>
+            <a:ext cx="1462680" cy="1087920"/>
           </a:xfrm>
           <a:prstGeom prst="rect">
             <a:avLst/>
@@ -2024,7 +3268,11 @@
         <p:txBody>
           <a:bodyPr wrap="none" lIns="90000" rIns="90000" tIns="45000" bIns="45000" anchor="ctr"/>
           <a:p>
-            <a:pPr algn="ctr"/>
+            <a:pPr algn="ctr">
+              <a:lnSpc>
+                <a:spcPct val="100000"/>
+              </a:lnSpc>
+            </a:pPr>
             <a:r>
               <a:rPr lang="en-US">
                 <a:latin typeface="Arial"/>
@@ -2037,14 +3285,14 @@
       </p:sp>
       <p:sp>
         <p:nvSpPr>
-          <p:cNvPr id="141" name="CustomShape 13"/>
+          <p:cNvPr id="174" name="CustomShape 13"/>
           <p:cNvSpPr/>
           <p:nvPr/>
         </p:nvSpPr>
         <p:spPr>
           <a:xfrm>
             <a:off x="4480560" y="5394960"/>
-            <a:ext cx="1961280" cy="1188720"/>
+            <a:ext cx="1960920" cy="1188360"/>
           </a:xfrm>
           <a:prstGeom prst="rect">
             <a:avLst/>
@@ -2061,18 +3309,22 @@
       </p:sp>
       <p:sp>
         <p:nvSpPr>
-          <p:cNvPr id="142" name="TextShape 14"/>
-          <p:cNvSpPr txBox="1"/>
+          <p:cNvPr id="175" name="CustomShape 14"/>
+          <p:cNvSpPr/>
           <p:nvPr/>
         </p:nvSpPr>
         <p:spPr>
           <a:xfrm>
             <a:off x="5126400" y="5829480"/>
-            <a:ext cx="878760" cy="346320"/>
-          </a:xfrm>
-          <a:prstGeom prst="rect">
-            <a:avLst/>
-          </a:prstGeom>
+            <a:ext cx="878400" cy="345960"/>
+          </a:xfrm>
+          <a:prstGeom prst="rect">
+            <a:avLst/>
+          </a:prstGeom>
+          <a:noFill/>
+          <a:ln>
+            <a:noFill/>
+          </a:ln>
         </p:spPr>
         <p:txBody>
           <a:bodyPr lIns="90000" rIns="90000" tIns="45000" bIns="45000"/>
@@ -2089,14 +3341,14 @@
       </p:sp>
       <p:sp>
         <p:nvSpPr>
-          <p:cNvPr id="143" name="CustomShape 15"/>
+          <p:cNvPr id="176" name="CustomShape 15"/>
           <p:cNvSpPr/>
           <p:nvPr/>
         </p:nvSpPr>
         <p:spPr>
           <a:xfrm>
             <a:off x="1097280" y="1563480"/>
-            <a:ext cx="1920240" cy="1088280"/>
+            <a:ext cx="1919880" cy="1087920"/>
           </a:xfrm>
           <a:prstGeom prst="rect">
             <a:avLst/>
@@ -2113,14 +3365,14 @@
       </p:sp>
       <p:sp>
         <p:nvSpPr>
-          <p:cNvPr id="144" name="CustomShape 16"/>
+          <p:cNvPr id="177" name="CustomShape 16"/>
           <p:cNvSpPr/>
           <p:nvPr/>
         </p:nvSpPr>
         <p:spPr>
           <a:xfrm>
             <a:off x="6441840" y="1563480"/>
-            <a:ext cx="1696320" cy="1088280"/>
+            <a:ext cx="1695960" cy="1087920"/>
           </a:xfrm>
           <a:prstGeom prst="rect">
             <a:avLst/>
@@ -2137,14 +3389,14 @@
       </p:sp>
       <p:sp>
         <p:nvSpPr>
-          <p:cNvPr id="145" name="CustomShape 17"/>
+          <p:cNvPr id="178" name="CustomShape 17"/>
           <p:cNvSpPr/>
           <p:nvPr/>
         </p:nvSpPr>
         <p:spPr>
           <a:xfrm>
             <a:off x="1097280" y="5394960"/>
-            <a:ext cx="1920240" cy="1188720"/>
+            <a:ext cx="1919880" cy="1188360"/>
           </a:xfrm>
           <a:prstGeom prst="rect">
             <a:avLst/>
@@ -2161,14 +3413,14 @@
       </p:sp>
       <p:sp>
         <p:nvSpPr>
-          <p:cNvPr id="146" name="CustomShape 18"/>
+          <p:cNvPr id="179" name="CustomShape 18"/>
           <p:cNvSpPr/>
           <p:nvPr/>
         </p:nvSpPr>
         <p:spPr>
           <a:xfrm>
             <a:off x="6441840" y="5394960"/>
-            <a:ext cx="1696320" cy="1188720"/>
+            <a:ext cx="1695960" cy="1188360"/>
           </a:xfrm>
           <a:prstGeom prst="rect">
             <a:avLst/>
@@ -2185,14 +3437,14 @@
       </p:sp>
       <p:sp>
         <p:nvSpPr>
-          <p:cNvPr id="147" name="CustomShape 19"/>
+          <p:cNvPr id="180" name="CustomShape 19"/>
           <p:cNvSpPr/>
           <p:nvPr/>
         </p:nvSpPr>
         <p:spPr>
           <a:xfrm>
             <a:off x="2881440" y="2743200"/>
-            <a:ext cx="3657600" cy="2743200"/>
+            <a:ext cx="3657240" cy="2742840"/>
           </a:xfrm>
           <a:prstGeom prst="rect">
             <a:avLst/>
@@ -2209,14 +3461,14 @@
       </p:sp>
       <p:sp>
         <p:nvSpPr>
-          <p:cNvPr id="148" name="CustomShape 20"/>
+          <p:cNvPr id="181" name="CustomShape 20"/>
           <p:cNvSpPr/>
           <p:nvPr/>
         </p:nvSpPr>
         <p:spPr>
           <a:xfrm>
             <a:off x="2881440" y="2743200"/>
-            <a:ext cx="2011680" cy="1371600"/>
+            <a:ext cx="2011320" cy="1371240"/>
           </a:xfrm>
           <a:prstGeom prst="rect">
             <a:avLst/>
@@ -2233,14 +3485,14 @@
       </p:sp>
       <p:sp>
         <p:nvSpPr>
-          <p:cNvPr id="149" name="CustomShape 21"/>
+          <p:cNvPr id="182" name="CustomShape 21"/>
           <p:cNvSpPr/>
           <p:nvPr/>
         </p:nvSpPr>
         <p:spPr>
           <a:xfrm>
             <a:off x="4893120" y="2743200"/>
-            <a:ext cx="1645920" cy="1371600"/>
+            <a:ext cx="1645560" cy="1371240"/>
           </a:xfrm>
           <a:prstGeom prst="rect">
             <a:avLst/>
@@ -2257,14 +3509,14 @@
       </p:sp>
       <p:sp>
         <p:nvSpPr>
-          <p:cNvPr id="150" name="CustomShape 22"/>
+          <p:cNvPr id="183" name="CustomShape 22"/>
           <p:cNvSpPr/>
           <p:nvPr/>
         </p:nvSpPr>
         <p:spPr>
           <a:xfrm>
             <a:off x="2881440" y="4114800"/>
-            <a:ext cx="2011680" cy="1371600"/>
+            <a:ext cx="2011320" cy="1371240"/>
           </a:xfrm>
           <a:prstGeom prst="rect">
             <a:avLst/>
@@ -2281,14 +3533,14 @@
       </p:sp>
       <p:sp>
         <p:nvSpPr>
-          <p:cNvPr id="151" name="CustomShape 23"/>
+          <p:cNvPr id="184" name="CustomShape 23"/>
           <p:cNvSpPr/>
           <p:nvPr/>
         </p:nvSpPr>
         <p:spPr>
           <a:xfrm>
             <a:off x="4893120" y="4114800"/>
-            <a:ext cx="1645920" cy="1371600"/>
+            <a:ext cx="1645560" cy="1371240"/>
           </a:xfrm>
           <a:prstGeom prst="rect">
             <a:avLst/>
@@ -2339,7 +3591,7 @@
                                           </p:stCondLst>
                                         </p:cTn>
                                         <p:tgtEl>
-                                          <p:spTgt spid="131"/>
+                                          <p:spTgt spid="164"/>
                                         </p:tgtEl>
                                         <p:attrNameLst>
                                           <p:attrName>style.visibility</p:attrName>
@@ -2366,7 +3618,7 @@
                                           </p:stCondLst>
                                         </p:cTn>
                                         <p:tgtEl>
-                                          <p:spTgt spid="132"/>
+                                          <p:spTgt spid="165"/>
                                         </p:tgtEl>
                                         <p:attrNameLst>
                                           <p:attrName>style.visibility</p:attrName>
@@ -2393,7 +3645,7 @@
                                           </p:stCondLst>
                                         </p:cTn>
                                         <p:tgtEl>
-                                          <p:spTgt spid="133"/>
+                                          <p:spTgt spid="166"/>
                                         </p:tgtEl>
                                         <p:attrNameLst>
                                           <p:attrName>style.visibility</p:attrName>
@@ -2420,7 +3672,7 @@
                                           </p:stCondLst>
                                         </p:cTn>
                                         <p:tgtEl>
-                                          <p:spTgt spid="134"/>
+                                          <p:spTgt spid="167"/>
                                         </p:tgtEl>
                                         <p:attrNameLst>
                                           <p:attrName>style.visibility</p:attrName>
@@ -2447,7 +3699,7 @@
                                           </p:stCondLst>
                                         </p:cTn>
                                         <p:tgtEl>
-                                          <p:spTgt spid="135"/>
+                                          <p:spTgt spid="168"/>
                                         </p:tgtEl>
                                         <p:attrNameLst>
                                           <p:attrName>style.visibility</p:attrName>
@@ -2474,7 +3726,7 @@
                                           </p:stCondLst>
                                         </p:cTn>
                                         <p:tgtEl>
-                                          <p:spTgt spid="136"/>
+                                          <p:spTgt spid="169"/>
                                         </p:tgtEl>
                                         <p:attrNameLst>
                                           <p:attrName>style.visibility</p:attrName>
@@ -2501,7 +3753,7 @@
                                           </p:stCondLst>
                                         </p:cTn>
                                         <p:tgtEl>
-                                          <p:spTgt spid="137"/>
+                                          <p:spTgt spid="170"/>
                                         </p:tgtEl>
                                         <p:attrNameLst>
                                           <p:attrName>style.visibility</p:attrName>
@@ -2528,7 +3780,7 @@
                                           </p:stCondLst>
                                         </p:cTn>
                                         <p:tgtEl>
-                                          <p:spTgt spid="138"/>
+                                          <p:spTgt spid="171"/>
                                         </p:tgtEl>
                                         <p:attrNameLst>
                                           <p:attrName>style.visibility</p:attrName>
@@ -2555,7 +3807,7 @@
                                           </p:stCondLst>
                                         </p:cTn>
                                         <p:tgtEl>
-                                          <p:spTgt spid="139"/>
+                                          <p:spTgt spid="172"/>
                                         </p:tgtEl>
                                         <p:attrNameLst>
                                           <p:attrName>style.visibility</p:attrName>
@@ -2582,7 +3834,7 @@
                                           </p:stCondLst>
                                         </p:cTn>
                                         <p:tgtEl>
-                                          <p:spTgt spid="140"/>
+                                          <p:spTgt spid="173"/>
                                         </p:tgtEl>
                                         <p:attrNameLst>
                                           <p:attrName>style.visibility</p:attrName>
@@ -2609,7 +3861,7 @@
                                           </p:stCondLst>
                                         </p:cTn>
                                         <p:tgtEl>
-                                          <p:spTgt spid="141"/>
+                                          <p:spTgt spid="174"/>
                                         </p:tgtEl>
                                         <p:attrNameLst>
                                           <p:attrName>style.visibility</p:attrName>
@@ -2636,7 +3888,7 @@
                                           </p:stCondLst>
                                         </p:cTn>
                                         <p:tgtEl>
-                                          <p:spTgt spid="142"/>
+                                          <p:spTgt spid="175"/>
                                         </p:tgtEl>
                                         <p:attrNameLst>
                                           <p:attrName>style.visibility</p:attrName>
@@ -2663,7 +3915,7 @@
                                           </p:stCondLst>
                                         </p:cTn>
                                         <p:tgtEl>
-                                          <p:spTgt spid="143"/>
+                                          <p:spTgt spid="176"/>
                                         </p:tgtEl>
                                         <p:attrNameLst>
                                           <p:attrName>style.visibility</p:attrName>
@@ -2690,7 +3942,7 @@
                                           </p:stCondLst>
                                         </p:cTn>
                                         <p:tgtEl>
-                                          <p:spTgt spid="144"/>
+                                          <p:spTgt spid="177"/>
                                         </p:tgtEl>
                                         <p:attrNameLst>
                                           <p:attrName>style.visibility</p:attrName>
@@ -2717,7 +3969,7 @@
                                           </p:stCondLst>
                                         </p:cTn>
                                         <p:tgtEl>
-                                          <p:spTgt spid="145"/>
+                                          <p:spTgt spid="178"/>
                                         </p:tgtEl>
                                         <p:attrNameLst>
                                           <p:attrName>style.visibility</p:attrName>
@@ -2744,7 +3996,7 @@
                                           </p:stCondLst>
                                         </p:cTn>
                                         <p:tgtEl>
-                                          <p:spTgt spid="146"/>
+                                          <p:spTgt spid="179"/>
                                         </p:tgtEl>
                                         <p:attrNameLst>
                                           <p:attrName>style.visibility</p:attrName>
@@ -2789,7 +4041,7 @@
                                           </p:stCondLst>
                                         </p:cTn>
                                         <p:tgtEl>
-                                          <p:spTgt spid="147"/>
+                                          <p:spTgt spid="180"/>
                                         </p:tgtEl>
                                         <p:attrNameLst>
                                           <p:attrName>style.visibility</p:attrName>
@@ -2803,7 +4055,7 @@
                                       <p:cBhvr additive="repl">
                                         <p:cTn id="204" dur="500"/>
                                         <p:tgtEl>
-                                          <p:spTgt spid="147"/>
+                                          <p:spTgt spid="180"/>
                                         </p:tgtEl>
                                       </p:cBhvr>
                                     </p:animEffect>
@@ -2824,7 +4076,7 @@
                                           </p:stCondLst>
                                         </p:cTn>
                                         <p:tgtEl>
-                                          <p:spTgt spid="148"/>
+                                          <p:spTgt spid="181"/>
                                         </p:tgtEl>
                                         <p:attrNameLst>
                                           <p:attrName>style.visibility</p:attrName>
@@ -2838,7 +4090,7 @@
                                       <p:cBhvr additive="repl">
                                         <p:cTn id="207" dur="500"/>
                                         <p:tgtEl>
-                                          <p:spTgt spid="148"/>
+                                          <p:spTgt spid="181"/>
                                         </p:tgtEl>
                                       </p:cBhvr>
                                     </p:animEffect>
@@ -2859,7 +4111,7 @@
                                           </p:stCondLst>
                                         </p:cTn>
                                         <p:tgtEl>
-                                          <p:spTgt spid="149"/>
+                                          <p:spTgt spid="182"/>
                                         </p:tgtEl>
                                         <p:attrNameLst>
                                           <p:attrName>style.visibility</p:attrName>
@@ -2873,7 +4125,7 @@
                                       <p:cBhvr additive="repl">
                                         <p:cTn id="210" dur="500"/>
                                         <p:tgtEl>
-                                          <p:spTgt spid="149"/>
+                                          <p:spTgt spid="182"/>
                                         </p:tgtEl>
                                       </p:cBhvr>
                                     </p:animEffect>
@@ -2894,7 +4146,7 @@
                                           </p:stCondLst>
                                         </p:cTn>
                                         <p:tgtEl>
-                                          <p:spTgt spid="150"/>
+                                          <p:spTgt spid="183"/>
                                         </p:tgtEl>
                                         <p:attrNameLst>
                                           <p:attrName>style.visibility</p:attrName>
@@ -2908,7 +4160,7 @@
                                       <p:cBhvr additive="repl">
                                         <p:cTn id="213" dur="500"/>
                                         <p:tgtEl>
-                                          <p:spTgt spid="150"/>
+                                          <p:spTgt spid="183"/>
                                         </p:tgtEl>
                                       </p:cBhvr>
                                     </p:animEffect>
@@ -2929,7 +4181,7 @@
                                           </p:stCondLst>
                                         </p:cTn>
                                         <p:tgtEl>
-                                          <p:spTgt spid="151"/>
+                                          <p:spTgt spid="184"/>
                                         </p:tgtEl>
                                         <p:attrNameLst>
                                           <p:attrName>style.visibility</p:attrName>
@@ -2943,7 +4195,7 @@
                                       <p:cBhvr additive="repl">
                                         <p:cTn id="216" dur="500"/>
                                         <p:tgtEl>
-                                          <p:spTgt spid="151"/>
+                                          <p:spTgt spid="184"/>
                                         </p:tgtEl>
                                       </p:cBhvr>
                                     </p:animEffect>
@@ -3000,18 +4252,22 @@
       </p:grpSpPr>
       <p:sp>
         <p:nvSpPr>
-          <p:cNvPr id="152" name="TextShape 1"/>
-          <p:cNvSpPr txBox="1"/>
+          <p:cNvPr id="185" name="CustomShape 1"/>
+          <p:cNvSpPr/>
           <p:nvPr/>
         </p:nvSpPr>
         <p:spPr>
           <a:xfrm>
             <a:off x="504000" y="301320"/>
-            <a:ext cx="9071640" cy="1262160"/>
-          </a:xfrm>
-          <a:prstGeom prst="rect">
-            <a:avLst/>
-          </a:prstGeom>
+            <a:ext cx="9071280" cy="1261800"/>
+          </a:xfrm>
+          <a:prstGeom prst="rect">
+            <a:avLst/>
+          </a:prstGeom>
+          <a:noFill/>
+          <a:ln>
+            <a:noFill/>
+          </a:ln>
         </p:spPr>
         <p:txBody>
           <a:bodyPr lIns="0" rIns="0" tIns="0" bIns="0" anchor="ctr"/>
@@ -3028,26 +4284,33 @@
       </p:sp>
       <p:sp>
         <p:nvSpPr>
-          <p:cNvPr id="153" name="TextShape 2"/>
-          <p:cNvSpPr txBox="1"/>
+          <p:cNvPr id="186" name="CustomShape 2"/>
+          <p:cNvSpPr/>
           <p:nvPr/>
         </p:nvSpPr>
         <p:spPr>
           <a:xfrm>
             <a:off x="504000" y="1769040"/>
-            <a:ext cx="9071640" cy="4384440"/>
-          </a:xfrm>
-          <a:prstGeom prst="rect">
-            <a:avLst/>
-          </a:prstGeom>
+            <a:ext cx="9071280" cy="4384080"/>
+          </a:xfrm>
+          <a:prstGeom prst="rect">
+            <a:avLst/>
+          </a:prstGeom>
+          <a:noFill/>
+          <a:ln>
+            <a:noFill/>
+          </a:ln>
         </p:spPr>
         <p:txBody>
           <a:bodyPr lIns="0" rIns="0" tIns="0" bIns="0"/>
           <a:p>
             <a:pPr>
+              <a:lnSpc>
+                <a:spcPct val="100000"/>
+              </a:lnSpc>
               <a:buSzPct val="45000"/>
               <a:buFont typeface="StarSymbol"/>
-              <a:buChar char=""/>
+              <a:buChar char="l"/>
             </a:pPr>
             <a:r>
               <a:rPr lang="en-US" sz="3200">
@@ -3059,9 +4322,12 @@
           </a:p>
           <a:p>
             <a:pPr>
+              <a:lnSpc>
+                <a:spcPct val="100000"/>
+              </a:lnSpc>
               <a:buSzPct val="45000"/>
               <a:buFont typeface="StarSymbol"/>
-              <a:buChar char=""/>
+              <a:buChar char="l"/>
             </a:pPr>
             <a:r>
               <a:rPr lang="en-US" sz="3200">
@@ -3073,9 +4339,12 @@
           </a:p>
           <a:p>
             <a:pPr lvl="1">
+              <a:lnSpc>
+                <a:spcPct val="100000"/>
+              </a:lnSpc>
               <a:buSzPct val="75000"/>
               <a:buFont typeface="StarSymbol"/>
-              <a:buChar char=""/>
+              <a:buChar char="l"/>
             </a:pPr>
             <a:r>
               <a:rPr lang="en-US" sz="2800">
@@ -3099,9 +4368,12 @@
           </a:p>
           <a:p>
             <a:pPr>
+              <a:lnSpc>
+                <a:spcPct val="100000"/>
+              </a:lnSpc>
               <a:buSzPct val="45000"/>
               <a:buFont typeface="StarSymbol"/>
-              <a:buChar char=""/>
+              <a:buChar char="l"/>
             </a:pPr>
             <a:r>
               <a:rPr lang="en-US" sz="3200">
@@ -3134,6 +4406,132 @@
           <p:childTnLst>
             <p:seq>
               <p:cTn id="218" nodeType="mainSeq"/>
+              <p:prevCondLst>
+                <p:cond delay="0" evt="onPrev">
+                  <p:tgtEl>
+                    <p:sldTgt/>
+                  </p:tgtEl>
+                </p:cond>
+              </p:prevCondLst>
+              <p:nextCondLst>
+                <p:cond delay="0" evt="onNext">
+                  <p:tgtEl>
+                    <p:sldTgt/>
+                  </p:tgtEl>
+                </p:cond>
+              </p:nextCondLst>
+            </p:seq>
+          </p:childTnLst>
+        </p:cTn>
+      </p:par>
+    </p:tnLst>
+  </p:timing>
+</p:sld>
+</file>
+
+<file path=ppt/slides/slide12.xml><?xml version="1.0" encoding="utf-8"?>
+<p:sld xmlns:a="http://schemas.openxmlformats.org/drawingml/2006/main" xmlns:p="http://schemas.openxmlformats.org/presentationml/2006/main" xmlns:r="http://schemas.openxmlformats.org/officeDocument/2006/relationships">
+  <p:cSld>
+    <p:spTree>
+      <p:nvGrpSpPr>
+        <p:cNvPr id="1" name=""/>
+        <p:cNvGrpSpPr/>
+        <p:nvPr/>
+      </p:nvGrpSpPr>
+      <p:grpSpPr>
+        <a:xfrm>
+          <a:off x="0" y="0"/>
+          <a:ext cx="0" cy="0"/>
+          <a:chOff x="0" y="0"/>
+          <a:chExt cx="0" cy="0"/>
+        </a:xfrm>
+      </p:grpSpPr>
+      <p:sp>
+        <p:nvSpPr>
+          <p:cNvPr id="187" name="TextShape 1"/>
+          <p:cNvSpPr txBox="1"/>
+          <p:nvPr/>
+        </p:nvSpPr>
+        <p:spPr>
+          <a:xfrm>
+            <a:off x="504000" y="301320"/>
+            <a:ext cx="9071280" cy="1262160"/>
+          </a:xfrm>
+          <a:prstGeom prst="rect">
+            <a:avLst/>
+          </a:prstGeom>
+        </p:spPr>
+        <p:txBody>
+          <a:bodyPr lIns="0" rIns="0" tIns="0" bIns="0" anchor="ctr"/>
+          <a:p>
+            <a:r>
+              <a:rPr lang="en-US" sz="4400">
+                <a:latin typeface="Arial"/>
+              </a:rPr>
+              <a:t>写在结尾</a:t>
+            </a:r>
+            <a:endParaRPr/>
+          </a:p>
+        </p:txBody>
+      </p:sp>
+      <p:sp>
+        <p:nvSpPr>
+          <p:cNvPr id="188" name="TextShape 2"/>
+          <p:cNvSpPr txBox="1"/>
+          <p:nvPr/>
+        </p:nvSpPr>
+        <p:spPr>
+          <a:xfrm>
+            <a:off x="1884960" y="3270600"/>
+            <a:ext cx="6581520" cy="1300680"/>
+          </a:xfrm>
+          <a:prstGeom prst="rect">
+            <a:avLst/>
+          </a:prstGeom>
+        </p:spPr>
+        <p:txBody>
+          <a:bodyPr lIns="90000" rIns="90000" tIns="45000" bIns="45000"/>
+          <a:p>
+            <a:r>
+              <a:rPr lang="en-US" sz="3600">
+                <a:latin typeface="Arial"/>
+              </a:rPr>
+              <a:t>Unix</a:t>
+            </a:r>
+            <a:r>
+              <a:rPr lang="en-US" sz="3600">
+                <a:latin typeface="Arial"/>
+              </a:rPr>
+              <a:t>哲学</a:t>
+            </a:r>
+            <a:endParaRPr/>
+          </a:p>
+          <a:p>
+            <a:r>
+              <a:rPr lang="en-US" sz="3600">
+                <a:latin typeface="Arial"/>
+              </a:rPr>
+              <a:t>	</a:t>
+            </a:r>
+            <a:r>
+              <a:rPr lang="en-US" sz="3600">
+                <a:latin typeface="Arial"/>
+              </a:rPr>
+              <a:t>只做一件事，并将它做到极致</a:t>
+            </a:r>
+            <a:endParaRPr/>
+          </a:p>
+        </p:txBody>
+      </p:sp>
+    </p:spTree>
+  </p:cSld>
+  <p:timing>
+    <p:tnLst>
+      <p:par>
+        <p:cTn id="219" dur="indefinite" restart="never" nodeType="tmRoot">
+          <p:childTnLst>
+            <p:seq>
+              <p:cTn id="220" nodeType="mainSeq"/>
               <p:prevCondLst>
                 <p:cond delay="0" evt="onPrev">
                   <p:tgtEl>
@@ -3176,18 +4574,22 @@
       </p:grpSpPr>
       <p:sp>
         <p:nvSpPr>
-          <p:cNvPr id="41" name="TextShape 1"/>
-          <p:cNvSpPr txBox="1"/>
+          <p:cNvPr id="74" name="CustomShape 1"/>
+          <p:cNvSpPr/>
           <p:nvPr/>
         </p:nvSpPr>
         <p:spPr>
           <a:xfrm>
             <a:off x="504000" y="301320"/>
-            <a:ext cx="9071640" cy="1262160"/>
-          </a:xfrm>
-          <a:prstGeom prst="rect">
-            <a:avLst/>
-          </a:prstGeom>
+            <a:ext cx="9071280" cy="1261800"/>
+          </a:xfrm>
+          <a:prstGeom prst="rect">
+            <a:avLst/>
+          </a:prstGeom>
+          <a:noFill/>
+          <a:ln>
+            <a:noFill/>
+          </a:ln>
         </p:spPr>
         <p:txBody>
           <a:bodyPr lIns="0" rIns="0" tIns="0" bIns="0" anchor="ctr"/>
@@ -3216,26 +4618,33 @@
       </p:sp>
       <p:sp>
         <p:nvSpPr>
-          <p:cNvPr id="42" name="TextShape 2"/>
-          <p:cNvSpPr txBox="1"/>
+          <p:cNvPr id="75" name="CustomShape 2"/>
+          <p:cNvSpPr/>
           <p:nvPr/>
         </p:nvSpPr>
         <p:spPr>
           <a:xfrm>
             <a:off x="504000" y="1769040"/>
-            <a:ext cx="9071640" cy="4384440"/>
-          </a:xfrm>
-          <a:prstGeom prst="rect">
-            <a:avLst/>
-          </a:prstGeom>
+            <a:ext cx="9071280" cy="4384080"/>
+          </a:xfrm>
+          <a:prstGeom prst="rect">
+            <a:avLst/>
+          </a:prstGeom>
+          <a:noFill/>
+          <a:ln>
+            <a:noFill/>
+          </a:ln>
         </p:spPr>
         <p:txBody>
           <a:bodyPr lIns="0" rIns="0" tIns="0" bIns="0"/>
           <a:p>
             <a:pPr>
+              <a:lnSpc>
+                <a:spcPct val="100000"/>
+              </a:lnSpc>
               <a:buSzPct val="45000"/>
               <a:buFont typeface="StarSymbol"/>
-              <a:buChar char=""/>
+              <a:buChar char="l"/>
             </a:pPr>
             <a:r>
               <a:rPr lang="en-US" sz="3200">
@@ -3247,9 +4656,12 @@
           </a:p>
           <a:p>
             <a:pPr>
+              <a:lnSpc>
+                <a:spcPct val="100000"/>
+              </a:lnSpc>
               <a:buSzPct val="45000"/>
               <a:buFont typeface="StarSymbol"/>
-              <a:buChar char=""/>
+              <a:buChar char="l"/>
             </a:pPr>
             <a:r>
               <a:rPr lang="en-US" sz="3200">
@@ -3261,9 +4673,12 @@
           </a:p>
           <a:p>
             <a:pPr lvl="1">
+              <a:lnSpc>
+                <a:spcPct val="100000"/>
+              </a:lnSpc>
               <a:buSzPct val="75000"/>
               <a:buFont typeface="StarSymbol"/>
-              <a:buChar char=""/>
+              <a:buChar char="l"/>
             </a:pPr>
             <a:r>
               <a:rPr lang="en-US" sz="2800">
@@ -3299,9 +4714,12 @@
           </a:p>
           <a:p>
             <a:pPr>
+              <a:lnSpc>
+                <a:spcPct val="100000"/>
+              </a:lnSpc>
               <a:buSzPct val="45000"/>
               <a:buFont typeface="StarSymbol"/>
-              <a:buChar char=""/>
+              <a:buChar char="l"/>
             </a:pPr>
             <a:r>
               <a:rPr lang="en-US" sz="3200">
@@ -3313,9 +4731,12 @@
           </a:p>
           <a:p>
             <a:pPr lvl="1">
+              <a:lnSpc>
+                <a:spcPct val="100000"/>
+              </a:lnSpc>
               <a:buSzPct val="75000"/>
               <a:buFont typeface="StarSymbol"/>
-              <a:buChar char=""/>
+              <a:buChar char="l"/>
             </a:pPr>
             <a:r>
               <a:rPr lang="en-US" sz="2800">
@@ -3339,9 +4760,12 @@
           </a:p>
           <a:p>
             <a:pPr>
+              <a:lnSpc>
+                <a:spcPct val="100000"/>
+              </a:lnSpc>
               <a:buSzPct val="45000"/>
               <a:buFont typeface="StarSymbol"/>
-              <a:buChar char=""/>
+              <a:buChar char="l"/>
             </a:pPr>
             <a:r>
               <a:rPr lang="en-US" sz="3200">
@@ -3353,9 +4777,12 @@
           </a:p>
           <a:p>
             <a:pPr>
+              <a:lnSpc>
+                <a:spcPct val="100000"/>
+              </a:lnSpc>
               <a:buSzPct val="45000"/>
               <a:buFont typeface="StarSymbol"/>
-              <a:buChar char=""/>
+              <a:buChar char="l"/>
             </a:pPr>
             <a:r>
               <a:rPr lang="en-US" sz="3200">
@@ -3367,9 +4794,12 @@
           </a:p>
           <a:p>
             <a:pPr>
+              <a:lnSpc>
+                <a:spcPct val="100000"/>
+              </a:lnSpc>
               <a:buSzPct val="45000"/>
               <a:buFont typeface="StarSymbol"/>
-              <a:buChar char=""/>
+              <a:buChar char="l"/>
             </a:pPr>
             <a:r>
               <a:rPr lang="en-US" sz="3200">
@@ -3381,9 +4811,12 @@
           </a:p>
           <a:p>
             <a:pPr lvl="1">
+              <a:lnSpc>
+                <a:spcPct val="100000"/>
+              </a:lnSpc>
               <a:buSzPct val="75000"/>
               <a:buFont typeface="StarSymbol"/>
-              <a:buChar char=""/>
+              <a:buChar char="l"/>
             </a:pPr>
             <a:r>
               <a:rPr lang="en-US" sz="2800">
@@ -3446,18 +4879,22 @@
       </p:grpSpPr>
       <p:sp>
         <p:nvSpPr>
-          <p:cNvPr id="43" name="TextShape 1"/>
-          <p:cNvSpPr txBox="1"/>
+          <p:cNvPr id="76" name="CustomShape 1"/>
+          <p:cNvSpPr/>
           <p:nvPr/>
         </p:nvSpPr>
         <p:spPr>
           <a:xfrm>
             <a:off x="504000" y="301320"/>
-            <a:ext cx="9071640" cy="1262160"/>
-          </a:xfrm>
-          <a:prstGeom prst="rect">
-            <a:avLst/>
-          </a:prstGeom>
+            <a:ext cx="9071280" cy="1261800"/>
+          </a:xfrm>
+          <a:prstGeom prst="rect">
+            <a:avLst/>
+          </a:prstGeom>
+          <a:noFill/>
+          <a:ln>
+            <a:noFill/>
+          </a:ln>
         </p:spPr>
         <p:txBody>
           <a:bodyPr lIns="0" rIns="0" tIns="0" bIns="0" anchor="ctr"/>
@@ -3474,26 +4911,33 @@
       </p:sp>
       <p:sp>
         <p:nvSpPr>
-          <p:cNvPr id="44" name="TextShape 2"/>
-          <p:cNvSpPr txBox="1"/>
+          <p:cNvPr id="77" name="CustomShape 2"/>
+          <p:cNvSpPr/>
           <p:nvPr/>
         </p:nvSpPr>
         <p:spPr>
           <a:xfrm>
             <a:off x="504000" y="1769040"/>
-            <a:ext cx="9071640" cy="4384440"/>
-          </a:xfrm>
-          <a:prstGeom prst="rect">
-            <a:avLst/>
-          </a:prstGeom>
+            <a:ext cx="9071280" cy="4384080"/>
+          </a:xfrm>
+          <a:prstGeom prst="rect">
+            <a:avLst/>
+          </a:prstGeom>
+          <a:noFill/>
+          <a:ln>
+            <a:noFill/>
+          </a:ln>
         </p:spPr>
         <p:txBody>
           <a:bodyPr lIns="0" rIns="0" tIns="0" bIns="0"/>
           <a:p>
             <a:pPr>
+              <a:lnSpc>
+                <a:spcPct val="100000"/>
+              </a:lnSpc>
               <a:buSzPct val="45000"/>
               <a:buFont typeface="StarSymbol"/>
-              <a:buChar char=""/>
+              <a:buChar char="l"/>
             </a:pPr>
             <a:r>
               <a:rPr lang="en-US" sz="3200">
@@ -3517,9 +4961,12 @@
           </a:p>
           <a:p>
             <a:pPr lvl="1">
+              <a:lnSpc>
+                <a:spcPct val="100000"/>
+              </a:lnSpc>
               <a:buSzPct val="75000"/>
               <a:buFont typeface="StarSymbol"/>
-              <a:buChar char=""/>
+              <a:buChar char="l"/>
             </a:pPr>
             <a:r>
               <a:rPr lang="en-US" sz="2800">
@@ -3531,9 +4978,12 @@
           </a:p>
           <a:p>
             <a:pPr lvl="1">
+              <a:lnSpc>
+                <a:spcPct val="100000"/>
+              </a:lnSpc>
               <a:buSzPct val="75000"/>
               <a:buFont typeface="StarSymbol"/>
-              <a:buChar char=""/>
+              <a:buChar char="l"/>
             </a:pPr>
             <a:r>
               <a:rPr lang="en-US" sz="2800">
@@ -3596,18 +5046,22 @@
       </p:grpSpPr>
       <p:sp>
         <p:nvSpPr>
-          <p:cNvPr id="45" name="TextShape 1"/>
-          <p:cNvSpPr txBox="1"/>
+          <p:cNvPr id="78" name="CustomShape 1"/>
+          <p:cNvSpPr/>
           <p:nvPr/>
         </p:nvSpPr>
         <p:spPr>
           <a:xfrm>
             <a:off x="504000" y="301320"/>
-            <a:ext cx="9071640" cy="1262160"/>
-          </a:xfrm>
-          <a:prstGeom prst="rect">
-            <a:avLst/>
-          </a:prstGeom>
+            <a:ext cx="9071280" cy="1261800"/>
+          </a:xfrm>
+          <a:prstGeom prst="rect">
+            <a:avLst/>
+          </a:prstGeom>
+          <a:noFill/>
+          <a:ln>
+            <a:noFill/>
+          </a:ln>
         </p:spPr>
         <p:txBody>
           <a:bodyPr lIns="0" rIns="0" tIns="0" bIns="0" anchor="ctr"/>
@@ -3624,36 +5078,34 @@
       </p:sp>
       <p:sp>
         <p:nvSpPr>
-          <p:cNvPr id="46" name="TextShape 2"/>
-          <p:cNvSpPr txBox="1"/>
+          <p:cNvPr id="79" name="CustomShape 2"/>
+          <p:cNvSpPr/>
           <p:nvPr/>
         </p:nvSpPr>
         <p:spPr>
           <a:xfrm>
             <a:off x="504000" y="1769040"/>
-            <a:ext cx="9071640" cy="4384440"/>
-          </a:xfrm>
-          <a:prstGeom prst="rect">
-            <a:avLst/>
-          </a:prstGeom>
-        </p:spPr>
-        <p:txBody>
-          <a:bodyPr lIns="0" rIns="0" tIns="0" bIns="0"/>
-          <a:p>
-            <a:endParaRPr/>
-          </a:p>
-        </p:txBody>
-      </p:sp>
-      <p:sp>
-        <p:nvSpPr>
-          <p:cNvPr id="47" name="CustomShape 3"/>
+            <a:ext cx="9071280" cy="4384080"/>
+          </a:xfrm>
+          <a:prstGeom prst="rect">
+            <a:avLst/>
+          </a:prstGeom>
+          <a:noFill/>
+          <a:ln>
+            <a:noFill/>
+          </a:ln>
+        </p:spPr>
+      </p:sp>
+      <p:sp>
+        <p:nvSpPr>
+          <p:cNvPr id="80" name="CustomShape 3"/>
           <p:cNvSpPr/>
           <p:nvPr/>
         </p:nvSpPr>
         <p:spPr>
           <a:xfrm>
             <a:off x="4268160" y="587160"/>
-            <a:ext cx="3703320" cy="2880360"/>
+            <a:ext cx="3702960" cy="2880000"/>
           </a:xfrm>
           <a:prstGeom prst="rect">
             <a:avLst/>
@@ -3670,7 +5122,11 @@
         <p:txBody>
           <a:bodyPr wrap="none" lIns="90000" rIns="90000" tIns="45000" bIns="45000" anchor="ctr"/>
           <a:p>
-            <a:pPr algn="ctr"/>
+            <a:pPr algn="ctr">
+              <a:lnSpc>
+                <a:spcPct val="100000"/>
+              </a:lnSpc>
+            </a:pPr>
             <a:r>
               <a:rPr lang="en-US">
                 <a:latin typeface="Arial"/>
@@ -3683,14 +5139,14 @@
       </p:sp>
       <p:sp>
         <p:nvSpPr>
-          <p:cNvPr id="48" name="CustomShape 4"/>
+          <p:cNvPr id="81" name="CustomShape 4"/>
           <p:cNvSpPr/>
           <p:nvPr/>
         </p:nvSpPr>
         <p:spPr>
           <a:xfrm>
             <a:off x="4268160" y="587160"/>
-            <a:ext cx="1783080" cy="1051560"/>
+            <a:ext cx="1782720" cy="1051200"/>
           </a:xfrm>
           <a:prstGeom prst="rect">
             <a:avLst/>
@@ -3707,7 +5163,7 @@
       </p:sp>
       <p:sp>
         <p:nvSpPr>
-          <p:cNvPr id="49" name="Line 5"/>
+          <p:cNvPr id="82" name="Line 5"/>
           <p:cNvSpPr/>
           <p:nvPr/>
         </p:nvSpPr>
@@ -3728,14 +5184,14 @@
       </p:sp>
       <p:sp>
         <p:nvSpPr>
-          <p:cNvPr id="50" name="CustomShape 6"/>
+          <p:cNvPr id="83" name="CustomShape 6"/>
           <p:cNvSpPr/>
           <p:nvPr/>
         </p:nvSpPr>
         <p:spPr>
           <a:xfrm>
             <a:off x="4276440" y="3772800"/>
-            <a:ext cx="3703320" cy="2880360"/>
+            <a:ext cx="3702960" cy="2880000"/>
           </a:xfrm>
           <a:prstGeom prst="rect">
             <a:avLst/>
@@ -3752,14 +5208,14 @@
       </p:sp>
       <p:sp>
         <p:nvSpPr>
-          <p:cNvPr id="51" name="CustomShape 7"/>
+          <p:cNvPr id="84" name="CustomShape 7"/>
           <p:cNvSpPr/>
           <p:nvPr/>
         </p:nvSpPr>
         <p:spPr>
           <a:xfrm>
             <a:off x="4276440" y="3772800"/>
-            <a:ext cx="1783080" cy="1051560"/>
+            <a:ext cx="1782720" cy="1051200"/>
           </a:xfrm>
           <a:prstGeom prst="rect">
             <a:avLst/>
@@ -3776,7 +5232,7 @@
       </p:sp>
       <p:sp>
         <p:nvSpPr>
-          <p:cNvPr id="52" name="Line 8"/>
+          <p:cNvPr id="85" name="Line 8"/>
           <p:cNvSpPr/>
           <p:nvPr/>
         </p:nvSpPr>
@@ -3797,14 +5253,14 @@
       </p:sp>
       <p:sp>
         <p:nvSpPr>
-          <p:cNvPr id="53" name="CustomShape 9"/>
+          <p:cNvPr id="86" name="CustomShape 9"/>
           <p:cNvSpPr/>
           <p:nvPr/>
         </p:nvSpPr>
         <p:spPr>
           <a:xfrm>
             <a:off x="4268160" y="4839120"/>
-            <a:ext cx="1234440" cy="1188720"/>
+            <a:ext cx="1234080" cy="1188360"/>
           </a:xfrm>
           <a:prstGeom prst="rect">
             <a:avLst/>
@@ -3821,7 +5277,7 @@
       </p:sp>
       <p:sp>
         <p:nvSpPr>
-          <p:cNvPr id="54" name="Line 10"/>
+          <p:cNvPr id="87" name="Line 10"/>
           <p:cNvSpPr/>
           <p:nvPr/>
         </p:nvSpPr>
@@ -3842,18 +5298,22 @@
       </p:sp>
       <p:sp>
         <p:nvSpPr>
-          <p:cNvPr id="55" name="TextShape 11"/>
-          <p:cNvSpPr txBox="1"/>
+          <p:cNvPr id="88" name="CustomShape 11"/>
+          <p:cNvSpPr/>
           <p:nvPr/>
         </p:nvSpPr>
         <p:spPr>
           <a:xfrm>
             <a:off x="6690960" y="933840"/>
-            <a:ext cx="624240" cy="346320"/>
-          </a:xfrm>
-          <a:prstGeom prst="rect">
-            <a:avLst/>
-          </a:prstGeom>
+            <a:ext cx="623880" cy="345960"/>
+          </a:xfrm>
+          <a:prstGeom prst="rect">
+            <a:avLst/>
+          </a:prstGeom>
+          <a:noFill/>
+          <a:ln>
+            <a:noFill/>
+          </a:ln>
         </p:spPr>
         <p:txBody>
           <a:bodyPr lIns="90000" rIns="90000" tIns="45000" bIns="45000"/>
@@ -3870,18 +5330,22 @@
       </p:sp>
       <p:sp>
         <p:nvSpPr>
-          <p:cNvPr id="56" name="TextShape 12"/>
-          <p:cNvSpPr txBox="1"/>
+          <p:cNvPr id="89" name="CustomShape 12"/>
+          <p:cNvSpPr/>
           <p:nvPr/>
         </p:nvSpPr>
         <p:spPr>
           <a:xfrm>
             <a:off x="6690960" y="4101840"/>
-            <a:ext cx="624240" cy="346320"/>
-          </a:xfrm>
-          <a:prstGeom prst="rect">
-            <a:avLst/>
-          </a:prstGeom>
+            <a:ext cx="623880" cy="345960"/>
+          </a:xfrm>
+          <a:prstGeom prst="rect">
+            <a:avLst/>
+          </a:prstGeom>
+          <a:noFill/>
+          <a:ln>
+            <a:noFill/>
+          </a:ln>
         </p:spPr>
         <p:txBody>
           <a:bodyPr lIns="90000" rIns="90000" tIns="45000" bIns="45000"/>
@@ -3898,18 +5362,22 @@
       </p:sp>
       <p:sp>
         <p:nvSpPr>
-          <p:cNvPr id="57" name="TextShape 13"/>
-          <p:cNvSpPr txBox="1"/>
+          <p:cNvPr id="90" name="CustomShape 13"/>
+          <p:cNvSpPr/>
           <p:nvPr/>
         </p:nvSpPr>
         <p:spPr>
           <a:xfrm>
             <a:off x="6402960" y="5253840"/>
-            <a:ext cx="624240" cy="346320"/>
-          </a:xfrm>
-          <a:prstGeom prst="rect">
-            <a:avLst/>
-          </a:prstGeom>
+            <a:ext cx="623880" cy="345960"/>
+          </a:xfrm>
+          <a:prstGeom prst="rect">
+            <a:avLst/>
+          </a:prstGeom>
+          <a:noFill/>
+          <a:ln>
+            <a:noFill/>
+          </a:ln>
         </p:spPr>
         <p:txBody>
           <a:bodyPr lIns="90000" rIns="90000" tIns="45000" bIns="45000"/>
@@ -3926,18 +5394,22 @@
       </p:sp>
       <p:sp>
         <p:nvSpPr>
-          <p:cNvPr id="58" name="TextShape 14"/>
-          <p:cNvSpPr txBox="1"/>
+          <p:cNvPr id="91" name="CustomShape 14"/>
+          <p:cNvSpPr/>
           <p:nvPr/>
         </p:nvSpPr>
         <p:spPr>
           <a:xfrm>
             <a:off x="5754960" y="6153840"/>
-            <a:ext cx="878760" cy="346320"/>
-          </a:xfrm>
-          <a:prstGeom prst="rect">
-            <a:avLst/>
-          </a:prstGeom>
+            <a:ext cx="878400" cy="345960"/>
+          </a:xfrm>
+          <a:prstGeom prst="rect">
+            <a:avLst/>
+          </a:prstGeom>
+          <a:noFill/>
+          <a:ln>
+            <a:noFill/>
+          </a:ln>
         </p:spPr>
         <p:txBody>
           <a:bodyPr lIns="90000" rIns="90000" tIns="45000" bIns="45000"/>
@@ -4003,18 +5475,22 @@
       </p:grpSpPr>
       <p:sp>
         <p:nvSpPr>
-          <p:cNvPr id="59" name="TextShape 1"/>
-          <p:cNvSpPr txBox="1"/>
+          <p:cNvPr id="92" name="CustomShape 1"/>
+          <p:cNvSpPr/>
           <p:nvPr/>
         </p:nvSpPr>
         <p:spPr>
           <a:xfrm>
             <a:off x="504000" y="301320"/>
-            <a:ext cx="9071640" cy="1262160"/>
-          </a:xfrm>
-          <a:prstGeom prst="rect">
-            <a:avLst/>
-          </a:prstGeom>
+            <a:ext cx="9071280" cy="1261800"/>
+          </a:xfrm>
+          <a:prstGeom prst="rect">
+            <a:avLst/>
+          </a:prstGeom>
+          <a:noFill/>
+          <a:ln>
+            <a:noFill/>
+          </a:ln>
         </p:spPr>
         <p:txBody>
           <a:bodyPr lIns="0" rIns="0" tIns="0" bIns="0" anchor="ctr"/>
@@ -4031,26 +5507,33 @@
       </p:sp>
       <p:sp>
         <p:nvSpPr>
-          <p:cNvPr id="60" name="TextShape 2"/>
-          <p:cNvSpPr txBox="1"/>
+          <p:cNvPr id="93" name="CustomShape 2"/>
+          <p:cNvSpPr/>
           <p:nvPr/>
         </p:nvSpPr>
         <p:spPr>
           <a:xfrm>
             <a:off x="504000" y="1769040"/>
-            <a:ext cx="9071640" cy="4384440"/>
-          </a:xfrm>
-          <a:prstGeom prst="rect">
-            <a:avLst/>
-          </a:prstGeom>
+            <a:ext cx="9071280" cy="4384080"/>
+          </a:xfrm>
+          <a:prstGeom prst="rect">
+            <a:avLst/>
+          </a:prstGeom>
+          <a:noFill/>
+          <a:ln>
+            <a:noFill/>
+          </a:ln>
         </p:spPr>
         <p:txBody>
           <a:bodyPr lIns="0" rIns="0" tIns="0" bIns="0"/>
           <a:p>
             <a:pPr>
+              <a:lnSpc>
+                <a:spcPct val="100000"/>
+              </a:lnSpc>
               <a:buSzPct val="45000"/>
               <a:buFont typeface="StarSymbol"/>
-              <a:buChar char=""/>
+              <a:buChar char="l"/>
             </a:pPr>
             <a:r>
               <a:rPr lang="en-US" sz="3200">
@@ -4064,14 +5547,14 @@
       </p:sp>
       <p:sp>
         <p:nvSpPr>
-          <p:cNvPr id="61" name="CustomShape 3"/>
+          <p:cNvPr id="94" name="CustomShape 3"/>
           <p:cNvSpPr/>
           <p:nvPr/>
         </p:nvSpPr>
         <p:spPr>
           <a:xfrm>
             <a:off x="640080" y="2103120"/>
-            <a:ext cx="2103120" cy="1554480"/>
+            <a:ext cx="2102760" cy="1554120"/>
           </a:xfrm>
           <a:prstGeom prst="rect">
             <a:avLst/>
@@ -4088,7 +5571,7 @@
       </p:sp>
       <p:sp>
         <p:nvSpPr>
-          <p:cNvPr id="62" name="Line 4"/>
+          <p:cNvPr id="95" name="Line 4"/>
           <p:cNvSpPr/>
           <p:nvPr/>
         </p:nvSpPr>
@@ -4110,14 +5593,14 @@
       </p:sp>
       <p:sp>
         <p:nvSpPr>
-          <p:cNvPr id="63" name="CustomShape 5"/>
+          <p:cNvPr id="96" name="CustomShape 5"/>
           <p:cNvSpPr/>
           <p:nvPr/>
         </p:nvSpPr>
         <p:spPr>
           <a:xfrm>
             <a:off x="4663440" y="2103120"/>
-            <a:ext cx="2834640" cy="2377440"/>
+            <a:ext cx="2834280" cy="2377080"/>
           </a:xfrm>
           <a:prstGeom prst="rect">
             <a:avLst/>
@@ -4134,14 +5617,14 @@
       </p:sp>
       <p:sp>
         <p:nvSpPr>
-          <p:cNvPr id="64" name="CustomShape 6"/>
+          <p:cNvPr id="97" name="CustomShape 6"/>
           <p:cNvSpPr/>
           <p:nvPr/>
         </p:nvSpPr>
         <p:spPr>
           <a:xfrm>
             <a:off x="4663440" y="2103120"/>
-            <a:ext cx="2103120" cy="1554480"/>
+            <a:ext cx="2102760" cy="1554120"/>
           </a:xfrm>
           <a:prstGeom prst="rect">
             <a:avLst/>
@@ -4158,7 +5641,7 @@
       </p:sp>
       <p:sp>
         <p:nvSpPr>
-          <p:cNvPr id="65" name="Line 7"/>
+          <p:cNvPr id="98" name="Line 7"/>
           <p:cNvSpPr/>
           <p:nvPr/>
         </p:nvSpPr>
@@ -4180,14 +5663,14 @@
       </p:sp>
       <p:sp>
         <p:nvSpPr>
-          <p:cNvPr id="66" name="CustomShape 8"/>
+          <p:cNvPr id="99" name="CustomShape 8"/>
           <p:cNvSpPr/>
           <p:nvPr/>
         </p:nvSpPr>
         <p:spPr>
           <a:xfrm>
             <a:off x="6766560" y="2103120"/>
-            <a:ext cx="731520" cy="2377440"/>
+            <a:ext cx="731160" cy="2377080"/>
           </a:xfrm>
           <a:prstGeom prst="rect">
             <a:avLst/>
@@ -4204,14 +5687,14 @@
       </p:sp>
       <p:sp>
         <p:nvSpPr>
-          <p:cNvPr id="67" name="CustomShape 9"/>
+          <p:cNvPr id="100" name="CustomShape 9"/>
           <p:cNvSpPr/>
           <p:nvPr/>
         </p:nvSpPr>
         <p:spPr>
           <a:xfrm>
             <a:off x="3566160" y="365760"/>
-            <a:ext cx="731520" cy="2377440"/>
+            <a:ext cx="731160" cy="2377080"/>
           </a:xfrm>
           <a:prstGeom prst="rect">
             <a:avLst/>
@@ -4228,14 +5711,14 @@
       </p:sp>
       <p:sp>
         <p:nvSpPr>
-          <p:cNvPr id="68" name="CustomShape 10"/>
+          <p:cNvPr id="101" name="CustomShape 10"/>
           <p:cNvSpPr/>
           <p:nvPr/>
         </p:nvSpPr>
         <p:spPr>
           <a:xfrm>
             <a:off x="640080" y="4663440"/>
-            <a:ext cx="731520" cy="2377440"/>
+            <a:ext cx="731160" cy="2377080"/>
           </a:xfrm>
           <a:prstGeom prst="rect">
             <a:avLst/>
@@ -4252,14 +5735,14 @@
       </p:sp>
       <p:sp>
         <p:nvSpPr>
-          <p:cNvPr id="69" name="CustomShape 11"/>
+          <p:cNvPr id="102" name="CustomShape 11"/>
           <p:cNvSpPr/>
           <p:nvPr/>
         </p:nvSpPr>
         <p:spPr>
           <a:xfrm>
             <a:off x="1645920" y="4114800"/>
-            <a:ext cx="2103120" cy="1554480"/>
+            <a:ext cx="2102760" cy="1554120"/>
           </a:xfrm>
           <a:prstGeom prst="rect">
             <a:avLst/>
@@ -4276,14 +5759,14 @@
       </p:sp>
       <p:sp>
         <p:nvSpPr>
-          <p:cNvPr id="70" name="CustomShape 12"/>
+          <p:cNvPr id="103" name="CustomShape 12"/>
           <p:cNvSpPr/>
           <p:nvPr/>
         </p:nvSpPr>
         <p:spPr>
           <a:xfrm>
             <a:off x="4297680" y="4846320"/>
-            <a:ext cx="2834640" cy="2377440"/>
+            <a:ext cx="2834280" cy="2377080"/>
           </a:xfrm>
           <a:prstGeom prst="rect">
             <a:avLst/>
@@ -4300,14 +5783,14 @@
       </p:sp>
       <p:sp>
         <p:nvSpPr>
-          <p:cNvPr id="71" name="CustomShape 13"/>
+          <p:cNvPr id="104" name="CustomShape 13"/>
           <p:cNvSpPr/>
           <p:nvPr/>
         </p:nvSpPr>
         <p:spPr>
           <a:xfrm>
             <a:off x="4297680" y="4846320"/>
-            <a:ext cx="731520" cy="2377440"/>
+            <a:ext cx="731160" cy="2377080"/>
           </a:xfrm>
           <a:prstGeom prst="rect">
             <a:avLst/>
@@ -4324,14 +5807,14 @@
       </p:sp>
       <p:sp>
         <p:nvSpPr>
-          <p:cNvPr id="72" name="CustomShape 14"/>
+          <p:cNvPr id="105" name="CustomShape 14"/>
           <p:cNvSpPr/>
           <p:nvPr/>
         </p:nvSpPr>
         <p:spPr>
           <a:xfrm>
             <a:off x="5029200" y="4846320"/>
-            <a:ext cx="2103120" cy="1554480"/>
+            <a:ext cx="2102760" cy="1554120"/>
           </a:xfrm>
           <a:prstGeom prst="rect">
             <a:avLst/>
@@ -4348,18 +5831,22 @@
       </p:sp>
       <p:sp>
         <p:nvSpPr>
-          <p:cNvPr id="73" name="TextShape 15"/>
-          <p:cNvSpPr txBox="1"/>
+          <p:cNvPr id="106" name="CustomShape 15"/>
+          <p:cNvSpPr/>
           <p:nvPr/>
         </p:nvSpPr>
         <p:spPr>
           <a:xfrm>
             <a:off x="7500240" y="3108960"/>
-            <a:ext cx="2466720" cy="393480"/>
-          </a:xfrm>
-          <a:prstGeom prst="rect">
-            <a:avLst/>
-          </a:prstGeom>
+            <a:ext cx="2466360" cy="393120"/>
+          </a:xfrm>
+          <a:prstGeom prst="rect">
+            <a:avLst/>
+          </a:prstGeom>
+          <a:noFill/>
+          <a:ln>
+            <a:noFill/>
+          </a:ln>
         </p:spPr>
         <p:txBody>
           <a:bodyPr lIns="90000" rIns="90000" tIns="45000" bIns="45000"/>
@@ -4376,18 +5863,22 @@
       </p:sp>
       <p:sp>
         <p:nvSpPr>
-          <p:cNvPr id="74" name="TextShape 16"/>
-          <p:cNvSpPr txBox="1"/>
+          <p:cNvPr id="107" name="CustomShape 16"/>
+          <p:cNvSpPr/>
           <p:nvPr/>
         </p:nvSpPr>
         <p:spPr>
           <a:xfrm>
             <a:off x="7500240" y="5881320"/>
-            <a:ext cx="1552320" cy="393480"/>
-          </a:xfrm>
-          <a:prstGeom prst="rect">
-            <a:avLst/>
-          </a:prstGeom>
+            <a:ext cx="1551960" cy="393120"/>
+          </a:xfrm>
+          <a:prstGeom prst="rect">
+            <a:avLst/>
+          </a:prstGeom>
+          <a:noFill/>
+          <a:ln>
+            <a:noFill/>
+          </a:ln>
         </p:spPr>
         <p:txBody>
           <a:bodyPr lIns="90000" rIns="90000" tIns="45000" bIns="45000"/>
@@ -4438,7 +5929,7 @@
                                           </p:stCondLst>
                                         </p:cTn>
                                         <p:tgtEl>
-                                          <p:spTgt spid="61"/>
+                                          <p:spTgt spid="94"/>
                                         </p:tgtEl>
                                         <p:attrNameLst>
                                           <p:attrName>style.visibility</p:attrName>
@@ -4483,7 +5974,7 @@
                                           </p:stCondLst>
                                         </p:cTn>
                                         <p:tgtEl>
-                                          <p:spTgt spid="62"/>
+                                          <p:spTgt spid="95"/>
                                         </p:tgtEl>
                                         <p:attrNameLst>
                                           <p:attrName>style.visibility</p:attrName>
@@ -4528,7 +6019,7 @@
                                           </p:stCondLst>
                                         </p:cTn>
                                         <p:tgtEl>
-                                          <p:spTgt spid="67"/>
+                                          <p:spTgt spid="100"/>
                                         </p:tgtEl>
                                         <p:attrNameLst>
                                           <p:attrName>style.visibility</p:attrName>
@@ -4573,7 +6064,7 @@
                                           </p:stCondLst>
                                         </p:cTn>
                                         <p:tgtEl>
-                                          <p:spTgt spid="63"/>
+                                          <p:spTgt spid="96"/>
                                         </p:tgtEl>
                                         <p:attrNameLst>
                                           <p:attrName>style.visibility</p:attrName>
@@ -4600,7 +6091,7 @@
                                           </p:stCondLst>
                                         </p:cTn>
                                         <p:tgtEl>
-                                          <p:spTgt spid="64"/>
+                                          <p:spTgt spid="97"/>
                                         </p:tgtEl>
                                         <p:attrNameLst>
                                           <p:attrName>style.visibility</p:attrName>
@@ -4627,7 +6118,7 @@
                                           </p:stCondLst>
                                         </p:cTn>
                                         <p:tgtEl>
-                                          <p:spTgt spid="66"/>
+                                          <p:spTgt spid="99"/>
                                         </p:tgtEl>
                                         <p:attrNameLst>
                                           <p:attrName>style.visibility</p:attrName>
@@ -4672,7 +6163,7 @@
                                           </p:stCondLst>
                                         </p:cTn>
                                         <p:tgtEl>
-                                          <p:spTgt spid="73">
+                                          <p:spTgt spid="106">
                                             <p:txEl>
                                               <p:pRg st="0" end="11"/>
                                             </p:txEl>
@@ -4721,7 +6212,7 @@
                                           </p:stCondLst>
                                         </p:cTn>
                                         <p:tgtEl>
-                                          <p:spTgt spid="68"/>
+                                          <p:spTgt spid="101"/>
                                         </p:tgtEl>
                                         <p:attrNameLst>
                                           <p:attrName>style.visibility</p:attrName>
@@ -4766,7 +6257,7 @@
                                           </p:stCondLst>
                                         </p:cTn>
                                         <p:tgtEl>
-                                          <p:spTgt spid="69"/>
+                                          <p:spTgt spid="102"/>
                                         </p:tgtEl>
                                         <p:attrNameLst>
                                           <p:attrName>style.visibility</p:attrName>
@@ -4811,7 +6302,7 @@
                                           </p:stCondLst>
                                         </p:cTn>
                                         <p:tgtEl>
-                                          <p:spTgt spid="70"/>
+                                          <p:spTgt spid="103"/>
                                         </p:tgtEl>
                                         <p:attrNameLst>
                                           <p:attrName>style.visibility</p:attrName>
@@ -4838,7 +6329,7 @@
                                           </p:stCondLst>
                                         </p:cTn>
                                         <p:tgtEl>
-                                          <p:spTgt spid="71"/>
+                                          <p:spTgt spid="104"/>
                                         </p:tgtEl>
                                         <p:attrNameLst>
                                           <p:attrName>style.visibility</p:attrName>
@@ -4865,7 +6356,7 @@
                                           </p:stCondLst>
                                         </p:cTn>
                                         <p:tgtEl>
-                                          <p:spTgt spid="72"/>
+                                          <p:spTgt spid="105"/>
                                         </p:tgtEl>
                                         <p:attrNameLst>
                                           <p:attrName>style.visibility</p:attrName>
@@ -4910,7 +6401,7 @@
                                           </p:stCondLst>
                                         </p:cTn>
                                         <p:tgtEl>
-                                          <p:spTgt spid="74">
+                                          <p:spTgt spid="107">
                                             <p:txEl>
                                               <p:pRg st="0" end="7"/>
                                             </p:txEl>
@@ -4977,18 +6468,22 @@
       </p:grpSpPr>
       <p:sp>
         <p:nvSpPr>
-          <p:cNvPr id="75" name="TextShape 1"/>
-          <p:cNvSpPr txBox="1"/>
+          <p:cNvPr id="108" name="CustomShape 1"/>
+          <p:cNvSpPr/>
           <p:nvPr/>
         </p:nvSpPr>
         <p:spPr>
           <a:xfrm>
             <a:off x="504000" y="301320"/>
-            <a:ext cx="9071640" cy="1262160"/>
-          </a:xfrm>
-          <a:prstGeom prst="rect">
-            <a:avLst/>
-          </a:prstGeom>
+            <a:ext cx="9071280" cy="1261800"/>
+          </a:xfrm>
+          <a:prstGeom prst="rect">
+            <a:avLst/>
+          </a:prstGeom>
+          <a:noFill/>
+          <a:ln>
+            <a:noFill/>
+          </a:ln>
         </p:spPr>
         <p:txBody>
           <a:bodyPr lIns="0" rIns="0" tIns="0" bIns="0" anchor="ctr"/>
@@ -5005,26 +6500,33 @@
       </p:sp>
       <p:sp>
         <p:nvSpPr>
-          <p:cNvPr id="76" name="TextShape 2"/>
-          <p:cNvSpPr txBox="1"/>
+          <p:cNvPr id="109" name="CustomShape 2"/>
+          <p:cNvSpPr/>
           <p:nvPr/>
         </p:nvSpPr>
         <p:spPr>
           <a:xfrm>
             <a:off x="504000" y="1769040"/>
-            <a:ext cx="9071640" cy="4384440"/>
-          </a:xfrm>
-          <a:prstGeom prst="rect">
-            <a:avLst/>
-          </a:prstGeom>
+            <a:ext cx="9071280" cy="4384080"/>
+          </a:xfrm>
+          <a:prstGeom prst="rect">
+            <a:avLst/>
+          </a:prstGeom>
+          <a:noFill/>
+          <a:ln>
+            <a:noFill/>
+          </a:ln>
         </p:spPr>
         <p:txBody>
           <a:bodyPr lIns="0" rIns="0" tIns="0" bIns="0"/>
           <a:p>
             <a:pPr>
+              <a:lnSpc>
+                <a:spcPct val="100000"/>
+              </a:lnSpc>
               <a:buSzPct val="45000"/>
               <a:buFont typeface="StarSymbol"/>
-              <a:buChar char=""/>
+              <a:buChar char="l"/>
             </a:pPr>
             <a:r>
               <a:rPr lang="en-US" sz="3200">
@@ -5036,9 +6538,12 @@
           </a:p>
           <a:p>
             <a:pPr lvl="1">
+              <a:lnSpc>
+                <a:spcPct val="100000"/>
+              </a:lnSpc>
               <a:buSzPct val="75000"/>
               <a:buFont typeface="StarSymbol"/>
-              <a:buChar char=""/>
+              <a:buChar char="l"/>
             </a:pPr>
             <a:r>
               <a:rPr lang="en-US" sz="2800">
@@ -5050,9 +6555,12 @@
           </a:p>
           <a:p>
             <a:pPr>
+              <a:lnSpc>
+                <a:spcPct val="100000"/>
+              </a:lnSpc>
               <a:buSzPct val="45000"/>
               <a:buFont typeface="StarSymbol"/>
-              <a:buChar char=""/>
+              <a:buChar char="l"/>
             </a:pPr>
             <a:r>
               <a:rPr lang="en-US" sz="3200">
@@ -5064,9 +6572,12 @@
           </a:p>
           <a:p>
             <a:pPr lvl="1">
+              <a:lnSpc>
+                <a:spcPct val="100000"/>
+              </a:lnSpc>
               <a:buSzPct val="75000"/>
               <a:buFont typeface="StarSymbol"/>
-              <a:buChar char=""/>
+              <a:buChar char="l"/>
             </a:pPr>
             <a:r>
               <a:rPr lang="en-US" sz="2800">
@@ -5129,18 +6640,22 @@
       </p:grpSpPr>
       <p:sp>
         <p:nvSpPr>
-          <p:cNvPr id="77" name="TextShape 1"/>
-          <p:cNvSpPr txBox="1"/>
+          <p:cNvPr id="110" name="CustomShape 1"/>
+          <p:cNvSpPr/>
           <p:nvPr/>
         </p:nvSpPr>
         <p:spPr>
           <a:xfrm>
             <a:off x="504000" y="301320"/>
-            <a:ext cx="9071640" cy="1262160"/>
-          </a:xfrm>
-          <a:prstGeom prst="rect">
-            <a:avLst/>
-          </a:prstGeom>
+            <a:ext cx="9071280" cy="1261800"/>
+          </a:xfrm>
+          <a:prstGeom prst="rect">
+            <a:avLst/>
+          </a:prstGeom>
+          <a:noFill/>
+          <a:ln>
+            <a:noFill/>
+          </a:ln>
         </p:spPr>
         <p:txBody>
           <a:bodyPr lIns="0" rIns="0" tIns="0" bIns="0" anchor="ctr"/>
@@ -5157,26 +6672,33 @@
       </p:sp>
       <p:sp>
         <p:nvSpPr>
-          <p:cNvPr id="78" name="TextShape 2"/>
-          <p:cNvSpPr txBox="1"/>
+          <p:cNvPr id="111" name="CustomShape 2"/>
+          <p:cNvSpPr/>
           <p:nvPr/>
         </p:nvSpPr>
         <p:spPr>
           <a:xfrm>
             <a:off x="504000" y="1769040"/>
-            <a:ext cx="9071640" cy="4384440"/>
-          </a:xfrm>
-          <a:prstGeom prst="rect">
-            <a:avLst/>
-          </a:prstGeom>
+            <a:ext cx="9071280" cy="4384080"/>
+          </a:xfrm>
+          <a:prstGeom prst="rect">
+            <a:avLst/>
+          </a:prstGeom>
+          <a:noFill/>
+          <a:ln>
+            <a:noFill/>
+          </a:ln>
         </p:spPr>
         <p:txBody>
           <a:bodyPr lIns="0" rIns="0" tIns="0" bIns="0"/>
           <a:p>
             <a:pPr>
+              <a:lnSpc>
+                <a:spcPct val="100000"/>
+              </a:lnSpc>
               <a:buSzPct val="45000"/>
               <a:buFont typeface="StarSymbol"/>
-              <a:buChar char=""/>
+              <a:buChar char="l"/>
             </a:pPr>
             <a:r>
               <a:rPr lang="en-US" sz="3200">
@@ -5190,14 +6712,14 @@
       </p:sp>
       <p:sp>
         <p:nvSpPr>
-          <p:cNvPr id="79" name="CustomShape 3"/>
+          <p:cNvPr id="112" name="CustomShape 3"/>
           <p:cNvSpPr/>
           <p:nvPr/>
         </p:nvSpPr>
         <p:spPr>
           <a:xfrm>
             <a:off x="676440" y="2872800"/>
-            <a:ext cx="3703320" cy="2880360"/>
+            <a:ext cx="3702960" cy="2880000"/>
           </a:xfrm>
           <a:prstGeom prst="rect">
             <a:avLst/>
@@ -5214,14 +6736,14 @@
       </p:sp>
       <p:sp>
         <p:nvSpPr>
-          <p:cNvPr id="80" name="CustomShape 4"/>
+          <p:cNvPr id="113" name="CustomShape 4"/>
           <p:cNvSpPr/>
           <p:nvPr/>
         </p:nvSpPr>
         <p:spPr>
           <a:xfrm>
             <a:off x="676440" y="2872800"/>
-            <a:ext cx="1783080" cy="1051560"/>
+            <a:ext cx="1782720" cy="1051200"/>
           </a:xfrm>
           <a:prstGeom prst="rect">
             <a:avLst/>
@@ -5238,7 +6760,7 @@
       </p:sp>
       <p:sp>
         <p:nvSpPr>
-          <p:cNvPr id="81" name="Line 5"/>
+          <p:cNvPr id="114" name="Line 5"/>
           <p:cNvSpPr/>
           <p:nvPr/>
         </p:nvSpPr>
@@ -5259,14 +6781,14 @@
       </p:sp>
       <p:sp>
         <p:nvSpPr>
-          <p:cNvPr id="82" name="CustomShape 6"/>
+          <p:cNvPr id="115" name="CustomShape 6"/>
           <p:cNvSpPr/>
           <p:nvPr/>
         </p:nvSpPr>
         <p:spPr>
           <a:xfrm>
             <a:off x="668160" y="3939120"/>
-            <a:ext cx="1234440" cy="1188720"/>
+            <a:ext cx="1234080" cy="1188360"/>
           </a:xfrm>
           <a:prstGeom prst="rect">
             <a:avLst/>
@@ -5283,7 +6805,7 @@
       </p:sp>
       <p:sp>
         <p:nvSpPr>
-          <p:cNvPr id="83" name="Line 7"/>
+          <p:cNvPr id="116" name="Line 7"/>
           <p:cNvSpPr/>
           <p:nvPr/>
         </p:nvSpPr>
@@ -5304,7 +6826,7 @@
       </p:sp>
       <p:sp>
         <p:nvSpPr>
-          <p:cNvPr id="84" name="Line 8"/>
+          <p:cNvPr id="117" name="Line 8"/>
           <p:cNvSpPr/>
           <p:nvPr/>
         </p:nvSpPr>
@@ -5325,7 +6847,7 @@
       </p:sp>
       <p:sp>
         <p:nvSpPr>
-          <p:cNvPr id="85" name="Line 9"/>
+          <p:cNvPr id="118" name="Line 9"/>
           <p:cNvSpPr/>
           <p:nvPr/>
         </p:nvSpPr>
@@ -5346,7 +6868,7 @@
       </p:sp>
       <p:sp>
         <p:nvSpPr>
-          <p:cNvPr id="86" name="Line 10"/>
+          <p:cNvPr id="119" name="Line 10"/>
           <p:cNvSpPr/>
           <p:nvPr/>
         </p:nvSpPr>
@@ -5368,14 +6890,14 @@
       </p:sp>
       <p:sp>
         <p:nvSpPr>
-          <p:cNvPr id="87" name="CustomShape 11"/>
+          <p:cNvPr id="120" name="CustomShape 11"/>
           <p:cNvSpPr/>
           <p:nvPr/>
         </p:nvSpPr>
         <p:spPr>
           <a:xfrm>
             <a:off x="4846320" y="2437200"/>
-            <a:ext cx="640080" cy="1311840"/>
+            <a:ext cx="639720" cy="1311480"/>
           </a:xfrm>
           <a:prstGeom prst="rect">
             <a:avLst/>
@@ -5392,14 +6914,14 @@
       </p:sp>
       <p:sp>
         <p:nvSpPr>
-          <p:cNvPr id="88" name="CustomShape 12"/>
+          <p:cNvPr id="121" name="CustomShape 12"/>
           <p:cNvSpPr/>
           <p:nvPr/>
         </p:nvSpPr>
         <p:spPr>
           <a:xfrm>
             <a:off x="5824440" y="2872800"/>
-            <a:ext cx="3703320" cy="2880360"/>
+            <a:ext cx="3702960" cy="2880000"/>
           </a:xfrm>
           <a:prstGeom prst="rect">
             <a:avLst/>
@@ -5416,14 +6938,14 @@
       </p:sp>
       <p:sp>
         <p:nvSpPr>
-          <p:cNvPr id="89" name="CustomShape 13"/>
+          <p:cNvPr id="122" name="CustomShape 13"/>
           <p:cNvSpPr/>
           <p:nvPr/>
         </p:nvSpPr>
         <p:spPr>
           <a:xfrm>
             <a:off x="5824440" y="2872800"/>
-            <a:ext cx="1783080" cy="1051560"/>
+            <a:ext cx="1782720" cy="1051200"/>
           </a:xfrm>
           <a:prstGeom prst="rect">
             <a:avLst/>
@@ -5440,7 +6962,7 @@
       </p:sp>
       <p:sp>
         <p:nvSpPr>
-          <p:cNvPr id="90" name="Line 14"/>
+          <p:cNvPr id="123" name="Line 14"/>
           <p:cNvSpPr/>
           <p:nvPr/>
         </p:nvSpPr>
@@ -5461,14 +6983,14 @@
       </p:sp>
       <p:sp>
         <p:nvSpPr>
-          <p:cNvPr id="91" name="CustomShape 15"/>
+          <p:cNvPr id="124" name="CustomShape 15"/>
           <p:cNvSpPr/>
           <p:nvPr/>
         </p:nvSpPr>
         <p:spPr>
           <a:xfrm>
             <a:off x="5816160" y="3939120"/>
-            <a:ext cx="1234440" cy="1188720"/>
+            <a:ext cx="1234080" cy="1188360"/>
           </a:xfrm>
           <a:prstGeom prst="rect">
             <a:avLst/>
@@ -5485,7 +7007,7 @@
       </p:sp>
       <p:sp>
         <p:nvSpPr>
-          <p:cNvPr id="92" name="Line 16"/>
+          <p:cNvPr id="125" name="Line 16"/>
           <p:cNvSpPr/>
           <p:nvPr/>
         </p:nvSpPr>
@@ -5506,7 +7028,7 @@
       </p:sp>
       <p:sp>
         <p:nvSpPr>
-          <p:cNvPr id="93" name="Line 17"/>
+          <p:cNvPr id="126" name="Line 17"/>
           <p:cNvSpPr/>
           <p:nvPr/>
         </p:nvSpPr>
@@ -5527,7 +7049,7 @@
       </p:sp>
       <p:sp>
         <p:nvSpPr>
-          <p:cNvPr id="94" name="Line 18"/>
+          <p:cNvPr id="127" name="Line 18"/>
           <p:cNvSpPr/>
           <p:nvPr/>
         </p:nvSpPr>
@@ -5548,14 +7070,14 @@
       </p:sp>
       <p:sp>
         <p:nvSpPr>
-          <p:cNvPr id="95" name="CustomShape 19"/>
+          <p:cNvPr id="128" name="CustomShape 19"/>
           <p:cNvSpPr/>
           <p:nvPr/>
         </p:nvSpPr>
         <p:spPr>
           <a:xfrm>
             <a:off x="7611840" y="2872800"/>
-            <a:ext cx="640080" cy="1311840"/>
+            <a:ext cx="639720" cy="1311480"/>
           </a:xfrm>
           <a:prstGeom prst="rect">
             <a:avLst/>
@@ -5572,14 +7094,14 @@
       </p:sp>
       <p:sp>
         <p:nvSpPr>
-          <p:cNvPr id="96" name="CustomShape 20"/>
+          <p:cNvPr id="129" name="CustomShape 20"/>
           <p:cNvSpPr/>
           <p:nvPr/>
         </p:nvSpPr>
         <p:spPr>
           <a:xfrm>
             <a:off x="2459520" y="2872800"/>
-            <a:ext cx="1920240" cy="2880360"/>
+            <a:ext cx="1919880" cy="2880000"/>
           </a:xfrm>
           <a:prstGeom prst="rect">
             <a:avLst/>
@@ -5596,14 +7118,14 @@
       </p:sp>
       <p:sp>
         <p:nvSpPr>
-          <p:cNvPr id="97" name="CustomShape 21"/>
+          <p:cNvPr id="130" name="CustomShape 21"/>
           <p:cNvSpPr/>
           <p:nvPr/>
         </p:nvSpPr>
         <p:spPr>
           <a:xfrm>
             <a:off x="1902600" y="3939120"/>
-            <a:ext cx="2477160" cy="1814040"/>
+            <a:ext cx="2476800" cy="1813680"/>
           </a:xfrm>
           <a:prstGeom prst="rect">
             <a:avLst/>
@@ -5620,14 +7142,14 @@
       </p:sp>
       <p:sp>
         <p:nvSpPr>
-          <p:cNvPr id="98" name="CustomShape 22"/>
+          <p:cNvPr id="131" name="CustomShape 22"/>
           <p:cNvSpPr/>
           <p:nvPr/>
         </p:nvSpPr>
         <p:spPr>
           <a:xfrm>
             <a:off x="676440" y="5127840"/>
-            <a:ext cx="3703320" cy="625320"/>
+            <a:ext cx="3702960" cy="624960"/>
           </a:xfrm>
           <a:prstGeom prst="rect">
             <a:avLst/>
@@ -5678,7 +7200,7 @@
                                           </p:stCondLst>
                                         </p:cTn>
                                         <p:tgtEl>
-                                          <p:spTgt spid="96"/>
+                                          <p:spTgt spid="129"/>
                                         </p:tgtEl>
                                         <p:attrNameLst>
                                           <p:attrName>style.visibility</p:attrName>
@@ -5692,7 +7214,7 @@
                                       <p:cBhvr additive="repl">
                                         <p:cTn id="63" dur="500"/>
                                         <p:tgtEl>
-                                          <p:spTgt spid="96"/>
+                                          <p:spTgt spid="129"/>
                                         </p:tgtEl>
                                       </p:cBhvr>
                                     </p:animEffect>
@@ -5727,7 +7249,7 @@
                                       <p:cBhvr additive="repl">
                                         <p:cTn id="67" dur="500"/>
                                         <p:tgtEl>
-                                          <p:spTgt spid="96"/>
+                                          <p:spTgt spid="129"/>
                                         </p:tgtEl>
                                       </p:cBhvr>
                                     </p:animEffect>
@@ -5739,7 +7261,7 @@
                                           </p:stCondLst>
                                         </p:cTn>
                                         <p:tgtEl>
-                                          <p:spTgt spid="96"/>
+                                          <p:spTgt spid="129"/>
                                         </p:tgtEl>
                                         <p:attrNameLst>
                                           <p:attrName>style.visibility</p:attrName>
@@ -5784,7 +7306,7 @@
                                           </p:stCondLst>
                                         </p:cTn>
                                         <p:tgtEl>
-                                          <p:spTgt spid="97"/>
+                                          <p:spTgt spid="130"/>
                                         </p:tgtEl>
                                         <p:attrNameLst>
                                           <p:attrName>style.visibility</p:attrName>
@@ -5798,7 +7320,7 @@
                                       <p:cBhvr additive="repl">
                                         <p:cTn id="73" dur="500"/>
                                         <p:tgtEl>
-                                          <p:spTgt spid="97"/>
+                                          <p:spTgt spid="130"/>
                                         </p:tgtEl>
                                       </p:cBhvr>
                                     </p:animEffect>
@@ -5833,7 +7355,7 @@
                                       <p:cBhvr additive="repl">
                                         <p:cTn id="77" dur="500"/>
                                         <p:tgtEl>
-                                          <p:spTgt spid="97"/>
+                                          <p:spTgt spid="130"/>
                                         </p:tgtEl>
                                       </p:cBhvr>
                                     </p:animEffect>
@@ -5845,7 +7367,7 @@
                                           </p:stCondLst>
                                         </p:cTn>
                                         <p:tgtEl>
-                                          <p:spTgt spid="97"/>
+                                          <p:spTgt spid="130"/>
                                         </p:tgtEl>
                                         <p:attrNameLst>
                                           <p:attrName>style.visibility</p:attrName>
@@ -5890,7 +7412,7 @@
                                           </p:stCondLst>
                                         </p:cTn>
                                         <p:tgtEl>
-                                          <p:spTgt spid="98"/>
+                                          <p:spTgt spid="131"/>
                                         </p:tgtEl>
                                         <p:attrNameLst>
                                           <p:attrName>style.visibility</p:attrName>
@@ -5904,7 +7426,7 @@
                                       <p:cBhvr additive="repl">
                                         <p:cTn id="83" dur="500"/>
                                         <p:tgtEl>
-                                          <p:spTgt spid="98"/>
+                                          <p:spTgt spid="131"/>
                                         </p:tgtEl>
                                       </p:cBhvr>
                                     </p:animEffect>
@@ -5939,7 +7461,7 @@
                                       <p:cBhvr additive="repl">
                                         <p:cTn id="87" dur="500"/>
                                         <p:tgtEl>
-                                          <p:spTgt spid="98"/>
+                                          <p:spTgt spid="131"/>
                                         </p:tgtEl>
                                       </p:cBhvr>
                                     </p:animEffect>
@@ -5951,7 +7473,7 @@
                                           </p:stCondLst>
                                         </p:cTn>
                                         <p:tgtEl>
-                                          <p:spTgt spid="98"/>
+                                          <p:spTgt spid="131"/>
                                         </p:tgtEl>
                                         <p:attrNameLst>
                                           <p:attrName>style.visibility</p:attrName>
@@ -5996,7 +7518,7 @@
                                           </p:stCondLst>
                                         </p:cTn>
                                         <p:tgtEl>
-                                          <p:spTgt spid="87"/>
+                                          <p:spTgt spid="120"/>
                                         </p:tgtEl>
                                         <p:attrNameLst>
                                           <p:attrName>style.visibility</p:attrName>
@@ -6010,7 +7532,7 @@
                                       <p:cBhvr additive="repl">
                                         <p:cTn id="93" dur="500"/>
                                         <p:tgtEl>
-                                          <p:spTgt spid="87"/>
+                                          <p:spTgt spid="120"/>
                                         </p:tgtEl>
                                       </p:cBhvr>
                                     </p:animEffect>
@@ -6049,7 +7571,7 @@
                                           </p:stCondLst>
                                         </p:cTn>
                                         <p:tgtEl>
-                                          <p:spTgt spid="88"/>
+                                          <p:spTgt spid="121"/>
                                         </p:tgtEl>
                                         <p:attrNameLst>
                                           <p:attrName>style.visibility</p:attrName>
@@ -6063,7 +7585,7 @@
                                       <p:cBhvr additive="repl">
                                         <p:cTn id="98" dur="500"/>
                                         <p:tgtEl>
-                                          <p:spTgt spid="88"/>
+                                          <p:spTgt spid="121"/>
                                         </p:tgtEl>
                                       </p:cBhvr>
                                     </p:animEffect>
@@ -6084,7 +7606,7 @@
                                           </p:stCondLst>
                                         </p:cTn>
                                         <p:tgtEl>
-                                          <p:spTgt spid="89"/>
+                                          <p:spTgt spid="122"/>
                                         </p:tgtEl>
                                         <p:attrNameLst>
                                           <p:attrName>style.visibility</p:attrName>
@@ -6098,7 +7620,7 @@
                                       <p:cBhvr additive="repl">
                                         <p:cTn id="101" dur="500"/>
                                         <p:tgtEl>
-                                          <p:spTgt spid="89"/>
+                                          <p:spTgt spid="122"/>
                                         </p:tgtEl>
                                       </p:cBhvr>
                                     </p:animEffect>
@@ -6119,7 +7641,7 @@
                                           </p:stCondLst>
                                         </p:cTn>
                                         <p:tgtEl>
-                                          <p:spTgt spid="90"/>
+                                          <p:spTgt spid="123"/>
                                         </p:tgtEl>
                                         <p:attrNameLst>
                                           <p:attrName>style.visibility</p:attrName>
@@ -6133,7 +7655,7 @@
                                       <p:cBhvr additive="repl">
                                         <p:cTn id="104" dur="500"/>
                                         <p:tgtEl>
-                                          <p:spTgt spid="90"/>
+                                          <p:spTgt spid="123"/>
                                         </p:tgtEl>
                                       </p:cBhvr>
                                     </p:animEffect>
@@ -6154,7 +7676,7 @@
                                           </p:stCondLst>
                                         </p:cTn>
                                         <p:tgtEl>
-                                          <p:spTgt spid="91"/>
+                                          <p:spTgt spid="124"/>
                                         </p:tgtEl>
                                         <p:attrNameLst>
                                           <p:attrName>style.visibility</p:attrName>
@@ -6168,7 +7690,7 @@
                                       <p:cBhvr additive="repl">
                                         <p:cTn id="107" dur="500"/>
                                         <p:tgtEl>
-                                          <p:spTgt spid="91"/>
+                                          <p:spTgt spid="124"/>
                                         </p:tgtEl>
                                       </p:cBhvr>
                                     </p:animEffect>
@@ -6189,7 +7711,7 @@
                                           </p:stCondLst>
                                         </p:cTn>
                                         <p:tgtEl>
-                                          <p:spTgt spid="92"/>
+                                          <p:spTgt spid="125"/>
                                         </p:tgtEl>
                                         <p:attrNameLst>
                                           <p:attrName>style.visibility</p:attrName>
@@ -6203,7 +7725,7 @@
                                       <p:cBhvr additive="repl">
                                         <p:cTn id="110" dur="500"/>
                                         <p:tgtEl>
-                                          <p:spTgt spid="92"/>
+                                          <p:spTgt spid="125"/>
                                         </p:tgtEl>
                                       </p:cBhvr>
                                     </p:animEffect>
@@ -6224,7 +7746,7 @@
                                           </p:stCondLst>
                                         </p:cTn>
                                         <p:tgtEl>
-                                          <p:spTgt spid="93"/>
+                                          <p:spTgt spid="126"/>
                                         </p:tgtEl>
                                         <p:attrNameLst>
                                           <p:attrName>style.visibility</p:attrName>
@@ -6238,7 +7760,7 @@
                                       <p:cBhvr additive="repl">
                                         <p:cTn id="113" dur="500"/>
                                         <p:tgtEl>
-                                          <p:spTgt spid="93"/>
+                                          <p:spTgt spid="126"/>
                                         </p:tgtEl>
                                       </p:cBhvr>
                                     </p:animEffect>
@@ -6259,7 +7781,7 @@
                                           </p:stCondLst>
                                         </p:cTn>
                                         <p:tgtEl>
-                                          <p:spTgt spid="94"/>
+                                          <p:spTgt spid="127"/>
                                         </p:tgtEl>
                                         <p:attrNameLst>
                                           <p:attrName>style.visibility</p:attrName>
@@ -6273,7 +7795,7 @@
                                       <p:cBhvr additive="repl">
                                         <p:cTn id="116" dur="500"/>
                                         <p:tgtEl>
-                                          <p:spTgt spid="94"/>
+                                          <p:spTgt spid="127"/>
                                         </p:tgtEl>
                                       </p:cBhvr>
                                     </p:animEffect>
@@ -6294,7 +7816,7 @@
                                           </p:stCondLst>
                                         </p:cTn>
                                         <p:tgtEl>
-                                          <p:spTgt spid="95"/>
+                                          <p:spTgt spid="128"/>
                                         </p:tgtEl>
                                         <p:attrNameLst>
                                           <p:attrName>style.visibility</p:attrName>
@@ -6308,7 +7830,7 @@
                                       <p:cBhvr additive="repl">
                                         <p:cTn id="119" dur="500"/>
                                         <p:tgtEl>
-                                          <p:spTgt spid="95"/>
+                                          <p:spTgt spid="128"/>
                                         </p:tgtEl>
                                       </p:cBhvr>
                                     </p:animEffect>
@@ -6365,18 +7887,22 @@
       </p:grpSpPr>
       <p:sp>
         <p:nvSpPr>
-          <p:cNvPr id="99" name="TextShape 1"/>
-          <p:cNvSpPr txBox="1"/>
+          <p:cNvPr id="132" name="CustomShape 1"/>
+          <p:cNvSpPr/>
           <p:nvPr/>
         </p:nvSpPr>
         <p:spPr>
           <a:xfrm>
             <a:off x="504000" y="301320"/>
-            <a:ext cx="9071640" cy="1262160"/>
-          </a:xfrm>
-          <a:prstGeom prst="rect">
-            <a:avLst/>
-          </a:prstGeom>
+            <a:ext cx="9071280" cy="1261800"/>
+          </a:xfrm>
+          <a:prstGeom prst="rect">
+            <a:avLst/>
+          </a:prstGeom>
+          <a:noFill/>
+          <a:ln>
+            <a:noFill/>
+          </a:ln>
         </p:spPr>
         <p:txBody>
           <a:bodyPr lIns="0" rIns="0" tIns="0" bIns="0" anchor="ctr"/>
@@ -6393,26 +7919,33 @@
       </p:sp>
       <p:sp>
         <p:nvSpPr>
-          <p:cNvPr id="100" name="TextShape 2"/>
-          <p:cNvSpPr txBox="1"/>
+          <p:cNvPr id="133" name="CustomShape 2"/>
+          <p:cNvSpPr/>
           <p:nvPr/>
         </p:nvSpPr>
         <p:spPr>
           <a:xfrm>
             <a:off x="504000" y="1769040"/>
-            <a:ext cx="9071640" cy="4384440"/>
-          </a:xfrm>
-          <a:prstGeom prst="rect">
-            <a:avLst/>
-          </a:prstGeom>
+            <a:ext cx="9071280" cy="4384080"/>
+          </a:xfrm>
+          <a:prstGeom prst="rect">
+            <a:avLst/>
+          </a:prstGeom>
+          <a:noFill/>
+          <a:ln>
+            <a:noFill/>
+          </a:ln>
         </p:spPr>
         <p:txBody>
           <a:bodyPr lIns="0" rIns="0" tIns="0" bIns="0"/>
           <a:p>
             <a:pPr>
+              <a:lnSpc>
+                <a:spcPct val="100000"/>
+              </a:lnSpc>
               <a:buSzPct val="45000"/>
               <a:buFont typeface="StarSymbol"/>
-              <a:buChar char=""/>
+              <a:buChar char="l"/>
             </a:pPr>
             <a:r>
               <a:rPr lang="en-US" sz="3200">
@@ -6424,9 +7957,9 @@
           </a:p>
           <a:p>
             <a:pPr>
-              <a:buSzPct val="45000"/>
-              <a:buFont typeface="StarSymbol"/>
-              <a:buChar char=""/>
+              <a:lnSpc>
+                <a:spcPct val="100000"/>
+              </a:lnSpc>
             </a:pPr>
             <a:endParaRPr/>
           </a:p>
@@ -6434,14 +7967,14 @@
       </p:sp>
       <p:sp>
         <p:nvSpPr>
-          <p:cNvPr id="101" name="CustomShape 3"/>
+          <p:cNvPr id="134" name="CustomShape 3"/>
           <p:cNvSpPr/>
           <p:nvPr/>
         </p:nvSpPr>
         <p:spPr>
           <a:xfrm>
             <a:off x="3017520" y="3017520"/>
-            <a:ext cx="4846320" cy="1554480"/>
+            <a:ext cx="4845960" cy="1554120"/>
           </a:xfrm>
           <a:prstGeom prst="rect">
             <a:avLst/>
@@ -6458,14 +7991,14 @@
       </p:sp>
       <p:sp>
         <p:nvSpPr>
-          <p:cNvPr id="102" name="CustomShape 4"/>
+          <p:cNvPr id="135" name="CustomShape 4"/>
           <p:cNvSpPr/>
           <p:nvPr/>
         </p:nvSpPr>
         <p:spPr>
           <a:xfrm>
             <a:off x="4846320" y="2560320"/>
-            <a:ext cx="1463040" cy="2926080"/>
+            <a:ext cx="1462680" cy="2925720"/>
           </a:xfrm>
           <a:prstGeom prst="rect">
             <a:avLst/>
@@ -6482,18 +8015,22 @@
       </p:sp>
       <p:sp>
         <p:nvSpPr>
-          <p:cNvPr id="103" name="TextShape 5"/>
-          <p:cNvSpPr txBox="1"/>
+          <p:cNvPr id="136" name="CustomShape 5"/>
+          <p:cNvSpPr/>
           <p:nvPr/>
         </p:nvSpPr>
         <p:spPr>
           <a:xfrm>
             <a:off x="4303440" y="2083680"/>
-            <a:ext cx="784080" cy="346320"/>
-          </a:xfrm>
-          <a:prstGeom prst="rect">
-            <a:avLst/>
-          </a:prstGeom>
+            <a:ext cx="783720" cy="345960"/>
+          </a:xfrm>
+          <a:prstGeom prst="rect">
+            <a:avLst/>
+          </a:prstGeom>
+          <a:noFill/>
+          <a:ln>
+            <a:noFill/>
+          </a:ln>
         </p:spPr>
         <p:txBody>
           <a:bodyPr lIns="90000" rIns="90000" tIns="45000" bIns="45000"/>
@@ -6510,18 +8047,22 @@
       </p:sp>
       <p:sp>
         <p:nvSpPr>
-          <p:cNvPr id="104" name="TextShape 6"/>
-          <p:cNvSpPr txBox="1"/>
+          <p:cNvPr id="137" name="CustomShape 6"/>
+          <p:cNvSpPr/>
           <p:nvPr/>
         </p:nvSpPr>
         <p:spPr>
           <a:xfrm>
             <a:off x="5342400" y="2560320"/>
-            <a:ext cx="514440" cy="346320"/>
-          </a:xfrm>
-          <a:prstGeom prst="rect">
-            <a:avLst/>
-          </a:prstGeom>
+            <a:ext cx="514080" cy="345960"/>
+          </a:xfrm>
+          <a:prstGeom prst="rect">
+            <a:avLst/>
+          </a:prstGeom>
+          <a:noFill/>
+          <a:ln>
+            <a:noFill/>
+          </a:ln>
         </p:spPr>
         <p:txBody>
           <a:bodyPr lIns="90000" rIns="90000" tIns="45000" bIns="45000"/>
@@ -6538,18 +8079,22 @@
       </p:sp>
       <p:sp>
         <p:nvSpPr>
-          <p:cNvPr id="105" name="TextShape 7"/>
-          <p:cNvSpPr txBox="1"/>
+          <p:cNvPr id="138" name="CustomShape 7"/>
+          <p:cNvSpPr/>
           <p:nvPr/>
         </p:nvSpPr>
         <p:spPr>
           <a:xfrm>
             <a:off x="2575440" y="2587680"/>
-            <a:ext cx="802440" cy="346320"/>
-          </a:xfrm>
-          <a:prstGeom prst="rect">
-            <a:avLst/>
-          </a:prstGeom>
+            <a:ext cx="802080" cy="345960"/>
+          </a:xfrm>
+          <a:prstGeom prst="rect">
+            <a:avLst/>
+          </a:prstGeom>
+          <a:noFill/>
+          <a:ln>
+            <a:noFill/>
+          </a:ln>
         </p:spPr>
         <p:txBody>
           <a:bodyPr lIns="90000" rIns="90000" tIns="45000" bIns="45000"/>
@@ -6566,18 +8111,22 @@
       </p:sp>
       <p:sp>
         <p:nvSpPr>
-          <p:cNvPr id="106" name="TextShape 8"/>
-          <p:cNvSpPr txBox="1"/>
+          <p:cNvPr id="139" name="CustomShape 8"/>
+          <p:cNvSpPr/>
           <p:nvPr/>
         </p:nvSpPr>
         <p:spPr>
           <a:xfrm>
             <a:off x="3830760" y="2992320"/>
-            <a:ext cx="523800" cy="346320"/>
-          </a:xfrm>
-          <a:prstGeom prst="rect">
-            <a:avLst/>
-          </a:prstGeom>
+            <a:ext cx="523440" cy="345960"/>
+          </a:xfrm>
+          <a:prstGeom prst="rect">
+            <a:avLst/>
+          </a:prstGeom>
+          <a:noFill/>
+          <a:ln>
+            <a:noFill/>
+          </a:ln>
         </p:spPr>
         <p:txBody>
           <a:bodyPr lIns="90000" rIns="90000" tIns="45000" bIns="45000"/>
@@ -6594,18 +8143,22 @@
       </p:sp>
       <p:sp>
         <p:nvSpPr>
-          <p:cNvPr id="107" name="TextShape 9"/>
-          <p:cNvSpPr txBox="1"/>
+          <p:cNvPr id="140" name="CustomShape 9"/>
+          <p:cNvSpPr/>
           <p:nvPr/>
         </p:nvSpPr>
         <p:spPr>
           <a:xfrm>
             <a:off x="3075120" y="3604320"/>
-            <a:ext cx="471960" cy="346320"/>
-          </a:xfrm>
-          <a:prstGeom prst="rect">
-            <a:avLst/>
-          </a:prstGeom>
+            <a:ext cx="471600" cy="345960"/>
+          </a:xfrm>
+          <a:prstGeom prst="rect">
+            <a:avLst/>
+          </a:prstGeom>
+          <a:noFill/>
+          <a:ln>
+            <a:noFill/>
+          </a:ln>
         </p:spPr>
         <p:txBody>
           <a:bodyPr lIns="90000" rIns="90000" tIns="45000" bIns="45000"/>
@@ -6622,18 +8175,22 @@
       </p:sp>
       <p:sp>
         <p:nvSpPr>
-          <p:cNvPr id="108" name="TextShape 10"/>
-          <p:cNvSpPr txBox="1"/>
+          <p:cNvPr id="141" name="CustomShape 10"/>
+          <p:cNvSpPr/>
           <p:nvPr/>
         </p:nvSpPr>
         <p:spPr>
           <a:xfrm>
             <a:off x="1371600" y="5669280"/>
-            <a:ext cx="4118760" cy="346320"/>
-          </a:xfrm>
-          <a:prstGeom prst="rect">
-            <a:avLst/>
-          </a:prstGeom>
+            <a:ext cx="4118400" cy="345960"/>
+          </a:xfrm>
+          <a:prstGeom prst="rect">
+            <a:avLst/>
+          </a:prstGeom>
+          <a:noFill/>
+          <a:ln>
+            <a:noFill/>
+          </a:ln>
         </p:spPr>
         <p:txBody>
           <a:bodyPr lIns="90000" rIns="90000" tIns="45000" bIns="45000"/>
@@ -6650,18 +8207,22 @@
       </p:sp>
       <p:sp>
         <p:nvSpPr>
-          <p:cNvPr id="109" name="TextShape 11"/>
-          <p:cNvSpPr txBox="1"/>
+          <p:cNvPr id="142" name="CustomShape 11"/>
+          <p:cNvSpPr/>
           <p:nvPr/>
         </p:nvSpPr>
         <p:spPr>
           <a:xfrm>
             <a:off x="1371960" y="6029280"/>
-            <a:ext cx="3978360" cy="346320"/>
-          </a:xfrm>
-          <a:prstGeom prst="rect">
-            <a:avLst/>
-          </a:prstGeom>
+            <a:ext cx="3978000" cy="345960"/>
+          </a:xfrm>
+          <a:prstGeom prst="rect">
+            <a:avLst/>
+          </a:prstGeom>
+          <a:noFill/>
+          <a:ln>
+            <a:noFill/>
+          </a:ln>
         </p:spPr>
         <p:txBody>
           <a:bodyPr lIns="90000" rIns="90000" tIns="45000" bIns="45000"/>
@@ -6678,14 +8239,14 @@
       </p:sp>
       <p:sp>
         <p:nvSpPr>
-          <p:cNvPr id="110" name="CustomShape 12"/>
+          <p:cNvPr id="143" name="CustomShape 12"/>
           <p:cNvSpPr/>
           <p:nvPr/>
         </p:nvSpPr>
         <p:spPr>
           <a:xfrm>
             <a:off x="4846320" y="3017520"/>
-            <a:ext cx="1463040" cy="1554480"/>
+            <a:ext cx="1462680" cy="1554120"/>
           </a:xfrm>
           <a:prstGeom prst="rect">
             <a:avLst/>
@@ -6702,18 +8263,22 @@
       </p:sp>
       <p:sp>
         <p:nvSpPr>
-          <p:cNvPr id="111" name="TextShape 13"/>
-          <p:cNvSpPr txBox="1"/>
+          <p:cNvPr id="144" name="CustomShape 13"/>
+          <p:cNvSpPr/>
           <p:nvPr/>
         </p:nvSpPr>
         <p:spPr>
           <a:xfrm>
             <a:off x="4839120" y="3532320"/>
-            <a:ext cx="471960" cy="346320"/>
-          </a:xfrm>
-          <a:prstGeom prst="rect">
-            <a:avLst/>
-          </a:prstGeom>
+            <a:ext cx="471600" cy="345960"/>
+          </a:xfrm>
+          <a:prstGeom prst="rect">
+            <a:avLst/>
+          </a:prstGeom>
+          <a:noFill/>
+          <a:ln>
+            <a:noFill/>
+          </a:ln>
         </p:spPr>
         <p:txBody>
           <a:bodyPr lIns="90000" rIns="90000" tIns="45000" bIns="45000"/>
@@ -6730,18 +8295,22 @@
       </p:sp>
       <p:sp>
         <p:nvSpPr>
-          <p:cNvPr id="112" name="TextShape 14"/>
-          <p:cNvSpPr txBox="1"/>
+          <p:cNvPr id="145" name="CustomShape 14"/>
+          <p:cNvSpPr/>
           <p:nvPr/>
         </p:nvSpPr>
         <p:spPr>
           <a:xfrm>
             <a:off x="1463040" y="6766560"/>
-            <a:ext cx="7480080" cy="649440"/>
-          </a:xfrm>
-          <a:prstGeom prst="rect">
-            <a:avLst/>
-          </a:prstGeom>
+            <a:ext cx="7479720" cy="649080"/>
+          </a:xfrm>
+          <a:prstGeom prst="rect">
+            <a:avLst/>
+          </a:prstGeom>
+          <a:noFill/>
+          <a:ln>
+            <a:noFill/>
+          </a:ln>
         </p:spPr>
         <p:txBody>
           <a:bodyPr lIns="90000" rIns="90000" tIns="45000" bIns="45000"/>
@@ -6864,18 +8433,22 @@
       </p:grpSpPr>
       <p:sp>
         <p:nvSpPr>
-          <p:cNvPr id="113" name="TextShape 1"/>
-          <p:cNvSpPr txBox="1"/>
+          <p:cNvPr id="146" name="CustomShape 1"/>
+          <p:cNvSpPr/>
           <p:nvPr/>
         </p:nvSpPr>
         <p:spPr>
           <a:xfrm>
             <a:off x="504000" y="301320"/>
-            <a:ext cx="9071640" cy="1262160"/>
-          </a:xfrm>
-          <a:prstGeom prst="rect">
-            <a:avLst/>
-          </a:prstGeom>
+            <a:ext cx="9071280" cy="1261800"/>
+          </a:xfrm>
+          <a:prstGeom prst="rect">
+            <a:avLst/>
+          </a:prstGeom>
+          <a:noFill/>
+          <a:ln>
+            <a:noFill/>
+          </a:ln>
         </p:spPr>
         <p:txBody>
           <a:bodyPr lIns="0" rIns="0" tIns="0" bIns="0" anchor="ctr"/>
@@ -6892,26 +8465,33 @@
       </p:sp>
       <p:sp>
         <p:nvSpPr>
-          <p:cNvPr id="114" name="TextShape 2"/>
-          <p:cNvSpPr txBox="1"/>
+          <p:cNvPr id="147" name="CustomShape 2"/>
+          <p:cNvSpPr/>
           <p:nvPr/>
         </p:nvSpPr>
         <p:spPr>
           <a:xfrm>
             <a:off x="504000" y="1769040"/>
-            <a:ext cx="9071640" cy="4384440"/>
-          </a:xfrm>
-          <a:prstGeom prst="rect">
-            <a:avLst/>
-          </a:prstGeom>
+            <a:ext cx="9071280" cy="4384080"/>
+          </a:xfrm>
+          <a:prstGeom prst="rect">
+            <a:avLst/>
+          </a:prstGeom>
+          <a:noFill/>
+          <a:ln>
+            <a:noFill/>
+          </a:ln>
         </p:spPr>
         <p:txBody>
           <a:bodyPr lIns="0" rIns="0" tIns="0" bIns="0"/>
           <a:p>
             <a:pPr>
+              <a:lnSpc>
+                <a:spcPct val="100000"/>
+              </a:lnSpc>
               <a:buSzPct val="45000"/>
               <a:buFont typeface="StarSymbol"/>
-              <a:buChar char=""/>
+              <a:buChar char="l"/>
             </a:pPr>
             <a:r>
               <a:rPr lang="en-US" sz="3200">
@@ -6925,14 +8505,14 @@
       </p:sp>
       <p:sp>
         <p:nvSpPr>
-          <p:cNvPr id="115" name="CustomShape 3"/>
+          <p:cNvPr id="148" name="CustomShape 3"/>
           <p:cNvSpPr/>
           <p:nvPr/>
         </p:nvSpPr>
         <p:spPr>
           <a:xfrm>
             <a:off x="1144440" y="2584800"/>
-            <a:ext cx="3703320" cy="2880360"/>
+            <a:ext cx="3702960" cy="2880000"/>
           </a:xfrm>
           <a:prstGeom prst="rect">
             <a:avLst/>
@@ -6949,14 +8529,14 @@
       </p:sp>
       <p:sp>
         <p:nvSpPr>
-          <p:cNvPr id="116" name="CustomShape 4"/>
+          <p:cNvPr id="149" name="CustomShape 4"/>
           <p:cNvSpPr/>
           <p:nvPr/>
         </p:nvSpPr>
         <p:spPr>
           <a:xfrm>
             <a:off x="1144440" y="2584800"/>
-            <a:ext cx="1783080" cy="1051560"/>
+            <a:ext cx="1782720" cy="1051200"/>
           </a:xfrm>
           <a:prstGeom prst="rect">
             <a:avLst/>
@@ -6973,14 +8553,14 @@
       </p:sp>
       <p:sp>
         <p:nvSpPr>
-          <p:cNvPr id="117" name="CustomShape 5"/>
+          <p:cNvPr id="150" name="CustomShape 5"/>
           <p:cNvSpPr/>
           <p:nvPr/>
         </p:nvSpPr>
         <p:spPr>
           <a:xfrm>
             <a:off x="1136160" y="3651120"/>
-            <a:ext cx="1234440" cy="1188720"/>
+            <a:ext cx="1234080" cy="1188360"/>
           </a:xfrm>
           <a:prstGeom prst="rect">
             <a:avLst/>
@@ -6997,7 +8577,7 @@
       </p:sp>
       <p:sp>
         <p:nvSpPr>
-          <p:cNvPr id="118" name="Line 6"/>
+          <p:cNvPr id="151" name="Line 6"/>
           <p:cNvSpPr/>
           <p:nvPr/>
         </p:nvSpPr>
@@ -7018,7 +8598,7 @@
       </p:sp>
       <p:sp>
         <p:nvSpPr>
-          <p:cNvPr id="119" name="Line 7"/>
+          <p:cNvPr id="152" name="Line 7"/>
           <p:cNvSpPr/>
           <p:nvPr/>
         </p:nvSpPr>
@@ -7039,7 +8619,7 @@
       </p:sp>
       <p:sp>
         <p:nvSpPr>
-          <p:cNvPr id="120" name="Line 8"/>
+          <p:cNvPr id="153" name="Line 8"/>
           <p:cNvSpPr/>
           <p:nvPr/>
         </p:nvSpPr>
@@ -7060,14 +8640,14 @@
       </p:sp>
       <p:sp>
         <p:nvSpPr>
-          <p:cNvPr id="121" name="CustomShape 9"/>
+          <p:cNvPr id="154" name="CustomShape 9"/>
           <p:cNvSpPr/>
           <p:nvPr/>
         </p:nvSpPr>
         <p:spPr>
           <a:xfrm>
             <a:off x="2931840" y="2584800"/>
-            <a:ext cx="640080" cy="1311840"/>
+            <a:ext cx="639720" cy="1311480"/>
           </a:xfrm>
           <a:prstGeom prst="rect">
             <a:avLst/>
@@ -7084,7 +8664,7 @@
       </p:sp>
       <p:sp>
         <p:nvSpPr>
-          <p:cNvPr id="122" name="Line 10"/>
+          <p:cNvPr id="155" name="Line 10"/>
           <p:cNvSpPr/>
           <p:nvPr/>
         </p:nvSpPr>
@@ -7105,7 +8685,7 @@
       </p:sp>
       <p:sp>
         <p:nvSpPr>
-          <p:cNvPr id="123" name="Line 11"/>
+          <p:cNvPr id="156" name="Line 11"/>
           <p:cNvSpPr/>
           <p:nvPr/>
         </p:nvSpPr>
@@ -7126,7 +8706,7 @@
       </p:sp>
       <p:sp>
         <p:nvSpPr>
-          <p:cNvPr id="124" name="Line 12"/>
+          <p:cNvPr id="157" name="Line 12"/>
           <p:cNvSpPr/>
           <p:nvPr/>
         </p:nvSpPr>
@@ -7147,14 +8727,14 @@
       </p:sp>
       <p:sp>
         <p:nvSpPr>
-          <p:cNvPr id="125" name="CustomShape 13"/>
+          <p:cNvPr id="158" name="CustomShape 13"/>
           <p:cNvSpPr/>
           <p:nvPr/>
         </p:nvSpPr>
         <p:spPr>
           <a:xfrm>
             <a:off x="3571920" y="2584800"/>
-            <a:ext cx="1275840" cy="2880360"/>
+            <a:ext cx="1275480" cy="2880000"/>
           </a:xfrm>
           <a:prstGeom prst="rect">
             <a:avLst/>
@@ -7171,14 +8751,14 @@
       </p:sp>
       <p:sp>
         <p:nvSpPr>
-          <p:cNvPr id="126" name="CustomShape 14"/>
+          <p:cNvPr id="159" name="CustomShape 14"/>
           <p:cNvSpPr/>
           <p:nvPr/>
         </p:nvSpPr>
         <p:spPr>
           <a:xfrm>
             <a:off x="2370600" y="3895920"/>
-            <a:ext cx="2477160" cy="1569240"/>
+            <a:ext cx="2476800" cy="1568880"/>
           </a:xfrm>
           <a:prstGeom prst="rect">
             <a:avLst/>
@@ -7195,14 +8775,14 @@
       </p:sp>
       <p:sp>
         <p:nvSpPr>
-          <p:cNvPr id="127" name="CustomShape 15"/>
+          <p:cNvPr id="160" name="CustomShape 15"/>
           <p:cNvSpPr/>
           <p:nvPr/>
         </p:nvSpPr>
         <p:spPr>
           <a:xfrm>
             <a:off x="2370600" y="3636360"/>
-            <a:ext cx="556920" cy="1828800"/>
+            <a:ext cx="556560" cy="1828440"/>
           </a:xfrm>
           <a:prstGeom prst="rect">
             <a:avLst/>
@@ -7219,14 +8799,14 @@
       </p:sp>
       <p:sp>
         <p:nvSpPr>
-          <p:cNvPr id="128" name="CustomShape 16"/>
+          <p:cNvPr id="161" name="CustomShape 16"/>
           <p:cNvSpPr/>
           <p:nvPr/>
         </p:nvSpPr>
         <p:spPr>
           <a:xfrm>
             <a:off x="1136160" y="4839840"/>
-            <a:ext cx="3711600" cy="625320"/>
+            <a:ext cx="3711240" cy="624960"/>
           </a:xfrm>
           <a:prstGeom prst="rect">
             <a:avLst/>
@@ -7277,7 +8857,7 @@
                                           </p:stCondLst>
                                         </p:cTn>
                                         <p:tgtEl>
-                                          <p:spTgt spid="125"/>
+                                          <p:spTgt spid="158"/>
                                         </p:tgtEl>
                                         <p:attrNameLst>
                                           <p:attrName>style.visibility</p:attrName>
@@ -7291,7 +8871,7 @@
                                       <p:cBhvr additive="repl">
                                         <p:cTn id="128" dur="500"/>
                                         <p:tgtEl>
-                                          <p:spTgt spid="125"/>
+                                          <p:spTgt spid="158"/>
                                         </p:tgtEl>
                                       </p:cBhvr>
                                     </p:animEffect>
@@ -7326,7 +8906,7 @@
                                       <p:cBhvr additive="repl">
                                         <p:cTn id="132" dur="500"/>
                                         <p:tgtEl>
-                                          <p:spTgt spid="125"/>
+                                          <p:spTgt spid="158"/>
                                         </p:tgtEl>
                                       </p:cBhvr>
                                     </p:animEffect>
@@ -7338,7 +8918,7 @@
                                           </p:stCondLst>
                                         </p:cTn>
                                         <p:tgtEl>
-                                          <p:spTgt spid="125"/>
+                                          <p:spTgt spid="158"/>
                                         </p:tgtEl>
                                         <p:attrNameLst>
                                           <p:attrName>style.visibility</p:attrName>
@@ -7383,7 +8963,7 @@
                                           </p:stCondLst>
                                         </p:cTn>
                                         <p:tgtEl>
-                                          <p:spTgt spid="126"/>
+                                          <p:spTgt spid="159"/>
                                         </p:tgtEl>
                                         <p:attrNameLst>
                                           <p:attrName>style.visibility</p:attrName>
@@ -7397,7 +8977,7 @@
                                       <p:cBhvr additive="repl">
                                         <p:cTn id="138" dur="500"/>
                                         <p:tgtEl>
-                                          <p:spTgt spid="126"/>
+                                          <p:spTgt spid="159"/>
                                         </p:tgtEl>
                                       </p:cBhvr>
                                     </p:animEffect>
@@ -7432,7 +9012,7 @@
                                       <p:cBhvr additive="repl">
                                         <p:cTn id="142" dur="500"/>
                                         <p:tgtEl>
-                                          <p:spTgt spid="126"/>
+                                          <p:spTgt spid="159"/>
                                         </p:tgtEl>
                                       </p:cBhvr>
                                     </p:animEffect>
@@ -7444,7 +9024,7 @@
                                           </p:stCondLst>
                                         </p:cTn>
                                         <p:tgtEl>
-                                          <p:spTgt spid="126"/>
+                                          <p:spTgt spid="159"/>
                                         </p:tgtEl>
                                         <p:attrNameLst>
                                           <p:attrName>style.visibility</p:attrName>
@@ -7489,7 +9069,7 @@
                                           </p:stCondLst>
                                         </p:cTn>
                                         <p:tgtEl>
-                                          <p:spTgt spid="127"/>
+                                          <p:spTgt spid="160"/>
                                         </p:tgtEl>
                                         <p:attrNameLst>
                                           <p:attrName>style.visibility</p:attrName>
@@ -7503,7 +9083,7 @@
                                       <p:cBhvr additive="repl">
                                         <p:cTn id="148" dur="500"/>
                                         <p:tgtEl>
-                                          <p:spTgt spid="127"/>
+                                          <p:spTgt spid="160"/>
                                         </p:tgtEl>
                                       </p:cBhvr>
                                     </p:animEffect>
@@ -7538,7 +9118,7 @@
                                       <p:cBhvr additive="repl">
                                         <p:cTn id="152" dur="500"/>
                                         <p:tgtEl>
-                                          <p:spTgt spid="127"/>
+                                          <p:spTgt spid="160"/>
                                         </p:tgtEl>
                                       </p:cBhvr>
                                     </p:animEffect>
@@ -7550,7 +9130,7 @@
                                           </p:stCondLst>
                                         </p:cTn>
                                         <p:tgtEl>
-                                          <p:spTgt spid="127"/>
+                                          <p:spTgt spid="160"/>
                                         </p:tgtEl>
                                         <p:attrNameLst>
                                           <p:attrName>style.visibility</p:attrName>
@@ -7595,7 +9175,7 @@
                                           </p:stCondLst>
                                         </p:cTn>
                                         <p:tgtEl>
-                                          <p:spTgt spid="128"/>
+                                          <p:spTgt spid="161"/>
                                         </p:tgtEl>
                                         <p:attrNameLst>
                                           <p:attrName>style.visibility</p:attrName>
@@ -7609,7 +9189,7 @@
                                       <p:cBhvr additive="repl">
                                         <p:cTn id="158" dur="500"/>
                                         <p:tgtEl>
-                                          <p:spTgt spid="128"/>
+                                          <p:spTgt spid="161"/>
                                         </p:tgtEl>
                                       </p:cBhvr>
                                     </p:animEffect>
@@ -7644,7 +9224,7 @@
                                       <p:cBhvr additive="repl">
                                         <p:cTn id="162" dur="500"/>
                                         <p:tgtEl>
-                                          <p:spTgt spid="128"/>
+                                          <p:spTgt spid="161"/>
                                         </p:tgtEl>
                                       </p:cBhvr>
                                     </p:animEffect>
@@ -7656,7 +9236,7 @@
                                           </p:stCondLst>
                                         </p:cTn>
                                         <p:tgtEl>
-                                          <p:spTgt spid="128"/>
+                                          <p:spTgt spid="161"/>
                                         </p:tgtEl>
                                         <p:attrNameLst>
                                           <p:attrName>style.visibility</p:attrName>
@@ -7921,4 +9501,227 @@
     </a:fmtScheme>
   </a:themeElements>
 </a:theme>
+</file>
+
+<file path=ppt/theme/theme2.xml><?xml version="1.0" encoding="utf-8"?>
+<a:theme xmlns:a="http://schemas.openxmlformats.org/drawingml/2006/main" name="Office Theme">
+  <a:themeElements>
+    <a:clrScheme name="Office">
+      <a:dk1>
+        <a:sysClr val="windowText" lastClr="000000"/>
+      </a:dk1>
+      <a:lt1>
+        <a:sysClr val="window" lastClr="FFFFFF"/>
+      </a:lt1>
+      <a:dk2>
+        <a:srgbClr val="1F497D"/>
+      </a:dk2>
+      <a:lt2>
+        <a:srgbClr val="EEECE1"/>
+      </a:lt2>
+      <a:accent1>
+        <a:srgbClr val="4F81BD"/>
+      </a:accent1>
+      <a:accent2>
+        <a:srgbClr val="C0504D"/>
+      </a:accent2>
+      <a:accent3>
+        <a:srgbClr val="9BBB59"/>
+      </a:accent3>
+      <a:accent4>
+        <a:srgbClr val="8064A2"/>
+      </a:accent4>
+      <a:accent5>
+        <a:srgbClr val="4BACC6"/>
+      </a:accent5>
+      <a:accent6>
+        <a:srgbClr val="F79646"/>
+      </a:accent6>
+      <a:hlink>
+        <a:srgbClr val="0000FF"/>
+      </a:hlink>
+      <a:folHlink>
+        <a:srgbClr val="800080"/>
+      </a:folHlink>
+    </a:clrScheme>
+    <a:fontScheme name="Office">
+      <a:majorFont>
+        <a:latin typeface="Arial"/>
+        <a:ea typeface="DejaVu Sans"/>
+        <a:cs typeface="DejaVu Sans"/>
+      </a:majorFont>
+      <a:minorFont>
+        <a:latin typeface="Arial"/>
+        <a:ea typeface="DejaVu Sans"/>
+        <a:cs typeface="DejaVu Sans"/>
+      </a:minorFont>
+    </a:fontScheme>
+    <a:fmtScheme name="Office">
+      <a:fillStyleLst>
+        <a:solidFill>
+          <a:schemeClr val="phClr"/>
+        </a:solidFill>
+        <a:gradFill rotWithShape="1">
+          <a:gsLst>
+            <a:gs pos="0">
+              <a:schemeClr val="phClr">
+                <a:tint val="50000"/>
+                <a:satMod val="300000"/>
+              </a:schemeClr>
+            </a:gs>
+            <a:gs pos="35000">
+              <a:schemeClr val="phClr">
+                <a:tint val="37000"/>
+                <a:satMod val="300000"/>
+              </a:schemeClr>
+            </a:gs>
+            <a:gs pos="100000">
+              <a:schemeClr val="phClr">
+                <a:tint val="15000"/>
+                <a:satMod val="350000"/>
+              </a:schemeClr>
+            </a:gs>
+          </a:gsLst>
+          <a:lin ang="16200000" scaled="1"/>
+        </a:gradFill>
+        <a:gradFill rotWithShape="1">
+          <a:gsLst>
+            <a:gs pos="0">
+              <a:schemeClr val="phClr">
+                <a:shade val="51000"/>
+                <a:satMod val="130000"/>
+              </a:schemeClr>
+            </a:gs>
+            <a:gs pos="80000">
+              <a:schemeClr val="phClr">
+                <a:shade val="93000"/>
+                <a:satMod val="130000"/>
+              </a:schemeClr>
+            </a:gs>
+            <a:gs pos="100000">
+              <a:schemeClr val="phClr">
+                <a:shade val="94000"/>
+                <a:satMod val="135000"/>
+              </a:schemeClr>
+            </a:gs>
+          </a:gsLst>
+          <a:lin ang="16200000" scaled="0"/>
+        </a:gradFill>
+      </a:fillStyleLst>
+      <a:lnStyleLst>
+        <a:ln w="9525" cap="flat" cmpd="sng" algn="ctr">
+          <a:solidFill>
+            <a:schemeClr val="phClr">
+              <a:shade val="95000"/>
+              <a:satMod val="105000"/>
+            </a:schemeClr>
+          </a:solidFill>
+          <a:prstDash val="solid"/>
+        </a:ln>
+        <a:ln w="25400" cap="flat" cmpd="sng" algn="ctr">
+          <a:solidFill>
+            <a:schemeClr val="phClr"/>
+          </a:solidFill>
+          <a:prstDash val="solid"/>
+        </a:ln>
+        <a:ln w="38100" cap="flat" cmpd="sng" algn="ctr">
+          <a:solidFill>
+            <a:schemeClr val="phClr"/>
+          </a:solidFill>
+          <a:prstDash val="solid"/>
+        </a:ln>
+      </a:lnStyleLst>
+      <a:effectStyleLst>
+        <a:effectStyle>
+          <a:effectLst>
+            <a:outerShdw blurRad="40000" dist="20000" dir="5400000" rotWithShape="0">
+              <a:srgbClr val="000000">
+                <a:alpha val="38000"/>
+              </a:srgbClr>
+            </a:outerShdw>
+          </a:effectLst>
+        </a:effectStyle>
+        <a:effectStyle>
+          <a:effectLst>
+            <a:outerShdw blurRad="40000" dist="23000" dir="5400000" rotWithShape="0">
+              <a:srgbClr val="000000">
+                <a:alpha val="35000"/>
+              </a:srgbClr>
+            </a:outerShdw>
+          </a:effectLst>
+        </a:effectStyle>
+        <a:effectStyle>
+          <a:effectLst>
+            <a:outerShdw blurRad="40000" dist="23000" dir="5400000" rotWithShape="0">
+              <a:srgbClr val="000000">
+                <a:alpha val="35000"/>
+              </a:srgbClr>
+            </a:outerShdw>
+          </a:effectLst>
+          <a:scene3d>
+            <a:camera prst="orthographicFront">
+              <a:rot lat="0" lon="0" rev="0"/>
+            </a:camera>
+            <a:lightRig rig="threePt" dir="t">
+              <a:rot lat="0" lon="0" rev="1200000"/>
+            </a:lightRig>
+          </a:scene3d>
+          <a:sp3d>
+            <a:bevelT w="63500" h="25400"/>
+          </a:sp3d>
+        </a:effectStyle>
+      </a:effectStyleLst>
+      <a:bgFillStyleLst>
+        <a:solidFill>
+          <a:schemeClr val="phClr"/>
+        </a:solidFill>
+        <a:gradFill rotWithShape="1">
+          <a:gsLst>
+            <a:gs pos="0">
+              <a:schemeClr val="phClr">
+                <a:tint val="40000"/>
+                <a:satMod val="350000"/>
+              </a:schemeClr>
+            </a:gs>
+            <a:gs pos="40000">
+              <a:schemeClr val="phClr">
+                <a:tint val="45000"/>
+                <a:shade val="99000"/>
+                <a:satMod val="350000"/>
+              </a:schemeClr>
+            </a:gs>
+            <a:gs pos="100000">
+              <a:schemeClr val="phClr">
+                <a:shade val="20000"/>
+                <a:satMod val="255000"/>
+              </a:schemeClr>
+            </a:gs>
+          </a:gsLst>
+          <a:path path="circle">
+            <a:fillToRect l="50000" t="-80000" r="50000" b="180000"/>
+          </a:path>
+        </a:gradFill>
+        <a:gradFill rotWithShape="1">
+          <a:gsLst>
+            <a:gs pos="0">
+              <a:schemeClr val="phClr">
+                <a:tint val="80000"/>
+                <a:satMod val="300000"/>
+              </a:schemeClr>
+            </a:gs>
+            <a:gs pos="100000">
+              <a:schemeClr val="phClr">
+                <a:shade val="30000"/>
+                <a:satMod val="200000"/>
+              </a:schemeClr>
+            </a:gs>
+          </a:gsLst>
+          <a:path path="circle">
+            <a:fillToRect l="50000" t="50000" r="50000" b="50000"/>
+          </a:path>
+        </a:gradFill>
+      </a:bgFillStyleLst>
+    </a:fmtScheme>
+  </a:themeElements>
+</a:theme>
 </file>
--- a/old_test/imerge.pptx
+++ b/old_test/imerge.pptx
@@ -1,31 +1,129 @@
 
 <file path=ppt/presentation.xml><?xml version="1.0" encoding="utf-8"?>
-<p:presentation xmlns:a="http://schemas.openxmlformats.org/drawingml/2006/main" xmlns:p="http://schemas.openxmlformats.org/presentationml/2006/main" xmlns:r="http://schemas.openxmlformats.org/officeDocument/2006/relationships">
+<p:presentation xmlns:a="http://schemas.openxmlformats.org/drawingml/2006/main" xmlns:r="http://schemas.openxmlformats.org/officeDocument/2006/relationships" xmlns:p="http://schemas.openxmlformats.org/presentationml/2006/main">
   <p:sldMasterIdLst>
-    <p:sldMasterId id="2147483648" r:id="rId2"/>
-    <p:sldMasterId id="2147483661" r:id="rId3"/>
+    <p:sldMasterId id="2147483648" r:id="rId1"/>
+    <p:sldMasterId id="2147483661" r:id="rId2"/>
   </p:sldMasterIdLst>
   <p:sldIdLst>
-    <p:sldId id="256" r:id="rId4"/>
-    <p:sldId id="257" r:id="rId5"/>
-    <p:sldId id="258" r:id="rId6"/>
-    <p:sldId id="259" r:id="rId7"/>
-    <p:sldId id="260" r:id="rId8"/>
-    <p:sldId id="261" r:id="rId9"/>
-    <p:sldId id="262" r:id="rId10"/>
-    <p:sldId id="263" r:id="rId11"/>
-    <p:sldId id="264" r:id="rId12"/>
-    <p:sldId id="265" r:id="rId13"/>
-    <p:sldId id="266" r:id="rId14"/>
-    <p:sldId id="267" r:id="rId15"/>
+    <p:sldId id="256" r:id="rId3"/>
+    <p:sldId id="257" r:id="rId4"/>
+    <p:sldId id="258" r:id="rId5"/>
+    <p:sldId id="259" r:id="rId6"/>
+    <p:sldId id="260" r:id="rId7"/>
+    <p:sldId id="261" r:id="rId8"/>
+    <p:sldId id="262" r:id="rId9"/>
+    <p:sldId id="263" r:id="rId10"/>
+    <p:sldId id="264" r:id="rId11"/>
+    <p:sldId id="265" r:id="rId12"/>
+    <p:sldId id="270" r:id="rId13"/>
+    <p:sldId id="269" r:id="rId14"/>
+    <p:sldId id="271" r:id="rId15"/>
+    <p:sldId id="266" r:id="rId16"/>
+    <p:sldId id="267" r:id="rId17"/>
   </p:sldIdLst>
   <p:sldSz cx="10080625" cy="7559675"/>
-  <p:notesSz cx="7559675" cy="10691812"/>
+  <p:notesSz cx="7559675" cy="10691813"/>
+  <p:defaultTextStyle>
+    <a:defPPr>
+      <a:defRPr lang="zh-CN"/>
+    </a:defPPr>
+    <a:lvl1pPr marL="0" algn="l" defTabSz="914400" rtl="0" eaLnBrk="1" latinLnBrk="0" hangingPunct="1">
+      <a:defRPr sz="1800" kern="1200">
+        <a:solidFill>
+          <a:schemeClr val="tx1"/>
+        </a:solidFill>
+        <a:latin typeface="+mn-lt"/>
+        <a:ea typeface="+mn-ea"/>
+        <a:cs typeface="+mn-cs"/>
+      </a:defRPr>
+    </a:lvl1pPr>
+    <a:lvl2pPr marL="457200" algn="l" defTabSz="914400" rtl="0" eaLnBrk="1" latinLnBrk="0" hangingPunct="1">
+      <a:defRPr sz="1800" kern="1200">
+        <a:solidFill>
+          <a:schemeClr val="tx1"/>
+        </a:solidFill>
+        <a:latin typeface="+mn-lt"/>
+        <a:ea typeface="+mn-ea"/>
+        <a:cs typeface="+mn-cs"/>
+      </a:defRPr>
+    </a:lvl2pPr>
+    <a:lvl3pPr marL="914400" algn="l" defTabSz="914400" rtl="0" eaLnBrk="1" latinLnBrk="0" hangingPunct="1">
+      <a:defRPr sz="1800" kern="1200">
+        <a:solidFill>
+          <a:schemeClr val="tx1"/>
+        </a:solidFill>
+        <a:latin typeface="+mn-lt"/>
+        <a:ea typeface="+mn-ea"/>
+        <a:cs typeface="+mn-cs"/>
+      </a:defRPr>
+    </a:lvl3pPr>
+    <a:lvl4pPr marL="1371600" algn="l" defTabSz="914400" rtl="0" eaLnBrk="1" latinLnBrk="0" hangingPunct="1">
+      <a:defRPr sz="1800" kern="1200">
+        <a:solidFill>
+          <a:schemeClr val="tx1"/>
+        </a:solidFill>
+        <a:latin typeface="+mn-lt"/>
+        <a:ea typeface="+mn-ea"/>
+        <a:cs typeface="+mn-cs"/>
+      </a:defRPr>
+    </a:lvl4pPr>
+    <a:lvl5pPr marL="1828800" algn="l" defTabSz="914400" rtl="0" eaLnBrk="1" latinLnBrk="0" hangingPunct="1">
+      <a:defRPr sz="1800" kern="1200">
+        <a:solidFill>
+          <a:schemeClr val="tx1"/>
+        </a:solidFill>
+        <a:latin typeface="+mn-lt"/>
+        <a:ea typeface="+mn-ea"/>
+        <a:cs typeface="+mn-cs"/>
+      </a:defRPr>
+    </a:lvl5pPr>
+    <a:lvl6pPr marL="2286000" algn="l" defTabSz="914400" rtl="0" eaLnBrk="1" latinLnBrk="0" hangingPunct="1">
+      <a:defRPr sz="1800" kern="1200">
+        <a:solidFill>
+          <a:schemeClr val="tx1"/>
+        </a:solidFill>
+        <a:latin typeface="+mn-lt"/>
+        <a:ea typeface="+mn-ea"/>
+        <a:cs typeface="+mn-cs"/>
+      </a:defRPr>
+    </a:lvl6pPr>
+    <a:lvl7pPr marL="2743200" algn="l" defTabSz="914400" rtl="0" eaLnBrk="1" latinLnBrk="0" hangingPunct="1">
+      <a:defRPr sz="1800" kern="1200">
+        <a:solidFill>
+          <a:schemeClr val="tx1"/>
+        </a:solidFill>
+        <a:latin typeface="+mn-lt"/>
+        <a:ea typeface="+mn-ea"/>
+        <a:cs typeface="+mn-cs"/>
+      </a:defRPr>
+    </a:lvl7pPr>
+    <a:lvl8pPr marL="3200400" algn="l" defTabSz="914400" rtl="0" eaLnBrk="1" latinLnBrk="0" hangingPunct="1">
+      <a:defRPr sz="1800" kern="1200">
+        <a:solidFill>
+          <a:schemeClr val="tx1"/>
+        </a:solidFill>
+        <a:latin typeface="+mn-lt"/>
+        <a:ea typeface="+mn-ea"/>
+        <a:cs typeface="+mn-cs"/>
+      </a:defRPr>
+    </a:lvl8pPr>
+    <a:lvl9pPr marL="3657600" algn="l" defTabSz="914400" rtl="0" eaLnBrk="1" latinLnBrk="0" hangingPunct="1">
+      <a:defRPr sz="1800" kern="1200">
+        <a:solidFill>
+          <a:schemeClr val="tx1"/>
+        </a:solidFill>
+        <a:latin typeface="+mn-lt"/>
+        <a:ea typeface="+mn-ea"/>
+        <a:cs typeface="+mn-cs"/>
+      </a:defRPr>
+    </a:lvl9pPr>
+  </p:defaultTextStyle>
 </p:presentation>
 </file>
 
 <file path=ppt/slideLayouts/slideLayout1.xml><?xml version="1.0" encoding="utf-8"?>
-<p:sldLayout xmlns:a="http://schemas.openxmlformats.org/drawingml/2006/main" xmlns:p="http://schemas.openxmlformats.org/presentationml/2006/main" xmlns:r="http://schemas.openxmlformats.org/officeDocument/2006/relationships" type="blank" preserve="1">
+<p:sldLayout xmlns:a="http://schemas.openxmlformats.org/drawingml/2006/main" xmlns:r="http://schemas.openxmlformats.org/officeDocument/2006/relationships" xmlns:p="http://schemas.openxmlformats.org/presentationml/2006/main" type="blank" preserve="1">
   <p:cSld name="Blank Slide">
     <p:spTree>
       <p:nvGrpSpPr>
@@ -43,11 +141,14 @@
       </p:grpSpPr>
     </p:spTree>
   </p:cSld>
+  <p:clrMapOvr>
+    <a:masterClrMapping/>
+  </p:clrMapOvr>
 </p:sldLayout>
 </file>
 
 <file path=ppt/slideLayouts/slideLayout10.xml><?xml version="1.0" encoding="utf-8"?>
-<p:sldLayout xmlns:a="http://schemas.openxmlformats.org/drawingml/2006/main" xmlns:p="http://schemas.openxmlformats.org/presentationml/2006/main" xmlns:r="http://schemas.openxmlformats.org/officeDocument/2006/relationships" type="objOverTx" preserve="1">
+<p:sldLayout xmlns:a="http://schemas.openxmlformats.org/drawingml/2006/main" xmlns:r="http://schemas.openxmlformats.org/officeDocument/2006/relationships" xmlns:p="http://schemas.openxmlformats.org/presentationml/2006/main" type="objOverTx" preserve="1">
   <p:cSld name="Title, Content over Content">
     <p:spTree>
       <p:nvGrpSpPr>
@@ -83,7 +184,8 @@
           </a:prstGeom>
         </p:spPr>
         <p:txBody>
-          <a:bodyPr lIns="0" rIns="0" tIns="0" bIns="0" anchor="ctr"/>
+          <a:bodyPr lIns="0" tIns="0" rIns="0" bIns="0" anchor="ctr"/>
+          <a:lstStyle/>
           <a:p>
             <a:pPr algn="ctr"/>
             <a:endParaRPr/>
@@ -110,7 +212,8 @@
           </a:prstGeom>
         </p:spPr>
         <p:txBody>
-          <a:bodyPr lIns="0" rIns="0" tIns="0" bIns="0"/>
+          <a:bodyPr lIns="0" tIns="0" rIns="0" bIns="0"/>
+          <a:lstStyle/>
           <a:p>
             <a:endParaRPr/>
           </a:p>
@@ -136,7 +239,8 @@
           </a:prstGeom>
         </p:spPr>
         <p:txBody>
-          <a:bodyPr lIns="0" rIns="0" tIns="0" bIns="0"/>
+          <a:bodyPr lIns="0" tIns="0" rIns="0" bIns="0"/>
+          <a:lstStyle/>
           <a:p>
             <a:endParaRPr/>
           </a:p>
@@ -144,11 +248,14 @@
       </p:sp>
     </p:spTree>
   </p:cSld>
+  <p:clrMapOvr>
+    <a:masterClrMapping/>
+  </p:clrMapOvr>
 </p:sldLayout>
 </file>
 
 <file path=ppt/slideLayouts/slideLayout11.xml><?xml version="1.0" encoding="utf-8"?>
-<p:sldLayout xmlns:a="http://schemas.openxmlformats.org/drawingml/2006/main" xmlns:p="http://schemas.openxmlformats.org/presentationml/2006/main" xmlns:r="http://schemas.openxmlformats.org/officeDocument/2006/relationships" type="fourObj" preserve="1">
+<p:sldLayout xmlns:a="http://schemas.openxmlformats.org/drawingml/2006/main" xmlns:r="http://schemas.openxmlformats.org/officeDocument/2006/relationships" xmlns:p="http://schemas.openxmlformats.org/presentationml/2006/main" type="fourObj" preserve="1">
   <p:cSld name="Title, 4 Content">
     <p:spTree>
       <p:nvGrpSpPr>
@@ -184,7 +291,8 @@
           </a:prstGeom>
         </p:spPr>
         <p:txBody>
-          <a:bodyPr lIns="0" rIns="0" tIns="0" bIns="0" anchor="ctr"/>
+          <a:bodyPr lIns="0" tIns="0" rIns="0" bIns="0" anchor="ctr"/>
+          <a:lstStyle/>
           <a:p>
             <a:pPr algn="ctr"/>
             <a:endParaRPr/>
@@ -211,7 +319,8 @@
           </a:prstGeom>
         </p:spPr>
         <p:txBody>
-          <a:bodyPr lIns="0" rIns="0" tIns="0" bIns="0"/>
+          <a:bodyPr lIns="0" tIns="0" rIns="0" bIns="0"/>
+          <a:lstStyle/>
           <a:p>
             <a:endParaRPr/>
           </a:p>
@@ -237,7 +346,8 @@
           </a:prstGeom>
         </p:spPr>
         <p:txBody>
-          <a:bodyPr lIns="0" rIns="0" tIns="0" bIns="0"/>
+          <a:bodyPr lIns="0" tIns="0" rIns="0" bIns="0"/>
+          <a:lstStyle/>
           <a:p>
             <a:endParaRPr/>
           </a:p>
@@ -263,7 +373,8 @@
           </a:prstGeom>
         </p:spPr>
         <p:txBody>
-          <a:bodyPr lIns="0" rIns="0" tIns="0" bIns="0"/>
+          <a:bodyPr lIns="0" tIns="0" rIns="0" bIns="0"/>
+          <a:lstStyle/>
           <a:p>
             <a:endParaRPr/>
           </a:p>
@@ -289,7 +400,8 @@
           </a:prstGeom>
         </p:spPr>
         <p:txBody>
-          <a:bodyPr lIns="0" rIns="0" tIns="0" bIns="0"/>
+          <a:bodyPr lIns="0" tIns="0" rIns="0" bIns="0"/>
+          <a:lstStyle/>
           <a:p>
             <a:endParaRPr/>
           </a:p>
@@ -297,11 +409,14 @@
       </p:sp>
     </p:spTree>
   </p:cSld>
+  <p:clrMapOvr>
+    <a:masterClrMapping/>
+  </p:clrMapOvr>
 </p:sldLayout>
 </file>
 
 <file path=ppt/slideLayouts/slideLayout12.xml><?xml version="1.0" encoding="utf-8"?>
-<p:sldLayout xmlns:a="http://schemas.openxmlformats.org/drawingml/2006/main" xmlns:p="http://schemas.openxmlformats.org/presentationml/2006/main" xmlns:r="http://schemas.openxmlformats.org/officeDocument/2006/relationships" type="blank" preserve="1">
+<p:sldLayout xmlns:a="http://schemas.openxmlformats.org/drawingml/2006/main" xmlns:r="http://schemas.openxmlformats.org/officeDocument/2006/relationships" xmlns:p="http://schemas.openxmlformats.org/presentationml/2006/main" type="blank" preserve="1">
   <p:cSld name="Title, 6 Content">
     <p:spTree>
       <p:nvGrpSpPr>
@@ -337,7 +452,8 @@
           </a:prstGeom>
         </p:spPr>
         <p:txBody>
-          <a:bodyPr lIns="0" rIns="0" tIns="0" bIns="0" anchor="ctr"/>
+          <a:bodyPr lIns="0" tIns="0" rIns="0" bIns="0" anchor="ctr"/>
+          <a:lstStyle/>
           <a:p>
             <a:pPr algn="ctr"/>
             <a:endParaRPr/>
@@ -364,7 +480,8 @@
           </a:prstGeom>
         </p:spPr>
         <p:txBody>
-          <a:bodyPr lIns="0" rIns="0" tIns="0" bIns="0"/>
+          <a:bodyPr lIns="0" tIns="0" rIns="0" bIns="0"/>
+          <a:lstStyle/>
           <a:p>
             <a:endParaRPr/>
           </a:p>
@@ -390,7 +507,8 @@
           </a:prstGeom>
         </p:spPr>
         <p:txBody>
-          <a:bodyPr lIns="0" rIns="0" tIns="0" bIns="0"/>
+          <a:bodyPr lIns="0" tIns="0" rIns="0" bIns="0"/>
+          <a:lstStyle/>
           <a:p>
             <a:endParaRPr/>
           </a:p>
@@ -398,12 +516,12 @@
       </p:sp>
       <p:pic>
         <p:nvPicPr>
-          <p:cNvPr id="34" name="" descr=""/>
+          <p:cNvPr id="34" name="图片 33"/>
           <p:cNvPicPr/>
           <p:nvPr/>
         </p:nvPicPr>
         <p:blipFill>
-          <a:blip r:embed="rId2"/>
+          <a:blip r:embed="rId2" cstate="print"/>
           <a:stretch>
             <a:fillRect/>
           </a:stretch>
@@ -423,12 +541,12 @@
       </p:pic>
       <p:pic>
         <p:nvPicPr>
-          <p:cNvPr id="35" name="" descr=""/>
+          <p:cNvPr id="35" name="图片 34"/>
           <p:cNvPicPr/>
           <p:nvPr/>
         </p:nvPicPr>
         <p:blipFill>
-          <a:blip r:embed="rId3"/>
+          <a:blip r:embed="rId2" cstate="print"/>
           <a:stretch>
             <a:fillRect/>
           </a:stretch>
@@ -448,11 +566,14 @@
       </p:pic>
     </p:spTree>
   </p:cSld>
+  <p:clrMapOvr>
+    <a:masterClrMapping/>
+  </p:clrMapOvr>
 </p:sldLayout>
 </file>
 
 <file path=ppt/slideLayouts/slideLayout13.xml><?xml version="1.0" encoding="utf-8"?>
-<p:sldLayout xmlns:a="http://schemas.openxmlformats.org/drawingml/2006/main" xmlns:p="http://schemas.openxmlformats.org/presentationml/2006/main" xmlns:r="http://schemas.openxmlformats.org/officeDocument/2006/relationships" type="blank" preserve="1">
+<p:sldLayout xmlns:a="http://schemas.openxmlformats.org/drawingml/2006/main" xmlns:r="http://schemas.openxmlformats.org/officeDocument/2006/relationships" xmlns:p="http://schemas.openxmlformats.org/presentationml/2006/main" type="blank" preserve="1">
   <p:cSld name="Blank Slide">
     <p:spTree>
       <p:nvGrpSpPr>
@@ -470,11 +591,14 @@
       </p:grpSpPr>
     </p:spTree>
   </p:cSld>
+  <p:clrMapOvr>
+    <a:masterClrMapping/>
+  </p:clrMapOvr>
 </p:sldLayout>
 </file>
 
 <file path=ppt/slideLayouts/slideLayout14.xml><?xml version="1.0" encoding="utf-8"?>
-<p:sldLayout xmlns:a="http://schemas.openxmlformats.org/drawingml/2006/main" xmlns:p="http://schemas.openxmlformats.org/presentationml/2006/main" xmlns:r="http://schemas.openxmlformats.org/officeDocument/2006/relationships" type="tx" preserve="1">
+<p:sldLayout xmlns:a="http://schemas.openxmlformats.org/drawingml/2006/main" xmlns:r="http://schemas.openxmlformats.org/officeDocument/2006/relationships" xmlns:p="http://schemas.openxmlformats.org/presentationml/2006/main" type="tx" preserve="1">
   <p:cSld name="Title Slide">
     <p:spTree>
       <p:nvGrpSpPr>
@@ -510,7 +634,8 @@
           </a:prstGeom>
         </p:spPr>
         <p:txBody>
-          <a:bodyPr lIns="0" rIns="0" tIns="0" bIns="0" anchor="ctr"/>
+          <a:bodyPr lIns="0" tIns="0" rIns="0" bIns="0" anchor="ctr"/>
+          <a:lstStyle/>
           <a:p>
             <a:pPr algn="ctr"/>
             <a:endParaRPr/>
@@ -537,7 +662,8 @@
           </a:prstGeom>
         </p:spPr>
         <p:txBody>
-          <a:bodyPr lIns="0" rIns="0" tIns="0" bIns="0" anchor="ctr"/>
+          <a:bodyPr lIns="0" tIns="0" rIns="0" bIns="0" anchor="ctr"/>
+          <a:lstStyle/>
           <a:p>
             <a:pPr algn="ctr"/>
             <a:endParaRPr/>
@@ -546,11 +672,14 @@
       </p:sp>
     </p:spTree>
   </p:cSld>
+  <p:clrMapOvr>
+    <a:masterClrMapping/>
+  </p:clrMapOvr>
 </p:sldLayout>
 </file>
 
 <file path=ppt/slideLayouts/slideLayout15.xml><?xml version="1.0" encoding="utf-8"?>
-<p:sldLayout xmlns:a="http://schemas.openxmlformats.org/drawingml/2006/main" xmlns:p="http://schemas.openxmlformats.org/presentationml/2006/main" xmlns:r="http://schemas.openxmlformats.org/officeDocument/2006/relationships" type="obj" preserve="1">
+<p:sldLayout xmlns:a="http://schemas.openxmlformats.org/drawingml/2006/main" xmlns:r="http://schemas.openxmlformats.org/officeDocument/2006/relationships" xmlns:p="http://schemas.openxmlformats.org/presentationml/2006/main" type="obj" preserve="1">
   <p:cSld name="Title, Content">
     <p:spTree>
       <p:nvGrpSpPr>
@@ -586,7 +715,8 @@
           </a:prstGeom>
         </p:spPr>
         <p:txBody>
-          <a:bodyPr lIns="0" rIns="0" tIns="0" bIns="0" anchor="ctr"/>
+          <a:bodyPr lIns="0" tIns="0" rIns="0" bIns="0" anchor="ctr"/>
+          <a:lstStyle/>
           <a:p>
             <a:pPr algn="ctr"/>
             <a:endParaRPr/>
@@ -613,7 +743,8 @@
           </a:prstGeom>
         </p:spPr>
         <p:txBody>
-          <a:bodyPr lIns="0" rIns="0" tIns="0" bIns="0"/>
+          <a:bodyPr lIns="0" tIns="0" rIns="0" bIns="0"/>
+          <a:lstStyle/>
           <a:p>
             <a:endParaRPr/>
           </a:p>
@@ -621,11 +752,14 @@
       </p:sp>
     </p:spTree>
   </p:cSld>
+  <p:clrMapOvr>
+    <a:masterClrMapping/>
+  </p:clrMapOvr>
 </p:sldLayout>
 </file>
 
 <file path=ppt/slideLayouts/slideLayout16.xml><?xml version="1.0" encoding="utf-8"?>
-<p:sldLayout xmlns:a="http://schemas.openxmlformats.org/drawingml/2006/main" xmlns:p="http://schemas.openxmlformats.org/presentationml/2006/main" xmlns:r="http://schemas.openxmlformats.org/officeDocument/2006/relationships" type="twoObj" preserve="1">
+<p:sldLayout xmlns:a="http://schemas.openxmlformats.org/drawingml/2006/main" xmlns:r="http://schemas.openxmlformats.org/officeDocument/2006/relationships" xmlns:p="http://schemas.openxmlformats.org/presentationml/2006/main" type="twoObj" preserve="1">
   <p:cSld name="Title, 2 Content">
     <p:spTree>
       <p:nvGrpSpPr>
@@ -661,7 +795,8 @@
           </a:prstGeom>
         </p:spPr>
         <p:txBody>
-          <a:bodyPr lIns="0" rIns="0" tIns="0" bIns="0" anchor="ctr"/>
+          <a:bodyPr lIns="0" tIns="0" rIns="0" bIns="0" anchor="ctr"/>
+          <a:lstStyle/>
           <a:p>
             <a:pPr algn="ctr"/>
             <a:endParaRPr/>
@@ -688,7 +823,8 @@
           </a:prstGeom>
         </p:spPr>
         <p:txBody>
-          <a:bodyPr lIns="0" rIns="0" tIns="0" bIns="0"/>
+          <a:bodyPr lIns="0" tIns="0" rIns="0" bIns="0"/>
+          <a:lstStyle/>
           <a:p>
             <a:endParaRPr/>
           </a:p>
@@ -714,7 +850,8 @@
           </a:prstGeom>
         </p:spPr>
         <p:txBody>
-          <a:bodyPr lIns="0" rIns="0" tIns="0" bIns="0"/>
+          <a:bodyPr lIns="0" tIns="0" rIns="0" bIns="0"/>
+          <a:lstStyle/>
           <a:p>
             <a:endParaRPr/>
           </a:p>
@@ -722,11 +859,14 @@
       </p:sp>
     </p:spTree>
   </p:cSld>
+  <p:clrMapOvr>
+    <a:masterClrMapping/>
+  </p:clrMapOvr>
 </p:sldLayout>
 </file>
 
 <file path=ppt/slideLayouts/slideLayout17.xml><?xml version="1.0" encoding="utf-8"?>
-<p:sldLayout xmlns:a="http://schemas.openxmlformats.org/drawingml/2006/main" xmlns:p="http://schemas.openxmlformats.org/presentationml/2006/main" xmlns:r="http://schemas.openxmlformats.org/officeDocument/2006/relationships" type="titleOnly" preserve="1">
+<p:sldLayout xmlns:a="http://schemas.openxmlformats.org/drawingml/2006/main" xmlns:r="http://schemas.openxmlformats.org/officeDocument/2006/relationships" xmlns:p="http://schemas.openxmlformats.org/presentationml/2006/main" type="titleOnly" preserve="1">
   <p:cSld name="Title Only">
     <p:spTree>
       <p:nvGrpSpPr>
@@ -762,7 +902,8 @@
           </a:prstGeom>
         </p:spPr>
         <p:txBody>
-          <a:bodyPr lIns="0" rIns="0" tIns="0" bIns="0" anchor="ctr"/>
+          <a:bodyPr lIns="0" tIns="0" rIns="0" bIns="0" anchor="ctr"/>
+          <a:lstStyle/>
           <a:p>
             <a:pPr algn="ctr"/>
             <a:endParaRPr/>
@@ -771,11 +912,14 @@
       </p:sp>
     </p:spTree>
   </p:cSld>
+  <p:clrMapOvr>
+    <a:masterClrMapping/>
+  </p:clrMapOvr>
 </p:sldLayout>
 </file>
 
 <file path=ppt/slideLayouts/slideLayout18.xml><?xml version="1.0" encoding="utf-8"?>
-<p:sldLayout xmlns:a="http://schemas.openxmlformats.org/drawingml/2006/main" xmlns:p="http://schemas.openxmlformats.org/presentationml/2006/main" xmlns:r="http://schemas.openxmlformats.org/officeDocument/2006/relationships" type="objOnly" preserve="1">
+<p:sldLayout xmlns:a="http://schemas.openxmlformats.org/drawingml/2006/main" xmlns:r="http://schemas.openxmlformats.org/officeDocument/2006/relationships" xmlns:p="http://schemas.openxmlformats.org/presentationml/2006/main" type="objOnly" preserve="1">
   <p:cSld name="Centered Text">
     <p:spTree>
       <p:nvGrpSpPr>
@@ -811,7 +955,8 @@
           </a:prstGeom>
         </p:spPr>
         <p:txBody>
-          <a:bodyPr lIns="0" rIns="0" tIns="0" bIns="0" anchor="ctr"/>
+          <a:bodyPr lIns="0" tIns="0" rIns="0" bIns="0" anchor="ctr"/>
+          <a:lstStyle/>
           <a:p>
             <a:pPr algn="ctr"/>
             <a:endParaRPr/>
@@ -820,11 +965,14 @@
       </p:sp>
     </p:spTree>
   </p:cSld>
+  <p:clrMapOvr>
+    <a:masterClrMapping/>
+  </p:clrMapOvr>
 </p:sldLayout>
 </file>
 
 <file path=ppt/slideLayouts/slideLayout19.xml><?xml version="1.0" encoding="utf-8"?>
-<p:sldLayout xmlns:a="http://schemas.openxmlformats.org/drawingml/2006/main" xmlns:p="http://schemas.openxmlformats.org/presentationml/2006/main" xmlns:r="http://schemas.openxmlformats.org/officeDocument/2006/relationships" type="twoObjAndObj" preserve="1">
+<p:sldLayout xmlns:a="http://schemas.openxmlformats.org/drawingml/2006/main" xmlns:r="http://schemas.openxmlformats.org/officeDocument/2006/relationships" xmlns:p="http://schemas.openxmlformats.org/presentationml/2006/main" type="twoObjAndObj" preserve="1">
   <p:cSld name="Title, 2 Content and Content">
     <p:spTree>
       <p:nvGrpSpPr>
@@ -860,7 +1008,8 @@
           </a:prstGeom>
         </p:spPr>
         <p:txBody>
-          <a:bodyPr lIns="0" rIns="0" tIns="0" bIns="0" anchor="ctr"/>
+          <a:bodyPr lIns="0" tIns="0" rIns="0" bIns="0" anchor="ctr"/>
+          <a:lstStyle/>
           <a:p>
             <a:pPr algn="ctr"/>
             <a:endParaRPr/>
@@ -887,7 +1036,8 @@
           </a:prstGeom>
         </p:spPr>
         <p:txBody>
-          <a:bodyPr lIns="0" rIns="0" tIns="0" bIns="0"/>
+          <a:bodyPr lIns="0" tIns="0" rIns="0" bIns="0"/>
+          <a:lstStyle/>
           <a:p>
             <a:endParaRPr/>
           </a:p>
@@ -913,7 +1063,8 @@
           </a:prstGeom>
         </p:spPr>
         <p:txBody>
-          <a:bodyPr lIns="0" rIns="0" tIns="0" bIns="0"/>
+          <a:bodyPr lIns="0" tIns="0" rIns="0" bIns="0"/>
+          <a:lstStyle/>
           <a:p>
             <a:endParaRPr/>
           </a:p>
@@ -939,7 +1090,8 @@
           </a:prstGeom>
         </p:spPr>
         <p:txBody>
-          <a:bodyPr lIns="0" rIns="0" tIns="0" bIns="0"/>
+          <a:bodyPr lIns="0" tIns="0" rIns="0" bIns="0"/>
+          <a:lstStyle/>
           <a:p>
             <a:endParaRPr/>
           </a:p>
@@ -947,11 +1099,14 @@
       </p:sp>
     </p:spTree>
   </p:cSld>
+  <p:clrMapOvr>
+    <a:masterClrMapping/>
+  </p:clrMapOvr>
 </p:sldLayout>
 </file>
 
 <file path=ppt/slideLayouts/slideLayout2.xml><?xml version="1.0" encoding="utf-8"?>
-<p:sldLayout xmlns:a="http://schemas.openxmlformats.org/drawingml/2006/main" xmlns:p="http://schemas.openxmlformats.org/presentationml/2006/main" xmlns:r="http://schemas.openxmlformats.org/officeDocument/2006/relationships" type="tx" preserve="1">
+<p:sldLayout xmlns:a="http://schemas.openxmlformats.org/drawingml/2006/main" xmlns:r="http://schemas.openxmlformats.org/officeDocument/2006/relationships" xmlns:p="http://schemas.openxmlformats.org/presentationml/2006/main" type="tx" preserve="1">
   <p:cSld name="Title Slide">
     <p:spTree>
       <p:nvGrpSpPr>
@@ -987,7 +1142,8 @@
           </a:prstGeom>
         </p:spPr>
         <p:txBody>
-          <a:bodyPr lIns="0" rIns="0" tIns="0" bIns="0" anchor="ctr"/>
+          <a:bodyPr lIns="0" tIns="0" rIns="0" bIns="0" anchor="ctr"/>
+          <a:lstStyle/>
           <a:p>
             <a:pPr algn="ctr"/>
             <a:endParaRPr/>
@@ -1014,7 +1170,8 @@
           </a:prstGeom>
         </p:spPr>
         <p:txBody>
-          <a:bodyPr lIns="0" rIns="0" tIns="0" bIns="0" anchor="ctr"/>
+          <a:bodyPr lIns="0" tIns="0" rIns="0" bIns="0" anchor="ctr"/>
+          <a:lstStyle/>
           <a:p>
             <a:pPr algn="ctr"/>
             <a:endParaRPr/>
@@ -1023,11 +1180,14 @@
       </p:sp>
     </p:spTree>
   </p:cSld>
+  <p:clrMapOvr>
+    <a:masterClrMapping/>
+  </p:clrMapOvr>
 </p:sldLayout>
 </file>
 
 <file path=ppt/slideLayouts/slideLayout20.xml><?xml version="1.0" encoding="utf-8"?>
-<p:sldLayout xmlns:a="http://schemas.openxmlformats.org/drawingml/2006/main" xmlns:p="http://schemas.openxmlformats.org/presentationml/2006/main" xmlns:r="http://schemas.openxmlformats.org/officeDocument/2006/relationships" type="objAndTwoObj" preserve="1">
+<p:sldLayout xmlns:a="http://schemas.openxmlformats.org/drawingml/2006/main" xmlns:r="http://schemas.openxmlformats.org/officeDocument/2006/relationships" xmlns:p="http://schemas.openxmlformats.org/presentationml/2006/main" type="objAndTwoObj" preserve="1">
   <p:cSld name="Title Content and 2 Content">
     <p:spTree>
       <p:nvGrpSpPr>
@@ -1063,7 +1223,8 @@
           </a:prstGeom>
         </p:spPr>
         <p:txBody>
-          <a:bodyPr lIns="0" rIns="0" tIns="0" bIns="0" anchor="ctr"/>
+          <a:bodyPr lIns="0" tIns="0" rIns="0" bIns="0" anchor="ctr"/>
+          <a:lstStyle/>
           <a:p>
             <a:pPr algn="ctr"/>
             <a:endParaRPr/>
@@ -1090,7 +1251,8 @@
           </a:prstGeom>
         </p:spPr>
         <p:txBody>
-          <a:bodyPr lIns="0" rIns="0" tIns="0" bIns="0"/>
+          <a:bodyPr lIns="0" tIns="0" rIns="0" bIns="0"/>
+          <a:lstStyle/>
           <a:p>
             <a:endParaRPr/>
           </a:p>
@@ -1116,7 +1278,8 @@
           </a:prstGeom>
         </p:spPr>
         <p:txBody>
-          <a:bodyPr lIns="0" rIns="0" tIns="0" bIns="0"/>
+          <a:bodyPr lIns="0" tIns="0" rIns="0" bIns="0"/>
+          <a:lstStyle/>
           <a:p>
             <a:endParaRPr/>
           </a:p>
@@ -1142,7 +1305,8 @@
           </a:prstGeom>
         </p:spPr>
         <p:txBody>
-          <a:bodyPr lIns="0" rIns="0" tIns="0" bIns="0"/>
+          <a:bodyPr lIns="0" tIns="0" rIns="0" bIns="0"/>
+          <a:lstStyle/>
           <a:p>
             <a:endParaRPr/>
           </a:p>
@@ -1150,11 +1314,14 @@
       </p:sp>
     </p:spTree>
   </p:cSld>
+  <p:clrMapOvr>
+    <a:masterClrMapping/>
+  </p:clrMapOvr>
 </p:sldLayout>
 </file>
 
 <file path=ppt/slideLayouts/slideLayout21.xml><?xml version="1.0" encoding="utf-8"?>
-<p:sldLayout xmlns:a="http://schemas.openxmlformats.org/drawingml/2006/main" xmlns:p="http://schemas.openxmlformats.org/presentationml/2006/main" xmlns:r="http://schemas.openxmlformats.org/officeDocument/2006/relationships" type="twoObjOverTx" preserve="1">
+<p:sldLayout xmlns:a="http://schemas.openxmlformats.org/drawingml/2006/main" xmlns:r="http://schemas.openxmlformats.org/officeDocument/2006/relationships" xmlns:p="http://schemas.openxmlformats.org/presentationml/2006/main" type="twoObjOverTx" preserve="1">
   <p:cSld name="Title, 2 Content over Content">
     <p:spTree>
       <p:nvGrpSpPr>
@@ -1190,7 +1357,8 @@
           </a:prstGeom>
         </p:spPr>
         <p:txBody>
-          <a:bodyPr lIns="0" rIns="0" tIns="0" bIns="0" anchor="ctr"/>
+          <a:bodyPr lIns="0" tIns="0" rIns="0" bIns="0" anchor="ctr"/>
+          <a:lstStyle/>
           <a:p>
             <a:pPr algn="ctr"/>
             <a:endParaRPr/>
@@ -1217,7 +1385,8 @@
           </a:prstGeom>
         </p:spPr>
         <p:txBody>
-          <a:bodyPr lIns="0" rIns="0" tIns="0" bIns="0"/>
+          <a:bodyPr lIns="0" tIns="0" rIns="0" bIns="0"/>
+          <a:lstStyle/>
           <a:p>
             <a:endParaRPr/>
           </a:p>
@@ -1243,7 +1412,8 @@
           </a:prstGeom>
         </p:spPr>
         <p:txBody>
-          <a:bodyPr lIns="0" rIns="0" tIns="0" bIns="0"/>
+          <a:bodyPr lIns="0" tIns="0" rIns="0" bIns="0"/>
+          <a:lstStyle/>
           <a:p>
             <a:endParaRPr/>
           </a:p>
@@ -1269,7 +1439,8 @@
           </a:prstGeom>
         </p:spPr>
         <p:txBody>
-          <a:bodyPr lIns="0" rIns="0" tIns="0" bIns="0"/>
+          <a:bodyPr lIns="0" tIns="0" rIns="0" bIns="0"/>
+          <a:lstStyle/>
           <a:p>
             <a:endParaRPr/>
           </a:p>
@@ -1277,11 +1448,14 @@
       </p:sp>
     </p:spTree>
   </p:cSld>
+  <p:clrMapOvr>
+    <a:masterClrMapping/>
+  </p:clrMapOvr>
 </p:sldLayout>
 </file>
 
 <file path=ppt/slideLayouts/slideLayout22.xml><?xml version="1.0" encoding="utf-8"?>
-<p:sldLayout xmlns:a="http://schemas.openxmlformats.org/drawingml/2006/main" xmlns:p="http://schemas.openxmlformats.org/presentationml/2006/main" xmlns:r="http://schemas.openxmlformats.org/officeDocument/2006/relationships" type="objOverTx" preserve="1">
+<p:sldLayout xmlns:a="http://schemas.openxmlformats.org/drawingml/2006/main" xmlns:r="http://schemas.openxmlformats.org/officeDocument/2006/relationships" xmlns:p="http://schemas.openxmlformats.org/presentationml/2006/main" type="objOverTx" preserve="1">
   <p:cSld name="Title, Content over Content">
     <p:spTree>
       <p:nvGrpSpPr>
@@ -1317,7 +1491,8 @@
           </a:prstGeom>
         </p:spPr>
         <p:txBody>
-          <a:bodyPr lIns="0" rIns="0" tIns="0" bIns="0" anchor="ctr"/>
+          <a:bodyPr lIns="0" tIns="0" rIns="0" bIns="0" anchor="ctr"/>
+          <a:lstStyle/>
           <a:p>
             <a:pPr algn="ctr"/>
             <a:endParaRPr/>
@@ -1344,7 +1519,8 @@
           </a:prstGeom>
         </p:spPr>
         <p:txBody>
-          <a:bodyPr lIns="0" rIns="0" tIns="0" bIns="0"/>
+          <a:bodyPr lIns="0" tIns="0" rIns="0" bIns="0"/>
+          <a:lstStyle/>
           <a:p>
             <a:endParaRPr/>
           </a:p>
@@ -1370,7 +1546,8 @@
           </a:prstGeom>
         </p:spPr>
         <p:txBody>
-          <a:bodyPr lIns="0" rIns="0" tIns="0" bIns="0"/>
+          <a:bodyPr lIns="0" tIns="0" rIns="0" bIns="0"/>
+          <a:lstStyle/>
           <a:p>
             <a:endParaRPr/>
           </a:p>
@@ -1378,11 +1555,14 @@
       </p:sp>
     </p:spTree>
   </p:cSld>
+  <p:clrMapOvr>
+    <a:masterClrMapping/>
+  </p:clrMapOvr>
 </p:sldLayout>
 </file>
 
 <file path=ppt/slideLayouts/slideLayout23.xml><?xml version="1.0" encoding="utf-8"?>
-<p:sldLayout xmlns:a="http://schemas.openxmlformats.org/drawingml/2006/main" xmlns:p="http://schemas.openxmlformats.org/presentationml/2006/main" xmlns:r="http://schemas.openxmlformats.org/officeDocument/2006/relationships" type="fourObj" preserve="1">
+<p:sldLayout xmlns:a="http://schemas.openxmlformats.org/drawingml/2006/main" xmlns:r="http://schemas.openxmlformats.org/officeDocument/2006/relationships" xmlns:p="http://schemas.openxmlformats.org/presentationml/2006/main" type="fourObj" preserve="1">
   <p:cSld name="Title, 4 Content">
     <p:spTree>
       <p:nvGrpSpPr>
@@ -1418,7 +1598,8 @@
           </a:prstGeom>
         </p:spPr>
         <p:txBody>
-          <a:bodyPr lIns="0" rIns="0" tIns="0" bIns="0" anchor="ctr"/>
+          <a:bodyPr lIns="0" tIns="0" rIns="0" bIns="0" anchor="ctr"/>
+          <a:lstStyle/>
           <a:p>
             <a:pPr algn="ctr"/>
             <a:endParaRPr/>
@@ -1445,7 +1626,8 @@
           </a:prstGeom>
         </p:spPr>
         <p:txBody>
-          <a:bodyPr lIns="0" rIns="0" tIns="0" bIns="0"/>
+          <a:bodyPr lIns="0" tIns="0" rIns="0" bIns="0"/>
+          <a:lstStyle/>
           <a:p>
             <a:endParaRPr/>
           </a:p>
@@ -1471,7 +1653,8 @@
           </a:prstGeom>
         </p:spPr>
         <p:txBody>
-          <a:bodyPr lIns="0" rIns="0" tIns="0" bIns="0"/>
+          <a:bodyPr lIns="0" tIns="0" rIns="0" bIns="0"/>
+          <a:lstStyle/>
           <a:p>
             <a:endParaRPr/>
           </a:p>
@@ -1497,7 +1680,8 @@
           </a:prstGeom>
         </p:spPr>
         <p:txBody>
-          <a:bodyPr lIns="0" rIns="0" tIns="0" bIns="0"/>
+          <a:bodyPr lIns="0" tIns="0" rIns="0" bIns="0"/>
+          <a:lstStyle/>
           <a:p>
             <a:endParaRPr/>
           </a:p>
@@ -1523,7 +1707,8 @@
           </a:prstGeom>
         </p:spPr>
         <p:txBody>
-          <a:bodyPr lIns="0" rIns="0" tIns="0" bIns="0"/>
+          <a:bodyPr lIns="0" tIns="0" rIns="0" bIns="0"/>
+          <a:lstStyle/>
           <a:p>
             <a:endParaRPr/>
           </a:p>
@@ -1531,11 +1716,14 @@
       </p:sp>
     </p:spTree>
   </p:cSld>
+  <p:clrMapOvr>
+    <a:masterClrMapping/>
+  </p:clrMapOvr>
 </p:sldLayout>
 </file>
 
 <file path=ppt/slideLayouts/slideLayout24.xml><?xml version="1.0" encoding="utf-8"?>
-<p:sldLayout xmlns:a="http://schemas.openxmlformats.org/drawingml/2006/main" xmlns:p="http://schemas.openxmlformats.org/presentationml/2006/main" xmlns:r="http://schemas.openxmlformats.org/officeDocument/2006/relationships" type="blank" preserve="1">
+<p:sldLayout xmlns:a="http://schemas.openxmlformats.org/drawingml/2006/main" xmlns:r="http://schemas.openxmlformats.org/officeDocument/2006/relationships" xmlns:p="http://schemas.openxmlformats.org/presentationml/2006/main" type="blank" preserve="1">
   <p:cSld name="Title, 6 Content">
     <p:spTree>
       <p:nvGrpSpPr>
@@ -1571,7 +1759,8 @@
           </a:prstGeom>
         </p:spPr>
         <p:txBody>
-          <a:bodyPr lIns="0" rIns="0" tIns="0" bIns="0" anchor="ctr"/>
+          <a:bodyPr lIns="0" tIns="0" rIns="0" bIns="0" anchor="ctr"/>
+          <a:lstStyle/>
           <a:p>
             <a:pPr algn="ctr"/>
             <a:endParaRPr/>
@@ -1598,7 +1787,8 @@
           </a:prstGeom>
         </p:spPr>
         <p:txBody>
-          <a:bodyPr lIns="0" rIns="0" tIns="0" bIns="0"/>
+          <a:bodyPr lIns="0" tIns="0" rIns="0" bIns="0"/>
+          <a:lstStyle/>
           <a:p>
             <a:endParaRPr/>
           </a:p>
@@ -1624,7 +1814,8 @@
           </a:prstGeom>
         </p:spPr>
         <p:txBody>
-          <a:bodyPr lIns="0" rIns="0" tIns="0" bIns="0"/>
+          <a:bodyPr lIns="0" tIns="0" rIns="0" bIns="0"/>
+          <a:lstStyle/>
           <a:p>
             <a:endParaRPr/>
           </a:p>
@@ -1632,12 +1823,12 @@
       </p:sp>
       <p:pic>
         <p:nvPicPr>
-          <p:cNvPr id="70" name="" descr=""/>
+          <p:cNvPr id="70" name="图片 69"/>
           <p:cNvPicPr/>
           <p:nvPr/>
         </p:nvPicPr>
         <p:blipFill>
-          <a:blip r:embed="rId2"/>
+          <a:blip r:embed="rId2" cstate="print"/>
           <a:stretch>
             <a:fillRect/>
           </a:stretch>
@@ -1657,12 +1848,12 @@
       </p:pic>
       <p:pic>
         <p:nvPicPr>
-          <p:cNvPr id="71" name="" descr=""/>
+          <p:cNvPr id="71" name="图片 70"/>
           <p:cNvPicPr/>
           <p:nvPr/>
         </p:nvPicPr>
         <p:blipFill>
-          <a:blip r:embed="rId3"/>
+          <a:blip r:embed="rId2" cstate="print"/>
           <a:stretch>
             <a:fillRect/>
           </a:stretch>
@@ -1682,11 +1873,14 @@
       </p:pic>
     </p:spTree>
   </p:cSld>
+  <p:clrMapOvr>
+    <a:masterClrMapping/>
+  </p:clrMapOvr>
 </p:sldLayout>
 </file>
 
 <file path=ppt/slideLayouts/slideLayout3.xml><?xml version="1.0" encoding="utf-8"?>
-<p:sldLayout xmlns:a="http://schemas.openxmlformats.org/drawingml/2006/main" xmlns:p="http://schemas.openxmlformats.org/presentationml/2006/main" xmlns:r="http://schemas.openxmlformats.org/officeDocument/2006/relationships" type="obj" preserve="1">
+<p:sldLayout xmlns:a="http://schemas.openxmlformats.org/drawingml/2006/main" xmlns:r="http://schemas.openxmlformats.org/officeDocument/2006/relationships" xmlns:p="http://schemas.openxmlformats.org/presentationml/2006/main" type="obj" preserve="1">
   <p:cSld name="Title, Content">
     <p:spTree>
       <p:nvGrpSpPr>
@@ -1722,7 +1916,8 @@
           </a:prstGeom>
         </p:spPr>
         <p:txBody>
-          <a:bodyPr lIns="0" rIns="0" tIns="0" bIns="0" anchor="ctr"/>
+          <a:bodyPr lIns="0" tIns="0" rIns="0" bIns="0" anchor="ctr"/>
+          <a:lstStyle/>
           <a:p>
             <a:pPr algn="ctr"/>
             <a:endParaRPr/>
@@ -1749,7 +1944,8 @@
           </a:prstGeom>
         </p:spPr>
         <p:txBody>
-          <a:bodyPr lIns="0" rIns="0" tIns="0" bIns="0"/>
+          <a:bodyPr lIns="0" tIns="0" rIns="0" bIns="0"/>
+          <a:lstStyle/>
           <a:p>
             <a:endParaRPr/>
           </a:p>
@@ -1757,11 +1953,14 @@
       </p:sp>
     </p:spTree>
   </p:cSld>
+  <p:clrMapOvr>
+    <a:masterClrMapping/>
+  </p:clrMapOvr>
 </p:sldLayout>
 </file>
 
 <file path=ppt/slideLayouts/slideLayout4.xml><?xml version="1.0" encoding="utf-8"?>
-<p:sldLayout xmlns:a="http://schemas.openxmlformats.org/drawingml/2006/main" xmlns:p="http://schemas.openxmlformats.org/presentationml/2006/main" xmlns:r="http://schemas.openxmlformats.org/officeDocument/2006/relationships" type="twoObj" preserve="1">
+<p:sldLayout xmlns:a="http://schemas.openxmlformats.org/drawingml/2006/main" xmlns:r="http://schemas.openxmlformats.org/officeDocument/2006/relationships" xmlns:p="http://schemas.openxmlformats.org/presentationml/2006/main" type="twoObj" preserve="1">
   <p:cSld name="Title, 2 Content">
     <p:spTree>
       <p:nvGrpSpPr>
@@ -1797,7 +1996,8 @@
           </a:prstGeom>
         </p:spPr>
         <p:txBody>
-          <a:bodyPr lIns="0" rIns="0" tIns="0" bIns="0" anchor="ctr"/>
+          <a:bodyPr lIns="0" tIns="0" rIns="0" bIns="0" anchor="ctr"/>
+          <a:lstStyle/>
           <a:p>
             <a:pPr algn="ctr"/>
             <a:endParaRPr/>
@@ -1824,7 +2024,8 @@
           </a:prstGeom>
         </p:spPr>
         <p:txBody>
-          <a:bodyPr lIns="0" rIns="0" tIns="0" bIns="0"/>
+          <a:bodyPr lIns="0" tIns="0" rIns="0" bIns="0"/>
+          <a:lstStyle/>
           <a:p>
             <a:endParaRPr/>
           </a:p>
@@ -1850,7 +2051,8 @@
           </a:prstGeom>
         </p:spPr>
         <p:txBody>
-          <a:bodyPr lIns="0" rIns="0" tIns="0" bIns="0"/>
+          <a:bodyPr lIns="0" tIns="0" rIns="0" bIns="0"/>
+          <a:lstStyle/>
           <a:p>
             <a:endParaRPr/>
           </a:p>
@@ -1858,11 +2060,14 @@
       </p:sp>
     </p:spTree>
   </p:cSld>
+  <p:clrMapOvr>
+    <a:masterClrMapping/>
+  </p:clrMapOvr>
 </p:sldLayout>
 </file>
 
 <file path=ppt/slideLayouts/slideLayout5.xml><?xml version="1.0" encoding="utf-8"?>
-<p:sldLayout xmlns:a="http://schemas.openxmlformats.org/drawingml/2006/main" xmlns:p="http://schemas.openxmlformats.org/presentationml/2006/main" xmlns:r="http://schemas.openxmlformats.org/officeDocument/2006/relationships" type="titleOnly" preserve="1">
+<p:sldLayout xmlns:a="http://schemas.openxmlformats.org/drawingml/2006/main" xmlns:r="http://schemas.openxmlformats.org/officeDocument/2006/relationships" xmlns:p="http://schemas.openxmlformats.org/presentationml/2006/main" type="titleOnly" preserve="1">
   <p:cSld name="Title Only">
     <p:spTree>
       <p:nvGrpSpPr>
@@ -1898,7 +2103,8 @@
           </a:prstGeom>
         </p:spPr>
         <p:txBody>
-          <a:bodyPr lIns="0" rIns="0" tIns="0" bIns="0" anchor="ctr"/>
+          <a:bodyPr lIns="0" tIns="0" rIns="0" bIns="0" anchor="ctr"/>
+          <a:lstStyle/>
           <a:p>
             <a:pPr algn="ctr"/>
             <a:endParaRPr/>
@@ -1907,11 +2113,14 @@
       </p:sp>
     </p:spTree>
   </p:cSld>
+  <p:clrMapOvr>
+    <a:masterClrMapping/>
+  </p:clrMapOvr>
 </p:sldLayout>
 </file>
 
 <file path=ppt/slideLayouts/slideLayout6.xml><?xml version="1.0" encoding="utf-8"?>
-<p:sldLayout xmlns:a="http://schemas.openxmlformats.org/drawingml/2006/main" xmlns:p="http://schemas.openxmlformats.org/presentationml/2006/main" xmlns:r="http://schemas.openxmlformats.org/officeDocument/2006/relationships" type="objOnly" preserve="1">
+<p:sldLayout xmlns:a="http://schemas.openxmlformats.org/drawingml/2006/main" xmlns:r="http://schemas.openxmlformats.org/officeDocument/2006/relationships" xmlns:p="http://schemas.openxmlformats.org/presentationml/2006/main" type="objOnly" preserve="1">
   <p:cSld name="Centered Text">
     <p:spTree>
       <p:nvGrpSpPr>
@@ -1947,7 +2156,8 @@
           </a:prstGeom>
         </p:spPr>
         <p:txBody>
-          <a:bodyPr lIns="0" rIns="0" tIns="0" bIns="0" anchor="ctr"/>
+          <a:bodyPr lIns="0" tIns="0" rIns="0" bIns="0" anchor="ctr"/>
+          <a:lstStyle/>
           <a:p>
             <a:pPr algn="ctr"/>
             <a:endParaRPr/>
@@ -1956,11 +2166,14 @@
       </p:sp>
     </p:spTree>
   </p:cSld>
+  <p:clrMapOvr>
+    <a:masterClrMapping/>
+  </p:clrMapOvr>
 </p:sldLayout>
 </file>
 
 <file path=ppt/slideLayouts/slideLayout7.xml><?xml version="1.0" encoding="utf-8"?>
-<p:sldLayout xmlns:a="http://schemas.openxmlformats.org/drawingml/2006/main" xmlns:p="http://schemas.openxmlformats.org/presentationml/2006/main" xmlns:r="http://schemas.openxmlformats.org/officeDocument/2006/relationships" type="twoObjAndObj" preserve="1">
+<p:sldLayout xmlns:a="http://schemas.openxmlformats.org/drawingml/2006/main" xmlns:r="http://schemas.openxmlformats.org/officeDocument/2006/relationships" xmlns:p="http://schemas.openxmlformats.org/presentationml/2006/main" type="twoObjAndObj" preserve="1">
   <p:cSld name="Title, 2 Content and Content">
     <p:spTree>
       <p:nvGrpSpPr>
@@ -1996,7 +2209,8 @@
           </a:prstGeom>
         </p:spPr>
         <p:txBody>
-          <a:bodyPr lIns="0" rIns="0" tIns="0" bIns="0" anchor="ctr"/>
+          <a:bodyPr lIns="0" tIns="0" rIns="0" bIns="0" anchor="ctr"/>
+          <a:lstStyle/>
           <a:p>
             <a:pPr algn="ctr"/>
             <a:endParaRPr/>
@@ -2023,7 +2237,8 @@
           </a:prstGeom>
         </p:spPr>
         <p:txBody>
-          <a:bodyPr lIns="0" rIns="0" tIns="0" bIns="0"/>
+          <a:bodyPr lIns="0" tIns="0" rIns="0" bIns="0"/>
+          <a:lstStyle/>
           <a:p>
             <a:endParaRPr/>
           </a:p>
@@ -2049,7 +2264,8 @@
           </a:prstGeom>
         </p:spPr>
         <p:txBody>
-          <a:bodyPr lIns="0" rIns="0" tIns="0" bIns="0"/>
+          <a:bodyPr lIns="0" tIns="0" rIns="0" bIns="0"/>
+          <a:lstStyle/>
           <a:p>
             <a:endParaRPr/>
           </a:p>
@@ -2075,7 +2291,8 @@
           </a:prstGeom>
         </p:spPr>
         <p:txBody>
-          <a:bodyPr lIns="0" rIns="0" tIns="0" bIns="0"/>
+          <a:bodyPr lIns="0" tIns="0" rIns="0" bIns="0"/>
+          <a:lstStyle/>
           <a:p>
             <a:endParaRPr/>
           </a:p>
@@ -2083,11 +2300,14 @@
       </p:sp>
     </p:spTree>
   </p:cSld>
+  <p:clrMapOvr>
+    <a:masterClrMapping/>
+  </p:clrMapOvr>
 </p:sldLayout>
 </file>
 
 <file path=ppt/slideLayouts/slideLayout8.xml><?xml version="1.0" encoding="utf-8"?>
-<p:sldLayout xmlns:a="http://schemas.openxmlformats.org/drawingml/2006/main" xmlns:p="http://schemas.openxmlformats.org/presentationml/2006/main" xmlns:r="http://schemas.openxmlformats.org/officeDocument/2006/relationships" type="objAndTwoObj" preserve="1">
+<p:sldLayout xmlns:a="http://schemas.openxmlformats.org/drawingml/2006/main" xmlns:r="http://schemas.openxmlformats.org/officeDocument/2006/relationships" xmlns:p="http://schemas.openxmlformats.org/presentationml/2006/main" type="objAndTwoObj" preserve="1">
   <p:cSld name="Title Content and 2 Content">
     <p:spTree>
       <p:nvGrpSpPr>
@@ -2123,7 +2343,8 @@
           </a:prstGeom>
         </p:spPr>
         <p:txBody>
-          <a:bodyPr lIns="0" rIns="0" tIns="0" bIns="0" anchor="ctr"/>
+          <a:bodyPr lIns="0" tIns="0" rIns="0" bIns="0" anchor="ctr"/>
+          <a:lstStyle/>
           <a:p>
             <a:pPr algn="ctr"/>
             <a:endParaRPr/>
@@ -2150,7 +2371,8 @@
           </a:prstGeom>
         </p:spPr>
         <p:txBody>
-          <a:bodyPr lIns="0" rIns="0" tIns="0" bIns="0"/>
+          <a:bodyPr lIns="0" tIns="0" rIns="0" bIns="0"/>
+          <a:lstStyle/>
           <a:p>
             <a:endParaRPr/>
           </a:p>
@@ -2176,7 +2398,8 @@
           </a:prstGeom>
         </p:spPr>
         <p:txBody>
-          <a:bodyPr lIns="0" rIns="0" tIns="0" bIns="0"/>
+          <a:bodyPr lIns="0" tIns="0" rIns="0" bIns="0"/>
+          <a:lstStyle/>
           <a:p>
             <a:endParaRPr/>
           </a:p>
@@ -2202,7 +2425,8 @@
           </a:prstGeom>
         </p:spPr>
         <p:txBody>
-          <a:bodyPr lIns="0" rIns="0" tIns="0" bIns="0"/>
+          <a:bodyPr lIns="0" tIns="0" rIns="0" bIns="0"/>
+          <a:lstStyle/>
           <a:p>
             <a:endParaRPr/>
           </a:p>
@@ -2210,11 +2434,14 @@
       </p:sp>
     </p:spTree>
   </p:cSld>
+  <p:clrMapOvr>
+    <a:masterClrMapping/>
+  </p:clrMapOvr>
 </p:sldLayout>
 </file>
 
 <file path=ppt/slideLayouts/slideLayout9.xml><?xml version="1.0" encoding="utf-8"?>
-<p:sldLayout xmlns:a="http://schemas.openxmlformats.org/drawingml/2006/main" xmlns:p="http://schemas.openxmlformats.org/presentationml/2006/main" xmlns:r="http://schemas.openxmlformats.org/officeDocument/2006/relationships" type="twoObjOverTx" preserve="1">
+<p:sldLayout xmlns:a="http://schemas.openxmlformats.org/drawingml/2006/main" xmlns:r="http://schemas.openxmlformats.org/officeDocument/2006/relationships" xmlns:p="http://schemas.openxmlformats.org/presentationml/2006/main" type="twoObjOverTx" preserve="1">
   <p:cSld name="Title, 2 Content over Content">
     <p:spTree>
       <p:nvGrpSpPr>
@@ -2250,7 +2477,8 @@
           </a:prstGeom>
         </p:spPr>
         <p:txBody>
-          <a:bodyPr lIns="0" rIns="0" tIns="0" bIns="0" anchor="ctr"/>
+          <a:bodyPr lIns="0" tIns="0" rIns="0" bIns="0" anchor="ctr"/>
+          <a:lstStyle/>
           <a:p>
             <a:pPr algn="ctr"/>
             <a:endParaRPr/>
@@ -2277,7 +2505,8 @@
           </a:prstGeom>
         </p:spPr>
         <p:txBody>
-          <a:bodyPr lIns="0" rIns="0" tIns="0" bIns="0"/>
+          <a:bodyPr lIns="0" tIns="0" rIns="0" bIns="0"/>
+          <a:lstStyle/>
           <a:p>
             <a:endParaRPr/>
           </a:p>
@@ -2303,7 +2532,8 @@
           </a:prstGeom>
         </p:spPr>
         <p:txBody>
-          <a:bodyPr lIns="0" rIns="0" tIns="0" bIns="0"/>
+          <a:bodyPr lIns="0" tIns="0" rIns="0" bIns="0"/>
+          <a:lstStyle/>
           <a:p>
             <a:endParaRPr/>
           </a:p>
@@ -2329,7 +2559,8 @@
           </a:prstGeom>
         </p:spPr>
         <p:txBody>
-          <a:bodyPr lIns="0" rIns="0" tIns="0" bIns="0"/>
+          <a:bodyPr lIns="0" tIns="0" rIns="0" bIns="0"/>
+          <a:lstStyle/>
           <a:p>
             <a:endParaRPr/>
           </a:p>
@@ -2337,11 +2568,14 @@
       </p:sp>
     </p:spTree>
   </p:cSld>
+  <p:clrMapOvr>
+    <a:masterClrMapping/>
+  </p:clrMapOvr>
 </p:sldLayout>
 </file>
 
 <file path=ppt/slideMasters/slideMaster1.xml><?xml version="1.0" encoding="utf-8"?>
-<p:sldMaster xmlns:a="http://schemas.openxmlformats.org/drawingml/2006/main" xmlns:p="http://schemas.openxmlformats.org/presentationml/2006/main" xmlns:r="http://schemas.openxmlformats.org/officeDocument/2006/relationships">
+<p:sldMaster xmlns:a="http://schemas.openxmlformats.org/drawingml/2006/main" xmlns:r="http://schemas.openxmlformats.org/officeDocument/2006/relationships" xmlns:p="http://schemas.openxmlformats.org/presentationml/2006/main">
   <p:cSld>
     <p:spTree>
       <p:nvGrpSpPr>
@@ -2359,7 +2593,7 @@
       </p:grpSpPr>
       <p:sp>
         <p:nvSpPr>
-          <p:cNvPr id="0" name="PlaceHolder 1"/>
+          <p:cNvPr id="2" name="PlaceHolder 1"/>
           <p:cNvSpPr>
             <a:spLocks noGrp="1"/>
           </p:cNvSpPr>
@@ -2377,7 +2611,8 @@
           </a:prstGeom>
         </p:spPr>
         <p:txBody>
-          <a:bodyPr lIns="0" rIns="0" tIns="0" bIns="0" anchor="ctr"/>
+          <a:bodyPr lIns="0" tIns="0" rIns="0" bIns="0" anchor="ctr"/>
+          <a:lstStyle/>
           <a:p>
             <a:r>
               <a:rPr lang="en-US">
@@ -2391,7 +2626,7 @@
       </p:sp>
       <p:sp>
         <p:nvSpPr>
-          <p:cNvPr id="1" name="PlaceHolder 2"/>
+          <p:cNvPr id="3" name="PlaceHolder 2"/>
           <p:cNvSpPr>
             <a:spLocks noGrp="1"/>
           </p:cNvSpPr>
@@ -2409,7 +2644,8 @@
           </a:prstGeom>
         </p:spPr>
         <p:txBody>
-          <a:bodyPr lIns="0" rIns="0" tIns="0" bIns="0"/>
+          <a:bodyPr lIns="0" tIns="0" rIns="0" bIns="0"/>
+          <a:lstStyle/>
           <a:p>
             <a:pPr>
               <a:buSzPct val="45000"/>
@@ -2512,26 +2748,31 @@
       </p:sp>
     </p:spTree>
   </p:cSld>
-  <p:clrMap bg1="lt1" bg2="lt2" tx1="dk1" tx2="dk2" accent1="accent1" accent2="accent2" accent3="accent3" accent4="accent4" accent5="accent5" accent6="accent6" hlink="hlink" folHlink="folHlink"/>
+  <p:clrMap bg1="lt1" tx1="dk1" bg2="lt2" tx2="dk2" accent1="accent1" accent2="accent2" accent3="accent3" accent4="accent4" accent5="accent5" accent6="accent6" hlink="hlink" folHlink="folHlink"/>
   <p:sldLayoutIdLst>
-    <p:sldLayoutId id="2147483649" r:id="rId2"/>
-    <p:sldLayoutId id="2147483650" r:id="rId3"/>
-    <p:sldLayoutId id="2147483651" r:id="rId4"/>
-    <p:sldLayoutId id="2147483652" r:id="rId5"/>
-    <p:sldLayoutId id="2147483653" r:id="rId6"/>
-    <p:sldLayoutId id="2147483654" r:id="rId7"/>
-    <p:sldLayoutId id="2147483655" r:id="rId8"/>
-    <p:sldLayoutId id="2147483656" r:id="rId9"/>
-    <p:sldLayoutId id="2147483657" r:id="rId10"/>
-    <p:sldLayoutId id="2147483658" r:id="rId11"/>
-    <p:sldLayoutId id="2147483659" r:id="rId12"/>
-    <p:sldLayoutId id="2147483660" r:id="rId13"/>
+    <p:sldLayoutId id="2147483649" r:id="rId1"/>
+    <p:sldLayoutId id="2147483650" r:id="rId2"/>
+    <p:sldLayoutId id="2147483651" r:id="rId3"/>
+    <p:sldLayoutId id="2147483652" r:id="rId4"/>
+    <p:sldLayoutId id="2147483653" r:id="rId5"/>
+    <p:sldLayoutId id="2147483654" r:id="rId6"/>
+    <p:sldLayoutId id="2147483655" r:id="rId7"/>
+    <p:sldLayoutId id="2147483656" r:id="rId8"/>
+    <p:sldLayoutId id="2147483657" r:id="rId9"/>
+    <p:sldLayoutId id="2147483658" r:id="rId10"/>
+    <p:sldLayoutId id="2147483659" r:id="rId11"/>
+    <p:sldLayoutId id="2147483660" r:id="rId12"/>
   </p:sldLayoutIdLst>
+  <p:txStyles>
+    <p:titleStyle/>
+    <p:bodyStyle/>
+    <p:otherStyle/>
+  </p:txStyles>
 </p:sldMaster>
 </file>
 
 <file path=ppt/slideMasters/slideMaster2.xml><?xml version="1.0" encoding="utf-8"?>
-<p:sldMaster xmlns:a="http://schemas.openxmlformats.org/drawingml/2006/main" xmlns:p="http://schemas.openxmlformats.org/presentationml/2006/main" xmlns:r="http://schemas.openxmlformats.org/officeDocument/2006/relationships">
+<p:sldMaster xmlns:a="http://schemas.openxmlformats.org/drawingml/2006/main" xmlns:r="http://schemas.openxmlformats.org/officeDocument/2006/relationships" xmlns:p="http://schemas.openxmlformats.org/presentationml/2006/main">
   <p:cSld>
     <p:spTree>
       <p:nvGrpSpPr>
@@ -2567,7 +2808,8 @@
           </a:prstGeom>
         </p:spPr>
         <p:txBody>
-          <a:bodyPr lIns="0" rIns="0" tIns="0" bIns="0" anchor="ctr"/>
+          <a:bodyPr lIns="0" tIns="0" rIns="0" bIns="0" anchor="ctr"/>
+          <a:lstStyle/>
           <a:p>
             <a:r>
               <a:rPr lang="en-US">
@@ -2599,7 +2841,8 @@
           </a:prstGeom>
         </p:spPr>
         <p:txBody>
-          <a:bodyPr lIns="0" rIns="0" tIns="0" bIns="0"/>
+          <a:bodyPr lIns="0" tIns="0" rIns="0" bIns="0"/>
+          <a:lstStyle/>
           <a:p>
             <a:pPr>
               <a:buSzPct val="45000"/>
@@ -2702,26 +2945,31 @@
       </p:sp>
     </p:spTree>
   </p:cSld>
-  <p:clrMap bg1="lt1" bg2="lt2" tx1="dk1" tx2="dk2" accent1="accent1" accent2="accent2" accent3="accent3" accent4="accent4" accent5="accent5" accent6="accent6" hlink="hlink" folHlink="folHlink"/>
+  <p:clrMap bg1="lt1" tx1="dk1" bg2="lt2" tx2="dk2" accent1="accent1" accent2="accent2" accent3="accent3" accent4="accent4" accent5="accent5" accent6="accent6" hlink="hlink" folHlink="folHlink"/>
   <p:sldLayoutIdLst>
-    <p:sldLayoutId id="2147483662" r:id="rId2"/>
-    <p:sldLayoutId id="2147483663" r:id="rId3"/>
-    <p:sldLayoutId id="2147483664" r:id="rId4"/>
-    <p:sldLayoutId id="2147483665" r:id="rId5"/>
-    <p:sldLayoutId id="2147483666" r:id="rId6"/>
-    <p:sldLayoutId id="2147483667" r:id="rId7"/>
-    <p:sldLayoutId id="2147483668" r:id="rId8"/>
-    <p:sldLayoutId id="2147483669" r:id="rId9"/>
-    <p:sldLayoutId id="2147483670" r:id="rId10"/>
-    <p:sldLayoutId id="2147483671" r:id="rId11"/>
-    <p:sldLayoutId id="2147483672" r:id="rId12"/>
-    <p:sldLayoutId id="2147483673" r:id="rId13"/>
+    <p:sldLayoutId id="2147483662" r:id="rId1"/>
+    <p:sldLayoutId id="2147483663" r:id="rId2"/>
+    <p:sldLayoutId id="2147483664" r:id="rId3"/>
+    <p:sldLayoutId id="2147483665" r:id="rId4"/>
+    <p:sldLayoutId id="2147483666" r:id="rId5"/>
+    <p:sldLayoutId id="2147483667" r:id="rId6"/>
+    <p:sldLayoutId id="2147483668" r:id="rId7"/>
+    <p:sldLayoutId id="2147483669" r:id="rId8"/>
+    <p:sldLayoutId id="2147483670" r:id="rId9"/>
+    <p:sldLayoutId id="2147483671" r:id="rId10"/>
+    <p:sldLayoutId id="2147483672" r:id="rId11"/>
+    <p:sldLayoutId id="2147483673" r:id="rId12"/>
   </p:sldLayoutIdLst>
+  <p:txStyles>
+    <p:titleStyle/>
+    <p:bodyStyle/>
+    <p:otherStyle/>
+  </p:txStyles>
 </p:sldMaster>
 </file>
 
 <file path=ppt/slides/slide1.xml><?xml version="1.0" encoding="utf-8"?>
-<p:sld xmlns:a="http://schemas.openxmlformats.org/drawingml/2006/main" xmlns:p="http://schemas.openxmlformats.org/presentationml/2006/main" xmlns:r="http://schemas.openxmlformats.org/officeDocument/2006/relationships">
+<p:sld xmlns:a="http://schemas.openxmlformats.org/drawingml/2006/main" xmlns:r="http://schemas.openxmlformats.org/officeDocument/2006/relationships" xmlns:p="http://schemas.openxmlformats.org/presentationml/2006/main">
   <p:cSld>
     <p:spTree>
       <p:nvGrpSpPr>
@@ -2757,7 +3005,8 @@
           </a:ln>
         </p:spPr>
         <p:txBody>
-          <a:bodyPr lIns="0" rIns="0" tIns="0" bIns="0" anchor="ctr"/>
+          <a:bodyPr lIns="0" tIns="0" rIns="0" bIns="0" anchor="ctr"/>
+          <a:lstStyle/>
           <a:p>
             <a:pPr algn="ctr">
               <a:lnSpc>
@@ -2768,13 +3017,7 @@
               <a:rPr lang="en-US" sz="4400">
                 <a:latin typeface="Arial"/>
               </a:rPr>
-              <a:t>imerge</a:t>
-            </a:r>
-            <a:r>
-              <a:rPr lang="en-US" sz="4400">
-                <a:latin typeface="Arial"/>
-              </a:rPr>
-              <a:t>合图工具</a:t>
+              <a:t>imerge合图工具</a:t>
             </a:r>
             <a:endParaRPr/>
           </a:p>
@@ -2800,7 +3043,8 @@
           </a:ln>
         </p:spPr>
         <p:txBody>
-          <a:bodyPr lIns="0" rIns="0" tIns="0" bIns="0" anchor="ctr"/>
+          <a:bodyPr lIns="0" tIns="0" rIns="0" bIns="0" anchor="ctr"/>
+          <a:lstStyle/>
           <a:p>
             <a:pPr algn="ctr">
               <a:lnSpc>
@@ -2811,61 +3055,7 @@
               <a:rPr lang="en-US" sz="3200">
                 <a:latin typeface="Arial"/>
               </a:rPr>
-              <a:t>	</a:t>
-            </a:r>
-            <a:r>
-              <a:rPr lang="en-US" sz="3200">
-                <a:latin typeface="Arial"/>
-              </a:rPr>
-              <a:t>	</a:t>
-            </a:r>
-            <a:r>
-              <a:rPr lang="en-US" sz="3200">
-                <a:latin typeface="Arial"/>
-              </a:rPr>
-              <a:t>	</a:t>
-            </a:r>
-            <a:r>
-              <a:rPr lang="en-US" sz="3200">
-                <a:latin typeface="Arial"/>
-              </a:rPr>
-              <a:t>	</a:t>
-            </a:r>
-            <a:r>
-              <a:rPr lang="en-US" sz="3200">
-                <a:latin typeface="Arial"/>
-              </a:rPr>
-              <a:t>	</a:t>
-            </a:r>
-            <a:r>
-              <a:rPr lang="en-US" sz="3200">
-                <a:latin typeface="Arial"/>
-              </a:rPr>
-              <a:t>	</a:t>
-            </a:r>
-            <a:r>
-              <a:rPr lang="en-US" sz="3200">
-                <a:latin typeface="Arial"/>
-              </a:rPr>
-              <a:t>	</a:t>
-            </a:r>
-            <a:r>
-              <a:rPr lang="en-US" sz="3200">
-                <a:latin typeface="Arial"/>
-              </a:rPr>
-              <a:t>	</a:t>
-            </a:r>
-            <a:r>
-              <a:rPr lang="en-US" sz="3200">
-                <a:latin typeface="Arial"/>
-              </a:rPr>
-              <a:t>--</a:t>
-            </a:r>
-            <a:r>
-              <a:rPr lang="en-US" sz="3200">
-                <a:latin typeface="Arial"/>
-              </a:rPr>
-              <a:t>邹家伟</a:t>
+              <a:t>								--邹家伟</a:t>
             </a:r>
             <a:endParaRPr/>
           </a:p>
@@ -2873,6 +3063,9 @@
       </p:sp>
     </p:spTree>
   </p:cSld>
+  <p:clrMapOvr>
+    <a:masterClrMapping/>
+  </p:clrMapOvr>
   <p:timing>
     <p:tnLst>
       <p:par>
@@ -2881,14 +3074,14 @@
             <p:seq>
               <p:cTn id="2" nodeType="mainSeq"/>
               <p:prevCondLst>
-                <p:cond delay="0" evt="onPrev">
+                <p:cond evt="onPrev" delay="0">
                   <p:tgtEl>
                     <p:sldTgt/>
                   </p:tgtEl>
                 </p:cond>
               </p:prevCondLst>
               <p:nextCondLst>
-                <p:cond delay="0" evt="onNext">
+                <p:cond evt="onNext" delay="0">
                   <p:tgtEl>
                     <p:sldTgt/>
                   </p:tgtEl>
@@ -2904,7 +3097,7 @@
 </file>
 
 <file path=ppt/slides/slide10.xml><?xml version="1.0" encoding="utf-8"?>
-<p:sld xmlns:a="http://schemas.openxmlformats.org/drawingml/2006/main" xmlns:p="http://schemas.openxmlformats.org/presentationml/2006/main" xmlns:r="http://schemas.openxmlformats.org/officeDocument/2006/relationships">
+<p:sld xmlns:a="http://schemas.openxmlformats.org/drawingml/2006/main" xmlns:r="http://schemas.openxmlformats.org/officeDocument/2006/relationships" xmlns:p="http://schemas.openxmlformats.org/presentationml/2006/main">
   <p:cSld>
     <p:spTree>
       <p:nvGrpSpPr>
@@ -2940,7 +3133,8 @@
           </a:ln>
         </p:spPr>
         <p:txBody>
-          <a:bodyPr lIns="0" rIns="0" tIns="0" bIns="0" anchor="ctr"/>
+          <a:bodyPr lIns="0" tIns="0" rIns="0" bIns="0" anchor="ctr"/>
+          <a:lstStyle/>
           <a:p>
             <a:r>
               <a:rPr lang="en-US" sz="4400">
@@ -2972,7 +3166,8 @@
           </a:ln>
         </p:spPr>
         <p:txBody>
-          <a:bodyPr lIns="0" rIns="0" tIns="0" bIns="0"/>
+          <a:bodyPr lIns="0" tIns="0" rIns="0" bIns="0"/>
+          <a:lstStyle/>
           <a:p>
             <a:pPr>
               <a:lnSpc>
@@ -2986,25 +3181,7 @@
               <a:rPr lang="en-US" sz="3200">
                 <a:latin typeface="Arial"/>
               </a:rPr>
-              <a:t>Background-position</a:t>
-            </a:r>
-            <a:r>
-              <a:rPr lang="en-US" sz="3200">
-                <a:latin typeface="Arial"/>
-              </a:rPr>
-              <a:t>，</a:t>
-            </a:r>
-            <a:r>
-              <a:rPr lang="en-US" sz="3200">
-                <a:latin typeface="Arial"/>
-              </a:rPr>
-              <a:t>top/right...%</a:t>
-            </a:r>
-            <a:r>
-              <a:rPr lang="en-US" sz="3200">
-                <a:latin typeface="Arial"/>
-              </a:rPr>
-              <a:t>的实现</a:t>
+              <a:t>Background-position，top/right...%的实现</a:t>
             </a:r>
             <a:endParaRPr/>
           </a:p>
@@ -3025,11 +3202,11 @@
             <a:avLst/>
           </a:prstGeom>
           <a:solidFill>
-            <a:srgbClr val="ffffff"/>
+            <a:srgbClr val="FFFFFF"/>
           </a:solidFill>
           <a:ln>
             <a:solidFill>
-              <a:srgbClr val="3465a4"/>
+              <a:srgbClr val="3465A4"/>
             </a:solidFill>
           </a:ln>
         </p:spPr>
@@ -3175,16 +3352,17 @@
             <a:avLst/>
           </a:prstGeom>
           <a:solidFill>
-            <a:srgbClr val="729fcf"/>
+            <a:srgbClr val="729FCF"/>
           </a:solidFill>
           <a:ln>
             <a:solidFill>
-              <a:srgbClr val="3465a4"/>
+              <a:srgbClr val="3465A4"/>
             </a:solidFill>
           </a:ln>
         </p:spPr>
         <p:txBody>
-          <a:bodyPr wrap="none" lIns="90000" rIns="90000" tIns="45000" bIns="45000" anchor="ctr"/>
+          <a:bodyPr wrap="none" lIns="90000" tIns="45000" rIns="90000" bIns="45000" anchor="ctr"/>
+          <a:lstStyle/>
           <a:p>
             <a:pPr algn="ctr">
               <a:lnSpc>
@@ -3216,16 +3394,17 @@
             <a:avLst/>
           </a:prstGeom>
           <a:solidFill>
-            <a:srgbClr val="729fcf"/>
+            <a:srgbClr val="729FCF"/>
           </a:solidFill>
           <a:ln>
             <a:solidFill>
-              <a:srgbClr val="3465a4"/>
+              <a:srgbClr val="3465A4"/>
             </a:solidFill>
           </a:ln>
         </p:spPr>
         <p:txBody>
-          <a:bodyPr wrap="none" lIns="90000" rIns="90000" tIns="45000" bIns="45000" anchor="ctr"/>
+          <a:bodyPr wrap="none" lIns="90000" tIns="45000" rIns="90000" bIns="45000" anchor="ctr"/>
+          <a:lstStyle/>
           <a:p>
             <a:pPr algn="ctr">
               <a:lnSpc>
@@ -3257,16 +3436,17 @@
             <a:avLst/>
           </a:prstGeom>
           <a:solidFill>
-            <a:srgbClr val="729fcf"/>
+            <a:srgbClr val="729FCF"/>
           </a:solidFill>
           <a:ln>
             <a:solidFill>
-              <a:srgbClr val="3465a4"/>
+              <a:srgbClr val="3465A4"/>
             </a:solidFill>
           </a:ln>
         </p:spPr>
         <p:txBody>
-          <a:bodyPr wrap="none" lIns="90000" rIns="90000" tIns="45000" bIns="45000" anchor="ctr"/>
+          <a:bodyPr wrap="none" lIns="90000" tIns="45000" rIns="90000" bIns="45000" anchor="ctr"/>
+          <a:lstStyle/>
           <a:p>
             <a:pPr algn="ctr">
               <a:lnSpc>
@@ -3298,11 +3478,11 @@
             <a:avLst/>
           </a:prstGeom>
           <a:solidFill>
-            <a:srgbClr val="729fcf"/>
+            <a:srgbClr val="729FCF"/>
           </a:solidFill>
           <a:ln>
             <a:solidFill>
-              <a:srgbClr val="3465a4"/>
+              <a:srgbClr val="3465A4"/>
             </a:solidFill>
           </a:ln>
         </p:spPr>
@@ -3315,8 +3495,8 @@
         </p:nvSpPr>
         <p:spPr>
           <a:xfrm>
-            <a:off x="5126400" y="5829480"/>
-            <a:ext cx="878400" cy="345960"/>
+            <a:off x="5126400" y="5829479"/>
+            <a:ext cx="1210056" cy="470637"/>
           </a:xfrm>
           <a:prstGeom prst="rect">
             <a:avLst/>
@@ -3327,15 +3507,16 @@
           </a:ln>
         </p:spPr>
         <p:txBody>
-          <a:bodyPr lIns="90000" rIns="90000" tIns="45000" bIns="45000"/>
-          <a:p>
-            <a:r>
-              <a:rPr lang="en-US">
+          <a:bodyPr lIns="90000" tIns="45000" rIns="90000" bIns="45000"/>
+          <a:lstStyle/>
+          <a:p>
+            <a:r>
+              <a:rPr lang="en-US" dirty="0">
                 <a:latin typeface="Arial"/>
               </a:rPr>
               <a:t>bottom</a:t>
             </a:r>
-            <a:endParaRPr/>
+            <a:endParaRPr dirty="0"/>
           </a:p>
         </p:txBody>
       </p:sp>
@@ -3354,11 +3535,11 @@
             <a:avLst/>
           </a:prstGeom>
           <a:solidFill>
-            <a:srgbClr val="ff6600"/>
+            <a:srgbClr val="FF6600"/>
           </a:solidFill>
           <a:ln>
             <a:solidFill>
-              <a:srgbClr val="3465a4"/>
+              <a:srgbClr val="3465A4"/>
             </a:solidFill>
           </a:ln>
         </p:spPr>
@@ -3378,11 +3559,11 @@
             <a:avLst/>
           </a:prstGeom>
           <a:solidFill>
-            <a:srgbClr val="ff6600"/>
+            <a:srgbClr val="FF6600"/>
           </a:solidFill>
           <a:ln>
             <a:solidFill>
-              <a:srgbClr val="3465a4"/>
+              <a:srgbClr val="3465A4"/>
             </a:solidFill>
           </a:ln>
         </p:spPr>
@@ -3402,11 +3583,11 @@
             <a:avLst/>
           </a:prstGeom>
           <a:solidFill>
-            <a:srgbClr val="ff6600"/>
+            <a:srgbClr val="FF6600"/>
           </a:solidFill>
           <a:ln>
             <a:solidFill>
-              <a:srgbClr val="3465a4"/>
+              <a:srgbClr val="3465A4"/>
             </a:solidFill>
           </a:ln>
         </p:spPr>
@@ -3426,11 +3607,11 @@
             <a:avLst/>
           </a:prstGeom>
           <a:solidFill>
-            <a:srgbClr val="ff6600"/>
+            <a:srgbClr val="FF6600"/>
           </a:solidFill>
           <a:ln>
             <a:solidFill>
-              <a:srgbClr val="3465a4"/>
+              <a:srgbClr val="3465A4"/>
             </a:solidFill>
           </a:ln>
         </p:spPr>
@@ -3450,11 +3631,11 @@
             <a:avLst/>
           </a:prstGeom>
           <a:solidFill>
-            <a:srgbClr val="ffffff"/>
+            <a:srgbClr val="FFFFFF"/>
           </a:solidFill>
           <a:ln>
             <a:solidFill>
-              <a:srgbClr val="3465a4"/>
+              <a:srgbClr val="3465A4"/>
             </a:solidFill>
           </a:ln>
         </p:spPr>
@@ -3474,11 +3655,11 @@
             <a:avLst/>
           </a:prstGeom>
           <a:solidFill>
-            <a:srgbClr val="ff6600"/>
+            <a:srgbClr val="FF6600"/>
           </a:solidFill>
           <a:ln>
             <a:solidFill>
-              <a:srgbClr val="3465a4"/>
+              <a:srgbClr val="3465A4"/>
             </a:solidFill>
           </a:ln>
         </p:spPr>
@@ -3498,11 +3679,11 @@
             <a:avLst/>
           </a:prstGeom>
           <a:solidFill>
-            <a:srgbClr val="ff6600"/>
+            <a:srgbClr val="FF6600"/>
           </a:solidFill>
           <a:ln>
             <a:solidFill>
-              <a:srgbClr val="3465a4"/>
+              <a:srgbClr val="3465A4"/>
             </a:solidFill>
           </a:ln>
         </p:spPr>
@@ -3522,11 +3703,11 @@
             <a:avLst/>
           </a:prstGeom>
           <a:solidFill>
-            <a:srgbClr val="ff6600"/>
+            <a:srgbClr val="FF6600"/>
           </a:solidFill>
           <a:ln>
             <a:solidFill>
-              <a:srgbClr val="3465a4"/>
+              <a:srgbClr val="3465A4"/>
             </a:solidFill>
           </a:ln>
         </p:spPr>
@@ -3546,46 +3727,49 @@
             <a:avLst/>
           </a:prstGeom>
           <a:solidFill>
-            <a:srgbClr val="ff6600"/>
+            <a:srgbClr val="FF6600"/>
           </a:solidFill>
           <a:ln>
             <a:solidFill>
-              <a:srgbClr val="3465a4"/>
+              <a:srgbClr val="3465A4"/>
             </a:solidFill>
           </a:ln>
         </p:spPr>
       </p:sp>
     </p:spTree>
   </p:cSld>
+  <p:clrMapOvr>
+    <a:masterClrMapping/>
+  </p:clrMapOvr>
   <p:timing>
     <p:tnLst>
       <p:par>
-        <p:cTn id="164" dur="indefinite" restart="never" nodeType="tmRoot">
+        <p:cTn id="1" dur="indefinite" restart="never" nodeType="tmRoot">
           <p:childTnLst>
             <p:seq>
-              <p:cTn id="165" nodeType="mainSeq">
+              <p:cTn id="2" nodeType="mainSeq">
                 <p:childTnLst>
                   <p:par>
-                    <p:cTn id="166" fill="freeze">
+                    <p:cTn id="3" fill="freeze">
                       <p:stCondLst>
                         <p:cond delay="indefinite"/>
                       </p:stCondLst>
                       <p:childTnLst>
                         <p:par>
-                          <p:cTn id="167" fill="freeze">
+                          <p:cTn id="4" fill="freeze">
                             <p:stCondLst>
                               <p:cond delay="0"/>
                             </p:stCondLst>
                             <p:childTnLst>
                               <p:par>
-                                <p:cTn id="168" nodeType="clickEffect" fill="hold" presetClass="exit" presetID="1">
+                                <p:cTn id="5" presetID="1" presetClass="exit" fill="hold" nodeType="clickEffect">
                                   <p:stCondLst>
                                     <p:cond delay="0"/>
                                   </p:stCondLst>
                                   <p:childTnLst>
                                     <p:set>
                                       <p:cBhvr>
-                                        <p:cTn id="169" dur="1" fill="hold">
+                                        <p:cTn id="6" dur="1" fill="hold">
                                           <p:stCondLst>
                                             <p:cond delay="0"/>
                                           </p:stCondLst>
@@ -3605,14 +3789,14 @@
                                 </p:cTn>
                               </p:par>
                               <p:par>
-                                <p:cTn id="170" nodeType="withEffect" fill="hold" presetClass="exit" presetID="1">
+                                <p:cTn id="7" presetID="1" presetClass="exit" fill="hold" nodeType="withEffect">
                                   <p:stCondLst>
                                     <p:cond delay="0"/>
                                   </p:stCondLst>
                                   <p:childTnLst>
                                     <p:set>
                                       <p:cBhvr>
-                                        <p:cTn id="171" dur="1" fill="hold">
+                                        <p:cTn id="8" dur="1" fill="hold">
                                           <p:stCondLst>
                                             <p:cond delay="0"/>
                                           </p:stCondLst>
@@ -3632,14 +3816,14 @@
                                 </p:cTn>
                               </p:par>
                               <p:par>
-                                <p:cTn id="172" nodeType="withEffect" fill="hold" presetClass="exit" presetID="1">
+                                <p:cTn id="9" presetID="1" presetClass="exit" fill="hold" nodeType="withEffect">
                                   <p:stCondLst>
                                     <p:cond delay="0"/>
                                   </p:stCondLst>
                                   <p:childTnLst>
                                     <p:set>
                                       <p:cBhvr>
-                                        <p:cTn id="173" dur="1" fill="hold">
+                                        <p:cTn id="10" dur="1" fill="hold">
                                           <p:stCondLst>
                                             <p:cond delay="0"/>
                                           </p:stCondLst>
@@ -3659,14 +3843,14 @@
                                 </p:cTn>
                               </p:par>
                               <p:par>
-                                <p:cTn id="174" nodeType="withEffect" fill="hold" presetClass="exit" presetID="1">
+                                <p:cTn id="11" presetID="1" presetClass="exit" fill="hold" nodeType="withEffect">
                                   <p:stCondLst>
                                     <p:cond delay="0"/>
                                   </p:stCondLst>
                                   <p:childTnLst>
                                     <p:set>
                                       <p:cBhvr>
-                                        <p:cTn id="175" dur="1" fill="hold">
+                                        <p:cTn id="12" dur="1" fill="hold">
                                           <p:stCondLst>
                                             <p:cond delay="0"/>
                                           </p:stCondLst>
@@ -3686,14 +3870,14 @@
                                 </p:cTn>
                               </p:par>
                               <p:par>
-                                <p:cTn id="176" nodeType="withEffect" fill="hold" presetClass="exit" presetID="1">
+                                <p:cTn id="13" presetID="1" presetClass="exit" fill="hold" nodeType="withEffect">
                                   <p:stCondLst>
                                     <p:cond delay="0"/>
                                   </p:stCondLst>
                                   <p:childTnLst>
                                     <p:set>
                                       <p:cBhvr>
-                                        <p:cTn id="177" dur="1" fill="hold">
+                                        <p:cTn id="14" dur="1" fill="hold">
                                           <p:stCondLst>
                                             <p:cond delay="0"/>
                                           </p:stCondLst>
@@ -3713,14 +3897,14 @@
                                 </p:cTn>
                               </p:par>
                               <p:par>
-                                <p:cTn id="178" nodeType="withEffect" fill="hold" presetClass="exit" presetID="1">
+                                <p:cTn id="15" presetID="1" presetClass="exit" fill="hold" nodeType="withEffect">
                                   <p:stCondLst>
                                     <p:cond delay="0"/>
                                   </p:stCondLst>
                                   <p:childTnLst>
                                     <p:set>
                                       <p:cBhvr>
-                                        <p:cTn id="179" dur="1" fill="hold">
+                                        <p:cTn id="16" dur="1" fill="hold">
                                           <p:stCondLst>
                                             <p:cond delay="0"/>
                                           </p:stCondLst>
@@ -3740,14 +3924,14 @@
                                 </p:cTn>
                               </p:par>
                               <p:par>
-                                <p:cTn id="180" nodeType="withEffect" fill="hold" presetClass="exit" presetID="1">
+                                <p:cTn id="17" presetID="1" presetClass="exit" fill="hold" nodeType="withEffect">
                                   <p:stCondLst>
                                     <p:cond delay="0"/>
                                   </p:stCondLst>
                                   <p:childTnLst>
                                     <p:set>
                                       <p:cBhvr>
-                                        <p:cTn id="181" dur="1" fill="hold">
+                                        <p:cTn id="18" dur="1" fill="hold">
                                           <p:stCondLst>
                                             <p:cond delay="0"/>
                                           </p:stCondLst>
@@ -3767,14 +3951,14 @@
                                 </p:cTn>
                               </p:par>
                               <p:par>
-                                <p:cTn id="182" nodeType="withEffect" fill="hold" presetClass="exit" presetID="1">
+                                <p:cTn id="19" presetID="1" presetClass="exit" fill="hold" nodeType="withEffect">
                                   <p:stCondLst>
                                     <p:cond delay="0"/>
                                   </p:stCondLst>
                                   <p:childTnLst>
                                     <p:set>
                                       <p:cBhvr>
-                                        <p:cTn id="183" dur="1" fill="hold">
+                                        <p:cTn id="20" dur="1" fill="hold">
                                           <p:stCondLst>
                                             <p:cond delay="0"/>
                                           </p:stCondLst>
@@ -3794,14 +3978,14 @@
                                 </p:cTn>
                               </p:par>
                               <p:par>
-                                <p:cTn id="184" nodeType="withEffect" fill="hold" presetClass="exit" presetID="1">
+                                <p:cTn id="21" presetID="1" presetClass="exit" fill="hold" nodeType="withEffect">
                                   <p:stCondLst>
                                     <p:cond delay="0"/>
                                   </p:stCondLst>
                                   <p:childTnLst>
                                     <p:set>
                                       <p:cBhvr>
-                                        <p:cTn id="185" dur="1" fill="hold">
+                                        <p:cTn id="22" dur="1" fill="hold">
                                           <p:stCondLst>
                                             <p:cond delay="0"/>
                                           </p:stCondLst>
@@ -3821,14 +4005,14 @@
                                 </p:cTn>
                               </p:par>
                               <p:par>
-                                <p:cTn id="186" nodeType="withEffect" fill="hold" presetClass="exit" presetID="1">
+                                <p:cTn id="23" presetID="1" presetClass="exit" fill="hold" nodeType="withEffect">
                                   <p:stCondLst>
                                     <p:cond delay="0"/>
                                   </p:stCondLst>
                                   <p:childTnLst>
                                     <p:set>
                                       <p:cBhvr>
-                                        <p:cTn id="187" dur="1" fill="hold">
+                                        <p:cTn id="24" dur="1" fill="hold">
                                           <p:stCondLst>
                                             <p:cond delay="0"/>
                                           </p:stCondLst>
@@ -3848,14 +4032,14 @@
                                 </p:cTn>
                               </p:par>
                               <p:par>
-                                <p:cTn id="188" nodeType="withEffect" fill="hold" presetClass="exit" presetID="1">
+                                <p:cTn id="25" presetID="1" presetClass="exit" fill="hold" nodeType="withEffect">
                                   <p:stCondLst>
                                     <p:cond delay="0"/>
                                   </p:stCondLst>
                                   <p:childTnLst>
                                     <p:set>
                                       <p:cBhvr>
-                                        <p:cTn id="189" dur="1" fill="hold">
+                                        <p:cTn id="26" dur="1" fill="hold">
                                           <p:stCondLst>
                                             <p:cond delay="0"/>
                                           </p:stCondLst>
@@ -3875,14 +4059,14 @@
                                 </p:cTn>
                               </p:par>
                               <p:par>
-                                <p:cTn id="190" nodeType="withEffect" fill="hold" presetClass="exit" presetID="1">
+                                <p:cTn id="27" presetID="1" presetClass="exit" fill="hold" nodeType="withEffect">
                                   <p:stCondLst>
                                     <p:cond delay="0"/>
                                   </p:stCondLst>
                                   <p:childTnLst>
                                     <p:set>
                                       <p:cBhvr>
-                                        <p:cTn id="191" dur="1" fill="hold">
+                                        <p:cTn id="28" dur="1" fill="hold">
                                           <p:stCondLst>
                                             <p:cond delay="0"/>
                                           </p:stCondLst>
@@ -3902,14 +4086,14 @@
                                 </p:cTn>
                               </p:par>
                               <p:par>
-                                <p:cTn id="192" nodeType="withEffect" fill="hold" presetClass="exit" presetID="1">
+                                <p:cTn id="29" presetID="1" presetClass="exit" fill="hold" nodeType="withEffect">
                                   <p:stCondLst>
                                     <p:cond delay="0"/>
                                   </p:stCondLst>
                                   <p:childTnLst>
                                     <p:set>
                                       <p:cBhvr>
-                                        <p:cTn id="193" dur="1" fill="hold">
+                                        <p:cTn id="30" dur="1" fill="hold">
                                           <p:stCondLst>
                                             <p:cond delay="0"/>
                                           </p:stCondLst>
@@ -3929,14 +4113,14 @@
                                 </p:cTn>
                               </p:par>
                               <p:par>
-                                <p:cTn id="194" nodeType="withEffect" fill="hold" presetClass="exit" presetID="1">
+                                <p:cTn id="31" presetID="1" presetClass="exit" fill="hold" nodeType="withEffect">
                                   <p:stCondLst>
                                     <p:cond delay="0"/>
                                   </p:stCondLst>
                                   <p:childTnLst>
                                     <p:set>
                                       <p:cBhvr>
-                                        <p:cTn id="195" dur="1" fill="hold">
+                                        <p:cTn id="32" dur="1" fill="hold">
                                           <p:stCondLst>
                                             <p:cond delay="0"/>
                                           </p:stCondLst>
@@ -3956,14 +4140,14 @@
                                 </p:cTn>
                               </p:par>
                               <p:par>
-                                <p:cTn id="196" nodeType="withEffect" fill="hold" presetClass="exit" presetID="1">
+                                <p:cTn id="33" presetID="1" presetClass="exit" fill="hold" nodeType="withEffect">
                                   <p:stCondLst>
                                     <p:cond delay="0"/>
                                   </p:stCondLst>
                                   <p:childTnLst>
                                     <p:set>
                                       <p:cBhvr>
-                                        <p:cTn id="197" dur="1" fill="hold">
+                                        <p:cTn id="34" dur="1" fill="hold">
                                           <p:stCondLst>
                                             <p:cond delay="0"/>
                                           </p:stCondLst>
@@ -3983,14 +4167,14 @@
                                 </p:cTn>
                               </p:par>
                               <p:par>
-                                <p:cTn id="198" nodeType="withEffect" fill="hold" presetClass="exit" presetID="1">
+                                <p:cTn id="35" presetID="1" presetClass="exit" fill="hold" nodeType="withEffect">
                                   <p:stCondLst>
                                     <p:cond delay="0"/>
                                   </p:stCondLst>
                                   <p:childTnLst>
                                     <p:set>
                                       <p:cBhvr>
-                                        <p:cTn id="199" dur="1" fill="hold">
+                                        <p:cTn id="36" dur="1" fill="hold">
                                           <p:stCondLst>
                                             <p:cond delay="0"/>
                                           </p:stCondLst>
@@ -4016,26 +4200,26 @@
                     </p:cTn>
                   </p:par>
                   <p:par>
-                    <p:cTn id="200" fill="freeze">
+                    <p:cTn id="37" fill="freeze">
                       <p:stCondLst>
                         <p:cond delay="indefinite"/>
                       </p:stCondLst>
                       <p:childTnLst>
                         <p:par>
-                          <p:cTn id="201" fill="freeze">
+                          <p:cTn id="38" fill="freeze">
                             <p:stCondLst>
                               <p:cond delay="0"/>
                             </p:stCondLst>
                             <p:childTnLst>
                               <p:par>
-                                <p:cTn id="202" nodeType="clickEffect" fill="hold" presetClass="entr" presetID="5" presetSubtype="10">
+                                <p:cTn id="39" presetID="5" presetClass="entr" presetSubtype="10" fill="hold" nodeType="clickEffect">
                                   <p:stCondLst>
                                     <p:cond delay="0"/>
                                   </p:stCondLst>
                                   <p:childTnLst>
                                     <p:set>
                                       <p:cBhvr>
-                                        <p:cTn id="203" dur="1" fill="hold">
+                                        <p:cTn id="40" dur="1" fill="hold">
                                           <p:stCondLst>
                                             <p:cond delay="0"/>
                                           </p:stCondLst>
@@ -4051,9 +4235,9 @@
                                         <p:strVal val="visible"/>
                                       </p:to>
                                     </p:set>
-                                    <p:animEffect filter="checkerboard(across)" transition="in">
+                                    <p:animEffect transition="in" filter="checkerboard(across)">
                                       <p:cBhvr additive="repl">
-                                        <p:cTn id="204" dur="500"/>
+                                        <p:cTn id="41" dur="500"/>
                                         <p:tgtEl>
                                           <p:spTgt spid="180"/>
                                         </p:tgtEl>
@@ -4063,14 +4247,14 @@
                                 </p:cTn>
                               </p:par>
                               <p:par>
-                                <p:cTn id="205" nodeType="withEffect" fill="hold" presetClass="entr" presetID="5" presetSubtype="10">
+                                <p:cTn id="42" presetID="5" presetClass="entr" presetSubtype="10" fill="hold" nodeType="withEffect">
                                   <p:stCondLst>
                                     <p:cond delay="0"/>
                                   </p:stCondLst>
                                   <p:childTnLst>
                                     <p:set>
                                       <p:cBhvr>
-                                        <p:cTn id="206" dur="1" fill="hold">
+                                        <p:cTn id="43" dur="1" fill="hold">
                                           <p:stCondLst>
                                             <p:cond delay="0"/>
                                           </p:stCondLst>
@@ -4086,9 +4270,9 @@
                                         <p:strVal val="visible"/>
                                       </p:to>
                                     </p:set>
-                                    <p:animEffect filter="checkerboard(across)" transition="in">
+                                    <p:animEffect transition="in" filter="checkerboard(across)">
                                       <p:cBhvr additive="repl">
-                                        <p:cTn id="207" dur="500"/>
+                                        <p:cTn id="44" dur="500"/>
                                         <p:tgtEl>
                                           <p:spTgt spid="181"/>
                                         </p:tgtEl>
@@ -4098,14 +4282,14 @@
                                 </p:cTn>
                               </p:par>
                               <p:par>
-                                <p:cTn id="208" nodeType="withEffect" fill="hold" presetClass="entr" presetID="5" presetSubtype="10">
+                                <p:cTn id="45" presetID="5" presetClass="entr" presetSubtype="10" fill="hold" nodeType="withEffect">
                                   <p:stCondLst>
                                     <p:cond delay="0"/>
                                   </p:stCondLst>
                                   <p:childTnLst>
                                     <p:set>
                                       <p:cBhvr>
-                                        <p:cTn id="209" dur="1" fill="hold">
+                                        <p:cTn id="46" dur="1" fill="hold">
                                           <p:stCondLst>
                                             <p:cond delay="0"/>
                                           </p:stCondLst>
@@ -4121,9 +4305,9 @@
                                         <p:strVal val="visible"/>
                                       </p:to>
                                     </p:set>
-                                    <p:animEffect filter="checkerboard(across)" transition="in">
+                                    <p:animEffect transition="in" filter="checkerboard(across)">
                                       <p:cBhvr additive="repl">
-                                        <p:cTn id="210" dur="500"/>
+                                        <p:cTn id="47" dur="500"/>
                                         <p:tgtEl>
                                           <p:spTgt spid="182"/>
                                         </p:tgtEl>
@@ -4133,14 +4317,14 @@
                                 </p:cTn>
                               </p:par>
                               <p:par>
-                                <p:cTn id="211" nodeType="withEffect" fill="hold" presetClass="entr" presetID="5" presetSubtype="10">
+                                <p:cTn id="48" presetID="5" presetClass="entr" presetSubtype="10" fill="hold" nodeType="withEffect">
                                   <p:stCondLst>
                                     <p:cond delay="0"/>
                                   </p:stCondLst>
                                   <p:childTnLst>
                                     <p:set>
                                       <p:cBhvr>
-                                        <p:cTn id="212" dur="1" fill="hold">
+                                        <p:cTn id="49" dur="1" fill="hold">
                                           <p:stCondLst>
                                             <p:cond delay="0"/>
                                           </p:stCondLst>
@@ -4156,9 +4340,9 @@
                                         <p:strVal val="visible"/>
                                       </p:to>
                                     </p:set>
-                                    <p:animEffect filter="checkerboard(across)" transition="in">
+                                    <p:animEffect transition="in" filter="checkerboard(across)">
                                       <p:cBhvr additive="repl">
-                                        <p:cTn id="213" dur="500"/>
+                                        <p:cTn id="50" dur="500"/>
                                         <p:tgtEl>
                                           <p:spTgt spid="183"/>
                                         </p:tgtEl>
@@ -4168,14 +4352,14 @@
                                 </p:cTn>
                               </p:par>
                               <p:par>
-                                <p:cTn id="214" nodeType="withEffect" fill="hold" presetClass="entr" presetID="5" presetSubtype="10">
+                                <p:cTn id="51" presetID="5" presetClass="entr" presetSubtype="10" fill="hold" nodeType="withEffect">
                                   <p:stCondLst>
                                     <p:cond delay="0"/>
                                   </p:stCondLst>
                                   <p:childTnLst>
                                     <p:set>
                                       <p:cBhvr>
-                                        <p:cTn id="215" dur="1" fill="hold">
+                                        <p:cTn id="52" dur="1" fill="hold">
                                           <p:stCondLst>
                                             <p:cond delay="0"/>
                                           </p:stCondLst>
@@ -4191,9 +4375,9 @@
                                         <p:strVal val="visible"/>
                                       </p:to>
                                     </p:set>
-                                    <p:animEffect filter="checkerboard(across)" transition="in">
+                                    <p:animEffect transition="in" filter="checkerboard(across)">
                                       <p:cBhvr additive="repl">
-                                        <p:cTn id="216" dur="500"/>
+                                        <p:cTn id="53" dur="500"/>
                                         <p:tgtEl>
                                           <p:spTgt spid="184"/>
                                         </p:tgtEl>
@@ -4211,14 +4395,14 @@
                 </p:childTnLst>
               </p:cTn>
               <p:prevCondLst>
-                <p:cond delay="0" evt="onPrev">
+                <p:cond evt="onPrev" delay="0">
                   <p:tgtEl>
                     <p:sldTgt/>
                   </p:tgtEl>
                 </p:cond>
               </p:prevCondLst>
               <p:nextCondLst>
-                <p:cond delay="0" evt="onNext">
+                <p:cond evt="onNext" delay="0">
                   <p:tgtEl>
                     <p:sldTgt/>
                   </p:tgtEl>
@@ -4234,7 +4418,7 @@
 </file>
 
 <file path=ppt/slides/slide11.xml><?xml version="1.0" encoding="utf-8"?>
-<p:sld xmlns:a="http://schemas.openxmlformats.org/drawingml/2006/main" xmlns:p="http://schemas.openxmlformats.org/presentationml/2006/main" xmlns:r="http://schemas.openxmlformats.org/officeDocument/2006/relationships">
+<p:sld xmlns:a="http://schemas.openxmlformats.org/drawingml/2006/main" xmlns:r="http://schemas.openxmlformats.org/officeDocument/2006/relationships" xmlns:p="http://schemas.openxmlformats.org/presentationml/2006/main">
   <p:cSld>
     <p:spTree>
       <p:nvGrpSpPr>
@@ -4252,7 +4436,7 @@
       </p:grpSpPr>
       <p:sp>
         <p:nvSpPr>
-          <p:cNvPr id="185" name="CustomShape 1"/>
+          <p:cNvPr id="162" name="CustomShape 1"/>
           <p:cNvSpPr/>
           <p:nvPr/>
         </p:nvSpPr>
@@ -4270,7 +4454,8 @@
           </a:ln>
         </p:spPr>
         <p:txBody>
-          <a:bodyPr lIns="0" rIns="0" tIns="0" bIns="0" anchor="ctr"/>
+          <a:bodyPr lIns="0" tIns="0" rIns="0" bIns="0" anchor="ctr"/>
+          <a:lstStyle/>
           <a:p>
             <a:r>
               <a:rPr lang="en-US" sz="4400">
@@ -4284,7 +4469,7 @@
       </p:sp>
       <p:sp>
         <p:nvSpPr>
-          <p:cNvPr id="186" name="CustomShape 2"/>
+          <p:cNvPr id="163" name="CustomShape 2"/>
           <p:cNvSpPr/>
           <p:nvPr/>
         </p:nvSpPr>
@@ -4302,7 +4487,8 @@
           </a:ln>
         </p:spPr>
         <p:txBody>
-          <a:bodyPr lIns="0" rIns="0" tIns="0" bIns="0"/>
+          <a:bodyPr lIns="0" tIns="0" rIns="0" bIns="0"/>
+          <a:lstStyle/>
           <a:p>
             <a:pPr>
               <a:lnSpc>
@@ -4313,116 +4499,592 @@
               <a:buChar char="l"/>
             </a:pPr>
             <a:r>
-              <a:rPr lang="en-US" sz="3200">
-                <a:latin typeface="Arial"/>
-              </a:rPr>
-              <a:t>四个矩形区域满足一定的约束条件</a:t>
-            </a:r>
-            <a:endParaRPr/>
-          </a:p>
-          <a:p>
-            <a:pPr>
-              <a:lnSpc>
-                <a:spcPct val="100000"/>
-              </a:lnSpc>
-              <a:buSzPct val="45000"/>
-              <a:buFont typeface="StarSymbol"/>
-              <a:buChar char="l"/>
-            </a:pPr>
-            <a:r>
-              <a:rPr lang="en-US" sz="3200">
-                <a:latin typeface="Arial"/>
-              </a:rPr>
-              <a:t>每个区域都是动态的</a:t>
-            </a:r>
-            <a:endParaRPr/>
-          </a:p>
-          <a:p>
-            <a:pPr lvl="1">
-              <a:lnSpc>
-                <a:spcPct val="100000"/>
-              </a:lnSpc>
-              <a:buSzPct val="75000"/>
-              <a:buFont typeface="StarSymbol"/>
-              <a:buChar char="l"/>
-            </a:pPr>
-            <a:r>
-              <a:rPr lang="en-US" sz="2800">
-                <a:latin typeface="Arial"/>
-              </a:rPr>
-              <a:t>采用</a:t>
-            </a:r>
-            <a:r>
-              <a:rPr lang="en-US" sz="2800">
-                <a:latin typeface="Arial"/>
-              </a:rPr>
-              <a:t>get/set</a:t>
-            </a:r>
-            <a:r>
-              <a:rPr lang="en-US" sz="2800">
-                <a:latin typeface="Arial"/>
-              </a:rPr>
-              <a:t>方法，动态获取属性值</a:t>
-            </a:r>
-            <a:endParaRPr/>
-          </a:p>
-          <a:p>
-            <a:pPr>
-              <a:lnSpc>
-                <a:spcPct val="100000"/>
-              </a:lnSpc>
-              <a:buSzPct val="45000"/>
-              <a:buFont typeface="StarSymbol"/>
-              <a:buChar char="l"/>
-            </a:pPr>
-            <a:r>
-              <a:rPr lang="en-US" sz="3200">
-                <a:latin typeface="Arial"/>
-              </a:rPr>
-              <a:t>并非所有面积为</a:t>
-            </a:r>
-            <a:r>
-              <a:rPr lang="en-US" sz="3200">
-                <a:latin typeface="Arial"/>
-              </a:rPr>
-              <a:t>0</a:t>
-            </a:r>
-            <a:r>
-              <a:rPr lang="en-US" sz="3200">
-                <a:latin typeface="Arial"/>
-              </a:rPr>
-              <a:t>的矩形区域都要舍弃，当该区域处于边界时，应该保留</a:t>
-            </a:r>
-            <a:endParaRPr/>
+              <a:rPr lang="en-US" sz="3200" dirty="0">
+                <a:latin typeface="Arial"/>
+              </a:rPr>
+              <a:t>Background-</a:t>
+            </a:r>
+            <a:r>
+              <a:rPr lang="en-US" sz="3200" dirty="0" err="1">
+                <a:latin typeface="Arial"/>
+              </a:rPr>
+              <a:t>position，top</a:t>
+            </a:r>
+            <a:r>
+              <a:rPr lang="en-US" sz="3200" dirty="0">
+                <a:latin typeface="Arial"/>
+              </a:rPr>
+              <a:t>/right...%</a:t>
+            </a:r>
+            <a:r>
+              <a:rPr lang="en-US" sz="3200" dirty="0" err="1">
+                <a:latin typeface="Arial"/>
+              </a:rPr>
+              <a:t>的实现</a:t>
+            </a:r>
+            <a:endParaRPr dirty="0"/>
+          </a:p>
+        </p:txBody>
+      </p:sp>
+      <p:sp>
+        <p:nvSpPr>
+          <p:cNvPr id="25" name="矩形 24"/>
+          <p:cNvSpPr/>
+          <p:nvPr/>
+        </p:nvSpPr>
+        <p:spPr>
+          <a:xfrm>
+            <a:off x="143768" y="2843733"/>
+            <a:ext cx="3096344" cy="2304256"/>
+          </a:xfrm>
+          <a:prstGeom prst="rect">
+            <a:avLst/>
+          </a:prstGeom>
+        </p:spPr>
+        <p:style>
+          <a:lnRef idx="2">
+            <a:schemeClr val="accent1"/>
+          </a:lnRef>
+          <a:fillRef idx="1">
+            <a:schemeClr val="lt1"/>
+          </a:fillRef>
+          <a:effectRef idx="0">
+            <a:schemeClr val="accent1"/>
+          </a:effectRef>
+          <a:fontRef idx="minor">
+            <a:schemeClr val="dk1"/>
+          </a:fontRef>
+        </p:style>
+        <p:txBody>
+          <a:bodyPr rtlCol="0" anchor="ctr"/>
+          <a:lstStyle/>
+          <a:p>
+            <a:pPr algn="ctr"/>
+            <a:endParaRPr lang="zh-CN" altLang="en-US"/>
+          </a:p>
+        </p:txBody>
+      </p:sp>
+      <p:sp>
+        <p:nvSpPr>
+          <p:cNvPr id="26" name="矩形 25"/>
+          <p:cNvSpPr/>
+          <p:nvPr/>
+        </p:nvSpPr>
+        <p:spPr>
+          <a:xfrm>
+            <a:off x="3456136" y="2843733"/>
+            <a:ext cx="3096344" cy="2304256"/>
+          </a:xfrm>
+          <a:prstGeom prst="rect">
+            <a:avLst/>
+          </a:prstGeom>
+        </p:spPr>
+        <p:style>
+          <a:lnRef idx="2">
+            <a:schemeClr val="accent1"/>
+          </a:lnRef>
+          <a:fillRef idx="1">
+            <a:schemeClr val="lt1"/>
+          </a:fillRef>
+          <a:effectRef idx="0">
+            <a:schemeClr val="accent1"/>
+          </a:effectRef>
+          <a:fontRef idx="minor">
+            <a:schemeClr val="dk1"/>
+          </a:fontRef>
+        </p:style>
+        <p:txBody>
+          <a:bodyPr rtlCol="0" anchor="ctr"/>
+          <a:lstStyle/>
+          <a:p>
+            <a:pPr algn="ctr"/>
+            <a:endParaRPr lang="zh-CN" altLang="en-US"/>
+          </a:p>
+        </p:txBody>
+      </p:sp>
+      <p:sp>
+        <p:nvSpPr>
+          <p:cNvPr id="27" name="矩形 26"/>
+          <p:cNvSpPr/>
+          <p:nvPr/>
+        </p:nvSpPr>
+        <p:spPr>
+          <a:xfrm>
+            <a:off x="1223888" y="2843733"/>
+            <a:ext cx="864096" cy="2304256"/>
+          </a:xfrm>
+          <a:prstGeom prst="rect">
+            <a:avLst/>
+          </a:prstGeom>
+        </p:spPr>
+        <p:style>
+          <a:lnRef idx="2">
+            <a:schemeClr val="accent2"/>
+          </a:lnRef>
+          <a:fillRef idx="1">
+            <a:schemeClr val="lt1"/>
+          </a:fillRef>
+          <a:effectRef idx="0">
+            <a:schemeClr val="accent2"/>
+          </a:effectRef>
+          <a:fontRef idx="minor">
+            <a:schemeClr val="dk1"/>
+          </a:fontRef>
+        </p:style>
+        <p:txBody>
+          <a:bodyPr rtlCol="0" anchor="ctr"/>
+          <a:lstStyle/>
+          <a:p>
+            <a:pPr algn="ctr"/>
+            <a:endParaRPr lang="zh-CN" altLang="en-US"/>
+          </a:p>
+        </p:txBody>
+      </p:sp>
+      <p:sp>
+        <p:nvSpPr>
+          <p:cNvPr id="28" name="矩形 27"/>
+          <p:cNvSpPr/>
+          <p:nvPr/>
+        </p:nvSpPr>
+        <p:spPr>
+          <a:xfrm>
+            <a:off x="3456136" y="3707829"/>
+            <a:ext cx="3096344" cy="648072"/>
+          </a:xfrm>
+          <a:prstGeom prst="rect">
+            <a:avLst/>
+          </a:prstGeom>
+        </p:spPr>
+        <p:style>
+          <a:lnRef idx="2">
+            <a:schemeClr val="accent2"/>
+          </a:lnRef>
+          <a:fillRef idx="1">
+            <a:schemeClr val="lt1"/>
+          </a:fillRef>
+          <a:effectRef idx="0">
+            <a:schemeClr val="accent2"/>
+          </a:effectRef>
+          <a:fontRef idx="minor">
+            <a:schemeClr val="dk1"/>
+          </a:fontRef>
+        </p:style>
+        <p:txBody>
+          <a:bodyPr rtlCol="0" anchor="ctr"/>
+          <a:lstStyle/>
+          <a:p>
+            <a:pPr algn="ctr"/>
+            <a:endParaRPr lang="zh-CN" altLang="en-US"/>
+          </a:p>
+        </p:txBody>
+      </p:sp>
+      <p:sp>
+        <p:nvSpPr>
+          <p:cNvPr id="29" name="矩形 28"/>
+          <p:cNvSpPr/>
+          <p:nvPr/>
+        </p:nvSpPr>
+        <p:spPr>
+          <a:xfrm>
+            <a:off x="1439912" y="2843733"/>
+            <a:ext cx="432048" cy="504056"/>
+          </a:xfrm>
+          <a:prstGeom prst="rect">
+            <a:avLst/>
+          </a:prstGeom>
+        </p:spPr>
+        <p:style>
+          <a:lnRef idx="2">
+            <a:schemeClr val="accent1">
+              <a:shade val="50000"/>
+            </a:schemeClr>
+          </a:lnRef>
+          <a:fillRef idx="1">
+            <a:schemeClr val="accent1"/>
+          </a:fillRef>
+          <a:effectRef idx="0">
+            <a:schemeClr val="accent1"/>
+          </a:effectRef>
+          <a:fontRef idx="minor">
+            <a:schemeClr val="lt1"/>
+          </a:fontRef>
+        </p:style>
+        <p:txBody>
+          <a:bodyPr rtlCol="0" anchor="ctr"/>
+          <a:lstStyle/>
+          <a:p>
+            <a:pPr algn="ctr"/>
+            <a:endParaRPr lang="zh-CN" altLang="en-US"/>
+          </a:p>
+        </p:txBody>
+      </p:sp>
+      <p:sp>
+        <p:nvSpPr>
+          <p:cNvPr id="30" name="矩形 29"/>
+          <p:cNvSpPr/>
+          <p:nvPr/>
+        </p:nvSpPr>
+        <p:spPr>
+          <a:xfrm>
+            <a:off x="1223888" y="3491805"/>
+            <a:ext cx="864096" cy="432048"/>
+          </a:xfrm>
+          <a:prstGeom prst="rect">
+            <a:avLst/>
+          </a:prstGeom>
+        </p:spPr>
+        <p:style>
+          <a:lnRef idx="2">
+            <a:schemeClr val="accent1">
+              <a:shade val="50000"/>
+            </a:schemeClr>
+          </a:lnRef>
+          <a:fillRef idx="1">
+            <a:schemeClr val="accent1"/>
+          </a:fillRef>
+          <a:effectRef idx="0">
+            <a:schemeClr val="accent1"/>
+          </a:effectRef>
+          <a:fontRef idx="minor">
+            <a:schemeClr val="lt1"/>
+          </a:fontRef>
+        </p:style>
+        <p:txBody>
+          <a:bodyPr rtlCol="0" anchor="ctr"/>
+          <a:lstStyle/>
+          <a:p>
+            <a:pPr algn="ctr"/>
+            <a:endParaRPr lang="zh-CN" altLang="en-US"/>
+          </a:p>
+        </p:txBody>
+      </p:sp>
+      <p:sp>
+        <p:nvSpPr>
+          <p:cNvPr id="31" name="椭圆 30"/>
+          <p:cNvSpPr/>
+          <p:nvPr/>
+        </p:nvSpPr>
+        <p:spPr>
+          <a:xfrm>
+            <a:off x="1511920" y="4211885"/>
+            <a:ext cx="288032" cy="432048"/>
+          </a:xfrm>
+          <a:prstGeom prst="ellipse">
+            <a:avLst/>
+          </a:prstGeom>
+        </p:spPr>
+        <p:style>
+          <a:lnRef idx="2">
+            <a:schemeClr val="accent1">
+              <a:shade val="50000"/>
+            </a:schemeClr>
+          </a:lnRef>
+          <a:fillRef idx="1">
+            <a:schemeClr val="accent1"/>
+          </a:fillRef>
+          <a:effectRef idx="0">
+            <a:schemeClr val="accent1"/>
+          </a:effectRef>
+          <a:fontRef idx="minor">
+            <a:schemeClr val="lt1"/>
+          </a:fontRef>
+        </p:style>
+        <p:txBody>
+          <a:bodyPr rtlCol="0" anchor="ctr"/>
+          <a:lstStyle/>
+          <a:p>
+            <a:pPr algn="ctr"/>
+            <a:endParaRPr lang="zh-CN" altLang="en-US"/>
+          </a:p>
+        </p:txBody>
+      </p:sp>
+      <p:sp>
+        <p:nvSpPr>
+          <p:cNvPr id="32" name="右箭头 31"/>
+          <p:cNvSpPr/>
+          <p:nvPr/>
+        </p:nvSpPr>
+        <p:spPr>
+          <a:xfrm>
+            <a:off x="1439912" y="4787949"/>
+            <a:ext cx="432048" cy="216024"/>
+          </a:xfrm>
+          <a:prstGeom prst="rightArrow">
+            <a:avLst/>
+          </a:prstGeom>
+        </p:spPr>
+        <p:style>
+          <a:lnRef idx="2">
+            <a:schemeClr val="accent1">
+              <a:shade val="50000"/>
+            </a:schemeClr>
+          </a:lnRef>
+          <a:fillRef idx="1">
+            <a:schemeClr val="accent1"/>
+          </a:fillRef>
+          <a:effectRef idx="0">
+            <a:schemeClr val="accent1"/>
+          </a:effectRef>
+          <a:fontRef idx="minor">
+            <a:schemeClr val="lt1"/>
+          </a:fontRef>
+        </p:style>
+        <p:txBody>
+          <a:bodyPr rtlCol="0" anchor="ctr"/>
+          <a:lstStyle/>
+          <a:p>
+            <a:pPr algn="ctr"/>
+            <a:endParaRPr lang="zh-CN" altLang="en-US"/>
+          </a:p>
+        </p:txBody>
+      </p:sp>
+      <p:sp>
+        <p:nvSpPr>
+          <p:cNvPr id="33" name="矩形 32"/>
+          <p:cNvSpPr/>
+          <p:nvPr/>
+        </p:nvSpPr>
+        <p:spPr>
+          <a:xfrm>
+            <a:off x="3456136" y="3779837"/>
+            <a:ext cx="432048" cy="504056"/>
+          </a:xfrm>
+          <a:prstGeom prst="rect">
+            <a:avLst/>
+          </a:prstGeom>
+        </p:spPr>
+        <p:style>
+          <a:lnRef idx="2">
+            <a:schemeClr val="accent1">
+              <a:shade val="50000"/>
+            </a:schemeClr>
+          </a:lnRef>
+          <a:fillRef idx="1">
+            <a:schemeClr val="accent1"/>
+          </a:fillRef>
+          <a:effectRef idx="0">
+            <a:schemeClr val="accent1"/>
+          </a:effectRef>
+          <a:fontRef idx="minor">
+            <a:schemeClr val="lt1"/>
+          </a:fontRef>
+        </p:style>
+        <p:txBody>
+          <a:bodyPr rtlCol="0" anchor="ctr"/>
+          <a:lstStyle/>
+          <a:p>
+            <a:pPr algn="ctr"/>
+            <a:endParaRPr lang="zh-CN" altLang="en-US"/>
+          </a:p>
+        </p:txBody>
+      </p:sp>
+      <p:sp>
+        <p:nvSpPr>
+          <p:cNvPr id="34" name="矩形 33"/>
+          <p:cNvSpPr/>
+          <p:nvPr/>
+        </p:nvSpPr>
+        <p:spPr>
+          <a:xfrm>
+            <a:off x="4176216" y="3707829"/>
+            <a:ext cx="864096" cy="648072"/>
+          </a:xfrm>
+          <a:prstGeom prst="rect">
+            <a:avLst/>
+          </a:prstGeom>
+        </p:spPr>
+        <p:style>
+          <a:lnRef idx="2">
+            <a:schemeClr val="accent1">
+              <a:shade val="50000"/>
+            </a:schemeClr>
+          </a:lnRef>
+          <a:fillRef idx="1">
+            <a:schemeClr val="accent1"/>
+          </a:fillRef>
+          <a:effectRef idx="0">
+            <a:schemeClr val="accent1"/>
+          </a:effectRef>
+          <a:fontRef idx="minor">
+            <a:schemeClr val="lt1"/>
+          </a:fontRef>
+        </p:style>
+        <p:txBody>
+          <a:bodyPr rtlCol="0" anchor="ctr"/>
+          <a:lstStyle/>
+          <a:p>
+            <a:pPr algn="ctr"/>
+            <a:endParaRPr lang="zh-CN" altLang="en-US"/>
+          </a:p>
+        </p:txBody>
+      </p:sp>
+      <p:sp>
+        <p:nvSpPr>
+          <p:cNvPr id="35" name="椭圆 34"/>
+          <p:cNvSpPr/>
+          <p:nvPr/>
+        </p:nvSpPr>
+        <p:spPr>
+          <a:xfrm>
+            <a:off x="5328344" y="3851845"/>
+            <a:ext cx="288032" cy="432048"/>
+          </a:xfrm>
+          <a:prstGeom prst="ellipse">
+            <a:avLst/>
+          </a:prstGeom>
+        </p:spPr>
+        <p:style>
+          <a:lnRef idx="2">
+            <a:schemeClr val="accent1">
+              <a:shade val="50000"/>
+            </a:schemeClr>
+          </a:lnRef>
+          <a:fillRef idx="1">
+            <a:schemeClr val="accent1"/>
+          </a:fillRef>
+          <a:effectRef idx="0">
+            <a:schemeClr val="accent1"/>
+          </a:effectRef>
+          <a:fontRef idx="minor">
+            <a:schemeClr val="lt1"/>
+          </a:fontRef>
+        </p:style>
+        <p:txBody>
+          <a:bodyPr rtlCol="0" anchor="ctr"/>
+          <a:lstStyle/>
+          <a:p>
+            <a:pPr algn="ctr"/>
+            <a:endParaRPr lang="zh-CN" altLang="en-US"/>
+          </a:p>
+        </p:txBody>
+      </p:sp>
+      <p:sp>
+        <p:nvSpPr>
+          <p:cNvPr id="36" name="右箭头 35"/>
+          <p:cNvSpPr/>
+          <p:nvPr/>
+        </p:nvSpPr>
+        <p:spPr>
+          <a:xfrm>
+            <a:off x="5904408" y="3923853"/>
+            <a:ext cx="432048" cy="216024"/>
+          </a:xfrm>
+          <a:prstGeom prst="rightArrow">
+            <a:avLst/>
+          </a:prstGeom>
+        </p:spPr>
+        <p:style>
+          <a:lnRef idx="2">
+            <a:schemeClr val="accent1">
+              <a:shade val="50000"/>
+            </a:schemeClr>
+          </a:lnRef>
+          <a:fillRef idx="1">
+            <a:schemeClr val="accent1"/>
+          </a:fillRef>
+          <a:effectRef idx="0">
+            <a:schemeClr val="accent1"/>
+          </a:effectRef>
+          <a:fontRef idx="minor">
+            <a:schemeClr val="lt1"/>
+          </a:fontRef>
+        </p:style>
+        <p:txBody>
+          <a:bodyPr rtlCol="0" anchor="ctr"/>
+          <a:lstStyle/>
+          <a:p>
+            <a:pPr algn="ctr"/>
+            <a:endParaRPr lang="zh-CN" altLang="en-US"/>
+          </a:p>
+        </p:txBody>
+      </p:sp>
+      <p:sp>
+        <p:nvSpPr>
+          <p:cNvPr id="37" name="矩形 36"/>
+          <p:cNvSpPr/>
+          <p:nvPr/>
+        </p:nvSpPr>
+        <p:spPr>
+          <a:xfrm>
+            <a:off x="6768504" y="2843733"/>
+            <a:ext cx="3096344" cy="2304256"/>
+          </a:xfrm>
+          <a:prstGeom prst="rect">
+            <a:avLst/>
+          </a:prstGeom>
+        </p:spPr>
+        <p:style>
+          <a:lnRef idx="2">
+            <a:schemeClr val="accent2"/>
+          </a:lnRef>
+          <a:fillRef idx="1">
+            <a:schemeClr val="lt1"/>
+          </a:fillRef>
+          <a:effectRef idx="0">
+            <a:schemeClr val="accent2"/>
+          </a:effectRef>
+          <a:fontRef idx="minor">
+            <a:schemeClr val="dk1"/>
+          </a:fontRef>
+        </p:style>
+        <p:txBody>
+          <a:bodyPr rtlCol="0" anchor="ctr"/>
+          <a:lstStyle/>
+          <a:p>
+            <a:pPr algn="ctr"/>
+            <a:endParaRPr lang="zh-CN" altLang="en-US"/>
+          </a:p>
+        </p:txBody>
+      </p:sp>
+      <p:sp>
+        <p:nvSpPr>
+          <p:cNvPr id="38" name="椭圆 37"/>
+          <p:cNvSpPr/>
+          <p:nvPr/>
+        </p:nvSpPr>
+        <p:spPr>
+          <a:xfrm>
+            <a:off x="8064648" y="3779837"/>
+            <a:ext cx="432048" cy="360040"/>
+          </a:xfrm>
+          <a:prstGeom prst="ellipse">
+            <a:avLst/>
+          </a:prstGeom>
+        </p:spPr>
+        <p:style>
+          <a:lnRef idx="2">
+            <a:schemeClr val="accent1">
+              <a:shade val="50000"/>
+            </a:schemeClr>
+          </a:lnRef>
+          <a:fillRef idx="1">
+            <a:schemeClr val="accent1"/>
+          </a:fillRef>
+          <a:effectRef idx="0">
+            <a:schemeClr val="accent1"/>
+          </a:effectRef>
+          <a:fontRef idx="minor">
+            <a:schemeClr val="lt1"/>
+          </a:fontRef>
+        </p:style>
+        <p:txBody>
+          <a:bodyPr rtlCol="0" anchor="ctr"/>
+          <a:lstStyle/>
+          <a:p>
+            <a:pPr algn="ctr"/>
+            <a:endParaRPr lang="zh-CN" altLang="en-US"/>
           </a:p>
         </p:txBody>
       </p:sp>
     </p:spTree>
   </p:cSld>
+  <p:clrMapOvr>
+    <a:masterClrMapping/>
+  </p:clrMapOvr>
   <p:timing>
     <p:tnLst>
       <p:par>
-        <p:cTn id="217" dur="indefinite" restart="never" nodeType="tmRoot">
-          <p:childTnLst>
-            <p:seq>
-              <p:cTn id="218" nodeType="mainSeq"/>
-              <p:prevCondLst>
-                <p:cond delay="0" evt="onPrev">
-                  <p:tgtEl>
-                    <p:sldTgt/>
-                  </p:tgtEl>
-                </p:cond>
-              </p:prevCondLst>
-              <p:nextCondLst>
-                <p:cond delay="0" evt="onNext">
-                  <p:tgtEl>
-                    <p:sldTgt/>
-                  </p:tgtEl>
-                </p:cond>
-              </p:nextCondLst>
-            </p:seq>
-          </p:childTnLst>
-        </p:cTn>
+        <p:cTn id="1" dur="indefinite" restart="never" nodeType="tmRoot"/>
       </p:par>
     </p:tnLst>
   </p:timing>
@@ -4430,7 +5092,7 @@
 </file>
 
 <file path=ppt/slides/slide12.xml><?xml version="1.0" encoding="utf-8"?>
-<p:sld xmlns:a="http://schemas.openxmlformats.org/drawingml/2006/main" xmlns:p="http://schemas.openxmlformats.org/presentationml/2006/main" xmlns:r="http://schemas.openxmlformats.org/officeDocument/2006/relationships">
+<p:sld xmlns:a="http://schemas.openxmlformats.org/drawingml/2006/main" xmlns:r="http://schemas.openxmlformats.org/officeDocument/2006/relationships" xmlns:p="http://schemas.openxmlformats.org/presentationml/2006/main">
   <p:cSld>
     <p:spTree>
       <p:nvGrpSpPr>
@@ -4448,27 +5110,32 @@
       </p:grpSpPr>
       <p:sp>
         <p:nvSpPr>
-          <p:cNvPr id="187" name="TextShape 1"/>
-          <p:cNvSpPr txBox="1"/>
+          <p:cNvPr id="162" name="CustomShape 1"/>
+          <p:cNvSpPr/>
           <p:nvPr/>
         </p:nvSpPr>
         <p:spPr>
           <a:xfrm>
             <a:off x="504000" y="301320"/>
-            <a:ext cx="9071280" cy="1262160"/>
-          </a:xfrm>
-          <a:prstGeom prst="rect">
-            <a:avLst/>
-          </a:prstGeom>
-        </p:spPr>
-        <p:txBody>
-          <a:bodyPr lIns="0" rIns="0" tIns="0" bIns="0" anchor="ctr"/>
+            <a:ext cx="9071280" cy="1261800"/>
+          </a:xfrm>
+          <a:prstGeom prst="rect">
+            <a:avLst/>
+          </a:prstGeom>
+          <a:noFill/>
+          <a:ln>
+            <a:noFill/>
+          </a:ln>
+        </p:spPr>
+        <p:txBody>
+          <a:bodyPr lIns="0" tIns="0" rIns="0" bIns="0" anchor="ctr"/>
+          <a:lstStyle/>
           <a:p>
             <a:r>
               <a:rPr lang="en-US" sz="4400">
                 <a:latin typeface="Arial"/>
               </a:rPr>
-              <a:t>写在结尾</a:t>
+              <a:t>optimized_packing</a:t>
             </a:r>
             <a:endParaRPr/>
           </a:p>
@@ -4476,71 +5143,1855 @@
       </p:sp>
       <p:sp>
         <p:nvSpPr>
-          <p:cNvPr id="188" name="TextShape 2"/>
-          <p:cNvSpPr txBox="1"/>
-          <p:nvPr/>
-        </p:nvSpPr>
-        <p:spPr>
-          <a:xfrm>
-            <a:off x="1884960" y="3270600"/>
-            <a:ext cx="6581520" cy="1300680"/>
-          </a:xfrm>
-          <a:prstGeom prst="rect">
-            <a:avLst/>
-          </a:prstGeom>
-        </p:spPr>
-        <p:txBody>
-          <a:bodyPr lIns="90000" rIns="90000" tIns="45000" bIns="45000"/>
-          <a:p>
-            <a:r>
-              <a:rPr lang="en-US" sz="3600">
-                <a:latin typeface="Arial"/>
-              </a:rPr>
-              <a:t>Unix</a:t>
-            </a:r>
-            <a:r>
-              <a:rPr lang="en-US" sz="3600">
-                <a:latin typeface="Arial"/>
-              </a:rPr>
-              <a:t>哲学</a:t>
-            </a:r>
-            <a:endParaRPr/>
-          </a:p>
-          <a:p>
-            <a:r>
-              <a:rPr lang="en-US" sz="3600">
-                <a:latin typeface="Arial"/>
-              </a:rPr>
-              <a:t>	</a:t>
-            </a:r>
-            <a:r>
-              <a:rPr lang="en-US" sz="3600">
-                <a:latin typeface="Arial"/>
-              </a:rPr>
-              <a:t>只做一件事，并将它做到极致</a:t>
-            </a:r>
-            <a:endParaRPr/>
+          <p:cNvPr id="163" name="CustomShape 2"/>
+          <p:cNvSpPr/>
+          <p:nvPr/>
+        </p:nvSpPr>
+        <p:spPr>
+          <a:xfrm>
+            <a:off x="504000" y="1769040"/>
+            <a:ext cx="9071280" cy="4384080"/>
+          </a:xfrm>
+          <a:prstGeom prst="rect">
+            <a:avLst/>
+          </a:prstGeom>
+          <a:noFill/>
+          <a:ln>
+            <a:noFill/>
+          </a:ln>
+        </p:spPr>
+        <p:txBody>
+          <a:bodyPr lIns="0" tIns="0" rIns="0" bIns="0"/>
+          <a:lstStyle/>
+          <a:p>
+            <a:pPr>
+              <a:lnSpc>
+                <a:spcPct val="100000"/>
+              </a:lnSpc>
+              <a:buSzPct val="45000"/>
+              <a:buFont typeface="StarSymbol"/>
+              <a:buChar char="l"/>
+            </a:pPr>
+            <a:r>
+              <a:rPr lang="en-US" sz="3200" dirty="0" smtClean="0">
+                <a:latin typeface="Arial"/>
+              </a:rPr>
+              <a:t>Background-repeat</a:t>
+            </a:r>
+          </a:p>
+          <a:p>
+            <a:pPr>
+              <a:lnSpc>
+                <a:spcPct val="100000"/>
+              </a:lnSpc>
+              <a:buSzPct val="45000"/>
+              <a:buFont typeface="StarSymbol"/>
+              <a:buChar char="l"/>
+            </a:pPr>
+            <a:endParaRPr lang="en-US" sz="3200" dirty="0">
+              <a:latin typeface="Arial"/>
+            </a:endParaRPr>
+          </a:p>
+          <a:p>
+            <a:pPr>
+              <a:lnSpc>
+                <a:spcPct val="100000"/>
+              </a:lnSpc>
+              <a:buSzPct val="45000"/>
+              <a:buFont typeface="StarSymbol"/>
+              <a:buChar char="l"/>
+            </a:pPr>
+            <a:endParaRPr dirty="0"/>
+          </a:p>
+        </p:txBody>
+      </p:sp>
+      <p:sp>
+        <p:nvSpPr>
+          <p:cNvPr id="25" name="矩形 24"/>
+          <p:cNvSpPr/>
+          <p:nvPr/>
+        </p:nvSpPr>
+        <p:spPr>
+          <a:xfrm>
+            <a:off x="215776" y="2267669"/>
+            <a:ext cx="3096344" cy="2304256"/>
+          </a:xfrm>
+          <a:prstGeom prst="rect">
+            <a:avLst/>
+          </a:prstGeom>
+        </p:spPr>
+        <p:style>
+          <a:lnRef idx="2">
+            <a:schemeClr val="accent1"/>
+          </a:lnRef>
+          <a:fillRef idx="1">
+            <a:schemeClr val="lt1"/>
+          </a:fillRef>
+          <a:effectRef idx="0">
+            <a:schemeClr val="accent1"/>
+          </a:effectRef>
+          <a:fontRef idx="minor">
+            <a:schemeClr val="dk1"/>
+          </a:fontRef>
+        </p:style>
+        <p:txBody>
+          <a:bodyPr rtlCol="0" anchor="ctr"/>
+          <a:lstStyle/>
+          <a:p>
+            <a:pPr algn="ctr"/>
+            <a:endParaRPr lang="zh-CN" altLang="en-US"/>
+          </a:p>
+        </p:txBody>
+      </p:sp>
+      <p:sp>
+        <p:nvSpPr>
+          <p:cNvPr id="26" name="矩形 25"/>
+          <p:cNvSpPr/>
+          <p:nvPr/>
+        </p:nvSpPr>
+        <p:spPr>
+          <a:xfrm>
+            <a:off x="215776" y="3203773"/>
+            <a:ext cx="3096344" cy="504056"/>
+          </a:xfrm>
+          <a:prstGeom prst="rect">
+            <a:avLst/>
+          </a:prstGeom>
+        </p:spPr>
+        <p:style>
+          <a:lnRef idx="2">
+            <a:schemeClr val="accent1">
+              <a:shade val="50000"/>
+            </a:schemeClr>
+          </a:lnRef>
+          <a:fillRef idx="1">
+            <a:schemeClr val="accent1"/>
+          </a:fillRef>
+          <a:effectRef idx="0">
+            <a:schemeClr val="accent1"/>
+          </a:effectRef>
+          <a:fontRef idx="minor">
+            <a:schemeClr val="lt1"/>
+          </a:fontRef>
+        </p:style>
+        <p:txBody>
+          <a:bodyPr rtlCol="0" anchor="ctr"/>
+          <a:lstStyle/>
+          <a:p>
+            <a:pPr algn="ctr"/>
+            <a:endParaRPr lang="zh-CN" altLang="en-US"/>
+          </a:p>
+        </p:txBody>
+      </p:sp>
+      <p:sp>
+        <p:nvSpPr>
+          <p:cNvPr id="27" name="矩形 26"/>
+          <p:cNvSpPr/>
+          <p:nvPr/>
+        </p:nvSpPr>
+        <p:spPr>
+          <a:xfrm>
+            <a:off x="3528144" y="2267669"/>
+            <a:ext cx="3096344" cy="2304256"/>
+          </a:xfrm>
+          <a:prstGeom prst="rect">
+            <a:avLst/>
+          </a:prstGeom>
+        </p:spPr>
+        <p:style>
+          <a:lnRef idx="2">
+            <a:schemeClr val="accent1"/>
+          </a:lnRef>
+          <a:fillRef idx="1">
+            <a:schemeClr val="lt1"/>
+          </a:fillRef>
+          <a:effectRef idx="0">
+            <a:schemeClr val="accent1"/>
+          </a:effectRef>
+          <a:fontRef idx="minor">
+            <a:schemeClr val="dk1"/>
+          </a:fontRef>
+        </p:style>
+        <p:txBody>
+          <a:bodyPr rtlCol="0" anchor="ctr"/>
+          <a:lstStyle/>
+          <a:p>
+            <a:pPr algn="ctr"/>
+            <a:endParaRPr lang="zh-CN" altLang="en-US"/>
+          </a:p>
+        </p:txBody>
+      </p:sp>
+      <p:sp>
+        <p:nvSpPr>
+          <p:cNvPr id="29" name="矩形 28"/>
+          <p:cNvSpPr/>
+          <p:nvPr/>
+        </p:nvSpPr>
+        <p:spPr>
+          <a:xfrm>
+            <a:off x="4824288" y="2267669"/>
+            <a:ext cx="576064" cy="2304256"/>
+          </a:xfrm>
+          <a:prstGeom prst="rect">
+            <a:avLst/>
+          </a:prstGeom>
+        </p:spPr>
+        <p:style>
+          <a:lnRef idx="2">
+            <a:schemeClr val="accent1">
+              <a:shade val="50000"/>
+            </a:schemeClr>
+          </a:lnRef>
+          <a:fillRef idx="1">
+            <a:schemeClr val="accent1"/>
+          </a:fillRef>
+          <a:effectRef idx="0">
+            <a:schemeClr val="accent1"/>
+          </a:effectRef>
+          <a:fontRef idx="minor">
+            <a:schemeClr val="lt1"/>
+          </a:fontRef>
+        </p:style>
+        <p:txBody>
+          <a:bodyPr rtlCol="0" anchor="ctr"/>
+          <a:lstStyle/>
+          <a:p>
+            <a:pPr algn="ctr"/>
+            <a:endParaRPr lang="zh-CN" altLang="en-US"/>
+          </a:p>
+        </p:txBody>
+      </p:sp>
+      <p:sp>
+        <p:nvSpPr>
+          <p:cNvPr id="30" name="矩形 29"/>
+          <p:cNvSpPr/>
+          <p:nvPr/>
+        </p:nvSpPr>
+        <p:spPr>
+          <a:xfrm>
+            <a:off x="6768504" y="4715941"/>
+            <a:ext cx="3096344" cy="2304256"/>
+          </a:xfrm>
+          <a:prstGeom prst="rect">
+            <a:avLst/>
+          </a:prstGeom>
+        </p:spPr>
+        <p:style>
+          <a:lnRef idx="2">
+            <a:schemeClr val="accent1"/>
+          </a:lnRef>
+          <a:fillRef idx="1">
+            <a:schemeClr val="lt1"/>
+          </a:fillRef>
+          <a:effectRef idx="0">
+            <a:schemeClr val="accent1"/>
+          </a:effectRef>
+          <a:fontRef idx="minor">
+            <a:schemeClr val="dk1"/>
+          </a:fontRef>
+        </p:style>
+        <p:txBody>
+          <a:bodyPr rtlCol="0" anchor="ctr"/>
+          <a:lstStyle/>
+          <a:p>
+            <a:pPr algn="ctr"/>
+            <a:endParaRPr lang="zh-CN" altLang="en-US"/>
+          </a:p>
+        </p:txBody>
+      </p:sp>
+      <p:sp>
+        <p:nvSpPr>
+          <p:cNvPr id="31" name="矩形 30"/>
+          <p:cNvSpPr/>
+          <p:nvPr/>
+        </p:nvSpPr>
+        <p:spPr>
+          <a:xfrm>
+            <a:off x="6768504" y="5652045"/>
+            <a:ext cx="3096344" cy="504056"/>
+          </a:xfrm>
+          <a:prstGeom prst="rect">
+            <a:avLst/>
+          </a:prstGeom>
+        </p:spPr>
+        <p:style>
+          <a:lnRef idx="2">
+            <a:schemeClr val="accent1">
+              <a:shade val="50000"/>
+            </a:schemeClr>
+          </a:lnRef>
+          <a:fillRef idx="1">
+            <a:schemeClr val="accent1"/>
+          </a:fillRef>
+          <a:effectRef idx="0">
+            <a:schemeClr val="accent1"/>
+          </a:effectRef>
+          <a:fontRef idx="minor">
+            <a:schemeClr val="lt1"/>
+          </a:fontRef>
+        </p:style>
+        <p:txBody>
+          <a:bodyPr rtlCol="0" anchor="ctr"/>
+          <a:lstStyle/>
+          <a:p>
+            <a:pPr algn="ctr"/>
+            <a:endParaRPr lang="zh-CN" altLang="en-US"/>
+          </a:p>
+        </p:txBody>
+      </p:sp>
+      <p:sp>
+        <p:nvSpPr>
+          <p:cNvPr id="32" name="矩形 31"/>
+          <p:cNvSpPr/>
+          <p:nvPr/>
+        </p:nvSpPr>
+        <p:spPr>
+          <a:xfrm>
+            <a:off x="8064648" y="4715941"/>
+            <a:ext cx="576064" cy="2304256"/>
+          </a:xfrm>
+          <a:prstGeom prst="rect">
+            <a:avLst/>
+          </a:prstGeom>
+        </p:spPr>
+        <p:style>
+          <a:lnRef idx="2">
+            <a:schemeClr val="accent1">
+              <a:shade val="50000"/>
+            </a:schemeClr>
+          </a:lnRef>
+          <a:fillRef idx="1">
+            <a:schemeClr val="accent1"/>
+          </a:fillRef>
+          <a:effectRef idx="0">
+            <a:schemeClr val="accent1"/>
+          </a:effectRef>
+          <a:fontRef idx="minor">
+            <a:schemeClr val="lt1"/>
+          </a:fontRef>
+        </p:style>
+        <p:txBody>
+          <a:bodyPr rtlCol="0" anchor="ctr"/>
+          <a:lstStyle/>
+          <a:p>
+            <a:pPr algn="ctr"/>
+            <a:endParaRPr lang="zh-CN" altLang="en-US"/>
+          </a:p>
+        </p:txBody>
+      </p:sp>
+      <p:sp>
+        <p:nvSpPr>
+          <p:cNvPr id="33" name="矩形 32"/>
+          <p:cNvSpPr/>
+          <p:nvPr/>
+        </p:nvSpPr>
+        <p:spPr>
+          <a:xfrm>
+            <a:off x="215776" y="4715941"/>
+            <a:ext cx="3096344" cy="2304256"/>
+          </a:xfrm>
+          <a:prstGeom prst="rect">
+            <a:avLst/>
+          </a:prstGeom>
+        </p:spPr>
+        <p:style>
+          <a:lnRef idx="2">
+            <a:schemeClr val="accent1"/>
+          </a:lnRef>
+          <a:fillRef idx="1">
+            <a:schemeClr val="lt1"/>
+          </a:fillRef>
+          <a:effectRef idx="0">
+            <a:schemeClr val="accent1"/>
+          </a:effectRef>
+          <a:fontRef idx="minor">
+            <a:schemeClr val="dk1"/>
+          </a:fontRef>
+        </p:style>
+        <p:txBody>
+          <a:bodyPr rtlCol="0" anchor="ctr"/>
+          <a:lstStyle/>
+          <a:p>
+            <a:pPr algn="ctr"/>
+            <a:endParaRPr lang="zh-CN" altLang="en-US"/>
+          </a:p>
+        </p:txBody>
+      </p:sp>
+      <p:sp>
+        <p:nvSpPr>
+          <p:cNvPr id="34" name="矩形 33"/>
+          <p:cNvSpPr/>
+          <p:nvPr/>
+        </p:nvSpPr>
+        <p:spPr>
+          <a:xfrm>
+            <a:off x="215776" y="5580037"/>
+            <a:ext cx="3096344" cy="504056"/>
+          </a:xfrm>
+          <a:prstGeom prst="rect">
+            <a:avLst/>
+          </a:prstGeom>
+        </p:spPr>
+        <p:style>
+          <a:lnRef idx="2">
+            <a:schemeClr val="accent1">
+              <a:shade val="50000"/>
+            </a:schemeClr>
+          </a:lnRef>
+          <a:fillRef idx="1">
+            <a:schemeClr val="accent1"/>
+          </a:fillRef>
+          <a:effectRef idx="0">
+            <a:schemeClr val="accent1"/>
+          </a:effectRef>
+          <a:fontRef idx="minor">
+            <a:schemeClr val="lt1"/>
+          </a:fontRef>
+        </p:style>
+        <p:txBody>
+          <a:bodyPr rtlCol="0" anchor="ctr"/>
+          <a:lstStyle/>
+          <a:p>
+            <a:pPr algn="ctr"/>
+            <a:endParaRPr lang="zh-CN" altLang="en-US"/>
+          </a:p>
+        </p:txBody>
+      </p:sp>
+      <p:sp>
+        <p:nvSpPr>
+          <p:cNvPr id="35" name="矩形 34"/>
+          <p:cNvSpPr/>
+          <p:nvPr/>
+        </p:nvSpPr>
+        <p:spPr>
+          <a:xfrm>
+            <a:off x="3312120" y="4715941"/>
+            <a:ext cx="3096344" cy="2304256"/>
+          </a:xfrm>
+          <a:prstGeom prst="rect">
+            <a:avLst/>
+          </a:prstGeom>
+        </p:spPr>
+        <p:style>
+          <a:lnRef idx="2">
+            <a:schemeClr val="accent1"/>
+          </a:lnRef>
+          <a:fillRef idx="1">
+            <a:schemeClr val="lt1"/>
+          </a:fillRef>
+          <a:effectRef idx="0">
+            <a:schemeClr val="accent1"/>
+          </a:effectRef>
+          <a:fontRef idx="minor">
+            <a:schemeClr val="dk1"/>
+          </a:fontRef>
+        </p:style>
+        <p:txBody>
+          <a:bodyPr rtlCol="0" anchor="ctr"/>
+          <a:lstStyle/>
+          <a:p>
+            <a:pPr algn="ctr"/>
+            <a:endParaRPr lang="zh-CN" altLang="en-US"/>
+          </a:p>
+        </p:txBody>
+      </p:sp>
+      <p:sp>
+        <p:nvSpPr>
+          <p:cNvPr id="36" name="矩形 35"/>
+          <p:cNvSpPr/>
+          <p:nvPr/>
+        </p:nvSpPr>
+        <p:spPr>
+          <a:xfrm>
+            <a:off x="3312120" y="5580037"/>
+            <a:ext cx="3096344" cy="504056"/>
+          </a:xfrm>
+          <a:prstGeom prst="rect">
+            <a:avLst/>
+          </a:prstGeom>
+        </p:spPr>
+        <p:style>
+          <a:lnRef idx="2">
+            <a:schemeClr val="accent1">
+              <a:shade val="50000"/>
+            </a:schemeClr>
+          </a:lnRef>
+          <a:fillRef idx="1">
+            <a:schemeClr val="accent1"/>
+          </a:fillRef>
+          <a:effectRef idx="0">
+            <a:schemeClr val="accent1"/>
+          </a:effectRef>
+          <a:fontRef idx="minor">
+            <a:schemeClr val="lt1"/>
+          </a:fontRef>
+        </p:style>
+        <p:txBody>
+          <a:bodyPr rtlCol="0" anchor="ctr"/>
+          <a:lstStyle/>
+          <a:p>
+            <a:pPr algn="ctr"/>
+            <a:endParaRPr lang="zh-CN" altLang="en-US"/>
           </a:p>
         </p:txBody>
       </p:sp>
     </p:spTree>
   </p:cSld>
+  <p:clrMapOvr>
+    <a:masterClrMapping/>
+  </p:clrMapOvr>
   <p:timing>
     <p:tnLst>
       <p:par>
-        <p:cTn id="219" dur="indefinite" restart="never" nodeType="tmRoot">
+        <p:cTn id="1" dur="indefinite" restart="never" nodeType="tmRoot"/>
+      </p:par>
+    </p:tnLst>
+  </p:timing>
+</p:sld>
+</file>
+
+<file path=ppt/slides/slide13.xml><?xml version="1.0" encoding="utf-8"?>
+<p:sld xmlns:a="http://schemas.openxmlformats.org/drawingml/2006/main" xmlns:r="http://schemas.openxmlformats.org/officeDocument/2006/relationships" xmlns:p="http://schemas.openxmlformats.org/presentationml/2006/main">
+  <p:cSld>
+    <p:spTree>
+      <p:nvGrpSpPr>
+        <p:cNvPr id="1" name=""/>
+        <p:cNvGrpSpPr/>
+        <p:nvPr/>
+      </p:nvGrpSpPr>
+      <p:grpSpPr>
+        <a:xfrm>
+          <a:off x="0" y="0"/>
+          <a:ext cx="0" cy="0"/>
+          <a:chOff x="0" y="0"/>
+          <a:chExt cx="0" cy="0"/>
+        </a:xfrm>
+      </p:grpSpPr>
+      <p:sp>
+        <p:nvSpPr>
+          <p:cNvPr id="162" name="CustomShape 1"/>
+          <p:cNvSpPr/>
+          <p:nvPr/>
+        </p:nvSpPr>
+        <p:spPr>
+          <a:xfrm>
+            <a:off x="504000" y="301320"/>
+            <a:ext cx="9071280" cy="1261800"/>
+          </a:xfrm>
+          <a:prstGeom prst="rect">
+            <a:avLst/>
+          </a:prstGeom>
+          <a:noFill/>
+          <a:ln>
+            <a:noFill/>
+          </a:ln>
+        </p:spPr>
+        <p:txBody>
+          <a:bodyPr lIns="0" tIns="0" rIns="0" bIns="0" anchor="ctr"/>
+          <a:lstStyle/>
+          <a:p>
+            <a:r>
+              <a:rPr lang="en-US" sz="4400">
+                <a:latin typeface="Arial"/>
+              </a:rPr>
+              <a:t>optimized_packing</a:t>
+            </a:r>
+            <a:endParaRPr/>
+          </a:p>
+        </p:txBody>
+      </p:sp>
+      <p:sp>
+        <p:nvSpPr>
+          <p:cNvPr id="163" name="CustomShape 2"/>
+          <p:cNvSpPr/>
+          <p:nvPr/>
+        </p:nvSpPr>
+        <p:spPr>
+          <a:xfrm>
+            <a:off x="504000" y="1769040"/>
+            <a:ext cx="9071280" cy="4384080"/>
+          </a:xfrm>
+          <a:prstGeom prst="rect">
+            <a:avLst/>
+          </a:prstGeom>
+          <a:noFill/>
+          <a:ln>
+            <a:noFill/>
+          </a:ln>
+        </p:spPr>
+        <p:txBody>
+          <a:bodyPr lIns="0" tIns="0" rIns="0" bIns="0"/>
+          <a:lstStyle/>
+          <a:p>
+            <a:pPr>
+              <a:lnSpc>
+                <a:spcPct val="100000"/>
+              </a:lnSpc>
+              <a:buSzPct val="45000"/>
+            </a:pPr>
+            <a:endParaRPr lang="en-US" sz="3200" dirty="0">
+              <a:latin typeface="Arial"/>
+            </a:endParaRPr>
+          </a:p>
+          <a:p>
+            <a:pPr>
+              <a:lnSpc>
+                <a:spcPct val="100000"/>
+              </a:lnSpc>
+              <a:buSzPct val="45000"/>
+              <a:buFont typeface="StarSymbol"/>
+              <a:buChar char="l"/>
+            </a:pPr>
+            <a:endParaRPr dirty="0"/>
+          </a:p>
+        </p:txBody>
+      </p:sp>
+      <p:sp>
+        <p:nvSpPr>
+          <p:cNvPr id="15" name="矩形 14"/>
+          <p:cNvSpPr/>
+          <p:nvPr/>
+        </p:nvSpPr>
+        <p:spPr>
+          <a:xfrm>
+            <a:off x="647824" y="1691605"/>
+            <a:ext cx="3096344" cy="2304256"/>
+          </a:xfrm>
+          <a:prstGeom prst="rect">
+            <a:avLst/>
+          </a:prstGeom>
+        </p:spPr>
+        <p:style>
+          <a:lnRef idx="2">
+            <a:schemeClr val="accent1"/>
+          </a:lnRef>
+          <a:fillRef idx="1">
+            <a:schemeClr val="lt1"/>
+          </a:fillRef>
+          <a:effectRef idx="0">
+            <a:schemeClr val="accent1"/>
+          </a:effectRef>
+          <a:fontRef idx="minor">
+            <a:schemeClr val="dk1"/>
+          </a:fontRef>
+        </p:style>
+        <p:txBody>
+          <a:bodyPr rtlCol="0" anchor="ctr"/>
+          <a:lstStyle/>
+          <a:p>
+            <a:pPr algn="ctr"/>
+            <a:endParaRPr lang="zh-CN" altLang="en-US" dirty="0"/>
+          </a:p>
+        </p:txBody>
+      </p:sp>
+      <p:cxnSp>
+        <p:nvCxnSpPr>
+          <p:cNvPr id="17" name="直接连接符 16"/>
+          <p:cNvCxnSpPr/>
+          <p:nvPr/>
+        </p:nvCxnSpPr>
+        <p:spPr>
+          <a:xfrm>
+            <a:off x="647824" y="3275781"/>
+            <a:ext cx="3096344" cy="0"/>
+          </a:xfrm>
+          <a:prstGeom prst="line">
+            <a:avLst/>
+          </a:prstGeom>
+        </p:spPr>
+        <p:style>
+          <a:lnRef idx="1">
+            <a:schemeClr val="accent1"/>
+          </a:lnRef>
+          <a:fillRef idx="0">
+            <a:schemeClr val="accent1"/>
+          </a:fillRef>
+          <a:effectRef idx="0">
+            <a:schemeClr val="accent1"/>
+          </a:effectRef>
+          <a:fontRef idx="minor">
+            <a:schemeClr val="tx1"/>
+          </a:fontRef>
+        </p:style>
+      </p:cxnSp>
+      <p:cxnSp>
+        <p:nvCxnSpPr>
+          <p:cNvPr id="19" name="直接连接符 18"/>
+          <p:cNvCxnSpPr/>
+          <p:nvPr/>
+        </p:nvCxnSpPr>
+        <p:spPr>
+          <a:xfrm>
+            <a:off x="2448024" y="1691605"/>
+            <a:ext cx="0" cy="2304256"/>
+          </a:xfrm>
+          <a:prstGeom prst="line">
+            <a:avLst/>
+          </a:prstGeom>
+        </p:spPr>
+        <p:style>
+          <a:lnRef idx="1">
+            <a:schemeClr val="accent1"/>
+          </a:lnRef>
+          <a:fillRef idx="0">
+            <a:schemeClr val="accent1"/>
+          </a:fillRef>
+          <a:effectRef idx="0">
+            <a:schemeClr val="accent1"/>
+          </a:effectRef>
+          <a:fontRef idx="minor">
+            <a:schemeClr val="tx1"/>
+          </a:fontRef>
+        </p:style>
+      </p:cxnSp>
+      <p:sp>
+        <p:nvSpPr>
+          <p:cNvPr id="20" name="TextBox 19"/>
+          <p:cNvSpPr txBox="1"/>
+          <p:nvPr/>
+        </p:nvSpPr>
+        <p:spPr>
+          <a:xfrm>
+            <a:off x="2880072" y="2915741"/>
+            <a:ext cx="428322" cy="369332"/>
+          </a:xfrm>
+          <a:prstGeom prst="rect">
+            <a:avLst/>
+          </a:prstGeom>
+          <a:noFill/>
+        </p:spPr>
+        <p:txBody>
+          <a:bodyPr wrap="none" rtlCol="0">
+            <a:spAutoFit/>
+          </a:bodyPr>
+          <a:lstStyle/>
+          <a:p>
+            <a:r>
+              <a:rPr lang="en-US" altLang="zh-CN" dirty="0" smtClean="0"/>
+              <a:t>x2</a:t>
+            </a:r>
+            <a:endParaRPr lang="zh-CN" altLang="en-US" dirty="0"/>
+          </a:p>
+        </p:txBody>
+      </p:sp>
+      <p:sp>
+        <p:nvSpPr>
+          <p:cNvPr id="21" name="TextBox 20"/>
+          <p:cNvSpPr txBox="1"/>
+          <p:nvPr/>
+        </p:nvSpPr>
+        <p:spPr>
+          <a:xfrm>
+            <a:off x="2379742" y="3482513"/>
+            <a:ext cx="428322" cy="369332"/>
+          </a:xfrm>
+          <a:prstGeom prst="rect">
+            <a:avLst/>
+          </a:prstGeom>
+          <a:noFill/>
+        </p:spPr>
+        <p:txBody>
+          <a:bodyPr wrap="none" rtlCol="0">
+            <a:spAutoFit/>
+          </a:bodyPr>
+          <a:lstStyle/>
+          <a:p>
+            <a:r>
+              <a:rPr lang="en-US" altLang="zh-CN" dirty="0" smtClean="0"/>
+              <a:t>x3</a:t>
+            </a:r>
+            <a:endParaRPr lang="zh-CN" altLang="en-US" dirty="0"/>
+          </a:p>
+        </p:txBody>
+      </p:sp>
+      <p:sp>
+        <p:nvSpPr>
+          <p:cNvPr id="22" name="TextBox 21"/>
+          <p:cNvSpPr txBox="1"/>
+          <p:nvPr/>
+        </p:nvSpPr>
+        <p:spPr>
+          <a:xfrm>
+            <a:off x="2087984" y="2339677"/>
+            <a:ext cx="428322" cy="369332"/>
+          </a:xfrm>
+          <a:prstGeom prst="rect">
+            <a:avLst/>
+          </a:prstGeom>
+          <a:noFill/>
+        </p:spPr>
+        <p:txBody>
+          <a:bodyPr wrap="none" rtlCol="0">
+            <a:spAutoFit/>
+          </a:bodyPr>
+          <a:lstStyle/>
+          <a:p>
+            <a:r>
+              <a:rPr lang="en-US" altLang="zh-CN" dirty="0" smtClean="0"/>
+              <a:t>x1</a:t>
+            </a:r>
+            <a:endParaRPr lang="zh-CN" altLang="en-US" dirty="0"/>
+          </a:p>
+        </p:txBody>
+      </p:sp>
+      <p:sp>
+        <p:nvSpPr>
+          <p:cNvPr id="23" name="TextBox 22"/>
+          <p:cNvSpPr txBox="1"/>
+          <p:nvPr/>
+        </p:nvSpPr>
+        <p:spPr>
+          <a:xfrm>
+            <a:off x="1295896" y="3266489"/>
+            <a:ext cx="428322" cy="369332"/>
+          </a:xfrm>
+          <a:prstGeom prst="rect">
+            <a:avLst/>
+          </a:prstGeom>
+          <a:noFill/>
+        </p:spPr>
+        <p:txBody>
+          <a:bodyPr wrap="none" rtlCol="0">
+            <a:spAutoFit/>
+          </a:bodyPr>
+          <a:lstStyle/>
+          <a:p>
+            <a:r>
+              <a:rPr lang="en-US" altLang="zh-CN" dirty="0" smtClean="0"/>
+              <a:t>x4</a:t>
+            </a:r>
+            <a:endParaRPr lang="zh-CN" altLang="en-US" dirty="0"/>
+          </a:p>
+        </p:txBody>
+      </p:sp>
+      <p:cxnSp>
+        <p:nvCxnSpPr>
+          <p:cNvPr id="28" name="直接连接符 27"/>
+          <p:cNvCxnSpPr/>
+          <p:nvPr/>
+        </p:nvCxnSpPr>
+        <p:spPr>
+          <a:xfrm>
+            <a:off x="2448024" y="1691605"/>
+            <a:ext cx="0" cy="1584008"/>
+          </a:xfrm>
+          <a:prstGeom prst="line">
+            <a:avLst/>
+          </a:prstGeom>
+        </p:spPr>
+        <p:style>
+          <a:lnRef idx="2">
+            <a:schemeClr val="accent4"/>
+          </a:lnRef>
+          <a:fillRef idx="0">
+            <a:schemeClr val="accent4"/>
+          </a:fillRef>
+          <a:effectRef idx="1">
+            <a:schemeClr val="accent4"/>
+          </a:effectRef>
+          <a:fontRef idx="minor">
+            <a:schemeClr val="tx1"/>
+          </a:fontRef>
+        </p:style>
+      </p:cxnSp>
+      <p:cxnSp>
+        <p:nvCxnSpPr>
+          <p:cNvPr id="38" name="直接连接符 37"/>
+          <p:cNvCxnSpPr/>
+          <p:nvPr/>
+        </p:nvCxnSpPr>
+        <p:spPr>
+          <a:xfrm>
+            <a:off x="2448024" y="3275781"/>
+            <a:ext cx="1296144" cy="0"/>
+          </a:xfrm>
+          <a:prstGeom prst="line">
+            <a:avLst/>
+          </a:prstGeom>
+        </p:spPr>
+        <p:style>
+          <a:lnRef idx="2">
+            <a:schemeClr val="accent6"/>
+          </a:lnRef>
+          <a:fillRef idx="0">
+            <a:schemeClr val="accent6"/>
+          </a:fillRef>
+          <a:effectRef idx="1">
+            <a:schemeClr val="accent6"/>
+          </a:effectRef>
+          <a:fontRef idx="minor">
+            <a:schemeClr val="tx1"/>
+          </a:fontRef>
+        </p:style>
+      </p:cxnSp>
+      <p:cxnSp>
+        <p:nvCxnSpPr>
+          <p:cNvPr id="40" name="直接连接符 39"/>
+          <p:cNvCxnSpPr/>
+          <p:nvPr/>
+        </p:nvCxnSpPr>
+        <p:spPr>
+          <a:xfrm flipH="1">
+            <a:off x="647824" y="3275781"/>
+            <a:ext cx="1800200" cy="0"/>
+          </a:xfrm>
+          <a:prstGeom prst="line">
+            <a:avLst/>
+          </a:prstGeom>
+        </p:spPr>
+        <p:style>
+          <a:lnRef idx="2">
+            <a:schemeClr val="accent3"/>
+          </a:lnRef>
+          <a:fillRef idx="0">
+            <a:schemeClr val="accent3"/>
+          </a:fillRef>
+          <a:effectRef idx="1">
+            <a:schemeClr val="accent3"/>
+          </a:effectRef>
+          <a:fontRef idx="minor">
+            <a:schemeClr val="tx1"/>
+          </a:fontRef>
+        </p:style>
+      </p:cxnSp>
+      <p:cxnSp>
+        <p:nvCxnSpPr>
+          <p:cNvPr id="43" name="直接连接符 42"/>
+          <p:cNvCxnSpPr/>
+          <p:nvPr/>
+        </p:nvCxnSpPr>
+        <p:spPr>
+          <a:xfrm>
+            <a:off x="2448024" y="3275781"/>
+            <a:ext cx="0" cy="720080"/>
+          </a:xfrm>
+          <a:prstGeom prst="line">
+            <a:avLst/>
+          </a:prstGeom>
+        </p:spPr>
+        <p:style>
+          <a:lnRef idx="2">
+            <a:schemeClr val="dk1"/>
+          </a:lnRef>
+          <a:fillRef idx="0">
+            <a:schemeClr val="dk1"/>
+          </a:fillRef>
+          <a:effectRef idx="1">
+            <a:schemeClr val="dk1"/>
+          </a:effectRef>
+          <a:fontRef idx="minor">
+            <a:schemeClr val="tx1"/>
+          </a:fontRef>
+        </p:style>
+      </p:cxnSp>
+      <p:sp>
+        <p:nvSpPr>
+          <p:cNvPr id="45" name="TextBox 44"/>
+          <p:cNvSpPr txBox="1"/>
+          <p:nvPr/>
+        </p:nvSpPr>
+        <p:spPr>
+          <a:xfrm>
+            <a:off x="2808064" y="2339677"/>
+            <a:ext cx="710451" cy="369332"/>
+          </a:xfrm>
+          <a:prstGeom prst="rect">
+            <a:avLst/>
+          </a:prstGeom>
+          <a:noFill/>
+        </p:spPr>
+        <p:txBody>
+          <a:bodyPr wrap="none" rtlCol="0">
+            <a:spAutoFit/>
+          </a:bodyPr>
+          <a:lstStyle/>
+          <a:p>
+            <a:r>
+              <a:rPr lang="en-US" altLang="zh-CN" dirty="0" smtClean="0"/>
+              <a:t>root2</a:t>
+            </a:r>
+            <a:endParaRPr lang="zh-CN" altLang="en-US" dirty="0"/>
+          </a:p>
+        </p:txBody>
+      </p:sp>
+      <p:sp>
+        <p:nvSpPr>
+          <p:cNvPr id="46" name="TextBox 45"/>
+          <p:cNvSpPr txBox="1"/>
+          <p:nvPr/>
+        </p:nvSpPr>
+        <p:spPr>
+          <a:xfrm>
+            <a:off x="2736056" y="3491805"/>
+            <a:ext cx="710451" cy="369332"/>
+          </a:xfrm>
+          <a:prstGeom prst="rect">
+            <a:avLst/>
+          </a:prstGeom>
+          <a:noFill/>
+        </p:spPr>
+        <p:txBody>
+          <a:bodyPr wrap="none" rtlCol="0">
+            <a:spAutoFit/>
+          </a:bodyPr>
+          <a:lstStyle/>
+          <a:p>
+            <a:r>
+              <a:rPr lang="en-US" altLang="zh-CN" dirty="0" smtClean="0"/>
+              <a:t>root3</a:t>
+            </a:r>
+            <a:endParaRPr lang="zh-CN" altLang="en-US" dirty="0"/>
+          </a:p>
+        </p:txBody>
+      </p:sp>
+      <p:sp>
+        <p:nvSpPr>
+          <p:cNvPr id="47" name="TextBox 46"/>
+          <p:cNvSpPr txBox="1"/>
+          <p:nvPr/>
+        </p:nvSpPr>
+        <p:spPr>
+          <a:xfrm>
+            <a:off x="1151880" y="3482513"/>
+            <a:ext cx="710451" cy="369332"/>
+          </a:xfrm>
+          <a:prstGeom prst="rect">
+            <a:avLst/>
+          </a:prstGeom>
+          <a:noFill/>
+        </p:spPr>
+        <p:txBody>
+          <a:bodyPr wrap="none" rtlCol="0">
+            <a:spAutoFit/>
+          </a:bodyPr>
+          <a:lstStyle/>
+          <a:p>
+            <a:r>
+              <a:rPr lang="en-US" altLang="zh-CN" dirty="0" smtClean="0"/>
+              <a:t>root4</a:t>
+            </a:r>
+            <a:endParaRPr lang="zh-CN" altLang="en-US" dirty="0"/>
+          </a:p>
+        </p:txBody>
+      </p:sp>
+      <p:sp>
+        <p:nvSpPr>
+          <p:cNvPr id="48" name="TextBox 47"/>
+          <p:cNvSpPr txBox="1"/>
+          <p:nvPr/>
+        </p:nvSpPr>
+        <p:spPr>
+          <a:xfrm>
+            <a:off x="1151880" y="2330385"/>
+            <a:ext cx="710451" cy="369332"/>
+          </a:xfrm>
+          <a:prstGeom prst="rect">
+            <a:avLst/>
+          </a:prstGeom>
+          <a:noFill/>
+        </p:spPr>
+        <p:txBody>
+          <a:bodyPr wrap="none" rtlCol="0">
+            <a:spAutoFit/>
+          </a:bodyPr>
+          <a:lstStyle/>
+          <a:p>
+            <a:r>
+              <a:rPr lang="en-US" altLang="zh-CN" dirty="0" smtClean="0"/>
+              <a:t>root1</a:t>
+            </a:r>
+            <a:endParaRPr lang="zh-CN" altLang="en-US" dirty="0"/>
+          </a:p>
+        </p:txBody>
+      </p:sp>
+      <p:cxnSp>
+        <p:nvCxnSpPr>
+          <p:cNvPr id="52" name="直接箭头连接符 51"/>
+          <p:cNvCxnSpPr/>
+          <p:nvPr/>
+        </p:nvCxnSpPr>
+        <p:spPr>
+          <a:xfrm>
+            <a:off x="647824" y="1691605"/>
+            <a:ext cx="4536504" cy="0"/>
+          </a:xfrm>
+          <a:prstGeom prst="straightConnector1">
+            <a:avLst/>
+          </a:prstGeom>
+          <a:ln>
+            <a:tailEnd type="arrow"/>
+          </a:ln>
+        </p:spPr>
+        <p:style>
+          <a:lnRef idx="1">
+            <a:schemeClr val="accent1"/>
+          </a:lnRef>
+          <a:fillRef idx="0">
+            <a:schemeClr val="accent1"/>
+          </a:fillRef>
+          <a:effectRef idx="0">
+            <a:schemeClr val="accent1"/>
+          </a:effectRef>
+          <a:fontRef idx="minor">
+            <a:schemeClr val="tx1"/>
+          </a:fontRef>
+        </p:style>
+      </p:cxnSp>
+      <p:cxnSp>
+        <p:nvCxnSpPr>
+          <p:cNvPr id="54" name="直接箭头连接符 53"/>
+          <p:cNvCxnSpPr/>
+          <p:nvPr/>
+        </p:nvCxnSpPr>
+        <p:spPr>
+          <a:xfrm>
+            <a:off x="647824" y="1691605"/>
+            <a:ext cx="0" cy="3096344"/>
+          </a:xfrm>
+          <a:prstGeom prst="straightConnector1">
+            <a:avLst/>
+          </a:prstGeom>
+          <a:ln>
+            <a:tailEnd type="arrow"/>
+          </a:ln>
+        </p:spPr>
+        <p:style>
+          <a:lnRef idx="1">
+            <a:schemeClr val="accent1"/>
+          </a:lnRef>
+          <a:fillRef idx="0">
+            <a:schemeClr val="accent1"/>
+          </a:fillRef>
+          <a:effectRef idx="0">
+            <a:schemeClr val="accent1"/>
+          </a:effectRef>
+          <a:fontRef idx="minor">
+            <a:schemeClr val="tx1"/>
+          </a:fontRef>
+        </p:style>
+      </p:cxnSp>
+      <p:sp>
+        <p:nvSpPr>
+          <p:cNvPr id="55" name="TextBox 54"/>
+          <p:cNvSpPr txBox="1"/>
+          <p:nvPr/>
+        </p:nvSpPr>
+        <p:spPr>
+          <a:xfrm>
+            <a:off x="4812238" y="1331565"/>
+            <a:ext cx="300082" cy="369332"/>
+          </a:xfrm>
+          <a:prstGeom prst="rect">
+            <a:avLst/>
+          </a:prstGeom>
+          <a:noFill/>
+        </p:spPr>
+        <p:txBody>
+          <a:bodyPr wrap="none" rtlCol="0">
+            <a:spAutoFit/>
+          </a:bodyPr>
+          <a:lstStyle/>
+          <a:p>
+            <a:r>
+              <a:rPr lang="en-US" altLang="zh-CN" dirty="0" smtClean="0"/>
+              <a:t>x</a:t>
+            </a:r>
+            <a:endParaRPr lang="zh-CN" altLang="en-US" dirty="0"/>
+          </a:p>
+        </p:txBody>
+      </p:sp>
+      <p:sp>
+        <p:nvSpPr>
+          <p:cNvPr id="56" name="TextBox 55"/>
+          <p:cNvSpPr txBox="1"/>
+          <p:nvPr/>
+        </p:nvSpPr>
+        <p:spPr>
+          <a:xfrm>
+            <a:off x="359792" y="4427909"/>
+            <a:ext cx="300082" cy="369332"/>
+          </a:xfrm>
+          <a:prstGeom prst="rect">
+            <a:avLst/>
+          </a:prstGeom>
+          <a:noFill/>
+        </p:spPr>
+        <p:txBody>
+          <a:bodyPr wrap="none" rtlCol="0">
+            <a:spAutoFit/>
+          </a:bodyPr>
+          <a:lstStyle/>
+          <a:p>
+            <a:r>
+              <a:rPr lang="en-US" altLang="zh-CN" dirty="0" smtClean="0"/>
+              <a:t>y</a:t>
+            </a:r>
+            <a:endParaRPr lang="zh-CN" altLang="en-US" dirty="0"/>
+          </a:p>
+        </p:txBody>
+      </p:sp>
+      <p:sp>
+        <p:nvSpPr>
+          <p:cNvPr id="57" name="TextBox 56"/>
+          <p:cNvSpPr txBox="1"/>
+          <p:nvPr/>
+        </p:nvSpPr>
+        <p:spPr>
+          <a:xfrm>
+            <a:off x="4824288" y="2051645"/>
+            <a:ext cx="4104456" cy="2308324"/>
+          </a:xfrm>
+          <a:prstGeom prst="rect">
+            <a:avLst/>
+          </a:prstGeom>
+          <a:noFill/>
+        </p:spPr>
+        <p:txBody>
+          <a:bodyPr wrap="square" rtlCol="0">
+            <a:spAutoFit/>
+          </a:bodyPr>
+          <a:lstStyle/>
+          <a:p>
+            <a:r>
+              <a:rPr lang="en-US" altLang="zh-CN" dirty="0" smtClean="0"/>
+              <a:t>Root1: (0, 0, x4, x1)</a:t>
+            </a:r>
+          </a:p>
+          <a:p>
+            <a:r>
+              <a:rPr lang="en-US" altLang="zh-CN" dirty="0" smtClean="0"/>
+              <a:t>Root2: (x4, 0, x2, x1)</a:t>
+            </a:r>
+          </a:p>
+          <a:p>
+            <a:r>
+              <a:rPr lang="en-US" altLang="zh-CN" dirty="0" smtClean="0"/>
+              <a:t>Root3: (x4, x1, x2, x3)</a:t>
+            </a:r>
+          </a:p>
+          <a:p>
+            <a:r>
+              <a:rPr lang="en-US" altLang="zh-CN" dirty="0" smtClean="0"/>
+              <a:t>Root4: (0, x1, x4, x3)</a:t>
+            </a:r>
+          </a:p>
+          <a:p>
+            <a:endParaRPr lang="en-US" altLang="zh-CN" dirty="0"/>
+          </a:p>
+          <a:p>
+            <a:r>
+              <a:rPr lang="zh-CN" altLang="en-US" dirty="0" smtClean="0"/>
+              <a:t>对于</a:t>
+            </a:r>
+            <a:r>
+              <a:rPr lang="en-US" altLang="zh-CN" dirty="0" smtClean="0"/>
+              <a:t>center/%</a:t>
+            </a:r>
+            <a:r>
+              <a:rPr lang="zh-CN" altLang="en-US" dirty="0" smtClean="0"/>
+              <a:t>还得加入约束条件</a:t>
+            </a:r>
+            <a:endParaRPr lang="en-US" altLang="zh-CN" dirty="0" smtClean="0"/>
+          </a:p>
+          <a:p>
+            <a:r>
+              <a:rPr lang="en-US" altLang="zh-CN" dirty="0"/>
+              <a:t>x</a:t>
+            </a:r>
+            <a:r>
+              <a:rPr lang="en-US" altLang="zh-CN" dirty="0" smtClean="0"/>
+              <a:t>1 = x3</a:t>
+            </a:r>
+          </a:p>
+          <a:p>
+            <a:r>
+              <a:rPr lang="en-US" altLang="zh-CN" dirty="0"/>
+              <a:t>x</a:t>
+            </a:r>
+            <a:r>
+              <a:rPr lang="en-US" altLang="zh-CN" dirty="0" smtClean="0"/>
+              <a:t>4 = x2</a:t>
+            </a:r>
+            <a:endParaRPr lang="zh-CN" altLang="en-US" dirty="0"/>
+          </a:p>
+        </p:txBody>
+      </p:sp>
+      <p:sp>
+        <p:nvSpPr>
+          <p:cNvPr id="59" name="TextBox 58"/>
+          <p:cNvSpPr txBox="1"/>
+          <p:nvPr/>
+        </p:nvSpPr>
+        <p:spPr>
+          <a:xfrm>
+            <a:off x="1223888" y="5436021"/>
+            <a:ext cx="6768752" cy="1477328"/>
+          </a:xfrm>
+          <a:prstGeom prst="rect">
+            <a:avLst/>
+          </a:prstGeom>
+          <a:noFill/>
+        </p:spPr>
+        <p:txBody>
+          <a:bodyPr wrap="square" rtlCol="0">
+            <a:spAutoFit/>
+          </a:bodyPr>
+          <a:lstStyle/>
+          <a:p>
+            <a:r>
+              <a:rPr lang="en-US" altLang="zh-CN" dirty="0" smtClean="0"/>
+              <a:t>1. </a:t>
+            </a:r>
+            <a:r>
+              <a:rPr lang="zh-CN" altLang="en-US" dirty="0" smtClean="0"/>
+              <a:t>这</a:t>
+            </a:r>
+            <a:r>
+              <a:rPr lang="en-US" altLang="zh-CN" dirty="0" smtClean="0"/>
+              <a:t>4</a:t>
+            </a:r>
+            <a:r>
+              <a:rPr lang="zh-CN" altLang="en-US" dirty="0" smtClean="0"/>
+              <a:t>个</a:t>
+            </a:r>
+            <a:r>
+              <a:rPr lang="en-US" altLang="zh-CN" dirty="0" smtClean="0"/>
+              <a:t>root</a:t>
+            </a:r>
+            <a:r>
+              <a:rPr lang="zh-CN" altLang="en-US" dirty="0" smtClean="0"/>
+              <a:t>，即为初始状态的可填充空间</a:t>
+            </a:r>
+            <a:r>
+              <a:rPr lang="en-US" altLang="zh-CN" dirty="0" smtClean="0"/>
+              <a:t>space</a:t>
+            </a:r>
+            <a:r>
+              <a:rPr lang="zh-CN" altLang="en-US" dirty="0" smtClean="0"/>
+              <a:t>，每个</a:t>
+            </a:r>
+            <a:r>
+              <a:rPr lang="en-US" altLang="zh-CN" dirty="0" smtClean="0"/>
+              <a:t>root</a:t>
+            </a:r>
+            <a:r>
+              <a:rPr lang="zh-CN" altLang="en-US" dirty="0" smtClean="0"/>
+              <a:t>给定一个</a:t>
+            </a:r>
+            <a:r>
+              <a:rPr lang="en-US" altLang="zh-CN" dirty="0" smtClean="0"/>
+              <a:t>id</a:t>
+            </a:r>
+            <a:r>
+              <a:rPr lang="zh-CN" altLang="en-US" dirty="0" smtClean="0"/>
+              <a:t>，跨</a:t>
+            </a:r>
+            <a:r>
+              <a:rPr lang="en-US" altLang="zh-CN" dirty="0" smtClean="0"/>
+              <a:t>root</a:t>
+            </a:r>
+            <a:r>
+              <a:rPr lang="zh-CN" altLang="en-US" dirty="0" smtClean="0"/>
+              <a:t>不能合并空间。</a:t>
+            </a:r>
+            <a:endParaRPr lang="en-US" altLang="zh-CN" dirty="0" smtClean="0"/>
+          </a:p>
+          <a:p>
+            <a:endParaRPr lang="en-US" altLang="zh-CN" dirty="0"/>
+          </a:p>
+          <a:p>
+            <a:r>
+              <a:rPr lang="en-US" altLang="zh-CN" dirty="0" smtClean="0"/>
+              <a:t>2. </a:t>
+            </a:r>
+            <a:r>
+              <a:rPr lang="zh-CN" altLang="en-US" dirty="0" smtClean="0"/>
+              <a:t>对</a:t>
+            </a:r>
+            <a:r>
+              <a:rPr lang="en-US" altLang="zh-CN" dirty="0" smtClean="0"/>
+              <a:t>4</a:t>
+            </a:r>
+            <a:r>
+              <a:rPr lang="zh-CN" altLang="en-US" dirty="0" smtClean="0"/>
+              <a:t>个</a:t>
+            </a:r>
+            <a:r>
+              <a:rPr lang="en-US" altLang="zh-CN" dirty="0" smtClean="0"/>
+              <a:t>root</a:t>
+            </a:r>
+            <a:r>
+              <a:rPr lang="zh-CN" altLang="en-US" dirty="0" smtClean="0"/>
+              <a:t>按面积降序排序，选取第一个即最大的一个作为主</a:t>
+            </a:r>
+            <a:r>
+              <a:rPr lang="en-US" altLang="zh-CN" dirty="0" smtClean="0"/>
+              <a:t>root</a:t>
+            </a:r>
+            <a:r>
+              <a:rPr lang="zh-CN" altLang="en-US" dirty="0" smtClean="0"/>
+              <a:t>，由他驱动其他</a:t>
+            </a:r>
+            <a:r>
+              <a:rPr lang="en-US" altLang="zh-CN" dirty="0" smtClean="0"/>
+              <a:t>root</a:t>
+            </a:r>
+            <a:r>
+              <a:rPr lang="zh-CN" altLang="en-US" dirty="0" smtClean="0"/>
+              <a:t>的变化</a:t>
+            </a:r>
+            <a:endParaRPr lang="zh-CN" altLang="en-US" dirty="0"/>
+          </a:p>
+        </p:txBody>
+      </p:sp>
+    </p:spTree>
+  </p:cSld>
+  <p:clrMapOvr>
+    <a:masterClrMapping/>
+  </p:clrMapOvr>
+  <p:timing>
+    <p:tnLst>
+      <p:par>
+        <p:cTn id="1" dur="indefinite" restart="never" nodeType="tmRoot">
           <p:childTnLst>
-            <p:seq>
-              <p:cTn id="220" nodeType="mainSeq"/>
+            <p:seq concurrent="1" nextAc="seek">
+              <p:cTn id="2" dur="indefinite" nodeType="mainSeq">
+                <p:childTnLst>
+                  <p:par>
+                    <p:cTn id="3" fill="hold">
+                      <p:stCondLst>
+                        <p:cond delay="indefinite"/>
+                      </p:stCondLst>
+                      <p:childTnLst>
+                        <p:par>
+                          <p:cTn id="4" fill="hold">
+                            <p:stCondLst>
+                              <p:cond delay="0"/>
+                            </p:stCondLst>
+                            <p:childTnLst>
+                              <p:par>
+                                <p:cTn id="5" presetID="3" presetClass="entr" presetSubtype="10" fill="hold" grpId="0" nodeType="clickEffect">
+                                  <p:stCondLst>
+                                    <p:cond delay="0"/>
+                                  </p:stCondLst>
+                                  <p:childTnLst>
+                                    <p:set>
+                                      <p:cBhvr>
+                                        <p:cTn id="6" dur="1" fill="hold">
+                                          <p:stCondLst>
+                                            <p:cond delay="0"/>
+                                          </p:stCondLst>
+                                        </p:cTn>
+                                        <p:tgtEl>
+                                          <p:spTgt spid="57"/>
+                                        </p:tgtEl>
+                                        <p:attrNameLst>
+                                          <p:attrName>style.visibility</p:attrName>
+                                        </p:attrNameLst>
+                                      </p:cBhvr>
+                                      <p:to>
+                                        <p:strVal val="visible"/>
+                                      </p:to>
+                                    </p:set>
+                                    <p:animEffect transition="in" filter="blinds(horizontal)">
+                                      <p:cBhvr>
+                                        <p:cTn id="7" dur="500"/>
+                                        <p:tgtEl>
+                                          <p:spTgt spid="57"/>
+                                        </p:tgtEl>
+                                      </p:cBhvr>
+                                    </p:animEffect>
+                                  </p:childTnLst>
+                                </p:cTn>
+                              </p:par>
+                            </p:childTnLst>
+                          </p:cTn>
+                        </p:par>
+                      </p:childTnLst>
+                    </p:cTn>
+                  </p:par>
+                  <p:par>
+                    <p:cTn id="8" fill="hold">
+                      <p:stCondLst>
+                        <p:cond delay="indefinite"/>
+                      </p:stCondLst>
+                      <p:childTnLst>
+                        <p:par>
+                          <p:cTn id="9" fill="hold">
+                            <p:stCondLst>
+                              <p:cond delay="0"/>
+                            </p:stCondLst>
+                            <p:childTnLst>
+                              <p:par>
+                                <p:cTn id="10" presetID="3" presetClass="entr" presetSubtype="10" fill="hold" grpId="0" nodeType="clickEffect">
+                                  <p:stCondLst>
+                                    <p:cond delay="0"/>
+                                  </p:stCondLst>
+                                  <p:childTnLst>
+                                    <p:set>
+                                      <p:cBhvr>
+                                        <p:cTn id="11" dur="1" fill="hold">
+                                          <p:stCondLst>
+                                            <p:cond delay="0"/>
+                                          </p:stCondLst>
+                                        </p:cTn>
+                                        <p:tgtEl>
+                                          <p:spTgt spid="59"/>
+                                        </p:tgtEl>
+                                        <p:attrNameLst>
+                                          <p:attrName>style.visibility</p:attrName>
+                                        </p:attrNameLst>
+                                      </p:cBhvr>
+                                      <p:to>
+                                        <p:strVal val="visible"/>
+                                      </p:to>
+                                    </p:set>
+                                    <p:animEffect transition="in" filter="blinds(horizontal)">
+                                      <p:cBhvr>
+                                        <p:cTn id="12" dur="500"/>
+                                        <p:tgtEl>
+                                          <p:spTgt spid="59"/>
+                                        </p:tgtEl>
+                                      </p:cBhvr>
+                                    </p:animEffect>
+                                  </p:childTnLst>
+                                </p:cTn>
+                              </p:par>
+                            </p:childTnLst>
+                          </p:cTn>
+                        </p:par>
+                      </p:childTnLst>
+                    </p:cTn>
+                  </p:par>
+                </p:childTnLst>
+              </p:cTn>
               <p:prevCondLst>
-                <p:cond delay="0" evt="onPrev">
+                <p:cond evt="onPrev" delay="0">
                   <p:tgtEl>
                     <p:sldTgt/>
                   </p:tgtEl>
                 </p:cond>
               </p:prevCondLst>
               <p:nextCondLst>
-                <p:cond delay="0" evt="onNext">
+                <p:cond evt="onNext" delay="0">
+                  <p:tgtEl>
+                    <p:sldTgt/>
+                  </p:tgtEl>
+                </p:cond>
+              </p:nextCondLst>
+            </p:seq>
+          </p:childTnLst>
+        </p:cTn>
+      </p:par>
+    </p:tnLst>
+    <p:bldLst>
+      <p:bldP spid="57" grpId="0"/>
+      <p:bldP spid="59" grpId="0"/>
+    </p:bldLst>
+  </p:timing>
+</p:sld>
+</file>
+
+<file path=ppt/slides/slide14.xml><?xml version="1.0" encoding="utf-8"?>
+<p:sld xmlns:a="http://schemas.openxmlformats.org/drawingml/2006/main" xmlns:r="http://schemas.openxmlformats.org/officeDocument/2006/relationships" xmlns:p="http://schemas.openxmlformats.org/presentationml/2006/main">
+  <p:cSld>
+    <p:spTree>
+      <p:nvGrpSpPr>
+        <p:cNvPr id="1" name=""/>
+        <p:cNvGrpSpPr/>
+        <p:nvPr/>
+      </p:nvGrpSpPr>
+      <p:grpSpPr>
+        <a:xfrm>
+          <a:off x="0" y="0"/>
+          <a:ext cx="0" cy="0"/>
+          <a:chOff x="0" y="0"/>
+          <a:chExt cx="0" cy="0"/>
+        </a:xfrm>
+      </p:grpSpPr>
+      <p:sp>
+        <p:nvSpPr>
+          <p:cNvPr id="185" name="CustomShape 1"/>
+          <p:cNvSpPr/>
+          <p:nvPr/>
+        </p:nvSpPr>
+        <p:spPr>
+          <a:xfrm>
+            <a:off x="504000" y="301320"/>
+            <a:ext cx="9071280" cy="1261800"/>
+          </a:xfrm>
+          <a:prstGeom prst="rect">
+            <a:avLst/>
+          </a:prstGeom>
+          <a:noFill/>
+          <a:ln>
+            <a:noFill/>
+          </a:ln>
+        </p:spPr>
+        <p:txBody>
+          <a:bodyPr lIns="0" tIns="0" rIns="0" bIns="0" anchor="ctr"/>
+          <a:lstStyle/>
+          <a:p>
+            <a:r>
+              <a:rPr lang="en-US" sz="4400">
+                <a:latin typeface="Arial"/>
+              </a:rPr>
+              <a:t>optimized_packing</a:t>
+            </a:r>
+            <a:endParaRPr/>
+          </a:p>
+        </p:txBody>
+      </p:sp>
+      <p:sp>
+        <p:nvSpPr>
+          <p:cNvPr id="186" name="CustomShape 2"/>
+          <p:cNvSpPr/>
+          <p:nvPr/>
+        </p:nvSpPr>
+        <p:spPr>
+          <a:xfrm>
+            <a:off x="504000" y="1769040"/>
+            <a:ext cx="9071280" cy="4384080"/>
+          </a:xfrm>
+          <a:prstGeom prst="rect">
+            <a:avLst/>
+          </a:prstGeom>
+          <a:noFill/>
+          <a:ln>
+            <a:noFill/>
+          </a:ln>
+        </p:spPr>
+        <p:txBody>
+          <a:bodyPr lIns="0" tIns="0" rIns="0" bIns="0"/>
+          <a:lstStyle/>
+          <a:p>
+            <a:pPr>
+              <a:lnSpc>
+                <a:spcPct val="100000"/>
+              </a:lnSpc>
+              <a:buSzPct val="45000"/>
+              <a:buFont typeface="StarSymbol"/>
+              <a:buChar char="l"/>
+            </a:pPr>
+            <a:r>
+              <a:rPr lang="en-US" sz="3200" dirty="0" err="1">
+                <a:latin typeface="Arial"/>
+              </a:rPr>
+              <a:t>四个矩形区域满足一定的约束条件</a:t>
+            </a:r>
+            <a:endParaRPr dirty="0"/>
+          </a:p>
+          <a:p>
+            <a:pPr>
+              <a:lnSpc>
+                <a:spcPct val="100000"/>
+              </a:lnSpc>
+              <a:buSzPct val="45000"/>
+              <a:buFont typeface="StarSymbol"/>
+              <a:buChar char="l"/>
+            </a:pPr>
+            <a:r>
+              <a:rPr lang="en-US" sz="3200" dirty="0" err="1">
+                <a:latin typeface="Arial"/>
+              </a:rPr>
+              <a:t>每个区域都是动态的</a:t>
+            </a:r>
+            <a:endParaRPr dirty="0"/>
+          </a:p>
+          <a:p>
+            <a:pPr lvl="1">
+              <a:lnSpc>
+                <a:spcPct val="100000"/>
+              </a:lnSpc>
+              <a:buSzPct val="75000"/>
+              <a:buFont typeface="StarSymbol"/>
+              <a:buChar char="l"/>
+            </a:pPr>
+            <a:r>
+              <a:rPr lang="en-US" sz="2800" dirty="0" err="1">
+                <a:latin typeface="Arial"/>
+              </a:rPr>
+              <a:t>采用get</a:t>
+            </a:r>
+            <a:r>
+              <a:rPr lang="en-US" sz="2800" dirty="0">
+                <a:latin typeface="Arial"/>
+              </a:rPr>
+              <a:t>/</a:t>
+            </a:r>
+            <a:r>
+              <a:rPr lang="en-US" sz="2800" dirty="0" err="1">
+                <a:latin typeface="Arial"/>
+              </a:rPr>
+              <a:t>set方法，动态获取属性值</a:t>
+            </a:r>
+            <a:endParaRPr dirty="0"/>
+          </a:p>
+          <a:p>
+            <a:pPr>
+              <a:lnSpc>
+                <a:spcPct val="100000"/>
+              </a:lnSpc>
+              <a:buSzPct val="45000"/>
+              <a:buFont typeface="StarSymbol"/>
+              <a:buChar char="l"/>
+            </a:pPr>
+            <a:r>
+              <a:rPr lang="en-US" sz="3200" dirty="0">
+                <a:latin typeface="Arial"/>
+              </a:rPr>
+              <a:t>并非所有面积为0的矩形区域都要舍弃，当该区域处于边界时，应该保留</a:t>
+            </a:r>
+            <a:endParaRPr dirty="0"/>
+          </a:p>
+        </p:txBody>
+      </p:sp>
+    </p:spTree>
+  </p:cSld>
+  <p:clrMapOvr>
+    <a:masterClrMapping/>
+  </p:clrMapOvr>
+  <p:timing>
+    <p:tnLst>
+      <p:par>
+        <p:cTn id="1" dur="indefinite" restart="never" nodeType="tmRoot">
+          <p:childTnLst>
+            <p:seq>
+              <p:cTn id="2" nodeType="mainSeq"/>
+              <p:prevCondLst>
+                <p:cond evt="onPrev" delay="0">
+                  <p:tgtEl>
+                    <p:sldTgt/>
+                  </p:tgtEl>
+                </p:cond>
+              </p:prevCondLst>
+              <p:nextCondLst>
+                <p:cond evt="onNext" delay="0">
+                  <p:tgtEl>
+                    <p:sldTgt/>
+                  </p:tgtEl>
+                </p:cond>
+              </p:nextCondLst>
+            </p:seq>
+          </p:childTnLst>
+        </p:cTn>
+      </p:par>
+    </p:tnLst>
+  </p:timing>
+</p:sld>
+</file>
+
+<file path=ppt/slides/slide15.xml><?xml version="1.0" encoding="utf-8"?>
+<p:sld xmlns:a="http://schemas.openxmlformats.org/drawingml/2006/main" xmlns:r="http://schemas.openxmlformats.org/officeDocument/2006/relationships" xmlns:p="http://schemas.openxmlformats.org/presentationml/2006/main">
+  <p:cSld>
+    <p:spTree>
+      <p:nvGrpSpPr>
+        <p:cNvPr id="1" name=""/>
+        <p:cNvGrpSpPr/>
+        <p:nvPr/>
+      </p:nvGrpSpPr>
+      <p:grpSpPr>
+        <a:xfrm>
+          <a:off x="0" y="0"/>
+          <a:ext cx="0" cy="0"/>
+          <a:chOff x="0" y="0"/>
+          <a:chExt cx="0" cy="0"/>
+        </a:xfrm>
+      </p:grpSpPr>
+      <p:sp>
+        <p:nvSpPr>
+          <p:cNvPr id="187" name="TextShape 1"/>
+          <p:cNvSpPr txBox="1"/>
+          <p:nvPr/>
+        </p:nvSpPr>
+        <p:spPr>
+          <a:xfrm>
+            <a:off x="504000" y="301320"/>
+            <a:ext cx="9071280" cy="1262160"/>
+          </a:xfrm>
+          <a:prstGeom prst="rect">
+            <a:avLst/>
+          </a:prstGeom>
+        </p:spPr>
+        <p:txBody>
+          <a:bodyPr lIns="0" tIns="0" rIns="0" bIns="0" anchor="ctr"/>
+          <a:lstStyle/>
+          <a:p>
+            <a:r>
+              <a:rPr lang="en-US" sz="4400">
+                <a:latin typeface="Arial"/>
+              </a:rPr>
+              <a:t>写在结尾</a:t>
+            </a:r>
+            <a:endParaRPr/>
+          </a:p>
+        </p:txBody>
+      </p:sp>
+      <p:sp>
+        <p:nvSpPr>
+          <p:cNvPr id="188" name="TextShape 2"/>
+          <p:cNvSpPr txBox="1"/>
+          <p:nvPr/>
+        </p:nvSpPr>
+        <p:spPr>
+          <a:xfrm>
+            <a:off x="1884960" y="3270599"/>
+            <a:ext cx="7475832" cy="1445341"/>
+          </a:xfrm>
+          <a:prstGeom prst="rect">
+            <a:avLst/>
+          </a:prstGeom>
+        </p:spPr>
+        <p:txBody>
+          <a:bodyPr lIns="90000" tIns="45000" rIns="90000" bIns="45000"/>
+          <a:lstStyle/>
+          <a:p>
+            <a:r>
+              <a:rPr lang="en-US" sz="3600" dirty="0" err="1">
+                <a:latin typeface="Arial"/>
+              </a:rPr>
+              <a:t>Unix哲学</a:t>
+            </a:r>
+            <a:endParaRPr dirty="0"/>
+          </a:p>
+          <a:p>
+            <a:r>
+              <a:rPr lang="en-US" sz="3600" dirty="0">
+                <a:latin typeface="Arial"/>
+              </a:rPr>
+              <a:t>	</a:t>
+            </a:r>
+            <a:r>
+              <a:rPr lang="en-US" sz="3600" dirty="0" err="1">
+                <a:latin typeface="Arial"/>
+              </a:rPr>
+              <a:t>只做一件事，并将它做到极致</a:t>
+            </a:r>
+            <a:endParaRPr dirty="0"/>
+          </a:p>
+        </p:txBody>
+      </p:sp>
+    </p:spTree>
+  </p:cSld>
+  <p:clrMapOvr>
+    <a:masterClrMapping/>
+  </p:clrMapOvr>
+  <p:timing>
+    <p:tnLst>
+      <p:par>
+        <p:cTn id="1" dur="indefinite" restart="never" nodeType="tmRoot">
+          <p:childTnLst>
+            <p:seq>
+              <p:cTn id="2" nodeType="mainSeq"/>
+              <p:prevCondLst>
+                <p:cond evt="onPrev" delay="0">
+                  <p:tgtEl>
+                    <p:sldTgt/>
+                  </p:tgtEl>
+                </p:cond>
+              </p:prevCondLst>
+              <p:nextCondLst>
+                <p:cond evt="onNext" delay="0">
                   <p:tgtEl>
                     <p:sldTgt/>
                   </p:tgtEl>
@@ -4556,7 +7007,7 @@
 </file>
 
 <file path=ppt/slides/slide2.xml><?xml version="1.0" encoding="utf-8"?>
-<p:sld xmlns:a="http://schemas.openxmlformats.org/drawingml/2006/main" xmlns:p="http://schemas.openxmlformats.org/presentationml/2006/main" xmlns:r="http://schemas.openxmlformats.org/officeDocument/2006/relationships">
+<p:sld xmlns:a="http://schemas.openxmlformats.org/drawingml/2006/main" xmlns:r="http://schemas.openxmlformats.org/officeDocument/2006/relationships" xmlns:p="http://schemas.openxmlformats.org/presentationml/2006/main">
   <p:cSld>
     <p:spTree>
       <p:nvGrpSpPr>
@@ -4592,25 +7043,14 @@
           </a:ln>
         </p:spPr>
         <p:txBody>
-          <a:bodyPr lIns="0" rIns="0" tIns="0" bIns="0" anchor="ctr"/>
+          <a:bodyPr lIns="0" tIns="0" rIns="0" bIns="0" anchor="ctr"/>
+          <a:lstStyle/>
           <a:p>
             <a:r>
               <a:rPr lang="en-US" sz="4400">
                 <a:latin typeface="Arial"/>
               </a:rPr>
-              <a:t>对</a:t>
-            </a:r>
-            <a:r>
-              <a:rPr lang="en-US" sz="4400">
-                <a:latin typeface="Arial"/>
-              </a:rPr>
-              <a:t>background</a:t>
-            </a:r>
-            <a:r>
-              <a:rPr lang="en-US" sz="4400">
-                <a:latin typeface="Arial"/>
-              </a:rPr>
-              <a:t>属性的探讨</a:t>
+              <a:t>对background属性的探讨</a:t>
             </a:r>
             <a:endParaRPr/>
           </a:p>
@@ -4636,7 +7076,23 @@
           </a:ln>
         </p:spPr>
         <p:txBody>
-          <a:bodyPr lIns="0" rIns="0" tIns="0" bIns="0"/>
+          <a:bodyPr lIns="0" tIns="0" rIns="0" bIns="0"/>
+          <a:lstStyle/>
+          <a:p>
+            <a:pPr>
+              <a:lnSpc>
+                <a:spcPct val="100000"/>
+              </a:lnSpc>
+              <a:buSzPct val="45000"/>
+            </a:pPr>
+            <a:r>
+              <a:rPr lang="en-US" sz="3200" dirty="0">
+                <a:latin typeface="Arial"/>
+              </a:rPr>
+              <a:t>Background-image</a:t>
+            </a:r>
+            <a:endParaRPr dirty="0"/>
+          </a:p>
           <a:p>
             <a:pPr>
               <a:lnSpc>
@@ -4647,12 +7103,33 @@
               <a:buChar char="l"/>
             </a:pPr>
             <a:r>
-              <a:rPr lang="en-US" sz="3200">
-                <a:latin typeface="Arial"/>
-              </a:rPr>
-              <a:t>Background-image</a:t>
-            </a:r>
-            <a:endParaRPr/>
+              <a:rPr lang="en-US" sz="3200" dirty="0">
+                <a:latin typeface="Arial"/>
+              </a:rPr>
+              <a:t>Background-position</a:t>
+            </a:r>
+            <a:endParaRPr dirty="0"/>
+          </a:p>
+          <a:p>
+            <a:pPr lvl="1">
+              <a:lnSpc>
+                <a:spcPct val="100000"/>
+              </a:lnSpc>
+              <a:buSzPct val="75000"/>
+            </a:pPr>
+            <a:r>
+              <a:rPr lang="en-US" sz="2800" dirty="0" err="1">
+                <a:latin typeface="Arial"/>
+              </a:rPr>
+              <a:t>px</a:t>
+            </a:r>
+            <a:r>
+              <a:rPr lang="en-US" sz="2800" dirty="0">
+                <a:latin typeface="Arial"/>
+              </a:rPr>
+              <a:t>，%，left/top/right/bottom/center</a:t>
+            </a:r>
+            <a:endParaRPr dirty="0"/>
           </a:p>
           <a:p>
             <a:pPr>
@@ -4660,16 +7137,14 @@
                 <a:spcPct val="100000"/>
               </a:lnSpc>
               <a:buSzPct val="45000"/>
-              <a:buFont typeface="StarSymbol"/>
-              <a:buChar char="l"/>
             </a:pPr>
             <a:r>
-              <a:rPr lang="en-US" sz="3200">
-                <a:latin typeface="Arial"/>
-              </a:rPr>
-              <a:t>Background-position</a:t>
-            </a:r>
-            <a:endParaRPr/>
+              <a:rPr lang="en-US" sz="3200" dirty="0">
+                <a:latin typeface="Arial"/>
+              </a:rPr>
+              <a:t>Background-repeat</a:t>
+            </a:r>
+            <a:endParaRPr dirty="0"/>
           </a:p>
           <a:p>
             <a:pPr lvl="1">
@@ -4677,40 +7152,26 @@
                 <a:spcPct val="100000"/>
               </a:lnSpc>
               <a:buSzPct val="75000"/>
-              <a:buFont typeface="StarSymbol"/>
-              <a:buChar char="l"/>
             </a:pPr>
             <a:r>
-              <a:rPr lang="en-US" sz="2800">
-                <a:latin typeface="Arial"/>
-              </a:rPr>
-              <a:t>px</a:t>
-            </a:r>
-            <a:r>
-              <a:rPr lang="en-US" sz="2800">
-                <a:latin typeface="Arial"/>
-              </a:rPr>
-              <a:t>，</a:t>
-            </a:r>
-            <a:r>
-              <a:rPr lang="en-US" sz="2800">
-                <a:latin typeface="Arial"/>
-              </a:rPr>
-              <a:t>%</a:t>
-            </a:r>
-            <a:r>
-              <a:rPr lang="en-US" sz="2800">
-                <a:latin typeface="Arial"/>
-              </a:rPr>
-              <a:t>，</a:t>
-            </a:r>
-            <a:r>
-              <a:rPr lang="en-US" sz="2800">
-                <a:latin typeface="Arial"/>
-              </a:rPr>
-              <a:t>left/top/right/bottom/center</a:t>
-            </a:r>
-            <a:endParaRPr/>
+              <a:rPr lang="en-US" sz="2800" dirty="0">
+                <a:latin typeface="Arial"/>
+              </a:rPr>
+              <a:t>Repeat-</a:t>
+            </a:r>
+            <a:r>
+              <a:rPr lang="en-US" sz="2800" dirty="0" err="1">
+                <a:latin typeface="Arial"/>
+              </a:rPr>
+              <a:t>x，repeat</a:t>
+            </a:r>
+            <a:r>
+              <a:rPr lang="en-US" sz="2800" dirty="0">
+                <a:latin typeface="Arial"/>
+              </a:rPr>
+              <a:t>-y</a:t>
+            </a:r>
+            <a:endParaRPr dirty="0"/>
           </a:p>
           <a:p>
             <a:pPr>
@@ -4718,16 +7179,44 @@
                 <a:spcPct val="100000"/>
               </a:lnSpc>
               <a:buSzPct val="45000"/>
-              <a:buFont typeface="StarSymbol"/>
-              <a:buChar char="l"/>
             </a:pPr>
             <a:r>
-              <a:rPr lang="en-US" sz="3200">
-                <a:latin typeface="Arial"/>
-              </a:rPr>
-              <a:t>Background-repeat</a:t>
-            </a:r>
-            <a:endParaRPr/>
+              <a:rPr lang="en-US" sz="3200" dirty="0">
+                <a:latin typeface="Arial"/>
+              </a:rPr>
+              <a:t>Background-origin(css3)</a:t>
+            </a:r>
+            <a:endParaRPr dirty="0"/>
+          </a:p>
+          <a:p>
+            <a:pPr>
+              <a:lnSpc>
+                <a:spcPct val="100000"/>
+              </a:lnSpc>
+              <a:buSzPct val="45000"/>
+            </a:pPr>
+            <a:r>
+              <a:rPr lang="en-US" sz="3200" dirty="0">
+                <a:latin typeface="Arial"/>
+              </a:rPr>
+              <a:t>Background-clip(css3)</a:t>
+            </a:r>
+            <a:endParaRPr dirty="0"/>
+          </a:p>
+          <a:p>
+            <a:pPr>
+              <a:lnSpc>
+                <a:spcPct val="100000"/>
+              </a:lnSpc>
+              <a:buSzPct val="45000"/>
+            </a:pPr>
+            <a:r>
+              <a:rPr lang="en-US" sz="3200" dirty="0">
+                <a:latin typeface="Arial"/>
+              </a:rPr>
+              <a:t>Background</a:t>
+            </a:r>
+            <a:endParaRPr dirty="0"/>
           </a:p>
           <a:p>
             <a:pPr lvl="1">
@@ -4735,117 +7224,38 @@
                 <a:spcPct val="100000"/>
               </a:lnSpc>
               <a:buSzPct val="75000"/>
-              <a:buFont typeface="StarSymbol"/>
-              <a:buChar char="l"/>
             </a:pPr>
             <a:r>
-              <a:rPr lang="en-US" sz="2800">
-                <a:latin typeface="Arial"/>
-              </a:rPr>
-              <a:t>Repeat-x</a:t>
-            </a:r>
-            <a:r>
-              <a:rPr lang="en-US" sz="2800">
-                <a:latin typeface="Arial"/>
-              </a:rPr>
-              <a:t>，</a:t>
-            </a:r>
-            <a:r>
-              <a:rPr lang="en-US" sz="2800">
-                <a:latin typeface="Arial"/>
-              </a:rPr>
-              <a:t>repeat-y</a:t>
-            </a:r>
-            <a:endParaRPr/>
-          </a:p>
-          <a:p>
-            <a:pPr>
-              <a:lnSpc>
-                <a:spcPct val="100000"/>
-              </a:lnSpc>
-              <a:buSzPct val="45000"/>
-              <a:buFont typeface="StarSymbol"/>
-              <a:buChar char="l"/>
-            </a:pPr>
-            <a:r>
-              <a:rPr lang="en-US" sz="3200">
-                <a:latin typeface="Arial"/>
-              </a:rPr>
-              <a:t>Background-origin(css3)</a:t>
-            </a:r>
-            <a:endParaRPr/>
-          </a:p>
-          <a:p>
-            <a:pPr>
-              <a:lnSpc>
-                <a:spcPct val="100000"/>
-              </a:lnSpc>
-              <a:buSzPct val="45000"/>
-              <a:buFont typeface="StarSymbol"/>
-              <a:buChar char="l"/>
-            </a:pPr>
-            <a:r>
-              <a:rPr lang="en-US" sz="3200">
-                <a:latin typeface="Arial"/>
-              </a:rPr>
-              <a:t>Background-clip(css3)</a:t>
-            </a:r>
-            <a:endParaRPr/>
-          </a:p>
-          <a:p>
-            <a:pPr>
-              <a:lnSpc>
-                <a:spcPct val="100000"/>
-              </a:lnSpc>
-              <a:buSzPct val="45000"/>
-              <a:buFont typeface="StarSymbol"/>
-              <a:buChar char="l"/>
-            </a:pPr>
-            <a:r>
-              <a:rPr lang="en-US" sz="3200">
-                <a:latin typeface="Arial"/>
-              </a:rPr>
-              <a:t>Background</a:t>
-            </a:r>
-            <a:endParaRPr/>
-          </a:p>
-          <a:p>
-            <a:pPr lvl="1">
-              <a:lnSpc>
-                <a:spcPct val="100000"/>
-              </a:lnSpc>
-              <a:buSzPct val="75000"/>
-              <a:buFont typeface="StarSymbol"/>
-              <a:buChar char="l"/>
-            </a:pPr>
-            <a:r>
-              <a:rPr lang="en-US" sz="2800">
+              <a:rPr lang="en-US" sz="2800" dirty="0" err="1">
                 <a:latin typeface="Arial"/>
               </a:rPr>
               <a:t>写法非常任意，可以省略任何值，或者任意改变值的顺序</a:t>
             </a:r>
-            <a:endParaRPr/>
+            <a:endParaRPr dirty="0"/>
           </a:p>
         </p:txBody>
       </p:sp>
     </p:spTree>
   </p:cSld>
+  <p:clrMapOvr>
+    <a:masterClrMapping/>
+  </p:clrMapOvr>
   <p:timing>
     <p:tnLst>
       <p:par>
-        <p:cTn id="3" dur="indefinite" restart="never" nodeType="tmRoot">
+        <p:cTn id="1" dur="indefinite" restart="never" nodeType="tmRoot">
           <p:childTnLst>
             <p:seq>
-              <p:cTn id="4" nodeType="mainSeq"/>
+              <p:cTn id="2" nodeType="mainSeq"/>
               <p:prevCondLst>
-                <p:cond delay="0" evt="onPrev">
+                <p:cond evt="onPrev" delay="0">
                   <p:tgtEl>
                     <p:sldTgt/>
                   </p:tgtEl>
                 </p:cond>
               </p:prevCondLst>
               <p:nextCondLst>
-                <p:cond delay="0" evt="onNext">
+                <p:cond evt="onNext" delay="0">
                   <p:tgtEl>
                     <p:sldTgt/>
                   </p:tgtEl>
@@ -4861,7 +7271,7 @@
 </file>
 
 <file path=ppt/slides/slide3.xml><?xml version="1.0" encoding="utf-8"?>
-<p:sld xmlns:a="http://schemas.openxmlformats.org/drawingml/2006/main" xmlns:p="http://schemas.openxmlformats.org/presentationml/2006/main" xmlns:r="http://schemas.openxmlformats.org/officeDocument/2006/relationships">
+<p:sld xmlns:a="http://schemas.openxmlformats.org/drawingml/2006/main" xmlns:r="http://schemas.openxmlformats.org/officeDocument/2006/relationships" xmlns:p="http://schemas.openxmlformats.org/presentationml/2006/main">
   <p:cSld>
     <p:spTree>
       <p:nvGrpSpPr>
@@ -4897,7 +7307,8 @@
           </a:ln>
         </p:spPr>
         <p:txBody>
-          <a:bodyPr lIns="0" rIns="0" tIns="0" bIns="0" anchor="ctr"/>
+          <a:bodyPr lIns="0" tIns="0" rIns="0" bIns="0" anchor="ctr"/>
+          <a:lstStyle/>
           <a:p>
             <a:r>
               <a:rPr lang="en-US" sz="4400">
@@ -4929,7 +7340,8 @@
           </a:ln>
         </p:spPr>
         <p:txBody>
-          <a:bodyPr lIns="0" rIns="0" tIns="0" bIns="0"/>
+          <a:bodyPr lIns="0" tIns="0" rIns="0" bIns="0"/>
+          <a:lstStyle/>
           <a:p>
             <a:pPr>
               <a:lnSpc>
@@ -4940,24 +7352,12 @@
               <a:buChar char="l"/>
             </a:pPr>
             <a:r>
-              <a:rPr lang="en-US" sz="3200">
-                <a:latin typeface="Arial"/>
-              </a:rPr>
-              <a:t>在一个可变的容器中，装入</a:t>
-            </a:r>
-            <a:r>
-              <a:rPr lang="en-US" sz="3200">
-                <a:latin typeface="Arial"/>
-              </a:rPr>
-              <a:t>n</a:t>
-            </a:r>
-            <a:r>
-              <a:rPr lang="en-US" sz="3200">
-                <a:latin typeface="Arial"/>
-              </a:rPr>
-              <a:t>个方块，使容器利用率最大</a:t>
-            </a:r>
-            <a:endParaRPr/>
+              <a:rPr lang="en-US" sz="3200" dirty="0" err="1">
+                <a:latin typeface="Arial"/>
+              </a:rPr>
+              <a:t>在一个可变的容器中，装入n个方块，使容器利用率最大</a:t>
+            </a:r>
+            <a:endParaRPr dirty="0"/>
           </a:p>
           <a:p>
             <a:pPr lvl="1">
@@ -4969,12 +7369,12 @@
               <a:buChar char="l"/>
             </a:pPr>
             <a:r>
-              <a:rPr lang="en-US" sz="2800">
+              <a:rPr lang="en-US" sz="2800" dirty="0" err="1">
                 <a:latin typeface="Arial"/>
               </a:rPr>
               <a:t>bin_packing</a:t>
             </a:r>
-            <a:endParaRPr/>
+            <a:endParaRPr dirty="0"/>
           </a:p>
           <a:p>
             <a:pPr lvl="1">
@@ -4986,33 +7386,36 @@
               <a:buChar char="l"/>
             </a:pPr>
             <a:r>
-              <a:rPr lang="en-US" sz="2800">
+              <a:rPr lang="en-US" sz="2800" dirty="0" err="1">
                 <a:latin typeface="Arial"/>
               </a:rPr>
               <a:t>optimized_packing</a:t>
             </a:r>
-            <a:endParaRPr/>
+            <a:endParaRPr dirty="0"/>
           </a:p>
         </p:txBody>
       </p:sp>
     </p:spTree>
   </p:cSld>
+  <p:clrMapOvr>
+    <a:masterClrMapping/>
+  </p:clrMapOvr>
   <p:timing>
     <p:tnLst>
       <p:par>
-        <p:cTn id="5" dur="indefinite" restart="never" nodeType="tmRoot">
+        <p:cTn id="1" dur="indefinite" restart="never" nodeType="tmRoot">
           <p:childTnLst>
             <p:seq>
-              <p:cTn id="6" nodeType="mainSeq"/>
+              <p:cTn id="2" nodeType="mainSeq"/>
               <p:prevCondLst>
-                <p:cond delay="0" evt="onPrev">
+                <p:cond evt="onPrev" delay="0">
                   <p:tgtEl>
                     <p:sldTgt/>
                   </p:tgtEl>
                 </p:cond>
               </p:prevCondLst>
               <p:nextCondLst>
-                <p:cond delay="0" evt="onNext">
+                <p:cond evt="onNext" delay="0">
                   <p:tgtEl>
                     <p:sldTgt/>
                   </p:tgtEl>
@@ -5028,7 +7431,7 @@
 </file>
 
 <file path=ppt/slides/slide4.xml><?xml version="1.0" encoding="utf-8"?>
-<p:sld xmlns:a="http://schemas.openxmlformats.org/drawingml/2006/main" xmlns:p="http://schemas.openxmlformats.org/presentationml/2006/main" xmlns:r="http://schemas.openxmlformats.org/officeDocument/2006/relationships">
+<p:sld xmlns:a="http://schemas.openxmlformats.org/drawingml/2006/main" xmlns:r="http://schemas.openxmlformats.org/officeDocument/2006/relationships" xmlns:p="http://schemas.openxmlformats.org/presentationml/2006/main">
   <p:cSld>
     <p:spTree>
       <p:nvGrpSpPr>
@@ -5064,7 +7467,8 @@
           </a:ln>
         </p:spPr>
         <p:txBody>
-          <a:bodyPr lIns="0" rIns="0" tIns="0" bIns="0" anchor="ctr"/>
+          <a:bodyPr lIns="0" tIns="0" rIns="0" bIns="0" anchor="ctr"/>
+          <a:lstStyle/>
           <a:p>
             <a:r>
               <a:rPr lang="en-US" sz="4400">
@@ -5111,16 +7515,17 @@
             <a:avLst/>
           </a:prstGeom>
           <a:solidFill>
-            <a:srgbClr val="ffffff"/>
+            <a:srgbClr val="FFFFFF"/>
           </a:solidFill>
           <a:ln>
             <a:solidFill>
-              <a:srgbClr val="3465a4"/>
+              <a:srgbClr val="3465A4"/>
             </a:solidFill>
           </a:ln>
         </p:spPr>
         <p:txBody>
-          <a:bodyPr wrap="none" lIns="90000" rIns="90000" tIns="45000" bIns="45000" anchor="ctr"/>
+          <a:bodyPr wrap="none" lIns="90000" tIns="45000" rIns="90000" bIns="45000" anchor="ctr"/>
+          <a:lstStyle/>
           <a:p>
             <a:pPr algn="ctr">
               <a:lnSpc>
@@ -5152,11 +7557,11 @@
             <a:avLst/>
           </a:prstGeom>
           <a:solidFill>
-            <a:srgbClr val="ff6600"/>
+            <a:srgbClr val="FF6600"/>
           </a:solidFill>
           <a:ln>
             <a:solidFill>
-              <a:srgbClr val="3465a4"/>
+              <a:srgbClr val="3465A4"/>
             </a:solidFill>
           </a:ln>
         </p:spPr>
@@ -5197,11 +7602,11 @@
             <a:avLst/>
           </a:prstGeom>
           <a:solidFill>
-            <a:srgbClr val="ffffff"/>
+            <a:srgbClr val="FFFFFF"/>
           </a:solidFill>
           <a:ln>
             <a:solidFill>
-              <a:srgbClr val="3465a4"/>
+              <a:srgbClr val="3465A4"/>
             </a:solidFill>
           </a:ln>
         </p:spPr>
@@ -5221,11 +7626,11 @@
             <a:avLst/>
           </a:prstGeom>
           <a:solidFill>
-            <a:srgbClr val="ff6600"/>
+            <a:srgbClr val="FF6600"/>
           </a:solidFill>
           <a:ln>
             <a:solidFill>
-              <a:srgbClr val="3465a4"/>
+              <a:srgbClr val="3465A4"/>
             </a:solidFill>
           </a:ln>
         </p:spPr>
@@ -5266,11 +7671,11 @@
             <a:avLst/>
           </a:prstGeom>
           <a:solidFill>
-            <a:srgbClr val="ff33ff"/>
+            <a:srgbClr val="FF33FF"/>
           </a:solidFill>
           <a:ln>
             <a:solidFill>
-              <a:srgbClr val="3465a4"/>
+              <a:srgbClr val="3465A4"/>
             </a:solidFill>
           </a:ln>
         </p:spPr>
@@ -5305,7 +7710,7 @@
         <p:spPr>
           <a:xfrm>
             <a:off x="6690960" y="933840"/>
-            <a:ext cx="623880" cy="345960"/>
+            <a:ext cx="797624" cy="325717"/>
           </a:xfrm>
           <a:prstGeom prst="rect">
             <a:avLst/>
@@ -5316,15 +7721,16 @@
           </a:ln>
         </p:spPr>
         <p:txBody>
-          <a:bodyPr lIns="90000" rIns="90000" tIns="45000" bIns="45000"/>
-          <a:p>
-            <a:r>
-              <a:rPr lang="en-US">
+          <a:bodyPr lIns="90000" tIns="45000" rIns="90000" bIns="45000"/>
+          <a:lstStyle/>
+          <a:p>
+            <a:r>
+              <a:rPr lang="en-US" dirty="0" smtClean="0">
                 <a:latin typeface="Arial"/>
               </a:rPr>
               <a:t>right</a:t>
             </a:r>
-            <a:endParaRPr/>
+            <a:endParaRPr dirty="0"/>
           </a:p>
         </p:txBody>
       </p:sp>
@@ -5336,8 +7742,8 @@
         </p:nvSpPr>
         <p:spPr>
           <a:xfrm>
-            <a:off x="6690960" y="4101840"/>
-            <a:ext cx="623880" cy="345960"/>
+            <a:off x="6690960" y="4101839"/>
+            <a:ext cx="797624" cy="398077"/>
           </a:xfrm>
           <a:prstGeom prst="rect">
             <a:avLst/>
@@ -5348,15 +7754,16 @@
           </a:ln>
         </p:spPr>
         <p:txBody>
-          <a:bodyPr lIns="90000" rIns="90000" tIns="45000" bIns="45000"/>
-          <a:p>
-            <a:r>
-              <a:rPr lang="en-US">
+          <a:bodyPr lIns="90000" tIns="45000" rIns="90000" bIns="45000"/>
+          <a:lstStyle/>
+          <a:p>
+            <a:r>
+              <a:rPr lang="en-US" dirty="0">
                 <a:latin typeface="Arial"/>
               </a:rPr>
               <a:t>right</a:t>
             </a:r>
-            <a:endParaRPr/>
+            <a:endParaRPr dirty="0"/>
           </a:p>
         </p:txBody>
       </p:sp>
@@ -5368,8 +7775,8 @@
         </p:nvSpPr>
         <p:spPr>
           <a:xfrm>
-            <a:off x="6402960" y="5253840"/>
-            <a:ext cx="623880" cy="345960"/>
+            <a:off x="6402960" y="5253839"/>
+            <a:ext cx="869600" cy="398205"/>
           </a:xfrm>
           <a:prstGeom prst="rect">
             <a:avLst/>
@@ -5380,15 +7787,16 @@
           </a:ln>
         </p:spPr>
         <p:txBody>
-          <a:bodyPr lIns="90000" rIns="90000" tIns="45000" bIns="45000"/>
-          <a:p>
-            <a:r>
-              <a:rPr lang="en-US">
+          <a:bodyPr lIns="90000" tIns="45000" rIns="90000" bIns="45000"/>
+          <a:lstStyle/>
+          <a:p>
+            <a:r>
+              <a:rPr lang="en-US" dirty="0">
                 <a:latin typeface="Arial"/>
               </a:rPr>
               <a:t>right</a:t>
             </a:r>
-            <a:endParaRPr/>
+            <a:endParaRPr dirty="0"/>
           </a:p>
         </p:txBody>
       </p:sp>
@@ -5400,8 +7808,8 @@
         </p:nvSpPr>
         <p:spPr>
           <a:xfrm>
-            <a:off x="5754960" y="6153840"/>
-            <a:ext cx="878400" cy="345960"/>
+            <a:off x="5754960" y="6153839"/>
+            <a:ext cx="1301576" cy="434309"/>
           </a:xfrm>
           <a:prstGeom prst="rect">
             <a:avLst/>
@@ -5412,36 +7820,40 @@
           </a:ln>
         </p:spPr>
         <p:txBody>
-          <a:bodyPr lIns="90000" rIns="90000" tIns="45000" bIns="45000"/>
-          <a:p>
-            <a:r>
-              <a:rPr lang="en-US">
+          <a:bodyPr lIns="90000" tIns="45000" rIns="90000" bIns="45000"/>
+          <a:lstStyle/>
+          <a:p>
+            <a:r>
+              <a:rPr lang="en-US" dirty="0">
                 <a:latin typeface="Arial"/>
               </a:rPr>
               <a:t>bottom</a:t>
             </a:r>
-            <a:endParaRPr/>
+            <a:endParaRPr dirty="0"/>
           </a:p>
         </p:txBody>
       </p:sp>
     </p:spTree>
   </p:cSld>
+  <p:clrMapOvr>
+    <a:masterClrMapping/>
+  </p:clrMapOvr>
   <p:timing>
     <p:tnLst>
       <p:par>
-        <p:cTn id="7" dur="indefinite" restart="never" nodeType="tmRoot">
+        <p:cTn id="1" dur="indefinite" restart="never" nodeType="tmRoot">
           <p:childTnLst>
             <p:seq>
-              <p:cTn id="8" nodeType="mainSeq"/>
+              <p:cTn id="2" nodeType="mainSeq"/>
               <p:prevCondLst>
-                <p:cond delay="0" evt="onPrev">
+                <p:cond evt="onPrev" delay="0">
                   <p:tgtEl>
                     <p:sldTgt/>
                   </p:tgtEl>
                 </p:cond>
               </p:prevCondLst>
               <p:nextCondLst>
-                <p:cond delay="0" evt="onNext">
+                <p:cond evt="onNext" delay="0">
                   <p:tgtEl>
                     <p:sldTgt/>
                   </p:tgtEl>
@@ -5457,7 +7869,7 @@
 </file>
 
 <file path=ppt/slides/slide5.xml><?xml version="1.0" encoding="utf-8"?>
-<p:sld xmlns:a="http://schemas.openxmlformats.org/drawingml/2006/main" xmlns:p="http://schemas.openxmlformats.org/presentationml/2006/main" xmlns:r="http://schemas.openxmlformats.org/officeDocument/2006/relationships">
+<p:sld xmlns:a="http://schemas.openxmlformats.org/drawingml/2006/main" xmlns:r="http://schemas.openxmlformats.org/officeDocument/2006/relationships" xmlns:p="http://schemas.openxmlformats.org/presentationml/2006/main">
   <p:cSld>
     <p:spTree>
       <p:nvGrpSpPr>
@@ -5493,7 +7905,8 @@
           </a:ln>
         </p:spPr>
         <p:txBody>
-          <a:bodyPr lIns="0" rIns="0" tIns="0" bIns="0" anchor="ctr"/>
+          <a:bodyPr lIns="0" tIns="0" rIns="0" bIns="0" anchor="ctr"/>
+          <a:lstStyle/>
           <a:p>
             <a:r>
               <a:rPr lang="en-US" sz="4400">
@@ -5525,7 +7938,8 @@
           </a:ln>
         </p:spPr>
         <p:txBody>
-          <a:bodyPr lIns="0" rIns="0" tIns="0" bIns="0"/>
+          <a:bodyPr lIns="0" tIns="0" rIns="0" bIns="0"/>
+          <a:lstStyle/>
           <a:p>
             <a:pPr>
               <a:lnSpc>
@@ -5560,11 +7974,11 @@
             <a:avLst/>
           </a:prstGeom>
           <a:solidFill>
-            <a:srgbClr val="ff6600"/>
+            <a:srgbClr val="FF6600"/>
           </a:solidFill>
           <a:ln>
             <a:solidFill>
-              <a:srgbClr val="3465a4"/>
+              <a:srgbClr val="3465A4"/>
             </a:solidFill>
           </a:ln>
         </p:spPr>
@@ -5587,7 +8001,7 @@
             <a:solidFill>
               <a:srgbClr val="000000"/>
             </a:solidFill>
-            <a:tailEnd len="med" type="triangle" w="med"/>
+            <a:tailEnd type="triangle" w="med" len="med"/>
           </a:ln>
         </p:spPr>
       </p:sp>
@@ -5606,11 +8020,11 @@
             <a:avLst/>
           </a:prstGeom>
           <a:solidFill>
-            <a:srgbClr val="ffffff"/>
+            <a:srgbClr val="FFFFFF"/>
           </a:solidFill>
           <a:ln>
             <a:solidFill>
-              <a:srgbClr val="3465a4"/>
+              <a:srgbClr val="3465A4"/>
             </a:solidFill>
           </a:ln>
         </p:spPr>
@@ -5630,11 +8044,11 @@
             <a:avLst/>
           </a:prstGeom>
           <a:solidFill>
-            <a:srgbClr val="ff6600"/>
+            <a:srgbClr val="FF6600"/>
           </a:solidFill>
           <a:ln>
             <a:solidFill>
-              <a:srgbClr val="3465a4"/>
+              <a:srgbClr val="3465A4"/>
             </a:solidFill>
           </a:ln>
         </p:spPr>
@@ -5657,7 +8071,7 @@
             <a:solidFill>
               <a:srgbClr val="000000"/>
             </a:solidFill>
-            <a:tailEnd len="med" type="triangle" w="med"/>
+            <a:tailEnd type="triangle" w="med" len="med"/>
           </a:ln>
         </p:spPr>
       </p:sp>
@@ -5676,11 +8090,11 @@
             <a:avLst/>
           </a:prstGeom>
           <a:solidFill>
-            <a:srgbClr val="729fcf"/>
+            <a:srgbClr val="729FCF"/>
           </a:solidFill>
           <a:ln>
             <a:solidFill>
-              <a:srgbClr val="3465a4"/>
+              <a:srgbClr val="3465A4"/>
             </a:solidFill>
           </a:ln>
         </p:spPr>
@@ -5700,11 +8114,11 @@
             <a:avLst/>
           </a:prstGeom>
           <a:solidFill>
-            <a:srgbClr val="729fcf"/>
+            <a:srgbClr val="729FCF"/>
           </a:solidFill>
           <a:ln>
             <a:solidFill>
-              <a:srgbClr val="3465a4"/>
+              <a:srgbClr val="3465A4"/>
             </a:solidFill>
           </a:ln>
         </p:spPr>
@@ -5724,11 +8138,11 @@
             <a:avLst/>
           </a:prstGeom>
           <a:solidFill>
-            <a:srgbClr val="729fcf"/>
+            <a:srgbClr val="729FCF"/>
           </a:solidFill>
           <a:ln>
             <a:solidFill>
-              <a:srgbClr val="3465a4"/>
+              <a:srgbClr val="3465A4"/>
             </a:solidFill>
           </a:ln>
         </p:spPr>
@@ -5748,11 +8162,11 @@
             <a:avLst/>
           </a:prstGeom>
           <a:solidFill>
-            <a:srgbClr val="ff6600"/>
+            <a:srgbClr val="FF6600"/>
           </a:solidFill>
           <a:ln>
             <a:solidFill>
-              <a:srgbClr val="3465a4"/>
+              <a:srgbClr val="3465A4"/>
             </a:solidFill>
           </a:ln>
         </p:spPr>
@@ -5772,11 +8186,11 @@
             <a:avLst/>
           </a:prstGeom>
           <a:solidFill>
-            <a:srgbClr val="ffffff"/>
+            <a:srgbClr val="FFFFFF"/>
           </a:solidFill>
           <a:ln>
             <a:solidFill>
-              <a:srgbClr val="3465a4"/>
+              <a:srgbClr val="3465A4"/>
             </a:solidFill>
           </a:ln>
         </p:spPr>
@@ -5796,11 +8210,11 @@
             <a:avLst/>
           </a:prstGeom>
           <a:solidFill>
-            <a:srgbClr val="729fcf"/>
+            <a:srgbClr val="729FCF"/>
           </a:solidFill>
           <a:ln>
             <a:solidFill>
-              <a:srgbClr val="3465a4"/>
+              <a:srgbClr val="3465A4"/>
             </a:solidFill>
           </a:ln>
         </p:spPr>
@@ -5820,11 +8234,11 @@
             <a:avLst/>
           </a:prstGeom>
           <a:solidFill>
-            <a:srgbClr val="ff6600"/>
+            <a:srgbClr val="FF6600"/>
           </a:solidFill>
           <a:ln>
             <a:solidFill>
-              <a:srgbClr val="3465a4"/>
+              <a:srgbClr val="3465A4"/>
             </a:solidFill>
           </a:ln>
         </p:spPr>
@@ -5849,7 +8263,8 @@
           </a:ln>
         </p:spPr>
         <p:txBody>
-          <a:bodyPr lIns="90000" rIns="90000" tIns="45000" bIns="45000"/>
+          <a:bodyPr lIns="90000" tIns="45000" rIns="90000" bIns="45000"/>
+          <a:lstStyle/>
           <a:p>
             <a:r>
               <a:rPr lang="en-US">
@@ -5881,7 +8296,8 @@
           </a:ln>
         </p:spPr>
         <p:txBody>
-          <a:bodyPr lIns="90000" rIns="90000" tIns="45000" bIns="45000"/>
+          <a:bodyPr lIns="90000" tIns="45000" rIns="90000" bIns="45000"/>
+          <a:lstStyle/>
           <a:p>
             <a:r>
               <a:rPr lang="en-US">
@@ -5895,14 +8311,107 @@
       </p:sp>
     </p:spTree>
   </p:cSld>
+  <p:clrMapOvr>
+    <a:masterClrMapping/>
+  </p:clrMapOvr>
   <p:timing>
     <p:tnLst>
       <p:par>
-        <p:cTn id="9" dur="indefinite" restart="never" nodeType="tmRoot">
+        <p:cTn id="1" dur="indefinite" restart="never" nodeType="tmRoot">
           <p:childTnLst>
             <p:seq>
-              <p:cTn id="10" nodeType="mainSeq">
+              <p:cTn id="2" nodeType="mainSeq">
                 <p:childTnLst>
+                  <p:par>
+                    <p:cTn id="3" fill="freeze">
+                      <p:stCondLst>
+                        <p:cond delay="indefinite"/>
+                      </p:stCondLst>
+                      <p:childTnLst>
+                        <p:par>
+                          <p:cTn id="4" fill="freeze">
+                            <p:stCondLst>
+                              <p:cond delay="0"/>
+                            </p:stCondLst>
+                            <p:childTnLst>
+                              <p:par>
+                                <p:cTn id="5" presetID="1" presetClass="entr" fill="hold" nodeType="clickEffect">
+                                  <p:stCondLst>
+                                    <p:cond delay="0"/>
+                                  </p:stCondLst>
+                                  <p:childTnLst>
+                                    <p:set>
+                                      <p:cBhvr>
+                                        <p:cTn id="6" dur="1" fill="hold">
+                                          <p:stCondLst>
+                                            <p:cond delay="0"/>
+                                          </p:stCondLst>
+                                        </p:cTn>
+                                        <p:tgtEl>
+                                          <p:spTgt spid="94"/>
+                                        </p:tgtEl>
+                                        <p:attrNameLst>
+                                          <p:attrName>style.visibility</p:attrName>
+                                        </p:attrNameLst>
+                                      </p:cBhvr>
+                                      <p:to>
+                                        <p:strVal val="visible"/>
+                                      </p:to>
+                                    </p:set>
+                                  </p:childTnLst>
+                                </p:cTn>
+                              </p:par>
+                            </p:childTnLst>
+                          </p:cTn>
+                        </p:par>
+                      </p:childTnLst>
+                    </p:cTn>
+                  </p:par>
+                  <p:par>
+                    <p:cTn id="7" fill="freeze">
+                      <p:stCondLst>
+                        <p:cond delay="indefinite"/>
+                      </p:stCondLst>
+                      <p:childTnLst>
+                        <p:par>
+                          <p:cTn id="8" fill="freeze">
+                            <p:stCondLst>
+                              <p:cond delay="0"/>
+                            </p:stCondLst>
+                            <p:childTnLst>
+                              <p:par>
+                                <p:cTn id="9" presetID="1" presetClass="entr" fill="hold" nodeType="clickEffect">
+                                  <p:stCondLst>
+                                    <p:cond delay="0"/>
+                                  </p:stCondLst>
+                                  <p:childTnLst>
+                                    <p:set>
+                                      <p:cBhvr>
+                                        <p:cTn id="10" dur="1" fill="hold">
+                                          <p:stCondLst>
+                                            <p:cond delay="0"/>
+                                          </p:stCondLst>
+                                        </p:cTn>
+                                        <p:tgtEl>
+                                          <p:spTgt spid="95"/>
+                                        </p:tgtEl>
+                                        <p:attrNameLst>
+                                          <p:attrName>style.visibility</p:attrName>
+                                        </p:attrNameLst>
+                                      </p:cBhvr>
+                                      <p:to>
+                                        <p:strVal val="visible"/>
+                                      </p:to>
+                                    </p:set>
+                                  </p:childTnLst>
+                                </p:cTn>
+                              </p:par>
+                            </p:childTnLst>
+                          </p:cTn>
+                        </p:par>
+                      </p:childTnLst>
+                    </p:cTn>
+                  </p:par>
                   <p:par>
                     <p:cTn id="11" fill="freeze">
                       <p:stCondLst>
@@ -5916,7 +8425,7 @@
                             </p:stCondLst>
                             <p:childTnLst>
                               <p:par>
-                                <p:cTn id="13" nodeType="clickEffect" fill="hold" presetClass="entr" presetID="1">
+                                <p:cTn id="13" presetID="1" presetClass="entr" fill="hold" nodeType="clickEffect">
                                   <p:stCondLst>
                                     <p:cond delay="0"/>
                                   </p:stCondLst>
@@ -5929,7 +8438,7 @@
                                           </p:stCondLst>
                                         </p:cTn>
                                         <p:tgtEl>
-                                          <p:spTgt spid="94"/>
+                                          <p:spTgt spid="100"/>
                                         </p:tgtEl>
                                         <p:attrNameLst>
                                           <p:attrName>style.visibility</p:attrName>
@@ -5961,7 +8470,7 @@
                             </p:stCondLst>
                             <p:childTnLst>
                               <p:par>
-                                <p:cTn id="17" nodeType="clickEffect" fill="hold" presetClass="entr" presetID="1">
+                                <p:cTn id="17" presetID="1" presetClass="entr" fill="hold" nodeType="clickEffect">
                                   <p:stCondLst>
                                     <p:cond delay="0"/>
                                   </p:stCondLst>
@@ -5974,7 +8483,7 @@
                                           </p:stCondLst>
                                         </p:cTn>
                                         <p:tgtEl>
-                                          <p:spTgt spid="95"/>
+                                          <p:spTgt spid="96"/>
                                         </p:tgtEl>
                                         <p:attrNameLst>
                                           <p:attrName>style.visibility</p:attrName>
@@ -5987,26 +8496,35 @@
                                   </p:childTnLst>
                                 </p:cTn>
                               </p:par>
-                            </p:childTnLst>
-                          </p:cTn>
-                        </p:par>
-                      </p:childTnLst>
-                    </p:cTn>
-                  </p:par>
-                  <p:par>
-                    <p:cTn id="19" fill="freeze">
-                      <p:stCondLst>
-                        <p:cond delay="indefinite"/>
-                      </p:stCondLst>
-                      <p:childTnLst>
-                        <p:par>
-                          <p:cTn id="20" fill="freeze">
-                            <p:stCondLst>
-                              <p:cond delay="0"/>
-                            </p:stCondLst>
-                            <p:childTnLst>
                               <p:par>
-                                <p:cTn id="21" nodeType="clickEffect" fill="hold" presetClass="entr" presetID="1">
+                                <p:cTn id="19" presetID="1" presetClass="entr" fill="hold" nodeType="withEffect">
+                                  <p:stCondLst>
+                                    <p:cond delay="0"/>
+                                  </p:stCondLst>
+                                  <p:childTnLst>
+                                    <p:set>
+                                      <p:cBhvr>
+                                        <p:cTn id="20" dur="1" fill="hold">
+                                          <p:stCondLst>
+                                            <p:cond delay="0"/>
+                                          </p:stCondLst>
+                                        </p:cTn>
+                                        <p:tgtEl>
+                                          <p:spTgt spid="97"/>
+                                        </p:tgtEl>
+                                        <p:attrNameLst>
+                                          <p:attrName>style.visibility</p:attrName>
+                                        </p:attrNameLst>
+                                      </p:cBhvr>
+                                      <p:to>
+                                        <p:strVal val="visible"/>
+                                      </p:to>
+                                    </p:set>
+                                  </p:childTnLst>
+                                </p:cTn>
+                              </p:par>
+                              <p:par>
+                                <p:cTn id="21" presetID="1" presetClass="entr" fill="hold" nodeType="withEffect">
                                   <p:stCondLst>
                                     <p:cond delay="0"/>
                                   </p:stCondLst>
@@ -6019,7 +8537,7 @@
                                           </p:stCondLst>
                                         </p:cTn>
                                         <p:tgtEl>
-                                          <p:spTgt spid="100"/>
+                                          <p:spTgt spid="99"/>
                                         </p:tgtEl>
                                         <p:attrNameLst>
                                           <p:attrName>style.visibility</p:attrName>
@@ -6051,7 +8569,7 @@
                             </p:stCondLst>
                             <p:childTnLst>
                               <p:par>
-                                <p:cTn id="25" nodeType="clickEffect" fill="hold" presetClass="entr" presetID="1">
+                                <p:cTn id="25" presetID="1" presetClass="entr" fill="hold" nodeType="clickEffect">
                                   <p:stCondLst>
                                     <p:cond delay="0"/>
                                   </p:stCondLst>
@@ -6064,7 +8582,11 @@
                                           </p:stCondLst>
                                         </p:cTn>
                                         <p:tgtEl>
-                                          <p:spTgt spid="96"/>
+                                          <p:spTgt spid="106">
+                                            <p:txEl>
+                                              <p:pRg st="0" end="11"/>
+                                            </p:txEl>
+                                          </p:spTgt>
                                         </p:tgtEl>
                                         <p:attrNameLst>
                                           <p:attrName>style.visibility</p:attrName>
@@ -6077,35 +8599,26 @@
                                   </p:childTnLst>
                                 </p:cTn>
                               </p:par>
+                            </p:childTnLst>
+                          </p:cTn>
+                        </p:par>
+                      </p:childTnLst>
+                    </p:cTn>
+                  </p:par>
+                  <p:par>
+                    <p:cTn id="27" fill="freeze">
+                      <p:stCondLst>
+                        <p:cond delay="indefinite"/>
+                      </p:stCondLst>
+                      <p:childTnLst>
+                        <p:par>
+                          <p:cTn id="28" fill="freeze">
+                            <p:stCondLst>
+                              <p:cond delay="0"/>
+                            </p:stCondLst>
+                            <p:childTnLst>
                               <p:par>
-                                <p:cTn id="27" nodeType="withEffect" fill="hold" presetClass="entr" presetID="1">
-                                  <p:stCondLst>
-                                    <p:cond delay="0"/>
-                                  </p:stCondLst>
-                                  <p:childTnLst>
-                                    <p:set>
-                                      <p:cBhvr>
-                                        <p:cTn id="28" dur="1" fill="hold">
-                                          <p:stCondLst>
-                                            <p:cond delay="0"/>
-                                          </p:stCondLst>
-                                        </p:cTn>
-                                        <p:tgtEl>
-                                          <p:spTgt spid="97"/>
-                                        </p:tgtEl>
-                                        <p:attrNameLst>
-                                          <p:attrName>style.visibility</p:attrName>
-                                        </p:attrNameLst>
-                                      </p:cBhvr>
-                                      <p:to>
-                                        <p:strVal val="visible"/>
-                                      </p:to>
-                                    </p:set>
-                                  </p:childTnLst>
-                                </p:cTn>
-                              </p:par>
-                              <p:par>
-                                <p:cTn id="29" nodeType="withEffect" fill="hold" presetClass="entr" presetID="1">
+                                <p:cTn id="29" presetID="1" presetClass="entr" fill="hold" nodeType="clickEffect">
                                   <p:stCondLst>
                                     <p:cond delay="0"/>
                                   </p:stCondLst>
@@ -6118,7 +8631,7 @@
                                           </p:stCondLst>
                                         </p:cTn>
                                         <p:tgtEl>
-                                          <p:spTgt spid="99"/>
+                                          <p:spTgt spid="101"/>
                                         </p:tgtEl>
                                         <p:attrNameLst>
                                           <p:attrName>style.visibility</p:attrName>
@@ -6150,7 +8663,7 @@
                             </p:stCondLst>
                             <p:childTnLst>
                               <p:par>
-                                <p:cTn id="33" nodeType="clickEffect" fill="hold" presetClass="entr" presetID="1">
+                                <p:cTn id="33" presetID="1" presetClass="entr" fill="hold" nodeType="clickEffect">
                                   <p:stCondLst>
                                     <p:cond delay="0"/>
                                   </p:stCondLst>
@@ -6163,11 +8676,7 @@
                                           </p:stCondLst>
                                         </p:cTn>
                                         <p:tgtEl>
-                                          <p:spTgt spid="106">
-                                            <p:txEl>
-                                              <p:pRg st="0" end="11"/>
-                                            </p:txEl>
-                                          </p:spTgt>
+                                          <p:spTgt spid="102"/>
                                         </p:tgtEl>
                                         <p:attrNameLst>
                                           <p:attrName>style.visibility</p:attrName>
@@ -6199,7 +8708,7 @@
                             </p:stCondLst>
                             <p:childTnLst>
                               <p:par>
-                                <p:cTn id="37" nodeType="clickEffect" fill="hold" presetClass="entr" presetID="1">
+                                <p:cTn id="37" presetID="1" presetClass="entr" fill="hold" nodeType="clickEffect">
                                   <p:stCondLst>
                                     <p:cond delay="0"/>
                                   </p:stCondLst>
@@ -6212,7 +8721,7 @@
                                           </p:stCondLst>
                                         </p:cTn>
                                         <p:tgtEl>
-                                          <p:spTgt spid="101"/>
+                                          <p:spTgt spid="103"/>
                                         </p:tgtEl>
                                         <p:attrNameLst>
                                           <p:attrName>style.visibility</p:attrName>
@@ -6225,26 +8734,35 @@
                                   </p:childTnLst>
                                 </p:cTn>
                               </p:par>
-                            </p:childTnLst>
-                          </p:cTn>
-                        </p:par>
-                      </p:childTnLst>
-                    </p:cTn>
-                  </p:par>
-                  <p:par>
-                    <p:cTn id="39" fill="freeze">
-                      <p:stCondLst>
-                        <p:cond delay="indefinite"/>
-                      </p:stCondLst>
-                      <p:childTnLst>
-                        <p:par>
-                          <p:cTn id="40" fill="freeze">
-                            <p:stCondLst>
-                              <p:cond delay="0"/>
-                            </p:stCondLst>
-                            <p:childTnLst>
                               <p:par>
-                                <p:cTn id="41" nodeType="clickEffect" fill="hold" presetClass="entr" presetID="1">
+                                <p:cTn id="39" presetID="1" presetClass="entr" fill="hold" nodeType="withEffect">
+                                  <p:stCondLst>
+                                    <p:cond delay="0"/>
+                                  </p:stCondLst>
+                                  <p:childTnLst>
+                                    <p:set>
+                                      <p:cBhvr>
+                                        <p:cTn id="40" dur="1" fill="hold">
+                                          <p:stCondLst>
+                                            <p:cond delay="0"/>
+                                          </p:stCondLst>
+                                        </p:cTn>
+                                        <p:tgtEl>
+                                          <p:spTgt spid="104"/>
+                                        </p:tgtEl>
+                                        <p:attrNameLst>
+                                          <p:attrName>style.visibility</p:attrName>
+                                        </p:attrNameLst>
+                                      </p:cBhvr>
+                                      <p:to>
+                                        <p:strVal val="visible"/>
+                                      </p:to>
+                                    </p:set>
+                                  </p:childTnLst>
+                                </p:cTn>
+                              </p:par>
+                              <p:par>
+                                <p:cTn id="41" presetID="1" presetClass="entr" fill="hold" nodeType="withEffect">
                                   <p:stCondLst>
                                     <p:cond delay="0"/>
                                   </p:stCondLst>
@@ -6257,7 +8775,7 @@
                                           </p:stCondLst>
                                         </p:cTn>
                                         <p:tgtEl>
-                                          <p:spTgt spid="102"/>
+                                          <p:spTgt spid="105"/>
                                         </p:tgtEl>
                                         <p:attrNameLst>
                                           <p:attrName>style.visibility</p:attrName>
@@ -6289,7 +8807,7 @@
                             </p:stCondLst>
                             <p:childTnLst>
                               <p:par>
-                                <p:cTn id="45" nodeType="clickEffect" fill="hold" presetClass="entr" presetID="1">
+                                <p:cTn id="45" presetID="1" presetClass="entr" fill="hold" nodeType="clickEffect">
                                   <p:stCondLst>
                                     <p:cond delay="0"/>
                                   </p:stCondLst>
@@ -6297,105 +8815,6 @@
                                     <p:set>
                                       <p:cBhvr>
                                         <p:cTn id="46" dur="1" fill="hold">
-                                          <p:stCondLst>
-                                            <p:cond delay="0"/>
-                                          </p:stCondLst>
-                                        </p:cTn>
-                                        <p:tgtEl>
-                                          <p:spTgt spid="103"/>
-                                        </p:tgtEl>
-                                        <p:attrNameLst>
-                                          <p:attrName>style.visibility</p:attrName>
-                                        </p:attrNameLst>
-                                      </p:cBhvr>
-                                      <p:to>
-                                        <p:strVal val="visible"/>
-                                      </p:to>
-                                    </p:set>
-                                  </p:childTnLst>
-                                </p:cTn>
-                              </p:par>
-                              <p:par>
-                                <p:cTn id="47" nodeType="withEffect" fill="hold" presetClass="entr" presetID="1">
-                                  <p:stCondLst>
-                                    <p:cond delay="0"/>
-                                  </p:stCondLst>
-                                  <p:childTnLst>
-                                    <p:set>
-                                      <p:cBhvr>
-                                        <p:cTn id="48" dur="1" fill="hold">
-                                          <p:stCondLst>
-                                            <p:cond delay="0"/>
-                                          </p:stCondLst>
-                                        </p:cTn>
-                                        <p:tgtEl>
-                                          <p:spTgt spid="104"/>
-                                        </p:tgtEl>
-                                        <p:attrNameLst>
-                                          <p:attrName>style.visibility</p:attrName>
-                                        </p:attrNameLst>
-                                      </p:cBhvr>
-                                      <p:to>
-                                        <p:strVal val="visible"/>
-                                      </p:to>
-                                    </p:set>
-                                  </p:childTnLst>
-                                </p:cTn>
-                              </p:par>
-                              <p:par>
-                                <p:cTn id="49" nodeType="withEffect" fill="hold" presetClass="entr" presetID="1">
-                                  <p:stCondLst>
-                                    <p:cond delay="0"/>
-                                  </p:stCondLst>
-                                  <p:childTnLst>
-                                    <p:set>
-                                      <p:cBhvr>
-                                        <p:cTn id="50" dur="1" fill="hold">
-                                          <p:stCondLst>
-                                            <p:cond delay="0"/>
-                                          </p:stCondLst>
-                                        </p:cTn>
-                                        <p:tgtEl>
-                                          <p:spTgt spid="105"/>
-                                        </p:tgtEl>
-                                        <p:attrNameLst>
-                                          <p:attrName>style.visibility</p:attrName>
-                                        </p:attrNameLst>
-                                      </p:cBhvr>
-                                      <p:to>
-                                        <p:strVal val="visible"/>
-                                      </p:to>
-                                    </p:set>
-                                  </p:childTnLst>
-                                </p:cTn>
-                              </p:par>
-                            </p:childTnLst>
-                          </p:cTn>
-                        </p:par>
-                      </p:childTnLst>
-                    </p:cTn>
-                  </p:par>
-                  <p:par>
-                    <p:cTn id="51" fill="freeze">
-                      <p:stCondLst>
-                        <p:cond delay="indefinite"/>
-                      </p:stCondLst>
-                      <p:childTnLst>
-                        <p:par>
-                          <p:cTn id="52" fill="freeze">
-                            <p:stCondLst>
-                              <p:cond delay="0"/>
-                            </p:stCondLst>
-                            <p:childTnLst>
-                              <p:par>
-                                <p:cTn id="53" nodeType="clickEffect" fill="hold" presetClass="entr" presetID="1">
-                                  <p:stCondLst>
-                                    <p:cond delay="0"/>
-                                  </p:stCondLst>
-                                  <p:childTnLst>
-                                    <p:set>
-                                      <p:cBhvr>
-                                        <p:cTn id="54" dur="1" fill="hold">
                                           <p:stCondLst>
                                             <p:cond delay="0"/>
                                           </p:stCondLst>
@@ -6427,14 +8846,14 @@
                 </p:childTnLst>
               </p:cTn>
               <p:prevCondLst>
-                <p:cond delay="0" evt="onPrev">
+                <p:cond evt="onPrev" delay="0">
                   <p:tgtEl>
                     <p:sldTgt/>
                   </p:tgtEl>
                 </p:cond>
               </p:prevCondLst>
               <p:nextCondLst>
-                <p:cond delay="0" evt="onNext">
+                <p:cond evt="onNext" delay="0">
                   <p:tgtEl>
                     <p:sldTgt/>
                   </p:tgtEl>
@@ -6450,7 +8869,7 @@
 </file>
 
 <file path=ppt/slides/slide6.xml><?xml version="1.0" encoding="utf-8"?>
-<p:sld xmlns:a="http://schemas.openxmlformats.org/drawingml/2006/main" xmlns:p="http://schemas.openxmlformats.org/presentationml/2006/main" xmlns:r="http://schemas.openxmlformats.org/officeDocument/2006/relationships">
+<p:sld xmlns:a="http://schemas.openxmlformats.org/drawingml/2006/main" xmlns:r="http://schemas.openxmlformats.org/officeDocument/2006/relationships" xmlns:p="http://schemas.openxmlformats.org/presentationml/2006/main">
   <p:cSld>
     <p:spTree>
       <p:nvGrpSpPr>
@@ -6486,7 +8905,8 @@
           </a:ln>
         </p:spPr>
         <p:txBody>
-          <a:bodyPr lIns="0" rIns="0" tIns="0" bIns="0" anchor="ctr"/>
+          <a:bodyPr lIns="0" tIns="0" rIns="0" bIns="0" anchor="ctr"/>
+          <a:lstStyle/>
           <a:p>
             <a:r>
               <a:rPr lang="en-US" sz="4400">
@@ -6518,7 +8938,8 @@
           </a:ln>
         </p:spPr>
         <p:txBody>
-          <a:bodyPr lIns="0" rIns="0" tIns="0" bIns="0"/>
+          <a:bodyPr lIns="0" tIns="0" rIns="0" bIns="0"/>
+          <a:lstStyle/>
           <a:p>
             <a:pPr>
               <a:lnSpc>
@@ -6591,22 +9012,25 @@
       </p:sp>
     </p:spTree>
   </p:cSld>
+  <p:clrMapOvr>
+    <a:masterClrMapping/>
+  </p:clrMapOvr>
   <p:timing>
     <p:tnLst>
       <p:par>
-        <p:cTn id="55" dur="indefinite" restart="never" nodeType="tmRoot">
+        <p:cTn id="1" dur="indefinite" restart="never" nodeType="tmRoot">
           <p:childTnLst>
             <p:seq>
-              <p:cTn id="56" nodeType="mainSeq"/>
+              <p:cTn id="2" nodeType="mainSeq"/>
               <p:prevCondLst>
-                <p:cond delay="0" evt="onPrev">
+                <p:cond evt="onPrev" delay="0">
                   <p:tgtEl>
                     <p:sldTgt/>
                   </p:tgtEl>
                 </p:cond>
               </p:prevCondLst>
               <p:nextCondLst>
-                <p:cond delay="0" evt="onNext">
+                <p:cond evt="onNext" delay="0">
                   <p:tgtEl>
                     <p:sldTgt/>
                   </p:tgtEl>
@@ -6622,7 +9046,7 @@
 </file>
 
 <file path=ppt/slides/slide7.xml><?xml version="1.0" encoding="utf-8"?>
-<p:sld xmlns:a="http://schemas.openxmlformats.org/drawingml/2006/main" xmlns:p="http://schemas.openxmlformats.org/presentationml/2006/main" xmlns:r="http://schemas.openxmlformats.org/officeDocument/2006/relationships">
+<p:sld xmlns:a="http://schemas.openxmlformats.org/drawingml/2006/main" xmlns:r="http://schemas.openxmlformats.org/officeDocument/2006/relationships" xmlns:p="http://schemas.openxmlformats.org/presentationml/2006/main">
   <p:cSld>
     <p:spTree>
       <p:nvGrpSpPr>
@@ -6658,7 +9082,8 @@
           </a:ln>
         </p:spPr>
         <p:txBody>
-          <a:bodyPr lIns="0" rIns="0" tIns="0" bIns="0" anchor="ctr"/>
+          <a:bodyPr lIns="0" tIns="0" rIns="0" bIns="0" anchor="ctr"/>
+          <a:lstStyle/>
           <a:p>
             <a:r>
               <a:rPr lang="en-US" sz="4400">
@@ -6690,7 +9115,8 @@
           </a:ln>
         </p:spPr>
         <p:txBody>
-          <a:bodyPr lIns="0" rIns="0" tIns="0" bIns="0"/>
+          <a:bodyPr lIns="0" tIns="0" rIns="0" bIns="0"/>
+          <a:lstStyle/>
           <a:p>
             <a:pPr>
               <a:lnSpc>
@@ -6725,11 +9151,11 @@
             <a:avLst/>
           </a:prstGeom>
           <a:solidFill>
-            <a:srgbClr val="ffffff"/>
+            <a:srgbClr val="FFFFFF"/>
           </a:solidFill>
           <a:ln>
             <a:solidFill>
-              <a:srgbClr val="3465a4"/>
+              <a:srgbClr val="3465A4"/>
             </a:solidFill>
           </a:ln>
         </p:spPr>
@@ -6749,11 +9175,11 @@
             <a:avLst/>
           </a:prstGeom>
           <a:solidFill>
-            <a:srgbClr val="ff6600"/>
+            <a:srgbClr val="FF6600"/>
           </a:solidFill>
           <a:ln>
             <a:solidFill>
-              <a:srgbClr val="3465a4"/>
+              <a:srgbClr val="3465A4"/>
             </a:solidFill>
           </a:ln>
         </p:spPr>
@@ -6794,11 +9220,11 @@
             <a:avLst/>
           </a:prstGeom>
           <a:solidFill>
-            <a:srgbClr val="ff33ff"/>
+            <a:srgbClr val="FF33FF"/>
           </a:solidFill>
           <a:ln>
             <a:solidFill>
-              <a:srgbClr val="3465a4"/>
+              <a:srgbClr val="3465A4"/>
             </a:solidFill>
           </a:ln>
         </p:spPr>
@@ -6884,7 +9310,7 @@
             <a:solidFill>
               <a:srgbClr val="000000"/>
             </a:solidFill>
-            <a:tailEnd len="med" type="triangle" w="med"/>
+            <a:tailEnd type="triangle" w="med" len="med"/>
           </a:ln>
         </p:spPr>
       </p:sp>
@@ -6903,11 +9329,11 @@
             <a:avLst/>
           </a:prstGeom>
           <a:solidFill>
-            <a:srgbClr val="729fcf"/>
+            <a:srgbClr val="729FCF"/>
           </a:solidFill>
           <a:ln>
             <a:solidFill>
-              <a:srgbClr val="3465a4"/>
+              <a:srgbClr val="3465A4"/>
             </a:solidFill>
           </a:ln>
         </p:spPr>
@@ -6927,11 +9353,11 @@
             <a:avLst/>
           </a:prstGeom>
           <a:solidFill>
-            <a:srgbClr val="ffffff"/>
+            <a:srgbClr val="FFFFFF"/>
           </a:solidFill>
           <a:ln>
             <a:solidFill>
-              <a:srgbClr val="3465a4"/>
+              <a:srgbClr val="3465A4"/>
             </a:solidFill>
           </a:ln>
         </p:spPr>
@@ -6951,11 +9377,11 @@
             <a:avLst/>
           </a:prstGeom>
           <a:solidFill>
-            <a:srgbClr val="ff6600"/>
+            <a:srgbClr val="FF6600"/>
           </a:solidFill>
           <a:ln>
             <a:solidFill>
-              <a:srgbClr val="3465a4"/>
+              <a:srgbClr val="3465A4"/>
             </a:solidFill>
           </a:ln>
         </p:spPr>
@@ -6996,11 +9422,11 @@
             <a:avLst/>
           </a:prstGeom>
           <a:solidFill>
-            <a:srgbClr val="ff33ff"/>
+            <a:srgbClr val="FF33FF"/>
           </a:solidFill>
           <a:ln>
             <a:solidFill>
-              <a:srgbClr val="3465a4"/>
+              <a:srgbClr val="3465A4"/>
             </a:solidFill>
           </a:ln>
         </p:spPr>
@@ -7083,11 +9509,11 @@
             <a:avLst/>
           </a:prstGeom>
           <a:solidFill>
-            <a:srgbClr val="729fcf"/>
+            <a:srgbClr val="729FCF"/>
           </a:solidFill>
           <a:ln>
             <a:solidFill>
-              <a:srgbClr val="3465a4"/>
+              <a:srgbClr val="3465A4"/>
             </a:solidFill>
           </a:ln>
         </p:spPr>
@@ -7107,11 +9533,11 @@
             <a:avLst/>
           </a:prstGeom>
           <a:solidFill>
-            <a:srgbClr val="729fcf"/>
+            <a:srgbClr val="729FCF"/>
           </a:solidFill>
           <a:ln>
             <a:solidFill>
-              <a:srgbClr val="3465a4"/>
+              <a:srgbClr val="3465A4"/>
             </a:solidFill>
           </a:ln>
         </p:spPr>
@@ -7131,11 +9557,11 @@
             <a:avLst/>
           </a:prstGeom>
           <a:solidFill>
-            <a:srgbClr val="729fcf"/>
+            <a:srgbClr val="729FCF"/>
           </a:solidFill>
           <a:ln>
             <a:solidFill>
-              <a:srgbClr val="3465a4"/>
+              <a:srgbClr val="3465A4"/>
             </a:solidFill>
           </a:ln>
         </p:spPr>
@@ -7155,46 +9581,50 @@
             <a:avLst/>
           </a:prstGeom>
           <a:solidFill>
-            <a:srgbClr val="729fcf"/>
+            <a:srgbClr val="729FCF"/>
           </a:solidFill>
           <a:ln>
             <a:solidFill>
-              <a:srgbClr val="3465a4"/>
+              <a:srgbClr val="3465A4"/>
             </a:solidFill>
           </a:ln>
         </p:spPr>
       </p:sp>
     </p:spTree>
   </p:cSld>
+  <p:clrMapOvr>
+    <a:masterClrMapping/>
+  </p:clrMapOvr>
+  <p:transition/>
   <p:timing>
     <p:tnLst>
       <p:par>
-        <p:cTn id="57" dur="indefinite" restart="never" nodeType="tmRoot">
+        <p:cTn id="1" dur="indefinite" restart="never" nodeType="tmRoot">
           <p:childTnLst>
             <p:seq>
-              <p:cTn id="58" nodeType="mainSeq">
+              <p:cTn id="2" nodeType="mainSeq">
                 <p:childTnLst>
                   <p:par>
-                    <p:cTn id="59" fill="freeze">
+                    <p:cTn id="3" fill="freeze">
                       <p:stCondLst>
                         <p:cond delay="indefinite"/>
                       </p:stCondLst>
                       <p:childTnLst>
                         <p:par>
-                          <p:cTn id="60" fill="freeze">
+                          <p:cTn id="4" fill="freeze">
                             <p:stCondLst>
                               <p:cond delay="0"/>
                             </p:stCondLst>
                             <p:childTnLst>
                               <p:par>
-                                <p:cTn id="61" nodeType="clickEffect" fill="hold" presetClass="entr" presetID="5" presetSubtype="10">
+                                <p:cTn id="5" presetID="5" presetClass="entr" presetSubtype="10" fill="hold" nodeType="clickEffect">
                                   <p:stCondLst>
                                     <p:cond delay="0"/>
                                   </p:stCondLst>
                                   <p:childTnLst>
                                     <p:set>
                                       <p:cBhvr>
-                                        <p:cTn id="62" dur="1" fill="hold">
+                                        <p:cTn id="6" dur="1" fill="hold">
                                           <p:stCondLst>
                                             <p:cond delay="0"/>
                                           </p:stCondLst>
@@ -7210,9 +9640,9 @@
                                         <p:strVal val="visible"/>
                                       </p:to>
                                     </p:set>
-                                    <p:animEffect filter="checkerboard(across)" transition="in">
+                                    <p:animEffect transition="in" filter="checkerboard(across)">
                                       <p:cBhvr additive="repl">
-                                        <p:cTn id="63" dur="500"/>
+                                        <p:cTn id="7" dur="500"/>
                                         <p:tgtEl>
                                           <p:spTgt spid="129"/>
                                         </p:tgtEl>
@@ -7228,26 +9658,26 @@
                     </p:cTn>
                   </p:par>
                   <p:par>
-                    <p:cTn id="64" fill="freeze">
+                    <p:cTn id="8" fill="freeze">
                       <p:stCondLst>
                         <p:cond delay="indefinite"/>
                       </p:stCondLst>
                       <p:childTnLst>
                         <p:par>
-                          <p:cTn id="65" fill="freeze">
+                          <p:cTn id="9" fill="freeze">
                             <p:stCondLst>
                               <p:cond delay="0"/>
                             </p:stCondLst>
                             <p:childTnLst>
                               <p:par>
-                                <p:cTn id="66" nodeType="clickEffect" fill="hold" presetClass="exit" presetID="5" presetSubtype="10">
+                                <p:cTn id="10" presetID="5" presetClass="exit" presetSubtype="10" fill="hold" nodeType="clickEffect">
                                   <p:stCondLst>
                                     <p:cond delay="0"/>
                                   </p:stCondLst>
                                   <p:childTnLst>
-                                    <p:animEffect filter="checkerboard(across)" transition="in">
+                                    <p:animEffect transition="in" filter="checkerboard(across)">
                                       <p:cBhvr additive="repl">
-                                        <p:cTn id="67" dur="500"/>
+                                        <p:cTn id="11" dur="500"/>
                                         <p:tgtEl>
                                           <p:spTgt spid="129"/>
                                         </p:tgtEl>
@@ -7255,7 +9685,7 @@
                                     </p:animEffect>
                                     <p:set>
                                       <p:cBhvr>
-                                        <p:cTn id="68" dur="1" fill="hold">
+                                        <p:cTn id="12" dur="1" fill="hold">
                                           <p:stCondLst>
                                             <p:cond delay="499"/>
                                           </p:stCondLst>
@@ -7281,26 +9711,26 @@
                     </p:cTn>
                   </p:par>
                   <p:par>
-                    <p:cTn id="69" fill="freeze">
+                    <p:cTn id="13" fill="freeze">
                       <p:stCondLst>
                         <p:cond delay="indefinite"/>
                       </p:stCondLst>
                       <p:childTnLst>
                         <p:par>
-                          <p:cTn id="70" fill="freeze">
+                          <p:cTn id="14" fill="freeze">
                             <p:stCondLst>
                               <p:cond delay="0"/>
                             </p:stCondLst>
                             <p:childTnLst>
                               <p:par>
-                                <p:cTn id="71" nodeType="clickEffect" fill="hold" presetClass="entr" presetID="5" presetSubtype="10">
+                                <p:cTn id="15" presetID="5" presetClass="entr" presetSubtype="10" fill="hold" nodeType="clickEffect">
                                   <p:stCondLst>
                                     <p:cond delay="0"/>
                                   </p:stCondLst>
                                   <p:childTnLst>
                                     <p:set>
                                       <p:cBhvr>
-                                        <p:cTn id="72" dur="1" fill="hold">
+                                        <p:cTn id="16" dur="1" fill="hold">
                                           <p:stCondLst>
                                             <p:cond delay="0"/>
                                           </p:stCondLst>
@@ -7316,9 +9746,9 @@
                                         <p:strVal val="visible"/>
                                       </p:to>
                                     </p:set>
-                                    <p:animEffect filter="checkerboard(across)" transition="in">
+                                    <p:animEffect transition="in" filter="checkerboard(across)">
                                       <p:cBhvr additive="repl">
-                                        <p:cTn id="73" dur="500"/>
+                                        <p:cTn id="17" dur="500"/>
                                         <p:tgtEl>
                                           <p:spTgt spid="130"/>
                                         </p:tgtEl>
@@ -7334,26 +9764,26 @@
                     </p:cTn>
                   </p:par>
                   <p:par>
-                    <p:cTn id="74" fill="freeze">
+                    <p:cTn id="18" fill="freeze">
                       <p:stCondLst>
                         <p:cond delay="indefinite"/>
                       </p:stCondLst>
                       <p:childTnLst>
                         <p:par>
-                          <p:cTn id="75" fill="freeze">
+                          <p:cTn id="19" fill="freeze">
                             <p:stCondLst>
                               <p:cond delay="0"/>
                             </p:stCondLst>
                             <p:childTnLst>
                               <p:par>
-                                <p:cTn id="76" nodeType="clickEffect" fill="hold" presetClass="exit" presetID="5" presetSubtype="10">
+                                <p:cTn id="20" presetID="5" presetClass="exit" presetSubtype="10" fill="hold" nodeType="clickEffect">
                                   <p:stCondLst>
                                     <p:cond delay="0"/>
                                   </p:stCondLst>
                                   <p:childTnLst>
-                                    <p:animEffect filter="checkerboard(across)" transition="in">
+                                    <p:animEffect transition="in" filter="checkerboard(across)">
                                       <p:cBhvr additive="repl">
-                                        <p:cTn id="77" dur="500"/>
+                                        <p:cTn id="21" dur="500"/>
                                         <p:tgtEl>
                                           <p:spTgt spid="130"/>
                                         </p:tgtEl>
@@ -7361,7 +9791,7 @@
                                     </p:animEffect>
                                     <p:set>
                                       <p:cBhvr>
-                                        <p:cTn id="78" dur="1" fill="hold">
+                                        <p:cTn id="22" dur="1" fill="hold">
                                           <p:stCondLst>
                                             <p:cond delay="499"/>
                                           </p:stCondLst>
@@ -7387,26 +9817,26 @@
                     </p:cTn>
                   </p:par>
                   <p:par>
-                    <p:cTn id="79" fill="freeze">
+                    <p:cTn id="23" fill="freeze">
                       <p:stCondLst>
                         <p:cond delay="indefinite"/>
                       </p:stCondLst>
                       <p:childTnLst>
                         <p:par>
-                          <p:cTn id="80" fill="freeze">
+                          <p:cTn id="24" fill="freeze">
                             <p:stCondLst>
                               <p:cond delay="0"/>
                             </p:stCondLst>
                             <p:childTnLst>
                               <p:par>
-                                <p:cTn id="81" nodeType="clickEffect" fill="hold" presetClass="entr" presetID="5" presetSubtype="10">
+                                <p:cTn id="25" presetID="5" presetClass="entr" presetSubtype="10" fill="hold" nodeType="clickEffect">
                                   <p:stCondLst>
                                     <p:cond delay="0"/>
                                   </p:stCondLst>
                                   <p:childTnLst>
                                     <p:set>
                                       <p:cBhvr>
-                                        <p:cTn id="82" dur="1" fill="hold">
+                                        <p:cTn id="26" dur="1" fill="hold">
                                           <p:stCondLst>
                                             <p:cond delay="0"/>
                                           </p:stCondLst>
@@ -7422,9 +9852,9 @@
                                         <p:strVal val="visible"/>
                                       </p:to>
                                     </p:set>
-                                    <p:animEffect filter="checkerboard(across)" transition="in">
+                                    <p:animEffect transition="in" filter="checkerboard(across)">
                                       <p:cBhvr additive="repl">
-                                        <p:cTn id="83" dur="500"/>
+                                        <p:cTn id="27" dur="500"/>
                                         <p:tgtEl>
                                           <p:spTgt spid="131"/>
                                         </p:tgtEl>
@@ -7440,26 +9870,26 @@
                     </p:cTn>
                   </p:par>
                   <p:par>
-                    <p:cTn id="84" fill="freeze">
+                    <p:cTn id="28" fill="freeze">
                       <p:stCondLst>
                         <p:cond delay="indefinite"/>
                       </p:stCondLst>
                       <p:childTnLst>
                         <p:par>
-                          <p:cTn id="85" fill="freeze">
+                          <p:cTn id="29" fill="freeze">
                             <p:stCondLst>
                               <p:cond delay="0"/>
                             </p:stCondLst>
                             <p:childTnLst>
                               <p:par>
-                                <p:cTn id="86" nodeType="clickEffect" fill="hold" presetClass="exit" presetID="5" presetSubtype="10">
+                                <p:cTn id="30" presetID="5" presetClass="exit" presetSubtype="10" fill="hold" nodeType="clickEffect">
                                   <p:stCondLst>
                                     <p:cond delay="0"/>
                                   </p:stCondLst>
                                   <p:childTnLst>
-                                    <p:animEffect filter="checkerboard(across)" transition="in">
+                                    <p:animEffect transition="in" filter="checkerboard(across)">
                                       <p:cBhvr additive="repl">
-                                        <p:cTn id="87" dur="500"/>
+                                        <p:cTn id="31" dur="500"/>
                                         <p:tgtEl>
                                           <p:spTgt spid="131"/>
                                         </p:tgtEl>
@@ -7467,7 +9897,7 @@
                                     </p:animEffect>
                                     <p:set>
                                       <p:cBhvr>
-                                        <p:cTn id="88" dur="1" fill="hold">
+                                        <p:cTn id="32" dur="1" fill="hold">
                                           <p:stCondLst>
                                             <p:cond delay="499"/>
                                           </p:stCondLst>
@@ -7492,368 +9922,17 @@
                       </p:childTnLst>
                     </p:cTn>
                   </p:par>
-                  <p:par>
-                    <p:cTn id="89" fill="freeze">
-                      <p:stCondLst>
-                        <p:cond delay="indefinite"/>
-                      </p:stCondLst>
-                      <p:childTnLst>
-                        <p:par>
-                          <p:cTn id="90" fill="freeze">
-                            <p:stCondLst>
-                              <p:cond delay="0"/>
-                            </p:stCondLst>
-                            <p:childTnLst>
-                              <p:par>
-                                <p:cTn id="91" nodeType="clickEffect" fill="hold" presetClass="entr" presetID="5" presetSubtype="10">
-                                  <p:stCondLst>
-                                    <p:cond delay="0"/>
-                                  </p:stCondLst>
-                                  <p:childTnLst>
-                                    <p:set>
-                                      <p:cBhvr>
-                                        <p:cTn id="92" dur="1" fill="hold">
-                                          <p:stCondLst>
-                                            <p:cond delay="0"/>
-                                          </p:stCondLst>
-                                        </p:cTn>
-                                        <p:tgtEl>
-                                          <p:spTgt spid="120"/>
-                                        </p:tgtEl>
-                                        <p:attrNameLst>
-                                          <p:attrName>style.visibility</p:attrName>
-                                        </p:attrNameLst>
-                                      </p:cBhvr>
-                                      <p:to>
-                                        <p:strVal val="visible"/>
-                                      </p:to>
-                                    </p:set>
-                                    <p:animEffect filter="checkerboard(across)" transition="in">
-                                      <p:cBhvr additive="repl">
-                                        <p:cTn id="93" dur="500"/>
-                                        <p:tgtEl>
-                                          <p:spTgt spid="120"/>
-                                        </p:tgtEl>
-                                      </p:cBhvr>
-                                    </p:animEffect>
-                                  </p:childTnLst>
-                                </p:cTn>
-                              </p:par>
-                            </p:childTnLst>
-                          </p:cTn>
-                        </p:par>
-                      </p:childTnLst>
-                    </p:cTn>
-                  </p:par>
-                  <p:par>
-                    <p:cTn id="94" fill="freeze">
-                      <p:stCondLst>
-                        <p:cond delay="indefinite"/>
-                      </p:stCondLst>
-                      <p:childTnLst>
-                        <p:par>
-                          <p:cTn id="95" fill="freeze">
-                            <p:stCondLst>
-                              <p:cond delay="0"/>
-                            </p:stCondLst>
-                            <p:childTnLst>
-                              <p:par>
-                                <p:cTn id="96" nodeType="clickEffect" fill="hold" presetClass="entr" presetID="9">
-                                  <p:stCondLst>
-                                    <p:cond delay="0"/>
-                                  </p:stCondLst>
-                                  <p:childTnLst>
-                                    <p:set>
-                                      <p:cBhvr>
-                                        <p:cTn id="97" dur="1" fill="hold">
-                                          <p:stCondLst>
-                                            <p:cond delay="0"/>
-                                          </p:stCondLst>
-                                        </p:cTn>
-                                        <p:tgtEl>
-                                          <p:spTgt spid="121"/>
-                                        </p:tgtEl>
-                                        <p:attrNameLst>
-                                          <p:attrName>style.visibility</p:attrName>
-                                        </p:attrNameLst>
-                                      </p:cBhvr>
-                                      <p:to>
-                                        <p:strVal val="visible"/>
-                                      </p:to>
-                                    </p:set>
-                                    <p:animEffect filter="dissolve" transition="in">
-                                      <p:cBhvr additive="repl">
-                                        <p:cTn id="98" dur="500"/>
-                                        <p:tgtEl>
-                                          <p:spTgt spid="121"/>
-                                        </p:tgtEl>
-                                      </p:cBhvr>
-                                    </p:animEffect>
-                                  </p:childTnLst>
-                                </p:cTn>
-                              </p:par>
-                              <p:par>
-                                <p:cTn id="99" nodeType="withEffect" fill="hold" presetClass="entr" presetID="9">
-                                  <p:stCondLst>
-                                    <p:cond delay="0"/>
-                                  </p:stCondLst>
-                                  <p:childTnLst>
-                                    <p:set>
-                                      <p:cBhvr>
-                                        <p:cTn id="100" dur="1" fill="hold">
-                                          <p:stCondLst>
-                                            <p:cond delay="0"/>
-                                          </p:stCondLst>
-                                        </p:cTn>
-                                        <p:tgtEl>
-                                          <p:spTgt spid="122"/>
-                                        </p:tgtEl>
-                                        <p:attrNameLst>
-                                          <p:attrName>style.visibility</p:attrName>
-                                        </p:attrNameLst>
-                                      </p:cBhvr>
-                                      <p:to>
-                                        <p:strVal val="visible"/>
-                                      </p:to>
-                                    </p:set>
-                                    <p:animEffect filter="dissolve" transition="in">
-                                      <p:cBhvr additive="repl">
-                                        <p:cTn id="101" dur="500"/>
-                                        <p:tgtEl>
-                                          <p:spTgt spid="122"/>
-                                        </p:tgtEl>
-                                      </p:cBhvr>
-                                    </p:animEffect>
-                                  </p:childTnLst>
-                                </p:cTn>
-                              </p:par>
-                              <p:par>
-                                <p:cTn id="102" nodeType="withEffect" fill="hold" presetClass="entr" presetID="9">
-                                  <p:stCondLst>
-                                    <p:cond delay="0"/>
-                                  </p:stCondLst>
-                                  <p:childTnLst>
-                                    <p:set>
-                                      <p:cBhvr>
-                                        <p:cTn id="103" dur="1" fill="hold">
-                                          <p:stCondLst>
-                                            <p:cond delay="0"/>
-                                          </p:stCondLst>
-                                        </p:cTn>
-                                        <p:tgtEl>
-                                          <p:spTgt spid="123"/>
-                                        </p:tgtEl>
-                                        <p:attrNameLst>
-                                          <p:attrName>style.visibility</p:attrName>
-                                        </p:attrNameLst>
-                                      </p:cBhvr>
-                                      <p:to>
-                                        <p:strVal val="visible"/>
-                                      </p:to>
-                                    </p:set>
-                                    <p:animEffect filter="dissolve" transition="in">
-                                      <p:cBhvr additive="repl">
-                                        <p:cTn id="104" dur="500"/>
-                                        <p:tgtEl>
-                                          <p:spTgt spid="123"/>
-                                        </p:tgtEl>
-                                      </p:cBhvr>
-                                    </p:animEffect>
-                                  </p:childTnLst>
-                                </p:cTn>
-                              </p:par>
-                              <p:par>
-                                <p:cTn id="105" nodeType="withEffect" fill="hold" presetClass="entr" presetID="9">
-                                  <p:stCondLst>
-                                    <p:cond delay="0"/>
-                                  </p:stCondLst>
-                                  <p:childTnLst>
-                                    <p:set>
-                                      <p:cBhvr>
-                                        <p:cTn id="106" dur="1" fill="hold">
-                                          <p:stCondLst>
-                                            <p:cond delay="0"/>
-                                          </p:stCondLst>
-                                        </p:cTn>
-                                        <p:tgtEl>
-                                          <p:spTgt spid="124"/>
-                                        </p:tgtEl>
-                                        <p:attrNameLst>
-                                          <p:attrName>style.visibility</p:attrName>
-                                        </p:attrNameLst>
-                                      </p:cBhvr>
-                                      <p:to>
-                                        <p:strVal val="visible"/>
-                                      </p:to>
-                                    </p:set>
-                                    <p:animEffect filter="dissolve" transition="in">
-                                      <p:cBhvr additive="repl">
-                                        <p:cTn id="107" dur="500"/>
-                                        <p:tgtEl>
-                                          <p:spTgt spid="124"/>
-                                        </p:tgtEl>
-                                      </p:cBhvr>
-                                    </p:animEffect>
-                                  </p:childTnLst>
-                                </p:cTn>
-                              </p:par>
-                              <p:par>
-                                <p:cTn id="108" nodeType="withEffect" fill="hold" presetClass="entr" presetID="9">
-                                  <p:stCondLst>
-                                    <p:cond delay="0"/>
-                                  </p:stCondLst>
-                                  <p:childTnLst>
-                                    <p:set>
-                                      <p:cBhvr>
-                                        <p:cTn id="109" dur="1" fill="hold">
-                                          <p:stCondLst>
-                                            <p:cond delay="0"/>
-                                          </p:stCondLst>
-                                        </p:cTn>
-                                        <p:tgtEl>
-                                          <p:spTgt spid="125"/>
-                                        </p:tgtEl>
-                                        <p:attrNameLst>
-                                          <p:attrName>style.visibility</p:attrName>
-                                        </p:attrNameLst>
-                                      </p:cBhvr>
-                                      <p:to>
-                                        <p:strVal val="visible"/>
-                                      </p:to>
-                                    </p:set>
-                                    <p:animEffect filter="dissolve" transition="in">
-                                      <p:cBhvr additive="repl">
-                                        <p:cTn id="110" dur="500"/>
-                                        <p:tgtEl>
-                                          <p:spTgt spid="125"/>
-                                        </p:tgtEl>
-                                      </p:cBhvr>
-                                    </p:animEffect>
-                                  </p:childTnLst>
-                                </p:cTn>
-                              </p:par>
-                              <p:par>
-                                <p:cTn id="111" nodeType="withEffect" fill="hold" presetClass="entr" presetID="9">
-                                  <p:stCondLst>
-                                    <p:cond delay="0"/>
-                                  </p:stCondLst>
-                                  <p:childTnLst>
-                                    <p:set>
-                                      <p:cBhvr>
-                                        <p:cTn id="112" dur="1" fill="hold">
-                                          <p:stCondLst>
-                                            <p:cond delay="0"/>
-                                          </p:stCondLst>
-                                        </p:cTn>
-                                        <p:tgtEl>
-                                          <p:spTgt spid="126"/>
-                                        </p:tgtEl>
-                                        <p:attrNameLst>
-                                          <p:attrName>style.visibility</p:attrName>
-                                        </p:attrNameLst>
-                                      </p:cBhvr>
-                                      <p:to>
-                                        <p:strVal val="visible"/>
-                                      </p:to>
-                                    </p:set>
-                                    <p:animEffect filter="dissolve" transition="in">
-                                      <p:cBhvr additive="repl">
-                                        <p:cTn id="113" dur="500"/>
-                                        <p:tgtEl>
-                                          <p:spTgt spid="126"/>
-                                        </p:tgtEl>
-                                      </p:cBhvr>
-                                    </p:animEffect>
-                                  </p:childTnLst>
-                                </p:cTn>
-                              </p:par>
-                              <p:par>
-                                <p:cTn id="114" nodeType="withEffect" fill="hold" presetClass="entr" presetID="9">
-                                  <p:stCondLst>
-                                    <p:cond delay="0"/>
-                                  </p:stCondLst>
-                                  <p:childTnLst>
-                                    <p:set>
-                                      <p:cBhvr>
-                                        <p:cTn id="115" dur="1" fill="hold">
-                                          <p:stCondLst>
-                                            <p:cond delay="0"/>
-                                          </p:stCondLst>
-                                        </p:cTn>
-                                        <p:tgtEl>
-                                          <p:spTgt spid="127"/>
-                                        </p:tgtEl>
-                                        <p:attrNameLst>
-                                          <p:attrName>style.visibility</p:attrName>
-                                        </p:attrNameLst>
-                                      </p:cBhvr>
-                                      <p:to>
-                                        <p:strVal val="visible"/>
-                                      </p:to>
-                                    </p:set>
-                                    <p:animEffect filter="dissolve" transition="in">
-                                      <p:cBhvr additive="repl">
-                                        <p:cTn id="116" dur="500"/>
-                                        <p:tgtEl>
-                                          <p:spTgt spid="127"/>
-                                        </p:tgtEl>
-                                      </p:cBhvr>
-                                    </p:animEffect>
-                                  </p:childTnLst>
-                                </p:cTn>
-                              </p:par>
-                              <p:par>
-                                <p:cTn id="117" nodeType="withEffect" fill="hold" presetClass="entr" presetID="9">
-                                  <p:stCondLst>
-                                    <p:cond delay="0"/>
-                                  </p:stCondLst>
-                                  <p:childTnLst>
-                                    <p:set>
-                                      <p:cBhvr>
-                                        <p:cTn id="118" dur="1" fill="hold">
-                                          <p:stCondLst>
-                                            <p:cond delay="0"/>
-                                          </p:stCondLst>
-                                        </p:cTn>
-                                        <p:tgtEl>
-                                          <p:spTgt spid="128"/>
-                                        </p:tgtEl>
-                                        <p:attrNameLst>
-                                          <p:attrName>style.visibility</p:attrName>
-                                        </p:attrNameLst>
-                                      </p:cBhvr>
-                                      <p:to>
-                                        <p:strVal val="visible"/>
-                                      </p:to>
-                                    </p:set>
-                                    <p:animEffect filter="dissolve" transition="in">
-                                      <p:cBhvr additive="repl">
-                                        <p:cTn id="119" dur="500"/>
-                                        <p:tgtEl>
-                                          <p:spTgt spid="128"/>
-                                        </p:tgtEl>
-                                      </p:cBhvr>
-                                    </p:animEffect>
-                                  </p:childTnLst>
-                                </p:cTn>
-                              </p:par>
-                            </p:childTnLst>
-                          </p:cTn>
-                        </p:par>
-                      </p:childTnLst>
-                    </p:cTn>
-                  </p:par>
                 </p:childTnLst>
               </p:cTn>
               <p:prevCondLst>
-                <p:cond delay="0" evt="onPrev">
+                <p:cond evt="onPrev" delay="0">
                   <p:tgtEl>
                     <p:sldTgt/>
                   </p:tgtEl>
                 </p:cond>
               </p:prevCondLst>
               <p:nextCondLst>
-                <p:cond delay="0" evt="onNext">
+                <p:cond evt="onNext" delay="0">
                   <p:tgtEl>
                     <p:sldTgt/>
                   </p:tgtEl>
@@ -7869,7 +9948,7 @@
 </file>
 
 <file path=ppt/slides/slide8.xml><?xml version="1.0" encoding="utf-8"?>
-<p:sld xmlns:a="http://schemas.openxmlformats.org/drawingml/2006/main" xmlns:p="http://schemas.openxmlformats.org/presentationml/2006/main" xmlns:r="http://schemas.openxmlformats.org/officeDocument/2006/relationships">
+<p:sld xmlns:a="http://schemas.openxmlformats.org/drawingml/2006/main" xmlns:r="http://schemas.openxmlformats.org/officeDocument/2006/relationships" xmlns:p="http://schemas.openxmlformats.org/presentationml/2006/main">
   <p:cSld>
     <p:spTree>
       <p:nvGrpSpPr>
@@ -7905,7 +9984,8 @@
           </a:ln>
         </p:spPr>
         <p:txBody>
-          <a:bodyPr lIns="0" rIns="0" tIns="0" bIns="0" anchor="ctr"/>
+          <a:bodyPr lIns="0" tIns="0" rIns="0" bIns="0" anchor="ctr"/>
+          <a:lstStyle/>
           <a:p>
             <a:r>
               <a:rPr lang="en-US" sz="4400">
@@ -7937,7 +10017,8 @@
           </a:ln>
         </p:spPr>
         <p:txBody>
-          <a:bodyPr lIns="0" rIns="0" tIns="0" bIns="0"/>
+          <a:bodyPr lIns="0" tIns="0" rIns="0" bIns="0"/>
+          <a:lstStyle/>
           <a:p>
             <a:pPr>
               <a:lnSpc>
@@ -7980,11 +10061,11 @@
             <a:avLst/>
           </a:prstGeom>
           <a:solidFill>
-            <a:srgbClr val="ffffff"/>
+            <a:srgbClr val="FFFFFF"/>
           </a:solidFill>
           <a:ln>
             <a:solidFill>
-              <a:srgbClr val="3465a4"/>
+              <a:srgbClr val="3465A4"/>
             </a:solidFill>
           </a:ln>
         </p:spPr>
@@ -8004,11 +10085,11 @@
             <a:avLst/>
           </a:prstGeom>
           <a:solidFill>
-            <a:srgbClr val="ffffff"/>
+            <a:srgbClr val="FFFFFF"/>
           </a:solidFill>
           <a:ln>
             <a:solidFill>
-              <a:srgbClr val="3465a4"/>
+              <a:srgbClr val="3465A4"/>
             </a:solidFill>
           </a:ln>
         </p:spPr>
@@ -8021,8 +10102,8 @@
         </p:nvSpPr>
         <p:spPr>
           <a:xfrm>
-            <a:off x="4303440" y="2083680"/>
-            <a:ext cx="783720" cy="345960"/>
+            <a:off x="4303440" y="2083679"/>
+            <a:ext cx="1240928" cy="400013"/>
           </a:xfrm>
           <a:prstGeom prst="rect">
             <a:avLst/>
@@ -8033,15 +10114,16 @@
           </a:ln>
         </p:spPr>
         <p:txBody>
-          <a:bodyPr lIns="90000" rIns="90000" tIns="45000" bIns="45000"/>
-          <a:p>
-            <a:r>
-              <a:rPr lang="en-US">
+          <a:bodyPr lIns="90000" tIns="45000" rIns="90000" bIns="45000"/>
+          <a:lstStyle/>
+          <a:p>
+            <a:r>
+              <a:rPr lang="en-US" dirty="0" err="1">
                 <a:latin typeface="Arial"/>
               </a:rPr>
               <a:t>Xa,Ya</a:t>
             </a:r>
-            <a:endParaRPr/>
+            <a:endParaRPr dirty="0"/>
           </a:p>
         </p:txBody>
       </p:sp>
@@ -8054,7 +10136,7 @@
         <p:spPr>
           <a:xfrm>
             <a:off x="5342400" y="2560320"/>
-            <a:ext cx="514080" cy="345960"/>
+            <a:ext cx="778032" cy="283413"/>
           </a:xfrm>
           <a:prstGeom prst="rect">
             <a:avLst/>
@@ -8065,15 +10147,16 @@
           </a:ln>
         </p:spPr>
         <p:txBody>
-          <a:bodyPr lIns="90000" rIns="90000" tIns="45000" bIns="45000"/>
-          <a:p>
-            <a:r>
-              <a:rPr lang="en-US">
+          <a:bodyPr lIns="90000" tIns="45000" rIns="90000" bIns="45000"/>
+          <a:lstStyle/>
+          <a:p>
+            <a:r>
+              <a:rPr lang="en-US" dirty="0" err="1">
                 <a:latin typeface="Arial"/>
               </a:rPr>
               <a:t>Wa</a:t>
             </a:r>
-            <a:endParaRPr/>
+            <a:endParaRPr dirty="0"/>
           </a:p>
         </p:txBody>
       </p:sp>
@@ -8085,8 +10168,8 @@
         </p:nvSpPr>
         <p:spPr>
           <a:xfrm>
-            <a:off x="2575440" y="2587680"/>
-            <a:ext cx="802080" cy="345960"/>
+            <a:off x="2575440" y="2587679"/>
+            <a:ext cx="1240736" cy="400069"/>
           </a:xfrm>
           <a:prstGeom prst="rect">
             <a:avLst/>
@@ -8097,15 +10180,16 @@
           </a:ln>
         </p:spPr>
         <p:txBody>
-          <a:bodyPr lIns="90000" rIns="90000" tIns="45000" bIns="45000"/>
-          <a:p>
-            <a:r>
-              <a:rPr lang="en-US">
+          <a:bodyPr lIns="90000" tIns="45000" rIns="90000" bIns="45000"/>
+          <a:lstStyle/>
+          <a:p>
+            <a:r>
+              <a:rPr lang="en-US" dirty="0" err="1">
                 <a:latin typeface="Arial"/>
               </a:rPr>
               <a:t>Xb,Yb</a:t>
             </a:r>
-            <a:endParaRPr/>
+            <a:endParaRPr dirty="0"/>
           </a:p>
         </p:txBody>
       </p:sp>
@@ -8129,7 +10213,8 @@
           </a:ln>
         </p:spPr>
         <p:txBody>
-          <a:bodyPr lIns="90000" rIns="90000" tIns="45000" bIns="45000"/>
+          <a:bodyPr lIns="90000" tIns="45000" rIns="90000" bIns="45000"/>
+          <a:lstStyle/>
           <a:p>
             <a:r>
               <a:rPr lang="en-US">
@@ -8149,8 +10234,8 @@
         </p:nvSpPr>
         <p:spPr>
           <a:xfrm>
-            <a:off x="3075120" y="3604320"/>
-            <a:ext cx="471600" cy="345960"/>
+            <a:off x="3075120" y="3604319"/>
+            <a:ext cx="1101096" cy="535557"/>
           </a:xfrm>
           <a:prstGeom prst="rect">
             <a:avLst/>
@@ -8161,15 +10246,16 @@
           </a:ln>
         </p:spPr>
         <p:txBody>
-          <a:bodyPr lIns="90000" rIns="90000" tIns="45000" bIns="45000"/>
-          <a:p>
-            <a:r>
-              <a:rPr lang="en-US">
+          <a:bodyPr lIns="90000" tIns="45000" rIns="90000" bIns="45000"/>
+          <a:lstStyle/>
+          <a:p>
+            <a:r>
+              <a:rPr lang="en-US" dirty="0" err="1">
                 <a:latin typeface="Arial"/>
               </a:rPr>
               <a:t>Hb</a:t>
             </a:r>
-            <a:endParaRPr/>
+            <a:endParaRPr dirty="0"/>
           </a:p>
         </p:txBody>
       </p:sp>
@@ -8193,7 +10279,8 @@
           </a:ln>
         </p:spPr>
         <p:txBody>
-          <a:bodyPr lIns="90000" rIns="90000" tIns="45000" bIns="45000"/>
+          <a:bodyPr lIns="90000" tIns="45000" rIns="90000" bIns="45000"/>
+          <a:lstStyle/>
           <a:p>
             <a:r>
               <a:rPr lang="en-US">
@@ -8214,7 +10301,7 @@
         <p:spPr>
           <a:xfrm>
             <a:off x="1371960" y="6029280"/>
-            <a:ext cx="3978000" cy="345960"/>
+            <a:ext cx="4676464" cy="342845"/>
           </a:xfrm>
           <a:prstGeom prst="rect">
             <a:avLst/>
@@ -8225,15 +10312,76 @@
           </a:ln>
         </p:spPr>
         <p:txBody>
-          <a:bodyPr lIns="90000" rIns="90000" tIns="45000" bIns="45000"/>
-          <a:p>
-            <a:r>
-              <a:rPr lang="en-US">
-                <a:latin typeface="Arial"/>
-              </a:rPr>
-              <a:t>max(Ya, Yb) &lt; min(Ya + Ha, Yb + Hb)</a:t>
-            </a:r>
-            <a:endParaRPr/>
+          <a:bodyPr lIns="90000" tIns="45000" rIns="90000" bIns="45000"/>
+          <a:lstStyle/>
+          <a:p>
+            <a:r>
+              <a:rPr lang="en-US" dirty="0">
+                <a:latin typeface="Arial"/>
+              </a:rPr>
+              <a:t>max(</a:t>
+            </a:r>
+            <a:r>
+              <a:rPr lang="en-US" dirty="0" err="1">
+                <a:latin typeface="Arial"/>
+              </a:rPr>
+              <a:t>Ya</a:t>
+            </a:r>
+            <a:r>
+              <a:rPr lang="en-US" dirty="0">
+                <a:latin typeface="Arial"/>
+              </a:rPr>
+              <a:t>, </a:t>
+            </a:r>
+            <a:r>
+              <a:rPr lang="en-US" dirty="0" err="1">
+                <a:latin typeface="Arial"/>
+              </a:rPr>
+              <a:t>Yb</a:t>
+            </a:r>
+            <a:r>
+              <a:rPr lang="en-US" dirty="0">
+                <a:latin typeface="Arial"/>
+              </a:rPr>
+              <a:t>) &lt; min(</a:t>
+            </a:r>
+            <a:r>
+              <a:rPr lang="en-US" dirty="0" err="1">
+                <a:latin typeface="Arial"/>
+              </a:rPr>
+              <a:t>Ya</a:t>
+            </a:r>
+            <a:r>
+              <a:rPr lang="en-US" dirty="0">
+                <a:latin typeface="Arial"/>
+              </a:rPr>
+              <a:t> + Ha, </a:t>
+            </a:r>
+            <a:r>
+              <a:rPr lang="en-US" dirty="0" err="1">
+                <a:latin typeface="Arial"/>
+              </a:rPr>
+              <a:t>Yb</a:t>
+            </a:r>
+            <a:r>
+              <a:rPr lang="en-US" dirty="0">
+                <a:latin typeface="Arial"/>
+              </a:rPr>
+              <a:t> + </a:t>
+            </a:r>
+            <a:r>
+              <a:rPr lang="en-US" dirty="0" err="1">
+                <a:latin typeface="Arial"/>
+              </a:rPr>
+              <a:t>Hb</a:t>
+            </a:r>
+            <a:r>
+              <a:rPr lang="en-US" dirty="0">
+                <a:latin typeface="Arial"/>
+              </a:rPr>
+              <a:t>)</a:t>
+            </a:r>
+            <a:endParaRPr dirty="0"/>
           </a:p>
         </p:txBody>
       </p:sp>
@@ -8252,11 +10400,11 @@
             <a:avLst/>
           </a:prstGeom>
           <a:solidFill>
-            <a:srgbClr val="729fcf"/>
+            <a:srgbClr val="729FCF"/>
           </a:solidFill>
           <a:ln>
             <a:solidFill>
-              <a:srgbClr val="3465a4"/>
+              <a:srgbClr val="3465A4"/>
             </a:solidFill>
           </a:ln>
         </p:spPr>
@@ -8269,8 +10417,8 @@
         </p:nvSpPr>
         <p:spPr>
           <a:xfrm>
-            <a:off x="4839120" y="3532320"/>
-            <a:ext cx="471600" cy="345960"/>
+            <a:off x="4839120" y="3532319"/>
+            <a:ext cx="705248" cy="391533"/>
           </a:xfrm>
           <a:prstGeom prst="rect">
             <a:avLst/>
@@ -8281,15 +10429,16 @@
           </a:ln>
         </p:spPr>
         <p:txBody>
-          <a:bodyPr lIns="90000" rIns="90000" tIns="45000" bIns="45000"/>
-          <a:p>
-            <a:r>
-              <a:rPr lang="en-US">
+          <a:bodyPr lIns="90000" tIns="45000" rIns="90000" bIns="45000"/>
+          <a:lstStyle/>
+          <a:p>
+            <a:r>
+              <a:rPr lang="en-US" dirty="0">
                 <a:latin typeface="Arial"/>
               </a:rPr>
               <a:t>Ha</a:t>
             </a:r>
-            <a:endParaRPr/>
+            <a:endParaRPr dirty="0"/>
           </a:p>
         </p:txBody>
       </p:sp>
@@ -8313,93 +10462,211 @@
           </a:ln>
         </p:spPr>
         <p:txBody>
-          <a:bodyPr lIns="90000" rIns="90000" tIns="45000" bIns="45000"/>
-          <a:p>
-            <a:r>
-              <a:rPr lang="en-US">
-                <a:latin typeface="Arial"/>
-              </a:rPr>
-              <a:t>相交区域面积：</a:t>
-            </a:r>
-            <a:r>
-              <a:rPr lang="en-US">
-                <a:latin typeface="Arial"/>
-              </a:rPr>
-              <a:t>width * heigth = min(Xa + Wa, Xb + Wb) -  max(Xa, Xb) </a:t>
-            </a:r>
-            <a:endParaRPr/>
-          </a:p>
-          <a:p>
-            <a:r>
-              <a:rPr lang="en-US">
-                <a:latin typeface="Arial"/>
-              </a:rPr>
-              <a:t>	</a:t>
-            </a:r>
-            <a:r>
-              <a:rPr lang="en-US">
-                <a:latin typeface="Arial"/>
-              </a:rPr>
-              <a:t>	</a:t>
-            </a:r>
-            <a:r>
-              <a:rPr lang="en-US">
-                <a:latin typeface="Arial"/>
-              </a:rPr>
-              <a:t>	</a:t>
-            </a:r>
-            <a:r>
-              <a:rPr lang="en-US">
-                <a:latin typeface="Arial"/>
-              </a:rPr>
-              <a:t>	</a:t>
-            </a:r>
-            <a:r>
-              <a:rPr lang="en-US">
-                <a:latin typeface="Arial"/>
-              </a:rPr>
-              <a:t>	</a:t>
-            </a:r>
-            <a:r>
-              <a:rPr lang="en-US">
-                <a:latin typeface="Arial"/>
-              </a:rPr>
-              <a:t>	</a:t>
-            </a:r>
-            <a:r>
-              <a:rPr lang="en-US">
-                <a:latin typeface="Arial"/>
-              </a:rPr>
-              <a:t>	</a:t>
-            </a:r>
-            <a:r>
-              <a:rPr lang="en-US">
-                <a:latin typeface="Arial"/>
-              </a:rPr>
-              <a:t>* min(Ya + Ha, Yb + Hb) - max(Ya, Yb) </a:t>
-            </a:r>
-            <a:endParaRPr/>
+          <a:bodyPr lIns="90000" tIns="45000" rIns="90000" bIns="45000"/>
+          <a:lstStyle/>
+          <a:p>
+            <a:r>
+              <a:rPr lang="en-US" dirty="0" err="1">
+                <a:latin typeface="Arial"/>
+              </a:rPr>
+              <a:t>相交区域面积：width</a:t>
+            </a:r>
+            <a:r>
+              <a:rPr lang="en-US" dirty="0">
+                <a:latin typeface="Arial"/>
+              </a:rPr>
+              <a:t> * </a:t>
+            </a:r>
+            <a:r>
+              <a:rPr lang="en-US" dirty="0" err="1">
+                <a:latin typeface="Arial"/>
+              </a:rPr>
+              <a:t>heigth</a:t>
+            </a:r>
+            <a:r>
+              <a:rPr lang="en-US" dirty="0">
+                <a:latin typeface="Arial"/>
+              </a:rPr>
+              <a:t> = min(</a:t>
+            </a:r>
+            <a:r>
+              <a:rPr lang="en-US" dirty="0" err="1">
+                <a:latin typeface="Arial"/>
+              </a:rPr>
+              <a:t>Xa</a:t>
+            </a:r>
+            <a:r>
+              <a:rPr lang="en-US" dirty="0">
+                <a:latin typeface="Arial"/>
+              </a:rPr>
+              <a:t> + </a:t>
+            </a:r>
+            <a:r>
+              <a:rPr lang="en-US" dirty="0" err="1">
+                <a:latin typeface="Arial"/>
+              </a:rPr>
+              <a:t>Wa</a:t>
+            </a:r>
+            <a:r>
+              <a:rPr lang="en-US" dirty="0">
+                <a:latin typeface="Arial"/>
+              </a:rPr>
+              <a:t>, </a:t>
+            </a:r>
+            <a:r>
+              <a:rPr lang="en-US" dirty="0" err="1">
+                <a:latin typeface="Arial"/>
+              </a:rPr>
+              <a:t>Xb</a:t>
+            </a:r>
+            <a:r>
+              <a:rPr lang="en-US" dirty="0">
+                <a:latin typeface="Arial"/>
+              </a:rPr>
+              <a:t> + </a:t>
+            </a:r>
+            <a:r>
+              <a:rPr lang="en-US" dirty="0" err="1">
+                <a:latin typeface="Arial"/>
+              </a:rPr>
+              <a:t>Wb</a:t>
+            </a:r>
+            <a:r>
+              <a:rPr lang="en-US" dirty="0">
+                <a:latin typeface="Arial"/>
+              </a:rPr>
+              <a:t>) -  max(</a:t>
+            </a:r>
+            <a:r>
+              <a:rPr lang="en-US" dirty="0" err="1">
+                <a:latin typeface="Arial"/>
+              </a:rPr>
+              <a:t>Xa</a:t>
+            </a:r>
+            <a:r>
+              <a:rPr lang="en-US" dirty="0">
+                <a:latin typeface="Arial"/>
+              </a:rPr>
+              <a:t>, </a:t>
+            </a:r>
+            <a:r>
+              <a:rPr lang="en-US" dirty="0" err="1">
+                <a:latin typeface="Arial"/>
+              </a:rPr>
+              <a:t>Xb</a:t>
+            </a:r>
+            <a:r>
+              <a:rPr lang="en-US" dirty="0">
+                <a:latin typeface="Arial"/>
+              </a:rPr>
+              <a:t>) </a:t>
+            </a:r>
+            <a:endParaRPr dirty="0"/>
+          </a:p>
+          <a:p>
+            <a:r>
+              <a:rPr lang="en-US" dirty="0">
+                <a:latin typeface="Arial"/>
+              </a:rPr>
+              <a:t>		</a:t>
+            </a:r>
+            <a:r>
+              <a:rPr lang="en-US" dirty="0" smtClean="0">
+                <a:latin typeface="Arial"/>
+              </a:rPr>
+              <a:t>  	      * </a:t>
+            </a:r>
+            <a:r>
+              <a:rPr lang="en-US" dirty="0">
+                <a:latin typeface="Arial"/>
+              </a:rPr>
+              <a:t>min(</a:t>
+            </a:r>
+            <a:r>
+              <a:rPr lang="en-US" dirty="0" err="1">
+                <a:latin typeface="Arial"/>
+              </a:rPr>
+              <a:t>Ya</a:t>
+            </a:r>
+            <a:r>
+              <a:rPr lang="en-US" dirty="0">
+                <a:latin typeface="Arial"/>
+              </a:rPr>
+              <a:t> + Ha, </a:t>
+            </a:r>
+            <a:r>
+              <a:rPr lang="en-US" dirty="0" err="1">
+                <a:latin typeface="Arial"/>
+              </a:rPr>
+              <a:t>Yb</a:t>
+            </a:r>
+            <a:r>
+              <a:rPr lang="en-US" dirty="0">
+                <a:latin typeface="Arial"/>
+              </a:rPr>
+              <a:t> + </a:t>
+            </a:r>
+            <a:r>
+              <a:rPr lang="en-US" dirty="0" err="1">
+                <a:latin typeface="Arial"/>
+              </a:rPr>
+              <a:t>Hb</a:t>
+            </a:r>
+            <a:r>
+              <a:rPr lang="en-US" dirty="0">
+                <a:latin typeface="Arial"/>
+              </a:rPr>
+              <a:t>) - max(</a:t>
+            </a:r>
+            <a:r>
+              <a:rPr lang="en-US" dirty="0" err="1">
+                <a:latin typeface="Arial"/>
+              </a:rPr>
+              <a:t>Ya</a:t>
+            </a:r>
+            <a:r>
+              <a:rPr lang="en-US" dirty="0">
+                <a:latin typeface="Arial"/>
+              </a:rPr>
+              <a:t>, </a:t>
+            </a:r>
+            <a:r>
+              <a:rPr lang="en-US" dirty="0" err="1">
+                <a:latin typeface="Arial"/>
+              </a:rPr>
+              <a:t>Yb</a:t>
+            </a:r>
+            <a:r>
+              <a:rPr lang="en-US" dirty="0">
+                <a:latin typeface="Arial"/>
+              </a:rPr>
+              <a:t>) </a:t>
+            </a:r>
+            <a:endParaRPr dirty="0"/>
           </a:p>
         </p:txBody>
       </p:sp>
     </p:spTree>
   </p:cSld>
+  <p:clrMapOvr>
+    <a:masterClrMapping/>
+  </p:clrMapOvr>
   <p:timing>
     <p:tnLst>
       <p:par>
-        <p:cTn id="120" dur="indefinite" restart="never" nodeType="tmRoot">
+        <p:cTn id="1" dur="indefinite" restart="never" nodeType="tmRoot">
           <p:childTnLst>
             <p:seq>
-              <p:cTn id="121" nodeType="mainSeq"/>
+              <p:cTn id="2" nodeType="mainSeq"/>
               <p:prevCondLst>
-                <p:cond delay="0" evt="onPrev">
+                <p:cond evt="onPrev" delay="0">
                   <p:tgtEl>
                     <p:sldTgt/>
                   </p:tgtEl>
                 </p:cond>
               </p:prevCondLst>
               <p:nextCondLst>
-                <p:cond delay="0" evt="onNext">
+                <p:cond evt="onNext" delay="0">
                   <p:tgtEl>
                     <p:sldTgt/>
                   </p:tgtEl>
@@ -8415,7 +10682,7 @@
 </file>
 
 <file path=ppt/slides/slide9.xml><?xml version="1.0" encoding="utf-8"?>
-<p:sld xmlns:a="http://schemas.openxmlformats.org/drawingml/2006/main" xmlns:p="http://schemas.openxmlformats.org/presentationml/2006/main" xmlns:r="http://schemas.openxmlformats.org/officeDocument/2006/relationships">
+<p:sld xmlns:a="http://schemas.openxmlformats.org/drawingml/2006/main" xmlns:r="http://schemas.openxmlformats.org/officeDocument/2006/relationships" xmlns:p="http://schemas.openxmlformats.org/presentationml/2006/main">
   <p:cSld>
     <p:spTree>
       <p:nvGrpSpPr>
@@ -8451,7 +10718,8 @@
           </a:ln>
         </p:spPr>
         <p:txBody>
-          <a:bodyPr lIns="0" rIns="0" tIns="0" bIns="0" anchor="ctr"/>
+          <a:bodyPr lIns="0" tIns="0" rIns="0" bIns="0" anchor="ctr"/>
+          <a:lstStyle/>
           <a:p>
             <a:r>
               <a:rPr lang="en-US" sz="4400">
@@ -8483,7 +10751,8 @@
           </a:ln>
         </p:spPr>
         <p:txBody>
-          <a:bodyPr lIns="0" rIns="0" tIns="0" bIns="0"/>
+          <a:bodyPr lIns="0" tIns="0" rIns="0" bIns="0"/>
+          <a:lstStyle/>
           <a:p>
             <a:pPr>
               <a:lnSpc>
@@ -8518,11 +10787,11 @@
             <a:avLst/>
           </a:prstGeom>
           <a:solidFill>
-            <a:srgbClr val="ffffff"/>
+            <a:srgbClr val="FFFFFF"/>
           </a:solidFill>
           <a:ln>
             <a:solidFill>
-              <a:srgbClr val="3465a4"/>
+              <a:srgbClr val="3465A4"/>
             </a:solidFill>
           </a:ln>
         </p:spPr>
@@ -8542,11 +10811,11 @@
             <a:avLst/>
           </a:prstGeom>
           <a:solidFill>
-            <a:srgbClr val="ff6600"/>
+            <a:srgbClr val="FF6600"/>
           </a:solidFill>
           <a:ln>
             <a:solidFill>
-              <a:srgbClr val="3465a4"/>
+              <a:srgbClr val="3465A4"/>
             </a:solidFill>
           </a:ln>
         </p:spPr>
@@ -8566,11 +10835,11 @@
             <a:avLst/>
           </a:prstGeom>
           <a:solidFill>
-            <a:srgbClr val="ff33ff"/>
+            <a:srgbClr val="FF33FF"/>
           </a:solidFill>
           <a:ln>
             <a:solidFill>
-              <a:srgbClr val="3465a4"/>
+              <a:srgbClr val="3465A4"/>
             </a:solidFill>
           </a:ln>
         </p:spPr>
@@ -8653,11 +10922,11 @@
             <a:avLst/>
           </a:prstGeom>
           <a:solidFill>
-            <a:srgbClr val="729fcf"/>
+            <a:srgbClr val="729FCF"/>
           </a:solidFill>
           <a:ln>
             <a:solidFill>
-              <a:srgbClr val="3465a4"/>
+              <a:srgbClr val="3465A4"/>
             </a:solidFill>
           </a:ln>
         </p:spPr>
@@ -8740,11 +11009,11 @@
             <a:avLst/>
           </a:prstGeom>
           <a:solidFill>
-            <a:srgbClr val="729fcf"/>
+            <a:srgbClr val="729FCF"/>
           </a:solidFill>
           <a:ln>
             <a:solidFill>
-              <a:srgbClr val="3465a4"/>
+              <a:srgbClr val="3465A4"/>
             </a:solidFill>
           </a:ln>
         </p:spPr>
@@ -8764,11 +11033,11 @@
             <a:avLst/>
           </a:prstGeom>
           <a:solidFill>
-            <a:srgbClr val="729fcf"/>
+            <a:srgbClr val="729FCF"/>
           </a:solidFill>
           <a:ln>
             <a:solidFill>
-              <a:srgbClr val="3465a4"/>
+              <a:srgbClr val="3465A4"/>
             </a:solidFill>
           </a:ln>
         </p:spPr>
@@ -8788,11 +11057,11 @@
             <a:avLst/>
           </a:prstGeom>
           <a:solidFill>
-            <a:srgbClr val="729fcf"/>
+            <a:srgbClr val="729FCF"/>
           </a:solidFill>
           <a:ln>
             <a:solidFill>
-              <a:srgbClr val="3465a4"/>
+              <a:srgbClr val="3465A4"/>
             </a:solidFill>
           </a:ln>
         </p:spPr>
@@ -8812,46 +11081,49 @@
             <a:avLst/>
           </a:prstGeom>
           <a:solidFill>
-            <a:srgbClr val="729fcf"/>
+            <a:srgbClr val="729FCF"/>
           </a:solidFill>
           <a:ln>
             <a:solidFill>
-              <a:srgbClr val="3465a4"/>
+              <a:srgbClr val="3465A4"/>
             </a:solidFill>
           </a:ln>
         </p:spPr>
       </p:sp>
     </p:spTree>
   </p:cSld>
+  <p:clrMapOvr>
+    <a:masterClrMapping/>
+  </p:clrMapOvr>
   <p:timing>
     <p:tnLst>
       <p:par>
-        <p:cTn id="122" dur="indefinite" restart="never" nodeType="tmRoot">
+        <p:cTn id="1" dur="indefinite" restart="never" nodeType="tmRoot">
           <p:childTnLst>
             <p:seq>
-              <p:cTn id="123" nodeType="mainSeq">
+              <p:cTn id="2" nodeType="mainSeq">
                 <p:childTnLst>
                   <p:par>
-                    <p:cTn id="124" fill="freeze">
+                    <p:cTn id="3" fill="freeze">
                       <p:stCondLst>
                         <p:cond delay="indefinite"/>
                       </p:stCondLst>
                       <p:childTnLst>
                         <p:par>
-                          <p:cTn id="125" fill="freeze">
+                          <p:cTn id="4" fill="freeze">
                             <p:stCondLst>
                               <p:cond delay="0"/>
                             </p:stCondLst>
                             <p:childTnLst>
                               <p:par>
-                                <p:cTn id="126" nodeType="clickEffect" fill="hold" presetClass="entr" presetID="5" presetSubtype="10">
+                                <p:cTn id="5" presetID="5" presetClass="entr" presetSubtype="10" fill="hold" nodeType="clickEffect">
                                   <p:stCondLst>
                                     <p:cond delay="0"/>
                                   </p:stCondLst>
                                   <p:childTnLst>
                                     <p:set>
                                       <p:cBhvr>
-                                        <p:cTn id="127" dur="1" fill="hold">
+                                        <p:cTn id="6" dur="1" fill="hold">
                                           <p:stCondLst>
                                             <p:cond delay="0"/>
                                           </p:stCondLst>
@@ -8867,9 +11139,9 @@
                                         <p:strVal val="visible"/>
                                       </p:to>
                                     </p:set>
-                                    <p:animEffect filter="checkerboard(across)" transition="in">
+                                    <p:animEffect transition="in" filter="checkerboard(across)">
                                       <p:cBhvr additive="repl">
-                                        <p:cTn id="128" dur="500"/>
+                                        <p:cTn id="7" dur="500"/>
                                         <p:tgtEl>
                                           <p:spTgt spid="158"/>
                                         </p:tgtEl>
@@ -8885,26 +11157,26 @@
                     </p:cTn>
                   </p:par>
                   <p:par>
-                    <p:cTn id="129" fill="freeze">
+                    <p:cTn id="8" fill="freeze">
                       <p:stCondLst>
                         <p:cond delay="indefinite"/>
                       </p:stCondLst>
                       <p:childTnLst>
                         <p:par>
-                          <p:cTn id="130" fill="freeze">
+                          <p:cTn id="9" fill="freeze">
                             <p:stCondLst>
                               <p:cond delay="0"/>
                             </p:stCondLst>
                             <p:childTnLst>
                               <p:par>
-                                <p:cTn id="131" nodeType="clickEffect" fill="hold" presetClass="exit" presetID="5" presetSubtype="10">
+                                <p:cTn id="10" presetID="5" presetClass="exit" presetSubtype="10" fill="hold" nodeType="clickEffect">
                                   <p:stCondLst>
                                     <p:cond delay="0"/>
                                   </p:stCondLst>
                                   <p:childTnLst>
-                                    <p:animEffect filter="checkerboard(across)" transition="in">
+                                    <p:animEffect transition="in" filter="checkerboard(across)">
                                       <p:cBhvr additive="repl">
-                                        <p:cTn id="132" dur="500"/>
+                                        <p:cTn id="11" dur="500"/>
                                         <p:tgtEl>
                                           <p:spTgt spid="158"/>
                                         </p:tgtEl>
@@ -8912,7 +11184,7 @@
                                     </p:animEffect>
                                     <p:set>
                                       <p:cBhvr>
-                                        <p:cTn id="133" dur="1" fill="hold">
+                                        <p:cTn id="12" dur="1" fill="hold">
                                           <p:stCondLst>
                                             <p:cond delay="499"/>
                                           </p:stCondLst>
@@ -8938,26 +11210,26 @@
                     </p:cTn>
                   </p:par>
                   <p:par>
-                    <p:cTn id="134" fill="freeze">
+                    <p:cTn id="13" fill="freeze">
                       <p:stCondLst>
                         <p:cond delay="indefinite"/>
                       </p:stCondLst>
                       <p:childTnLst>
                         <p:par>
-                          <p:cTn id="135" fill="freeze">
+                          <p:cTn id="14" fill="freeze">
                             <p:stCondLst>
                               <p:cond delay="0"/>
                             </p:stCondLst>
                             <p:childTnLst>
                               <p:par>
-                                <p:cTn id="136" nodeType="clickEffect" fill="hold" presetClass="entr" presetID="5" presetSubtype="10">
+                                <p:cTn id="15" presetID="5" presetClass="entr" presetSubtype="10" fill="hold" nodeType="clickEffect">
                                   <p:stCondLst>
                                     <p:cond delay="0"/>
                                   </p:stCondLst>
                                   <p:childTnLst>
                                     <p:set>
                                       <p:cBhvr>
-                                        <p:cTn id="137" dur="1" fill="hold">
+                                        <p:cTn id="16" dur="1" fill="hold">
                                           <p:stCondLst>
                                             <p:cond delay="0"/>
                                           </p:stCondLst>
@@ -8973,9 +11245,9 @@
                                         <p:strVal val="visible"/>
                                       </p:to>
                                     </p:set>
-                                    <p:animEffect filter="checkerboard(across)" transition="in">
+                                    <p:animEffect transition="in" filter="checkerboard(across)">
                                       <p:cBhvr additive="repl">
-                                        <p:cTn id="138" dur="500"/>
+                                        <p:cTn id="17" dur="500"/>
                                         <p:tgtEl>
                                           <p:spTgt spid="159"/>
                                         </p:tgtEl>
@@ -8991,26 +11263,26 @@
                     </p:cTn>
                   </p:par>
                   <p:par>
-                    <p:cTn id="139" fill="freeze">
+                    <p:cTn id="18" fill="freeze">
                       <p:stCondLst>
                         <p:cond delay="indefinite"/>
                       </p:stCondLst>
                       <p:childTnLst>
                         <p:par>
-                          <p:cTn id="140" fill="freeze">
+                          <p:cTn id="19" fill="freeze">
                             <p:stCondLst>
                               <p:cond delay="0"/>
                             </p:stCondLst>
                             <p:childTnLst>
                               <p:par>
-                                <p:cTn id="141" nodeType="clickEffect" fill="hold" presetClass="exit" presetID="5" presetSubtype="10">
+                                <p:cTn id="20" presetID="5" presetClass="exit" presetSubtype="10" fill="hold" nodeType="clickEffect">
                                   <p:stCondLst>
                                     <p:cond delay="0"/>
                                   </p:stCondLst>
                                   <p:childTnLst>
-                                    <p:animEffect filter="checkerboard(across)" transition="in">
+                                    <p:animEffect transition="in" filter="checkerboard(across)">
                                       <p:cBhvr additive="repl">
-                                        <p:cTn id="142" dur="500"/>
+                                        <p:cTn id="21" dur="500"/>
                                         <p:tgtEl>
                                           <p:spTgt spid="159"/>
                                         </p:tgtEl>
@@ -9018,7 +11290,7 @@
                                     </p:animEffect>
                                     <p:set>
                                       <p:cBhvr>
-                                        <p:cTn id="143" dur="1" fill="hold">
+                                        <p:cTn id="22" dur="1" fill="hold">
                                           <p:stCondLst>
                                             <p:cond delay="499"/>
                                           </p:stCondLst>
@@ -9044,26 +11316,26 @@
                     </p:cTn>
                   </p:par>
                   <p:par>
-                    <p:cTn id="144" fill="freeze">
+                    <p:cTn id="23" fill="freeze">
                       <p:stCondLst>
                         <p:cond delay="indefinite"/>
                       </p:stCondLst>
                       <p:childTnLst>
                         <p:par>
-                          <p:cTn id="145" fill="freeze">
+                          <p:cTn id="24" fill="freeze">
                             <p:stCondLst>
                               <p:cond delay="0"/>
                             </p:stCondLst>
                             <p:childTnLst>
                               <p:par>
-                                <p:cTn id="146" nodeType="clickEffect" fill="hold" presetClass="entr" presetID="5" presetSubtype="10">
+                                <p:cTn id="25" presetID="5" presetClass="entr" presetSubtype="10" fill="hold" nodeType="clickEffect">
                                   <p:stCondLst>
                                     <p:cond delay="0"/>
                                   </p:stCondLst>
                                   <p:childTnLst>
                                     <p:set>
                                       <p:cBhvr>
-                                        <p:cTn id="147" dur="1" fill="hold">
+                                        <p:cTn id="26" dur="1" fill="hold">
                                           <p:stCondLst>
                                             <p:cond delay="0"/>
                                           </p:stCondLst>
@@ -9079,9 +11351,9 @@
                                         <p:strVal val="visible"/>
                                       </p:to>
                                     </p:set>
-                                    <p:animEffect filter="checkerboard(across)" transition="in">
+                                    <p:animEffect transition="in" filter="checkerboard(across)">
                                       <p:cBhvr additive="repl">
-                                        <p:cTn id="148" dur="500"/>
+                                        <p:cTn id="27" dur="500"/>
                                         <p:tgtEl>
                                           <p:spTgt spid="160"/>
                                         </p:tgtEl>
@@ -9097,26 +11369,26 @@
                     </p:cTn>
                   </p:par>
                   <p:par>
-                    <p:cTn id="149" fill="freeze">
+                    <p:cTn id="28" fill="freeze">
                       <p:stCondLst>
                         <p:cond delay="indefinite"/>
                       </p:stCondLst>
                       <p:childTnLst>
                         <p:par>
-                          <p:cTn id="150" fill="freeze">
+                          <p:cTn id="29" fill="freeze">
                             <p:stCondLst>
                               <p:cond delay="0"/>
                             </p:stCondLst>
                             <p:childTnLst>
                               <p:par>
-                                <p:cTn id="151" nodeType="clickEffect" fill="hold" presetClass="exit" presetID="5" presetSubtype="10">
+                                <p:cTn id="30" presetID="5" presetClass="exit" presetSubtype="10" fill="hold" nodeType="clickEffect">
                                   <p:stCondLst>
                                     <p:cond delay="0"/>
                                   </p:stCondLst>
                                   <p:childTnLst>
-                                    <p:animEffect filter="checkerboard(across)" transition="in">
+                                    <p:animEffect transition="in" filter="checkerboard(across)">
                                       <p:cBhvr additive="repl">
-                                        <p:cTn id="152" dur="500"/>
+                                        <p:cTn id="31" dur="500"/>
                                         <p:tgtEl>
                                           <p:spTgt spid="160"/>
                                         </p:tgtEl>
@@ -9124,7 +11396,7 @@
                                     </p:animEffect>
                                     <p:set>
                                       <p:cBhvr>
-                                        <p:cTn id="153" dur="1" fill="hold">
+                                        <p:cTn id="32" dur="1" fill="hold">
                                           <p:stCondLst>
                                             <p:cond delay="499"/>
                                           </p:stCondLst>
@@ -9150,26 +11422,26 @@
                     </p:cTn>
                   </p:par>
                   <p:par>
-                    <p:cTn id="154" fill="freeze">
+                    <p:cTn id="33" fill="freeze">
                       <p:stCondLst>
                         <p:cond delay="indefinite"/>
                       </p:stCondLst>
                       <p:childTnLst>
                         <p:par>
-                          <p:cTn id="155" fill="freeze">
+                          <p:cTn id="34" fill="freeze">
                             <p:stCondLst>
                               <p:cond delay="0"/>
                             </p:stCondLst>
                             <p:childTnLst>
                               <p:par>
-                                <p:cTn id="156" nodeType="clickEffect" fill="hold" presetClass="entr" presetID="5" presetSubtype="10">
+                                <p:cTn id="35" presetID="5" presetClass="entr" presetSubtype="10" fill="hold" nodeType="clickEffect">
                                   <p:stCondLst>
                                     <p:cond delay="0"/>
                                   </p:stCondLst>
                                   <p:childTnLst>
                                     <p:set>
                                       <p:cBhvr>
-                                        <p:cTn id="157" dur="1" fill="hold">
+                                        <p:cTn id="36" dur="1" fill="hold">
                                           <p:stCondLst>
                                             <p:cond delay="0"/>
                                           </p:stCondLst>
@@ -9185,9 +11457,9 @@
                                         <p:strVal val="visible"/>
                                       </p:to>
                                     </p:set>
-                                    <p:animEffect filter="checkerboard(across)" transition="in">
+                                    <p:animEffect transition="in" filter="checkerboard(across)">
                                       <p:cBhvr additive="repl">
-                                        <p:cTn id="158" dur="500"/>
+                                        <p:cTn id="37" dur="500"/>
                                         <p:tgtEl>
                                           <p:spTgt spid="161"/>
                                         </p:tgtEl>
@@ -9203,26 +11475,26 @@
                     </p:cTn>
                   </p:par>
                   <p:par>
-                    <p:cTn id="159" fill="freeze">
+                    <p:cTn id="38" fill="freeze">
                       <p:stCondLst>
                         <p:cond delay="indefinite"/>
                       </p:stCondLst>
                       <p:childTnLst>
                         <p:par>
-                          <p:cTn id="160" fill="freeze">
+                          <p:cTn id="39" fill="freeze">
                             <p:stCondLst>
                               <p:cond delay="0"/>
                             </p:stCondLst>
                             <p:childTnLst>
                               <p:par>
-                                <p:cTn id="161" nodeType="clickEffect" fill="hold" presetClass="exit" presetID="5" presetSubtype="10">
+                                <p:cTn id="40" presetID="5" presetClass="exit" presetSubtype="10" fill="hold" nodeType="clickEffect">
                                   <p:stCondLst>
                                     <p:cond delay="0"/>
                                   </p:stCondLst>
                                   <p:childTnLst>
-                                    <p:animEffect filter="checkerboard(across)" transition="in">
+                                    <p:animEffect transition="in" filter="checkerboard(across)">
                                       <p:cBhvr additive="repl">
-                                        <p:cTn id="162" dur="500"/>
+                                        <p:cTn id="41" dur="500"/>
                                         <p:tgtEl>
                                           <p:spTgt spid="161"/>
                                         </p:tgtEl>
@@ -9230,7 +11502,7 @@
                                     </p:animEffect>
                                     <p:set>
                                       <p:cBhvr>
-                                        <p:cTn id="163" dur="1" fill="hold">
+                                        <p:cTn id="42" dur="1" fill="hold">
                                           <p:stCondLst>
                                             <p:cond delay="499"/>
                                           </p:stCondLst>
@@ -9258,14 +11530,14 @@
                 </p:childTnLst>
               </p:cTn>
               <p:prevCondLst>
-                <p:cond delay="0" evt="onPrev">
+                <p:cond evt="onPrev" delay="0">
                   <p:tgtEl>
                     <p:sldTgt/>
                   </p:tgtEl>
                 </p:cond>
               </p:prevCondLst>
               <p:nextCondLst>
-                <p:cond delay="0" evt="onNext">
+                <p:cond evt="onNext" delay="0">
                   <p:tgtEl>
                     <p:sldTgt/>
                   </p:tgtEl>
@@ -9500,6 +11772,8 @@
       </a:bgFillStyleLst>
     </a:fmtScheme>
   </a:themeElements>
+  <a:objectDefaults/>
+  <a:extraClrSchemeLst/>
 </a:theme>
 </file>
 
@@ -9723,5 +11997,7 @@
       </a:bgFillStyleLst>
     </a:fmtScheme>
   </a:themeElements>
+  <a:objectDefaults/>
+  <a:extraClrSchemeLst/>
 </a:theme>
 </file>